--- a/presentations/03.3_functions.pptx
+++ b/presentations/03.3_functions.pptx
@@ -226,7 +226,7 @@
           <a:p>
             <a:fld id="{FD93C9B2-20F6-4DB1-B471-224337D0AC79}" type="datetimeFigureOut">
               <a:rPr lang="en-US" smtClean="0"/>
-              <a:t>11/18/2022</a:t>
+              <a:t>1/11/2023</a:t>
             </a:fld>
             <a:endParaRPr lang="en-US"/>
           </a:p>
@@ -3490,7 +3490,7 @@
           <a:p>
             <a:fld id="{C3F78080-8D0A-4BE8-A5B4-CB115102D524}" type="datetimeFigureOut">
               <a:rPr lang="en-US" smtClean="0"/>
-              <a:t>11/18/2022</a:t>
+              <a:t>1/11/2023</a:t>
             </a:fld>
             <a:endParaRPr lang="en-US"/>
           </a:p>
@@ -3688,7 +3688,7 @@
           <a:p>
             <a:fld id="{C3F78080-8D0A-4BE8-A5B4-CB115102D524}" type="datetimeFigureOut">
               <a:rPr lang="en-US" smtClean="0"/>
-              <a:t>11/18/2022</a:t>
+              <a:t>1/11/2023</a:t>
             </a:fld>
             <a:endParaRPr lang="en-US"/>
           </a:p>
@@ -3896,7 +3896,7 @@
           <a:p>
             <a:fld id="{C3F78080-8D0A-4BE8-A5B4-CB115102D524}" type="datetimeFigureOut">
               <a:rPr lang="en-US" smtClean="0"/>
-              <a:t>11/18/2022</a:t>
+              <a:t>1/11/2023</a:t>
             </a:fld>
             <a:endParaRPr lang="en-US"/>
           </a:p>
@@ -4094,7 +4094,7 @@
           <a:p>
             <a:fld id="{C3F78080-8D0A-4BE8-A5B4-CB115102D524}" type="datetimeFigureOut">
               <a:rPr lang="en-US" smtClean="0"/>
-              <a:t>11/18/2022</a:t>
+              <a:t>1/11/2023</a:t>
             </a:fld>
             <a:endParaRPr lang="en-US"/>
           </a:p>
@@ -4369,7 +4369,7 @@
           <a:p>
             <a:fld id="{C3F78080-8D0A-4BE8-A5B4-CB115102D524}" type="datetimeFigureOut">
               <a:rPr lang="en-US" smtClean="0"/>
-              <a:t>11/18/2022</a:t>
+              <a:t>1/11/2023</a:t>
             </a:fld>
             <a:endParaRPr lang="en-US"/>
           </a:p>
@@ -4634,7 +4634,7 @@
           <a:p>
             <a:fld id="{C3F78080-8D0A-4BE8-A5B4-CB115102D524}" type="datetimeFigureOut">
               <a:rPr lang="en-US" smtClean="0"/>
-              <a:t>11/18/2022</a:t>
+              <a:t>1/11/2023</a:t>
             </a:fld>
             <a:endParaRPr lang="en-US"/>
           </a:p>
@@ -5046,7 +5046,7 @@
           <a:p>
             <a:fld id="{C3F78080-8D0A-4BE8-A5B4-CB115102D524}" type="datetimeFigureOut">
               <a:rPr lang="en-US" smtClean="0"/>
-              <a:t>11/18/2022</a:t>
+              <a:t>1/11/2023</a:t>
             </a:fld>
             <a:endParaRPr lang="en-US"/>
           </a:p>
@@ -5187,7 +5187,7 @@
           <a:p>
             <a:fld id="{C3F78080-8D0A-4BE8-A5B4-CB115102D524}" type="datetimeFigureOut">
               <a:rPr lang="en-US" smtClean="0"/>
-              <a:t>11/18/2022</a:t>
+              <a:t>1/11/2023</a:t>
             </a:fld>
             <a:endParaRPr lang="en-US"/>
           </a:p>
@@ -5300,7 +5300,7 @@
           <a:p>
             <a:fld id="{C3F78080-8D0A-4BE8-A5B4-CB115102D524}" type="datetimeFigureOut">
               <a:rPr lang="en-US" smtClean="0"/>
-              <a:t>11/18/2022</a:t>
+              <a:t>1/11/2023</a:t>
             </a:fld>
             <a:endParaRPr lang="en-US"/>
           </a:p>
@@ -5611,7 +5611,7 @@
           <a:p>
             <a:fld id="{C3F78080-8D0A-4BE8-A5B4-CB115102D524}" type="datetimeFigureOut">
               <a:rPr lang="en-US" smtClean="0"/>
-              <a:t>11/18/2022</a:t>
+              <a:t>1/11/2023</a:t>
             </a:fld>
             <a:endParaRPr lang="en-US"/>
           </a:p>
@@ -5899,7 +5899,7 @@
           <a:p>
             <a:fld id="{C3F78080-8D0A-4BE8-A5B4-CB115102D524}" type="datetimeFigureOut">
               <a:rPr lang="en-US" smtClean="0"/>
-              <a:t>11/18/2022</a:t>
+              <a:t>1/11/2023</a:t>
             </a:fld>
             <a:endParaRPr lang="en-US"/>
           </a:p>
@@ -6140,7 +6140,7 @@
           <a:p>
             <a:fld id="{C3F78080-8D0A-4BE8-A5B4-CB115102D524}" type="datetimeFigureOut">
               <a:rPr lang="en-US" smtClean="0"/>
-              <a:t>11/18/2022</a:t>
+              <a:t>1/11/2023</a:t>
             </a:fld>
             <a:endParaRPr lang="en-US"/>
           </a:p>
@@ -7057,16 +7057,10 @@
             <a:avLst/>
           </a:prstGeom>
           <a:solidFill>
-            <a:schemeClr val="bg1">
-              <a:lumMod val="95000"/>
-            </a:schemeClr>
+            <a:schemeClr val="bg1"/>
           </a:solidFill>
           <a:ln>
-            <a:solidFill>
-              <a:schemeClr val="bg1">
-                <a:lumMod val="85000"/>
-              </a:schemeClr>
-            </a:solidFill>
+            <a:noFill/>
           </a:ln>
         </p:spPr>
         <p:txBody>
@@ -7974,35 +7968,35 @@
             <a:r>
               <a:rPr lang="en-US" sz="2400" dirty="0">
                 <a:solidFill>
-                  <a:srgbClr val="482DFF"/>
+                  <a:srgbClr val="5A5AA8"/>
                 </a:solidFill>
                 <a:effectLst/>
                 <a:latin typeface="Consolas" panose="020B0609020204030204" pitchFamily="49" charset="0"/>
                 <a:cs typeface="Consolas" panose="020B0609020204030204" pitchFamily="49" charset="0"/>
               </a:rPr>
-              <a:t>multiply</a:t>
+              <a:t>multiply()</a:t>
             </a:r>
             <a:r>
               <a:rPr lang="en-US" sz="2400" dirty="0">
                 <a:solidFill>
-                  <a:srgbClr val="000000"/>
-                </a:solidFill>
-                <a:effectLst/>
-                <a:latin typeface="Consolas" panose="020B0609020204030204" pitchFamily="49" charset="0"/>
-                <a:cs typeface="Consolas" panose="020B0609020204030204" pitchFamily="49" charset="0"/>
-              </a:rPr>
-              <a:t>()</a:t>
-            </a:r>
-            <a:r>
-              <a:rPr lang="en-US" sz="2400" dirty="0">
-                <a:solidFill>
-                  <a:srgbClr val="000000"/>
+                  <a:srgbClr val="5A5AA8"/>
                 </a:solidFill>
                 <a:effectLst/>
                 <a:latin typeface="Avenir" panose="02000503020000020003" pitchFamily="2" charset="0"/>
                 <a:cs typeface="Courier New" panose="02070309020205020404" pitchFamily="49" charset="0"/>
               </a:rPr>
-              <a:t> function takes two arguments </a:t>
+              <a:t> </a:t>
+            </a:r>
+            <a:r>
+              <a:rPr lang="en-US" sz="2400" dirty="0">
+                <a:solidFill>
+                  <a:srgbClr val="000000"/>
+                </a:solidFill>
+                <a:effectLst/>
+                <a:latin typeface="Avenir" panose="02000503020000020003" pitchFamily="2" charset="0"/>
+                <a:cs typeface="Courier New" panose="02070309020205020404" pitchFamily="49" charset="0"/>
+              </a:rPr>
+              <a:t>function takes two arguments </a:t>
             </a:r>
           </a:p>
           <a:p>
@@ -8538,7 +8532,7 @@
         </p:nvSpPr>
         <p:spPr>
           <a:xfrm>
-            <a:off x="0" y="365127"/>
+            <a:off x="0" y="36949"/>
             <a:ext cx="12192000" cy="1325563"/>
           </a:xfrm>
         </p:spPr>
@@ -8550,7 +8544,13 @@
           <a:p>
             <a:pPr algn="ctr"/>
             <a:r>
-              <a:rPr lang="en-US" dirty="0">
+              <a:rPr lang="en-US" sz="4000" dirty="0">
+                <a:solidFill>
+                  <a:schemeClr val="tx1">
+                    <a:lumMod val="75000"/>
+                    <a:lumOff val="25000"/>
+                  </a:schemeClr>
+                </a:solidFill>
                 <a:latin typeface="Avenir Heavy"/>
               </a:rPr>
               <a:t>Flowcharts and Pseudocode</a:t>
@@ -8558,37 +8558,1525 @@
           </a:p>
         </p:txBody>
       </p:sp>
-      <p:pic>
-        <p:nvPicPr>
-          <p:cNvPr id="4" name="Picture 3">
+      <p:grpSp>
+        <p:nvGrpSpPr>
+          <p:cNvPr id="58" name="Group 57">
             <a:extLst>
               <a:ext uri="{FF2B5EF4-FFF2-40B4-BE49-F238E27FC236}">
-                <a16:creationId xmlns:a16="http://schemas.microsoft.com/office/drawing/2014/main" id="{D44341CC-A466-4BEB-BA31-36548FF91DB8}"/>
+                <a16:creationId xmlns:a16="http://schemas.microsoft.com/office/drawing/2014/main" id="{628B0EC7-8708-11D0-F586-64B8BC792616}"/>
               </a:ext>
             </a:extLst>
           </p:cNvPr>
-          <p:cNvPicPr>
-            <a:picLocks noChangeAspect="1"/>
-          </p:cNvPicPr>
+          <p:cNvGrpSpPr/>
           <p:nvPr/>
-        </p:nvPicPr>
-        <p:blipFill>
-          <a:blip r:embed="rId3"/>
-          <a:stretch>
-            <a:fillRect/>
-          </a:stretch>
-        </p:blipFill>
-        <p:spPr>
+        </p:nvGrpSpPr>
+        <p:grpSpPr>
           <a:xfrm>
-            <a:off x="4317391" y="1690690"/>
-            <a:ext cx="3557218" cy="4351338"/>
+            <a:off x="3966057" y="1133333"/>
+            <a:ext cx="4797043" cy="5391952"/>
+            <a:chOff x="4222089" y="1169909"/>
+            <a:chExt cx="4797043" cy="5391952"/>
           </a:xfrm>
-          <a:prstGeom prst="rect">
-            <a:avLst/>
-          </a:prstGeom>
-          <a:noFill/>
-        </p:spPr>
-      </p:pic>
+        </p:grpSpPr>
+        <p:cxnSp>
+          <p:nvCxnSpPr>
+            <p:cNvPr id="49" name="Straight Connector 48">
+              <a:extLst>
+                <a:ext uri="{FF2B5EF4-FFF2-40B4-BE49-F238E27FC236}">
+                  <a16:creationId xmlns:a16="http://schemas.microsoft.com/office/drawing/2014/main" id="{7D5A9692-74A7-0EC0-385A-F48B2C27D4C5}"/>
+                </a:ext>
+              </a:extLst>
+            </p:cNvPr>
+            <p:cNvCxnSpPr>
+              <a:cxnSpLocks/>
+            </p:cNvCxnSpPr>
+            <p:nvPr/>
+          </p:nvCxnSpPr>
+          <p:spPr>
+            <a:xfrm>
+              <a:off x="8128734" y="1668578"/>
+              <a:ext cx="0" cy="1712319"/>
+            </a:xfrm>
+            <a:prstGeom prst="line">
+              <a:avLst/>
+            </a:prstGeom>
+            <a:ln w="28575">
+              <a:solidFill>
+                <a:srgbClr val="30335D"/>
+              </a:solidFill>
+            </a:ln>
+          </p:spPr>
+          <p:style>
+            <a:lnRef idx="1">
+              <a:schemeClr val="accent1"/>
+            </a:lnRef>
+            <a:fillRef idx="0">
+              <a:schemeClr val="accent1"/>
+            </a:fillRef>
+            <a:effectRef idx="0">
+              <a:schemeClr val="accent1"/>
+            </a:effectRef>
+            <a:fontRef idx="minor">
+              <a:schemeClr val="tx1"/>
+            </a:fontRef>
+          </p:style>
+        </p:cxnSp>
+        <p:cxnSp>
+          <p:nvCxnSpPr>
+            <p:cNvPr id="45" name="Straight Connector 44">
+              <a:extLst>
+                <a:ext uri="{FF2B5EF4-FFF2-40B4-BE49-F238E27FC236}">
+                  <a16:creationId xmlns:a16="http://schemas.microsoft.com/office/drawing/2014/main" id="{81EC34E9-B547-D51A-7BC9-4F3A00D9BF5F}"/>
+                </a:ext>
+              </a:extLst>
+            </p:cNvPr>
+            <p:cNvCxnSpPr>
+              <a:cxnSpLocks/>
+            </p:cNvCxnSpPr>
+            <p:nvPr/>
+          </p:nvCxnSpPr>
+          <p:spPr>
+            <a:xfrm>
+              <a:off x="5998464" y="4860152"/>
+              <a:ext cx="2122337" cy="0"/>
+            </a:xfrm>
+            <a:prstGeom prst="line">
+              <a:avLst/>
+            </a:prstGeom>
+            <a:ln w="25400">
+              <a:solidFill>
+                <a:srgbClr val="30335D"/>
+              </a:solidFill>
+            </a:ln>
+          </p:spPr>
+          <p:style>
+            <a:lnRef idx="1">
+              <a:schemeClr val="accent1"/>
+            </a:lnRef>
+            <a:fillRef idx="0">
+              <a:schemeClr val="accent1"/>
+            </a:fillRef>
+            <a:effectRef idx="0">
+              <a:schemeClr val="accent1"/>
+            </a:effectRef>
+            <a:fontRef idx="minor">
+              <a:schemeClr val="tx1"/>
+            </a:fontRef>
+          </p:style>
+        </p:cxnSp>
+        <p:sp>
+          <p:nvSpPr>
+            <p:cNvPr id="3" name="Rounded Rectangle 2">
+              <a:extLst>
+                <a:ext uri="{FF2B5EF4-FFF2-40B4-BE49-F238E27FC236}">
+                  <a16:creationId xmlns:a16="http://schemas.microsoft.com/office/drawing/2014/main" id="{88AE685E-E8E2-DE99-9C69-E977376F985B}"/>
+                </a:ext>
+              </a:extLst>
+            </p:cNvPr>
+            <p:cNvSpPr/>
+            <p:nvPr/>
+          </p:nvSpPr>
+          <p:spPr>
+            <a:xfrm>
+              <a:off x="4499602" y="1823017"/>
+              <a:ext cx="1937774" cy="630716"/>
+            </a:xfrm>
+            <a:prstGeom prst="roundRect">
+              <a:avLst/>
+            </a:prstGeom>
+            <a:solidFill>
+              <a:srgbClr val="DCEBF5"/>
+            </a:solidFill>
+            <a:ln w="19050">
+              <a:solidFill>
+                <a:srgbClr val="30335D"/>
+              </a:solidFill>
+            </a:ln>
+          </p:spPr>
+          <p:style>
+            <a:lnRef idx="2">
+              <a:schemeClr val="accent1">
+                <a:shade val="50000"/>
+              </a:schemeClr>
+            </a:lnRef>
+            <a:fillRef idx="1">
+              <a:schemeClr val="accent1"/>
+            </a:fillRef>
+            <a:effectRef idx="0">
+              <a:schemeClr val="accent1"/>
+            </a:effectRef>
+            <a:fontRef idx="minor">
+              <a:schemeClr val="lt1"/>
+            </a:fontRef>
+          </p:style>
+          <p:txBody>
+            <a:bodyPr rtlCol="0" anchor="ctr"/>
+            <a:lstStyle/>
+            <a:p>
+              <a:pPr algn="ctr"/>
+              <a:endParaRPr lang="en-US"/>
+            </a:p>
+          </p:txBody>
+        </p:sp>
+        <p:sp>
+          <p:nvSpPr>
+            <p:cNvPr id="5" name="TextBox 4">
+              <a:extLst>
+                <a:ext uri="{FF2B5EF4-FFF2-40B4-BE49-F238E27FC236}">
+                  <a16:creationId xmlns:a16="http://schemas.microsoft.com/office/drawing/2014/main" id="{F970AA77-0A5F-4A6B-FBDB-E379F5355FE4}"/>
+                </a:ext>
+              </a:extLst>
+            </p:cNvPr>
+            <p:cNvSpPr txBox="1"/>
+            <p:nvPr/>
+          </p:nvSpPr>
+          <p:spPr>
+            <a:xfrm>
+              <a:off x="4499601" y="1887025"/>
+              <a:ext cx="1937774" cy="523220"/>
+            </a:xfrm>
+            <a:prstGeom prst="rect">
+              <a:avLst/>
+            </a:prstGeom>
+            <a:noFill/>
+            <a:ln>
+              <a:noFill/>
+            </a:ln>
+          </p:spPr>
+          <p:txBody>
+            <a:bodyPr wrap="square" rtlCol="0">
+              <a:spAutoFit/>
+            </a:bodyPr>
+            <a:lstStyle/>
+            <a:p>
+              <a:pPr algn="ctr"/>
+              <a:r>
+                <a:rPr lang="en-US" sz="1400" dirty="0">
+                  <a:latin typeface="Avenir" panose="02000503020000020003" pitchFamily="2" charset="0"/>
+                </a:rPr>
+                <a:t>Read input from </a:t>
+              </a:r>
+            </a:p>
+            <a:p>
+              <a:pPr algn="ctr"/>
+              <a:r>
+                <a:rPr lang="en-US" sz="1400" dirty="0">
+                  <a:latin typeface="Avenir" panose="02000503020000020003" pitchFamily="2" charset="0"/>
+                </a:rPr>
+                <a:t>pin 13 Arduino</a:t>
+              </a:r>
+            </a:p>
+          </p:txBody>
+        </p:sp>
+        <p:sp>
+          <p:nvSpPr>
+            <p:cNvPr id="6" name="Rounded Rectangle 5">
+              <a:extLst>
+                <a:ext uri="{FF2B5EF4-FFF2-40B4-BE49-F238E27FC236}">
+                  <a16:creationId xmlns:a16="http://schemas.microsoft.com/office/drawing/2014/main" id="{E78920A2-3C52-A093-8F9A-7C36926E9C7D}"/>
+                </a:ext>
+              </a:extLst>
+            </p:cNvPr>
+            <p:cNvSpPr/>
+            <p:nvPr/>
+          </p:nvSpPr>
+          <p:spPr>
+            <a:xfrm>
+              <a:off x="4500271" y="3543131"/>
+              <a:ext cx="1937775" cy="830997"/>
+            </a:xfrm>
+            <a:prstGeom prst="roundRect">
+              <a:avLst/>
+            </a:prstGeom>
+            <a:solidFill>
+              <a:srgbClr val="DCEBF5"/>
+            </a:solidFill>
+            <a:ln w="19050">
+              <a:solidFill>
+                <a:srgbClr val="30335D"/>
+              </a:solidFill>
+            </a:ln>
+          </p:spPr>
+          <p:style>
+            <a:lnRef idx="2">
+              <a:schemeClr val="accent1">
+                <a:shade val="50000"/>
+              </a:schemeClr>
+            </a:lnRef>
+            <a:fillRef idx="1">
+              <a:schemeClr val="accent1"/>
+            </a:fillRef>
+            <a:effectRef idx="0">
+              <a:schemeClr val="accent1"/>
+            </a:effectRef>
+            <a:fontRef idx="minor">
+              <a:schemeClr val="lt1"/>
+            </a:fontRef>
+          </p:style>
+          <p:txBody>
+            <a:bodyPr rtlCol="0" anchor="ctr"/>
+            <a:lstStyle/>
+            <a:p>
+              <a:pPr algn="ctr"/>
+              <a:endParaRPr lang="en-US"/>
+            </a:p>
+          </p:txBody>
+        </p:sp>
+        <p:sp>
+          <p:nvSpPr>
+            <p:cNvPr id="7" name="TextBox 6">
+              <a:extLst>
+                <a:ext uri="{FF2B5EF4-FFF2-40B4-BE49-F238E27FC236}">
+                  <a16:creationId xmlns:a16="http://schemas.microsoft.com/office/drawing/2014/main" id="{60704B6F-4E5D-0B19-AB99-2014B7889D8D}"/>
+                </a:ext>
+              </a:extLst>
+            </p:cNvPr>
+            <p:cNvSpPr txBox="1"/>
+            <p:nvPr/>
+          </p:nvSpPr>
+          <p:spPr>
+            <a:xfrm>
+              <a:off x="4222089" y="3591936"/>
+              <a:ext cx="2486416" cy="738664"/>
+            </a:xfrm>
+            <a:prstGeom prst="rect">
+              <a:avLst/>
+            </a:prstGeom>
+            <a:noFill/>
+            <a:ln>
+              <a:noFill/>
+            </a:ln>
+          </p:spPr>
+          <p:txBody>
+            <a:bodyPr wrap="square" rtlCol="0">
+              <a:spAutoFit/>
+            </a:bodyPr>
+            <a:lstStyle/>
+            <a:p>
+              <a:pPr algn="ctr"/>
+              <a:r>
+                <a:rPr lang="en-US" sz="1400" dirty="0">
+                  <a:latin typeface="Avenir" panose="02000503020000020003" pitchFamily="2" charset="0"/>
+                </a:rPr>
+                <a:t>Capture the image</a:t>
+              </a:r>
+            </a:p>
+            <a:p>
+              <a:pPr algn="ctr"/>
+              <a:r>
+                <a:rPr lang="en-US" sz="1400" dirty="0">
+                  <a:latin typeface="Avenir" panose="02000503020000020003" pitchFamily="2" charset="0"/>
+                </a:rPr>
+                <a:t>Get a confirmation </a:t>
+              </a:r>
+            </a:p>
+            <a:p>
+              <a:pPr algn="ctr"/>
+              <a:r>
+                <a:rPr lang="en-US" sz="1400" dirty="0">
+                  <a:latin typeface="Avenir" panose="02000503020000020003" pitchFamily="2" charset="0"/>
+                </a:rPr>
+                <a:t>from user</a:t>
+              </a:r>
+            </a:p>
+          </p:txBody>
+        </p:sp>
+        <p:sp>
+          <p:nvSpPr>
+            <p:cNvPr id="8" name="Rounded Rectangle 7">
+              <a:extLst>
+                <a:ext uri="{FF2B5EF4-FFF2-40B4-BE49-F238E27FC236}">
+                  <a16:creationId xmlns:a16="http://schemas.microsoft.com/office/drawing/2014/main" id="{D1FCDD96-A6E9-BAFF-479E-B2AEF81E9074}"/>
+                </a:ext>
+              </a:extLst>
+            </p:cNvPr>
+            <p:cNvSpPr/>
+            <p:nvPr/>
+          </p:nvSpPr>
+          <p:spPr>
+            <a:xfrm>
+              <a:off x="7193380" y="3317480"/>
+              <a:ext cx="1728217" cy="841028"/>
+            </a:xfrm>
+            <a:prstGeom prst="roundRect">
+              <a:avLst/>
+            </a:prstGeom>
+            <a:solidFill>
+              <a:srgbClr val="DCEBF5"/>
+            </a:solidFill>
+            <a:ln w="19050">
+              <a:solidFill>
+                <a:srgbClr val="30335D"/>
+              </a:solidFill>
+            </a:ln>
+          </p:spPr>
+          <p:style>
+            <a:lnRef idx="2">
+              <a:schemeClr val="accent1">
+                <a:shade val="50000"/>
+              </a:schemeClr>
+            </a:lnRef>
+            <a:fillRef idx="1">
+              <a:schemeClr val="accent1"/>
+            </a:fillRef>
+            <a:effectRef idx="0">
+              <a:schemeClr val="accent1"/>
+            </a:effectRef>
+            <a:fontRef idx="minor">
+              <a:schemeClr val="lt1"/>
+            </a:fontRef>
+          </p:style>
+          <p:txBody>
+            <a:bodyPr rtlCol="0" anchor="ctr"/>
+            <a:lstStyle/>
+            <a:p>
+              <a:pPr algn="ctr"/>
+              <a:endParaRPr lang="en-US"/>
+            </a:p>
+          </p:txBody>
+        </p:sp>
+        <p:sp>
+          <p:nvSpPr>
+            <p:cNvPr id="9" name="TextBox 8">
+              <a:extLst>
+                <a:ext uri="{FF2B5EF4-FFF2-40B4-BE49-F238E27FC236}">
+                  <a16:creationId xmlns:a16="http://schemas.microsoft.com/office/drawing/2014/main" id="{218D8449-316C-D0DD-39A9-8168907A7AF1}"/>
+                </a:ext>
+              </a:extLst>
+            </p:cNvPr>
+            <p:cNvSpPr txBox="1"/>
+            <p:nvPr/>
+          </p:nvSpPr>
+          <p:spPr>
+            <a:xfrm>
+              <a:off x="7081358" y="3378440"/>
+              <a:ext cx="1937774" cy="954107"/>
+            </a:xfrm>
+            <a:prstGeom prst="rect">
+              <a:avLst/>
+            </a:prstGeom>
+            <a:noFill/>
+            <a:ln>
+              <a:noFill/>
+            </a:ln>
+          </p:spPr>
+          <p:txBody>
+            <a:bodyPr wrap="square" rtlCol="0">
+              <a:spAutoFit/>
+            </a:bodyPr>
+            <a:lstStyle/>
+            <a:p>
+              <a:pPr algn="ctr"/>
+              <a:r>
+                <a:rPr lang="en-US" sz="1400" dirty="0">
+                  <a:latin typeface="Avenir" panose="02000503020000020003" pitchFamily="2" charset="0"/>
+                </a:rPr>
+                <a:t>Send HIGH output </a:t>
+              </a:r>
+            </a:p>
+            <a:p>
+              <a:pPr algn="ctr"/>
+              <a:r>
+                <a:rPr lang="en-US" sz="1400" dirty="0">
+                  <a:latin typeface="Avenir" panose="02000503020000020003" pitchFamily="2" charset="0"/>
+                </a:rPr>
+                <a:t>to pin 11 Arduino</a:t>
+              </a:r>
+            </a:p>
+            <a:p>
+              <a:pPr algn="ctr"/>
+              <a:r>
+                <a:rPr lang="en-US" sz="1400" dirty="0">
+                  <a:latin typeface="Avenir" panose="02000503020000020003" pitchFamily="2" charset="0"/>
+                </a:rPr>
+                <a:t>Delete the image</a:t>
+              </a:r>
+            </a:p>
+            <a:p>
+              <a:pPr algn="ctr"/>
+              <a:endParaRPr lang="en-US" sz="1400" dirty="0">
+                <a:latin typeface="Avenir" panose="02000503020000020003" pitchFamily="2" charset="0"/>
+              </a:endParaRPr>
+            </a:p>
+          </p:txBody>
+        </p:sp>
+        <p:sp>
+          <p:nvSpPr>
+            <p:cNvPr id="10" name="Rounded Rectangle 9">
+              <a:extLst>
+                <a:ext uri="{FF2B5EF4-FFF2-40B4-BE49-F238E27FC236}">
+                  <a16:creationId xmlns:a16="http://schemas.microsoft.com/office/drawing/2014/main" id="{E8A3320B-9EAB-36DA-C0CE-74113D1CD958}"/>
+                </a:ext>
+              </a:extLst>
+            </p:cNvPr>
+            <p:cNvSpPr/>
+            <p:nvPr/>
+          </p:nvSpPr>
+          <p:spPr>
+            <a:xfrm>
+              <a:off x="5047488" y="1169909"/>
+              <a:ext cx="795528" cy="450751"/>
+            </a:xfrm>
+            <a:prstGeom prst="roundRect">
+              <a:avLst>
+                <a:gd name="adj" fmla="val 50000"/>
+              </a:avLst>
+            </a:prstGeom>
+            <a:solidFill>
+              <a:srgbClr val="DCEBF5"/>
+            </a:solidFill>
+            <a:ln w="19050">
+              <a:solidFill>
+                <a:srgbClr val="30335D"/>
+              </a:solidFill>
+            </a:ln>
+          </p:spPr>
+          <p:style>
+            <a:lnRef idx="2">
+              <a:schemeClr val="accent1">
+                <a:shade val="50000"/>
+              </a:schemeClr>
+            </a:lnRef>
+            <a:fillRef idx="1">
+              <a:schemeClr val="accent1"/>
+            </a:fillRef>
+            <a:effectRef idx="0">
+              <a:schemeClr val="accent1"/>
+            </a:effectRef>
+            <a:fontRef idx="minor">
+              <a:schemeClr val="lt1"/>
+            </a:fontRef>
+          </p:style>
+          <p:txBody>
+            <a:bodyPr rtlCol="0" anchor="ctr"/>
+            <a:lstStyle/>
+            <a:p>
+              <a:pPr algn="ctr"/>
+              <a:endParaRPr lang="en-US"/>
+            </a:p>
+          </p:txBody>
+        </p:sp>
+        <p:sp>
+          <p:nvSpPr>
+            <p:cNvPr id="11" name="TextBox 10">
+              <a:extLst>
+                <a:ext uri="{FF2B5EF4-FFF2-40B4-BE49-F238E27FC236}">
+                  <a16:creationId xmlns:a16="http://schemas.microsoft.com/office/drawing/2014/main" id="{50094E26-933B-7A97-1D85-0ABC52548F93}"/>
+                </a:ext>
+              </a:extLst>
+            </p:cNvPr>
+            <p:cNvSpPr txBox="1"/>
+            <p:nvPr/>
+          </p:nvSpPr>
+          <p:spPr>
+            <a:xfrm>
+              <a:off x="4892039" y="1222778"/>
+              <a:ext cx="1106425" cy="307777"/>
+            </a:xfrm>
+            <a:prstGeom prst="rect">
+              <a:avLst/>
+            </a:prstGeom>
+            <a:noFill/>
+            <a:ln>
+              <a:noFill/>
+            </a:ln>
+          </p:spPr>
+          <p:txBody>
+            <a:bodyPr wrap="square" rtlCol="0">
+              <a:spAutoFit/>
+            </a:bodyPr>
+            <a:lstStyle/>
+            <a:p>
+              <a:pPr algn="ctr"/>
+              <a:r>
+                <a:rPr lang="en-US" sz="1400" dirty="0">
+                  <a:latin typeface="Avenir" panose="02000503020000020003" pitchFamily="2" charset="0"/>
+                </a:rPr>
+                <a:t>Start</a:t>
+              </a:r>
+            </a:p>
+          </p:txBody>
+        </p:sp>
+        <p:sp>
+          <p:nvSpPr>
+            <p:cNvPr id="12" name="Rounded Rectangle 11">
+              <a:extLst>
+                <a:ext uri="{FF2B5EF4-FFF2-40B4-BE49-F238E27FC236}">
+                  <a16:creationId xmlns:a16="http://schemas.microsoft.com/office/drawing/2014/main" id="{838703AF-ACE8-5736-E74C-80B81531EE4A}"/>
+                </a:ext>
+              </a:extLst>
+            </p:cNvPr>
+            <p:cNvSpPr/>
+            <p:nvPr/>
+          </p:nvSpPr>
+          <p:spPr>
+            <a:xfrm>
+              <a:off x="5060492" y="6111110"/>
+              <a:ext cx="749809" cy="450751"/>
+            </a:xfrm>
+            <a:prstGeom prst="roundRect">
+              <a:avLst>
+                <a:gd name="adj" fmla="val 50000"/>
+              </a:avLst>
+            </a:prstGeom>
+            <a:solidFill>
+              <a:srgbClr val="DCEBF5"/>
+            </a:solidFill>
+            <a:ln w="19050">
+              <a:solidFill>
+                <a:srgbClr val="30335D"/>
+              </a:solidFill>
+            </a:ln>
+          </p:spPr>
+          <p:style>
+            <a:lnRef idx="2">
+              <a:schemeClr val="accent1">
+                <a:shade val="50000"/>
+              </a:schemeClr>
+            </a:lnRef>
+            <a:fillRef idx="1">
+              <a:schemeClr val="accent1"/>
+            </a:fillRef>
+            <a:effectRef idx="0">
+              <a:schemeClr val="accent1"/>
+            </a:effectRef>
+            <a:fontRef idx="minor">
+              <a:schemeClr val="lt1"/>
+            </a:fontRef>
+          </p:style>
+          <p:txBody>
+            <a:bodyPr rtlCol="0" anchor="ctr"/>
+            <a:lstStyle/>
+            <a:p>
+              <a:pPr algn="ctr"/>
+              <a:endParaRPr lang="en-US"/>
+            </a:p>
+          </p:txBody>
+        </p:sp>
+        <p:sp>
+          <p:nvSpPr>
+            <p:cNvPr id="13" name="TextBox 12">
+              <a:extLst>
+                <a:ext uri="{FF2B5EF4-FFF2-40B4-BE49-F238E27FC236}">
+                  <a16:creationId xmlns:a16="http://schemas.microsoft.com/office/drawing/2014/main" id="{FF688490-3A32-15E7-4742-3973A0007F1F}"/>
+                </a:ext>
+              </a:extLst>
+            </p:cNvPr>
+            <p:cNvSpPr txBox="1"/>
+            <p:nvPr/>
+          </p:nvSpPr>
+          <p:spPr>
+            <a:xfrm>
+              <a:off x="4892039" y="6163979"/>
+              <a:ext cx="1106425" cy="307777"/>
+            </a:xfrm>
+            <a:prstGeom prst="rect">
+              <a:avLst/>
+            </a:prstGeom>
+            <a:noFill/>
+            <a:ln>
+              <a:noFill/>
+            </a:ln>
+          </p:spPr>
+          <p:txBody>
+            <a:bodyPr wrap="square" rtlCol="0">
+              <a:spAutoFit/>
+            </a:bodyPr>
+            <a:lstStyle/>
+            <a:p>
+              <a:pPr algn="ctr"/>
+              <a:r>
+                <a:rPr lang="en-US" sz="1400" dirty="0">
+                  <a:latin typeface="Avenir" panose="02000503020000020003" pitchFamily="2" charset="0"/>
+                </a:rPr>
+                <a:t>End</a:t>
+              </a:r>
+            </a:p>
+          </p:txBody>
+        </p:sp>
+        <p:sp>
+          <p:nvSpPr>
+            <p:cNvPr id="14" name="Rounded Rectangle 13">
+              <a:extLst>
+                <a:ext uri="{FF2B5EF4-FFF2-40B4-BE49-F238E27FC236}">
+                  <a16:creationId xmlns:a16="http://schemas.microsoft.com/office/drawing/2014/main" id="{1C95024C-E684-CD7B-1218-59AD7F51ACCC}"/>
+                </a:ext>
+              </a:extLst>
+            </p:cNvPr>
+            <p:cNvSpPr/>
+            <p:nvPr/>
+          </p:nvSpPr>
+          <p:spPr>
+            <a:xfrm>
+              <a:off x="4499602" y="5352614"/>
+              <a:ext cx="1937775" cy="621388"/>
+            </a:xfrm>
+            <a:prstGeom prst="roundRect">
+              <a:avLst/>
+            </a:prstGeom>
+            <a:solidFill>
+              <a:srgbClr val="DCEBF5"/>
+            </a:solidFill>
+            <a:ln w="19050">
+              <a:solidFill>
+                <a:srgbClr val="30335D"/>
+              </a:solidFill>
+            </a:ln>
+          </p:spPr>
+          <p:style>
+            <a:lnRef idx="2">
+              <a:schemeClr val="accent1">
+                <a:shade val="50000"/>
+              </a:schemeClr>
+            </a:lnRef>
+            <a:fillRef idx="1">
+              <a:schemeClr val="accent1"/>
+            </a:fillRef>
+            <a:effectRef idx="0">
+              <a:schemeClr val="accent1"/>
+            </a:effectRef>
+            <a:fontRef idx="minor">
+              <a:schemeClr val="lt1"/>
+            </a:fontRef>
+          </p:style>
+          <p:txBody>
+            <a:bodyPr rtlCol="0" anchor="ctr"/>
+            <a:lstStyle/>
+            <a:p>
+              <a:pPr algn="ctr"/>
+              <a:endParaRPr lang="en-US"/>
+            </a:p>
+          </p:txBody>
+        </p:sp>
+        <p:sp>
+          <p:nvSpPr>
+            <p:cNvPr id="15" name="TextBox 14">
+              <a:extLst>
+                <a:ext uri="{FF2B5EF4-FFF2-40B4-BE49-F238E27FC236}">
+                  <a16:creationId xmlns:a16="http://schemas.microsoft.com/office/drawing/2014/main" id="{35D747BC-451F-40B4-63D2-408A274D2362}"/>
+                </a:ext>
+              </a:extLst>
+            </p:cNvPr>
+            <p:cNvSpPr txBox="1"/>
+            <p:nvPr/>
+          </p:nvSpPr>
+          <p:spPr>
+            <a:xfrm>
+              <a:off x="4499601" y="5398371"/>
+              <a:ext cx="1937775" cy="523220"/>
+            </a:xfrm>
+            <a:prstGeom prst="rect">
+              <a:avLst/>
+            </a:prstGeom>
+            <a:noFill/>
+            <a:ln>
+              <a:noFill/>
+            </a:ln>
+          </p:spPr>
+          <p:txBody>
+            <a:bodyPr wrap="square" rtlCol="0">
+              <a:spAutoFit/>
+            </a:bodyPr>
+            <a:lstStyle/>
+            <a:p>
+              <a:pPr algn="ctr"/>
+              <a:r>
+                <a:rPr lang="en-US" sz="1400" dirty="0">
+                  <a:latin typeface="Avenir" panose="02000503020000020003" pitchFamily="2" charset="0"/>
+                </a:rPr>
+                <a:t>Send output to </a:t>
+              </a:r>
+            </a:p>
+            <a:p>
+              <a:pPr algn="ctr"/>
+              <a:r>
+                <a:rPr lang="en-US" sz="1400" dirty="0">
+                  <a:latin typeface="Avenir" panose="02000503020000020003" pitchFamily="2" charset="0"/>
+                </a:rPr>
+                <a:t>pin 12 Arduino</a:t>
+              </a:r>
+            </a:p>
+          </p:txBody>
+        </p:sp>
+        <p:sp>
+          <p:nvSpPr>
+            <p:cNvPr id="16" name="Decision 15">
+              <a:extLst>
+                <a:ext uri="{FF2B5EF4-FFF2-40B4-BE49-F238E27FC236}">
+                  <a16:creationId xmlns:a16="http://schemas.microsoft.com/office/drawing/2014/main" id="{CEE12BCE-E5F1-8B63-E658-33E13B9A8AB6}"/>
+                </a:ext>
+              </a:extLst>
+            </p:cNvPr>
+            <p:cNvSpPr/>
+            <p:nvPr/>
+          </p:nvSpPr>
+          <p:spPr>
+            <a:xfrm>
+              <a:off x="4674008" y="2573987"/>
+              <a:ext cx="1582582" cy="830998"/>
+            </a:xfrm>
+            <a:prstGeom prst="flowChartDecision">
+              <a:avLst/>
+            </a:prstGeom>
+            <a:solidFill>
+              <a:srgbClr val="D2D3F1"/>
+            </a:solidFill>
+            <a:ln>
+              <a:solidFill>
+                <a:schemeClr val="tx1"/>
+              </a:solidFill>
+            </a:ln>
+          </p:spPr>
+          <p:style>
+            <a:lnRef idx="2">
+              <a:schemeClr val="accent1">
+                <a:shade val="50000"/>
+              </a:schemeClr>
+            </a:lnRef>
+            <a:fillRef idx="1">
+              <a:schemeClr val="accent1"/>
+            </a:fillRef>
+            <a:effectRef idx="0">
+              <a:schemeClr val="accent1"/>
+            </a:effectRef>
+            <a:fontRef idx="minor">
+              <a:schemeClr val="lt1"/>
+            </a:fontRef>
+          </p:style>
+          <p:txBody>
+            <a:bodyPr rtlCol="0" anchor="ctr"/>
+            <a:lstStyle/>
+            <a:p>
+              <a:pPr algn="ctr"/>
+              <a:endParaRPr lang="en-US"/>
+            </a:p>
+          </p:txBody>
+        </p:sp>
+        <p:sp>
+          <p:nvSpPr>
+            <p:cNvPr id="17" name="TextBox 16">
+              <a:extLst>
+                <a:ext uri="{FF2B5EF4-FFF2-40B4-BE49-F238E27FC236}">
+                  <a16:creationId xmlns:a16="http://schemas.microsoft.com/office/drawing/2014/main" id="{0A849DAC-0458-29D3-7FC0-2926557EE4BE}"/>
+                </a:ext>
+              </a:extLst>
+            </p:cNvPr>
+            <p:cNvSpPr txBox="1"/>
+            <p:nvPr/>
+          </p:nvSpPr>
+          <p:spPr>
+            <a:xfrm>
+              <a:off x="4686198" y="2596140"/>
+              <a:ext cx="1582583" cy="738664"/>
+            </a:xfrm>
+            <a:prstGeom prst="rect">
+              <a:avLst/>
+            </a:prstGeom>
+            <a:noFill/>
+            <a:ln>
+              <a:noFill/>
+            </a:ln>
+          </p:spPr>
+          <p:txBody>
+            <a:bodyPr wrap="square" rtlCol="0">
+              <a:spAutoFit/>
+            </a:bodyPr>
+            <a:lstStyle/>
+            <a:p>
+              <a:pPr algn="ctr"/>
+              <a:r>
+                <a:rPr lang="en-US" sz="1400" dirty="0">
+                  <a:latin typeface="Avenir" panose="02000503020000020003" pitchFamily="2" charset="0"/>
+                </a:rPr>
+                <a:t>Is </a:t>
+              </a:r>
+            </a:p>
+            <a:p>
+              <a:pPr algn="ctr"/>
+              <a:r>
+                <a:rPr lang="en-US" sz="1400" dirty="0">
+                  <a:latin typeface="Avenir" panose="02000503020000020003" pitchFamily="2" charset="0"/>
+                </a:rPr>
+                <a:t>the input </a:t>
+              </a:r>
+            </a:p>
+            <a:p>
+              <a:pPr algn="ctr"/>
+              <a:r>
+                <a:rPr lang="en-US" sz="1400" dirty="0">
+                  <a:latin typeface="Avenir" panose="02000503020000020003" pitchFamily="2" charset="0"/>
+                </a:rPr>
+                <a:t>HIGH?</a:t>
+              </a:r>
+            </a:p>
+          </p:txBody>
+        </p:sp>
+        <p:sp>
+          <p:nvSpPr>
+            <p:cNvPr id="18" name="Decision 17">
+              <a:extLst>
+                <a:ext uri="{FF2B5EF4-FFF2-40B4-BE49-F238E27FC236}">
+                  <a16:creationId xmlns:a16="http://schemas.microsoft.com/office/drawing/2014/main" id="{78CFA859-36E7-295E-AAB7-FCA363486836}"/>
+                </a:ext>
+              </a:extLst>
+            </p:cNvPr>
+            <p:cNvSpPr/>
+            <p:nvPr/>
+          </p:nvSpPr>
+          <p:spPr>
+            <a:xfrm>
+              <a:off x="4760976" y="4491889"/>
+              <a:ext cx="1325880" cy="730634"/>
+            </a:xfrm>
+            <a:prstGeom prst="flowChartDecision">
+              <a:avLst/>
+            </a:prstGeom>
+            <a:solidFill>
+              <a:srgbClr val="D2D3F1"/>
+            </a:solidFill>
+            <a:ln>
+              <a:solidFill>
+                <a:schemeClr val="tx1"/>
+              </a:solidFill>
+            </a:ln>
+          </p:spPr>
+          <p:style>
+            <a:lnRef idx="2">
+              <a:schemeClr val="accent1">
+                <a:shade val="50000"/>
+              </a:schemeClr>
+            </a:lnRef>
+            <a:fillRef idx="1">
+              <a:schemeClr val="accent1"/>
+            </a:fillRef>
+            <a:effectRef idx="0">
+              <a:schemeClr val="accent1"/>
+            </a:effectRef>
+            <a:fontRef idx="minor">
+              <a:schemeClr val="lt1"/>
+            </a:fontRef>
+          </p:style>
+          <p:txBody>
+            <a:bodyPr rtlCol="0" anchor="ctr"/>
+            <a:lstStyle/>
+            <a:p>
+              <a:pPr algn="ctr"/>
+              <a:endParaRPr lang="en-US"/>
+            </a:p>
+          </p:txBody>
+        </p:sp>
+        <p:sp>
+          <p:nvSpPr>
+            <p:cNvPr id="19" name="TextBox 18">
+              <a:extLst>
+                <a:ext uri="{FF2B5EF4-FFF2-40B4-BE49-F238E27FC236}">
+                  <a16:creationId xmlns:a16="http://schemas.microsoft.com/office/drawing/2014/main" id="{31555E8F-A61B-3016-F048-F0C1E1848A43}"/>
+                </a:ext>
+              </a:extLst>
+            </p:cNvPr>
+            <p:cNvSpPr txBox="1"/>
+            <p:nvPr/>
+          </p:nvSpPr>
+          <p:spPr>
+            <a:xfrm>
+              <a:off x="4760976" y="4596558"/>
+              <a:ext cx="1325880" cy="523220"/>
+            </a:xfrm>
+            <a:prstGeom prst="rect">
+              <a:avLst/>
+            </a:prstGeom>
+            <a:noFill/>
+            <a:ln>
+              <a:noFill/>
+            </a:ln>
+          </p:spPr>
+          <p:txBody>
+            <a:bodyPr wrap="square" rtlCol="0">
+              <a:spAutoFit/>
+            </a:bodyPr>
+            <a:lstStyle/>
+            <a:p>
+              <a:pPr algn="ctr"/>
+              <a:r>
+                <a:rPr lang="en-US" sz="1400" dirty="0">
+                  <a:latin typeface="Avenir" panose="02000503020000020003" pitchFamily="2" charset="0"/>
+                </a:rPr>
+                <a:t>Is it </a:t>
+              </a:r>
+            </a:p>
+            <a:p>
+              <a:pPr algn="ctr"/>
+              <a:r>
+                <a:rPr lang="en-US" sz="1400" dirty="0">
+                  <a:latin typeface="Avenir" panose="02000503020000020003" pitchFamily="2" charset="0"/>
+                </a:rPr>
+                <a:t>True?</a:t>
+              </a:r>
+            </a:p>
+          </p:txBody>
+        </p:sp>
+        <p:cxnSp>
+          <p:nvCxnSpPr>
+            <p:cNvPr id="29" name="Straight Arrow Connector 28">
+              <a:extLst>
+                <a:ext uri="{FF2B5EF4-FFF2-40B4-BE49-F238E27FC236}">
+                  <a16:creationId xmlns:a16="http://schemas.microsoft.com/office/drawing/2014/main" id="{BC2810F3-5C41-5457-97E0-A12BAA0755DB}"/>
+                </a:ext>
+              </a:extLst>
+            </p:cNvPr>
+            <p:cNvCxnSpPr>
+              <a:stCxn id="10" idx="2"/>
+            </p:cNvCxnSpPr>
+            <p:nvPr/>
+          </p:nvCxnSpPr>
+          <p:spPr>
+            <a:xfrm flipH="1">
+              <a:off x="5445251" y="1620660"/>
+              <a:ext cx="1" cy="202357"/>
+            </a:xfrm>
+            <a:prstGeom prst="straightConnector1">
+              <a:avLst/>
+            </a:prstGeom>
+            <a:ln w="28575">
+              <a:solidFill>
+                <a:srgbClr val="30335D"/>
+              </a:solidFill>
+              <a:tailEnd type="triangle"/>
+            </a:ln>
+          </p:spPr>
+          <p:style>
+            <a:lnRef idx="1">
+              <a:schemeClr val="accent1"/>
+            </a:lnRef>
+            <a:fillRef idx="0">
+              <a:schemeClr val="accent1"/>
+            </a:fillRef>
+            <a:effectRef idx="0">
+              <a:schemeClr val="accent1"/>
+            </a:effectRef>
+            <a:fontRef idx="minor">
+              <a:schemeClr val="tx1"/>
+            </a:fontRef>
+          </p:style>
+        </p:cxnSp>
+        <p:cxnSp>
+          <p:nvCxnSpPr>
+            <p:cNvPr id="30" name="Straight Arrow Connector 29">
+              <a:extLst>
+                <a:ext uri="{FF2B5EF4-FFF2-40B4-BE49-F238E27FC236}">
+                  <a16:creationId xmlns:a16="http://schemas.microsoft.com/office/drawing/2014/main" id="{94D0E66E-F829-FCA1-357C-5E75877506C2}"/>
+                </a:ext>
+              </a:extLst>
+            </p:cNvPr>
+            <p:cNvCxnSpPr>
+              <a:cxnSpLocks/>
+              <a:stCxn id="3" idx="2"/>
+            </p:cNvCxnSpPr>
+            <p:nvPr/>
+          </p:nvCxnSpPr>
+          <p:spPr>
+            <a:xfrm>
+              <a:off x="5468489" y="2453733"/>
+              <a:ext cx="1588" cy="139159"/>
+            </a:xfrm>
+            <a:prstGeom prst="straightConnector1">
+              <a:avLst/>
+            </a:prstGeom>
+            <a:ln w="28575">
+              <a:solidFill>
+                <a:srgbClr val="30335D"/>
+              </a:solidFill>
+              <a:tailEnd type="triangle"/>
+            </a:ln>
+          </p:spPr>
+          <p:style>
+            <a:lnRef idx="1">
+              <a:schemeClr val="accent1"/>
+            </a:lnRef>
+            <a:fillRef idx="0">
+              <a:schemeClr val="accent1"/>
+            </a:fillRef>
+            <a:effectRef idx="0">
+              <a:schemeClr val="accent1"/>
+            </a:effectRef>
+            <a:fontRef idx="minor">
+              <a:schemeClr val="tx1"/>
+            </a:fontRef>
+          </p:style>
+        </p:cxnSp>
+        <p:cxnSp>
+          <p:nvCxnSpPr>
+            <p:cNvPr id="32" name="Straight Arrow Connector 31">
+              <a:extLst>
+                <a:ext uri="{FF2B5EF4-FFF2-40B4-BE49-F238E27FC236}">
+                  <a16:creationId xmlns:a16="http://schemas.microsoft.com/office/drawing/2014/main" id="{EFB1004C-900D-8487-3FEF-2A61A316EC74}"/>
+                </a:ext>
+              </a:extLst>
+            </p:cNvPr>
+            <p:cNvCxnSpPr>
+              <a:cxnSpLocks/>
+            </p:cNvCxnSpPr>
+            <p:nvPr/>
+          </p:nvCxnSpPr>
+          <p:spPr>
+            <a:xfrm>
+              <a:off x="5465297" y="3405129"/>
+              <a:ext cx="1588" cy="139159"/>
+            </a:xfrm>
+            <a:prstGeom prst="straightConnector1">
+              <a:avLst/>
+            </a:prstGeom>
+            <a:ln w="28575">
+              <a:solidFill>
+                <a:srgbClr val="30335D"/>
+              </a:solidFill>
+              <a:tailEnd type="triangle"/>
+            </a:ln>
+          </p:spPr>
+          <p:style>
+            <a:lnRef idx="1">
+              <a:schemeClr val="accent1"/>
+            </a:lnRef>
+            <a:fillRef idx="0">
+              <a:schemeClr val="accent1"/>
+            </a:fillRef>
+            <a:effectRef idx="0">
+              <a:schemeClr val="accent1"/>
+            </a:effectRef>
+            <a:fontRef idx="minor">
+              <a:schemeClr val="tx1"/>
+            </a:fontRef>
+          </p:style>
+        </p:cxnSp>
+        <p:cxnSp>
+          <p:nvCxnSpPr>
+            <p:cNvPr id="33" name="Straight Arrow Connector 32">
+              <a:extLst>
+                <a:ext uri="{FF2B5EF4-FFF2-40B4-BE49-F238E27FC236}">
+                  <a16:creationId xmlns:a16="http://schemas.microsoft.com/office/drawing/2014/main" id="{1A299620-896C-F177-D06D-326EA5351DF9}"/>
+                </a:ext>
+              </a:extLst>
+            </p:cNvPr>
+            <p:cNvCxnSpPr>
+              <a:cxnSpLocks/>
+            </p:cNvCxnSpPr>
+            <p:nvPr/>
+          </p:nvCxnSpPr>
+          <p:spPr>
+            <a:xfrm>
+              <a:off x="5422328" y="4371037"/>
+              <a:ext cx="1588" cy="139159"/>
+            </a:xfrm>
+            <a:prstGeom prst="straightConnector1">
+              <a:avLst/>
+            </a:prstGeom>
+            <a:ln w="28575">
+              <a:solidFill>
+                <a:srgbClr val="30335D"/>
+              </a:solidFill>
+              <a:tailEnd type="triangle"/>
+            </a:ln>
+          </p:spPr>
+          <p:style>
+            <a:lnRef idx="1">
+              <a:schemeClr val="accent1"/>
+            </a:lnRef>
+            <a:fillRef idx="0">
+              <a:schemeClr val="accent1"/>
+            </a:fillRef>
+            <a:effectRef idx="0">
+              <a:schemeClr val="accent1"/>
+            </a:effectRef>
+            <a:fontRef idx="minor">
+              <a:schemeClr val="tx1"/>
+            </a:fontRef>
+          </p:style>
+        </p:cxnSp>
+        <p:cxnSp>
+          <p:nvCxnSpPr>
+            <p:cNvPr id="34" name="Straight Arrow Connector 33">
+              <a:extLst>
+                <a:ext uri="{FF2B5EF4-FFF2-40B4-BE49-F238E27FC236}">
+                  <a16:creationId xmlns:a16="http://schemas.microsoft.com/office/drawing/2014/main" id="{08342E1B-31F3-0B2F-CAE5-562C9B612260}"/>
+                </a:ext>
+              </a:extLst>
+            </p:cNvPr>
+            <p:cNvCxnSpPr>
+              <a:cxnSpLocks/>
+            </p:cNvCxnSpPr>
+            <p:nvPr/>
+          </p:nvCxnSpPr>
+          <p:spPr>
+            <a:xfrm>
+              <a:off x="5427644" y="5213418"/>
+              <a:ext cx="1588" cy="139159"/>
+            </a:xfrm>
+            <a:prstGeom prst="straightConnector1">
+              <a:avLst/>
+            </a:prstGeom>
+            <a:ln w="28575">
+              <a:solidFill>
+                <a:srgbClr val="30335D"/>
+              </a:solidFill>
+              <a:tailEnd type="triangle"/>
+            </a:ln>
+          </p:spPr>
+          <p:style>
+            <a:lnRef idx="1">
+              <a:schemeClr val="accent1"/>
+            </a:lnRef>
+            <a:fillRef idx="0">
+              <a:schemeClr val="accent1"/>
+            </a:fillRef>
+            <a:effectRef idx="0">
+              <a:schemeClr val="accent1"/>
+            </a:effectRef>
+            <a:fontRef idx="minor">
+              <a:schemeClr val="tx1"/>
+            </a:fontRef>
+          </p:style>
+        </p:cxnSp>
+        <p:cxnSp>
+          <p:nvCxnSpPr>
+            <p:cNvPr id="35" name="Straight Arrow Connector 34">
+              <a:extLst>
+                <a:ext uri="{FF2B5EF4-FFF2-40B4-BE49-F238E27FC236}">
+                  <a16:creationId xmlns:a16="http://schemas.microsoft.com/office/drawing/2014/main" id="{0207701D-B3A5-F988-F963-52D73F1BCF0D}"/>
+                </a:ext>
+              </a:extLst>
+            </p:cNvPr>
+            <p:cNvCxnSpPr>
+              <a:cxnSpLocks/>
+            </p:cNvCxnSpPr>
+            <p:nvPr/>
+          </p:nvCxnSpPr>
+          <p:spPr>
+            <a:xfrm>
+              <a:off x="5429232" y="5983183"/>
+              <a:ext cx="1588" cy="139159"/>
+            </a:xfrm>
+            <a:prstGeom prst="straightConnector1">
+              <a:avLst/>
+            </a:prstGeom>
+            <a:ln w="28575">
+              <a:solidFill>
+                <a:srgbClr val="30335D"/>
+              </a:solidFill>
+              <a:tailEnd type="triangle"/>
+            </a:ln>
+          </p:spPr>
+          <p:style>
+            <a:lnRef idx="1">
+              <a:schemeClr val="accent1"/>
+            </a:lnRef>
+            <a:fillRef idx="0">
+              <a:schemeClr val="accent1"/>
+            </a:fillRef>
+            <a:effectRef idx="0">
+              <a:schemeClr val="accent1"/>
+            </a:effectRef>
+            <a:fontRef idx="minor">
+              <a:schemeClr val="tx1"/>
+            </a:fontRef>
+          </p:style>
+        </p:cxnSp>
+        <p:cxnSp>
+          <p:nvCxnSpPr>
+            <p:cNvPr id="36" name="Straight Arrow Connector 35">
+              <a:extLst>
+                <a:ext uri="{FF2B5EF4-FFF2-40B4-BE49-F238E27FC236}">
+                  <a16:creationId xmlns:a16="http://schemas.microsoft.com/office/drawing/2014/main" id="{AF389EE0-B527-5BE8-3B47-670D85B9B096}"/>
+                </a:ext>
+              </a:extLst>
+            </p:cNvPr>
+            <p:cNvCxnSpPr>
+              <a:cxnSpLocks/>
+            </p:cNvCxnSpPr>
+            <p:nvPr/>
+          </p:nvCxnSpPr>
+          <p:spPr>
+            <a:xfrm flipV="1">
+              <a:off x="8120801" y="4170620"/>
+              <a:ext cx="0" cy="698698"/>
+            </a:xfrm>
+            <a:prstGeom prst="straightConnector1">
+              <a:avLst/>
+            </a:prstGeom>
+            <a:ln w="28575">
+              <a:solidFill>
+                <a:srgbClr val="30335D"/>
+              </a:solidFill>
+              <a:tailEnd type="triangle"/>
+            </a:ln>
+          </p:spPr>
+          <p:style>
+            <a:lnRef idx="1">
+              <a:schemeClr val="accent1"/>
+            </a:lnRef>
+            <a:fillRef idx="0">
+              <a:schemeClr val="accent1"/>
+            </a:fillRef>
+            <a:effectRef idx="0">
+              <a:schemeClr val="accent1"/>
+            </a:effectRef>
+            <a:fontRef idx="minor">
+              <a:schemeClr val="tx1"/>
+            </a:fontRef>
+          </p:style>
+        </p:cxnSp>
+        <p:cxnSp>
+          <p:nvCxnSpPr>
+            <p:cNvPr id="38" name="Straight Arrow Connector 37">
+              <a:extLst>
+                <a:ext uri="{FF2B5EF4-FFF2-40B4-BE49-F238E27FC236}">
+                  <a16:creationId xmlns:a16="http://schemas.microsoft.com/office/drawing/2014/main" id="{1EECF3A4-672D-7D11-41B7-0991F3A3A20A}"/>
+                </a:ext>
+              </a:extLst>
+            </p:cNvPr>
+            <p:cNvCxnSpPr>
+              <a:cxnSpLocks/>
+            </p:cNvCxnSpPr>
+            <p:nvPr/>
+          </p:nvCxnSpPr>
+          <p:spPr>
+            <a:xfrm flipH="1">
+              <a:off x="5465297" y="1680420"/>
+              <a:ext cx="2655504" cy="8329"/>
+            </a:xfrm>
+            <a:prstGeom prst="straightConnector1">
+              <a:avLst/>
+            </a:prstGeom>
+            <a:ln w="28575">
+              <a:solidFill>
+                <a:srgbClr val="30335D"/>
+              </a:solidFill>
+              <a:tailEnd type="triangle"/>
+            </a:ln>
+          </p:spPr>
+          <p:style>
+            <a:lnRef idx="1">
+              <a:schemeClr val="accent1"/>
+            </a:lnRef>
+            <a:fillRef idx="0">
+              <a:schemeClr val="accent1"/>
+            </a:fillRef>
+            <a:effectRef idx="0">
+              <a:schemeClr val="accent1"/>
+            </a:effectRef>
+            <a:fontRef idx="minor">
+              <a:schemeClr val="tx1"/>
+            </a:fontRef>
+          </p:style>
+        </p:cxnSp>
+        <p:cxnSp>
+          <p:nvCxnSpPr>
+            <p:cNvPr id="41" name="Straight Arrow Connector 40">
+              <a:extLst>
+                <a:ext uri="{FF2B5EF4-FFF2-40B4-BE49-F238E27FC236}">
+                  <a16:creationId xmlns:a16="http://schemas.microsoft.com/office/drawing/2014/main" id="{52305F71-3A1E-C995-485D-F46B8272D7C3}"/>
+                </a:ext>
+              </a:extLst>
+            </p:cNvPr>
+            <p:cNvCxnSpPr>
+              <a:cxnSpLocks/>
+            </p:cNvCxnSpPr>
+            <p:nvPr/>
+          </p:nvCxnSpPr>
+          <p:spPr>
+            <a:xfrm>
+              <a:off x="6256589" y="2989486"/>
+              <a:ext cx="1864212" cy="0"/>
+            </a:xfrm>
+            <a:prstGeom prst="straightConnector1">
+              <a:avLst/>
+            </a:prstGeom>
+            <a:ln w="28575">
+              <a:solidFill>
+                <a:srgbClr val="30335D"/>
+              </a:solidFill>
+              <a:tailEnd type="triangle"/>
+            </a:ln>
+          </p:spPr>
+          <p:style>
+            <a:lnRef idx="1">
+              <a:schemeClr val="accent1"/>
+            </a:lnRef>
+            <a:fillRef idx="0">
+              <a:schemeClr val="accent1"/>
+            </a:fillRef>
+            <a:effectRef idx="0">
+              <a:schemeClr val="accent1"/>
+            </a:effectRef>
+            <a:fontRef idx="minor">
+              <a:schemeClr val="tx1"/>
+            </a:fontRef>
+          </p:style>
+        </p:cxnSp>
+        <p:sp>
+          <p:nvSpPr>
+            <p:cNvPr id="54" name="TextBox 53">
+              <a:extLst>
+                <a:ext uri="{FF2B5EF4-FFF2-40B4-BE49-F238E27FC236}">
+                  <a16:creationId xmlns:a16="http://schemas.microsoft.com/office/drawing/2014/main" id="{D1380BC0-B1FC-C995-C2F1-5AA43116166E}"/>
+                </a:ext>
+              </a:extLst>
+            </p:cNvPr>
+            <p:cNvSpPr txBox="1"/>
+            <p:nvPr/>
+          </p:nvSpPr>
+          <p:spPr>
+            <a:xfrm>
+              <a:off x="5597786" y="3278601"/>
+              <a:ext cx="657080" cy="307777"/>
+            </a:xfrm>
+            <a:prstGeom prst="rect">
+              <a:avLst/>
+            </a:prstGeom>
+            <a:noFill/>
+            <a:ln>
+              <a:noFill/>
+            </a:ln>
+          </p:spPr>
+          <p:txBody>
+            <a:bodyPr wrap="square" rtlCol="0">
+              <a:spAutoFit/>
+            </a:bodyPr>
+            <a:lstStyle/>
+            <a:p>
+              <a:pPr algn="ctr"/>
+              <a:r>
+                <a:rPr lang="en-US" sz="1400" dirty="0">
+                  <a:latin typeface="Avenir Medium" panose="02000503020000020003" pitchFamily="2" charset="0"/>
+                </a:rPr>
+                <a:t>Yes</a:t>
+              </a:r>
+            </a:p>
+          </p:txBody>
+        </p:sp>
+        <p:sp>
+          <p:nvSpPr>
+            <p:cNvPr id="55" name="TextBox 54">
+              <a:extLst>
+                <a:ext uri="{FF2B5EF4-FFF2-40B4-BE49-F238E27FC236}">
+                  <a16:creationId xmlns:a16="http://schemas.microsoft.com/office/drawing/2014/main" id="{216BDB90-80DB-6A5F-F4D7-E6F970D13F64}"/>
+                </a:ext>
+              </a:extLst>
+            </p:cNvPr>
+            <p:cNvSpPr txBox="1"/>
+            <p:nvPr/>
+          </p:nvSpPr>
+          <p:spPr>
+            <a:xfrm>
+              <a:off x="5514476" y="5088365"/>
+              <a:ext cx="657080" cy="307777"/>
+            </a:xfrm>
+            <a:prstGeom prst="rect">
+              <a:avLst/>
+            </a:prstGeom>
+            <a:noFill/>
+            <a:ln>
+              <a:noFill/>
+            </a:ln>
+          </p:spPr>
+          <p:txBody>
+            <a:bodyPr wrap="square" rtlCol="0">
+              <a:spAutoFit/>
+            </a:bodyPr>
+            <a:lstStyle/>
+            <a:p>
+              <a:pPr algn="ctr"/>
+              <a:r>
+                <a:rPr lang="en-US" sz="1400" dirty="0">
+                  <a:latin typeface="Avenir Medium" panose="02000503020000020003" pitchFamily="2" charset="0"/>
+                </a:rPr>
+                <a:t>Yes</a:t>
+              </a:r>
+            </a:p>
+          </p:txBody>
+        </p:sp>
+        <p:sp>
+          <p:nvSpPr>
+            <p:cNvPr id="56" name="TextBox 55">
+              <a:extLst>
+                <a:ext uri="{FF2B5EF4-FFF2-40B4-BE49-F238E27FC236}">
+                  <a16:creationId xmlns:a16="http://schemas.microsoft.com/office/drawing/2014/main" id="{0ECE48B7-1688-04F5-8BAE-A9F15646E653}"/>
+                </a:ext>
+              </a:extLst>
+            </p:cNvPr>
+            <p:cNvSpPr txBox="1"/>
+            <p:nvPr/>
+          </p:nvSpPr>
+          <p:spPr>
+            <a:xfrm>
+              <a:off x="6662632" y="4579416"/>
+              <a:ext cx="657080" cy="307777"/>
+            </a:xfrm>
+            <a:prstGeom prst="rect">
+              <a:avLst/>
+            </a:prstGeom>
+            <a:noFill/>
+            <a:ln>
+              <a:noFill/>
+            </a:ln>
+          </p:spPr>
+          <p:txBody>
+            <a:bodyPr wrap="square" rtlCol="0">
+              <a:spAutoFit/>
+            </a:bodyPr>
+            <a:lstStyle/>
+            <a:p>
+              <a:pPr algn="ctr"/>
+              <a:r>
+                <a:rPr lang="en-US" sz="1400" dirty="0">
+                  <a:latin typeface="Avenir Medium" panose="02000503020000020003" pitchFamily="2" charset="0"/>
+                </a:rPr>
+                <a:t>No</a:t>
+              </a:r>
+            </a:p>
+          </p:txBody>
+        </p:sp>
+        <p:sp>
+          <p:nvSpPr>
+            <p:cNvPr id="57" name="TextBox 56">
+              <a:extLst>
+                <a:ext uri="{FF2B5EF4-FFF2-40B4-BE49-F238E27FC236}">
+                  <a16:creationId xmlns:a16="http://schemas.microsoft.com/office/drawing/2014/main" id="{14116BE4-91E1-54C4-8626-C71E1BADAF9B}"/>
+                </a:ext>
+              </a:extLst>
+            </p:cNvPr>
+            <p:cNvSpPr txBox="1"/>
+            <p:nvPr/>
+          </p:nvSpPr>
+          <p:spPr>
+            <a:xfrm>
+              <a:off x="6687016" y="2719383"/>
+              <a:ext cx="657080" cy="307777"/>
+            </a:xfrm>
+            <a:prstGeom prst="rect">
+              <a:avLst/>
+            </a:prstGeom>
+            <a:noFill/>
+            <a:ln>
+              <a:noFill/>
+            </a:ln>
+          </p:spPr>
+          <p:txBody>
+            <a:bodyPr wrap="square" rtlCol="0">
+              <a:spAutoFit/>
+            </a:bodyPr>
+            <a:lstStyle/>
+            <a:p>
+              <a:pPr algn="ctr"/>
+              <a:r>
+                <a:rPr lang="en-US" sz="1400" dirty="0">
+                  <a:latin typeface="Avenir Medium" panose="02000503020000020003" pitchFamily="2" charset="0"/>
+                </a:rPr>
+                <a:t>No</a:t>
+              </a:r>
+            </a:p>
+          </p:txBody>
+        </p:sp>
+      </p:grpSp>
     </p:spTree>
     <p:extLst>
       <p:ext uri="{BB962C8B-B14F-4D97-AF65-F5344CB8AC3E}">
@@ -9936,7 +11424,7 @@
             <a:r>
               <a:rPr lang="en-US" sz="2800" dirty="0">
                 <a:solidFill>
-                  <a:srgbClr val="64B57A"/>
+                  <a:srgbClr val="5A5AA8"/>
                 </a:solidFill>
                 <a:latin typeface="Avenir" panose="02000503020000020003" pitchFamily="2" charset="0"/>
                 <a:cs typeface="Futura Medium" panose="020B0602020204020303"/>
@@ -10005,7 +11493,7 @@
             <a:r>
               <a:rPr lang="en-US" sz="2800" dirty="0">
                 <a:solidFill>
-                  <a:srgbClr val="5EBB78"/>
+                  <a:srgbClr val="5A5AA8"/>
                 </a:solidFill>
                 <a:latin typeface="Avenir" panose="02000503020000020003" pitchFamily="2" charset="0"/>
                 <a:cs typeface="Futura Medium" panose="020B0602020204020303"/>
@@ -10079,7 +11567,7 @@
         <p:spPr>
           <a:xfrm>
             <a:off x="984504" y="3923592"/>
-            <a:ext cx="10430256" cy="1384995"/>
+            <a:ext cx="10430256" cy="1815882"/>
           </a:xfrm>
           <a:prstGeom prst="rect">
             <a:avLst/>
@@ -10116,7 +11604,7 @@
             <a:r>
               <a:rPr lang="en-US" sz="2800" dirty="0">
                 <a:solidFill>
-                  <a:srgbClr val="5EBB78"/>
+                  <a:srgbClr val="5A5AA8"/>
                 </a:solidFill>
                 <a:latin typeface="Avenir" panose="02000503020000020003" pitchFamily="2" charset="0"/>
                 <a:cs typeface="Futura Medium" panose="020B0602020204020303"/>
@@ -10133,7 +11621,7 @@
             <a:r>
               <a:rPr lang="en-US" sz="2800" dirty="0">
                 <a:solidFill>
-                  <a:srgbClr val="5EBB78"/>
+                  <a:srgbClr val="5A5AA8"/>
                 </a:solidFill>
                 <a:latin typeface="Avenir" panose="02000503020000020003" pitchFamily="2" charset="0"/>
                 <a:cs typeface="Futura Medium" panose="020B0602020204020303"/>
@@ -10150,7 +11638,7 @@
             <a:r>
               <a:rPr lang="en-US" sz="2800" dirty="0">
                 <a:solidFill>
-                  <a:srgbClr val="5EBB78"/>
+                  <a:srgbClr val="5A5AA8"/>
                 </a:solidFill>
                 <a:latin typeface="Avenir" panose="02000503020000020003" pitchFamily="2" charset="0"/>
                 <a:cs typeface="Futura Medium" panose="020B0602020204020303"/>
@@ -10167,12 +11655,32 @@
             <a:r>
               <a:rPr lang="en-US" sz="2800" dirty="0">
                 <a:solidFill>
-                  <a:srgbClr val="5EBB78"/>
+                  <a:srgbClr val="5A5AA8"/>
                 </a:solidFill>
                 <a:latin typeface="Avenir" panose="02000503020000020003" pitchFamily="2" charset="0"/>
                 <a:cs typeface="Futura Medium" panose="020B0602020204020303"/>
               </a:rPr>
-              <a:t>built-in functions</a:t>
+              <a:t>built-in</a:t>
+            </a:r>
+            <a:r>
+              <a:rPr lang="en-US" sz="2800" dirty="0">
+                <a:solidFill>
+                  <a:srgbClr val="5EBB78"/>
+                </a:solidFill>
+                <a:latin typeface="Avenir" panose="02000503020000020003" pitchFamily="2" charset="0"/>
+                <a:cs typeface="Futura Medium" panose="020B0602020204020303"/>
+              </a:rPr>
+              <a:t> </a:t>
+            </a:r>
+            <a:r>
+              <a:rPr lang="en-US" sz="2800" dirty="0">
+                <a:solidFill>
+                  <a:srgbClr val="5A5AA8"/>
+                </a:solidFill>
+                <a:latin typeface="Avenir" panose="02000503020000020003" pitchFamily="2" charset="0"/>
+                <a:cs typeface="Futura Medium" panose="020B0602020204020303"/>
+              </a:rPr>
+              <a:t>functions</a:t>
             </a:r>
             <a:r>
               <a:rPr lang="en-US" sz="2800" dirty="0">
@@ -10194,7 +11702,7 @@
             <a:r>
               <a:rPr lang="en-US" sz="2800" dirty="0">
                 <a:solidFill>
-                  <a:srgbClr val="5EBB78"/>
+                  <a:srgbClr val="5A5AA8"/>
                 </a:solidFill>
                 <a:latin typeface="Avenir" panose="02000503020000020003" pitchFamily="2" charset="0"/>
                 <a:cs typeface="Futura Medium" panose="020B0602020204020303"/>
@@ -12568,16 +14076,10 @@
             <a:avLst/>
           </a:prstGeom>
           <a:solidFill>
-            <a:schemeClr val="bg1">
-              <a:lumMod val="95000"/>
-            </a:schemeClr>
+            <a:schemeClr val="bg1"/>
           </a:solidFill>
           <a:ln>
-            <a:solidFill>
-              <a:schemeClr val="bg1">
-                <a:lumMod val="85000"/>
-              </a:schemeClr>
-            </a:solidFill>
+            <a:noFill/>
           </a:ln>
         </p:spPr>
         <p:txBody>

--- a/presentations/03.3_functions.pptx
+++ b/presentations/03.3_functions.pptx
@@ -2,31 +2,31 @@
 <file path=ppt/presentation.xml><?xml version="1.0" encoding="utf-8"?>
 <p:presentation xmlns:a="http://schemas.openxmlformats.org/drawingml/2006/main" xmlns:r="http://schemas.openxmlformats.org/officeDocument/2006/relationships" xmlns:p="http://schemas.openxmlformats.org/presentationml/2006/main" saveSubsetFonts="1">
   <p:sldMasterIdLst>
-    <p:sldMasterId id="2147483648" r:id="rId1"/>
+    <p:sldMasterId id="2147483648" r:id="rId4"/>
   </p:sldMasterIdLst>
   <p:notesMasterIdLst>
-    <p:notesMasterId r:id="rId21"/>
+    <p:notesMasterId r:id="rId24"/>
   </p:notesMasterIdLst>
   <p:sldIdLst>
-    <p:sldId id="324" r:id="rId2"/>
-    <p:sldId id="284" r:id="rId3"/>
-    <p:sldId id="325" r:id="rId4"/>
-    <p:sldId id="326" r:id="rId5"/>
-    <p:sldId id="301" r:id="rId6"/>
-    <p:sldId id="327" r:id="rId7"/>
-    <p:sldId id="328" r:id="rId8"/>
-    <p:sldId id="329" r:id="rId9"/>
-    <p:sldId id="330" r:id="rId10"/>
-    <p:sldId id="332" r:id="rId11"/>
-    <p:sldId id="297" r:id="rId12"/>
-    <p:sldId id="281" r:id="rId13"/>
-    <p:sldId id="293" r:id="rId14"/>
-    <p:sldId id="274" r:id="rId15"/>
-    <p:sldId id="279" r:id="rId16"/>
-    <p:sldId id="331" r:id="rId17"/>
-    <p:sldId id="298" r:id="rId18"/>
-    <p:sldId id="304" r:id="rId19"/>
-    <p:sldId id="303" r:id="rId20"/>
+    <p:sldId id="324" r:id="rId5"/>
+    <p:sldId id="284" r:id="rId6"/>
+    <p:sldId id="325" r:id="rId7"/>
+    <p:sldId id="326" r:id="rId8"/>
+    <p:sldId id="301" r:id="rId9"/>
+    <p:sldId id="327" r:id="rId10"/>
+    <p:sldId id="328" r:id="rId11"/>
+    <p:sldId id="329" r:id="rId12"/>
+    <p:sldId id="330" r:id="rId13"/>
+    <p:sldId id="332" r:id="rId14"/>
+    <p:sldId id="297" r:id="rId15"/>
+    <p:sldId id="281" r:id="rId16"/>
+    <p:sldId id="293" r:id="rId17"/>
+    <p:sldId id="274" r:id="rId18"/>
+    <p:sldId id="279" r:id="rId19"/>
+    <p:sldId id="331" r:id="rId20"/>
+    <p:sldId id="298" r:id="rId21"/>
+    <p:sldId id="304" r:id="rId22"/>
+    <p:sldId id="303" r:id="rId23"/>
   </p:sldIdLst>
   <p:sldSz cx="12192000" cy="6858000"/>
   <p:notesSz cx="6858000" cy="9144000"/>
@@ -144,6 +144,833 @@
 </p:presentation>
 </file>
 
+<file path=ppt/revisionInfo.xml><?xml version="1.0" encoding="utf-8"?>
+<p1510:revInfo xmlns:a="http://schemas.openxmlformats.org/drawingml/2006/main" xmlns:r="http://schemas.openxmlformats.org/officeDocument/2006/relationships" xmlns:p1510="http://schemas.microsoft.com/office/powerpoint/2015/10/main">
+  <p1510:revLst>
+    <p1510:client id="{37B4098E-0E56-4BFF-BFE4-8412ED0A5388}" v="2893" dt="2023-02-09T20:03:54.001"/>
+  </p1510:revLst>
+</p1510:revInfo>
+</file>
+
+<file path=ppt/changesInfos/changesInfo1.xml><?xml version="1.0" encoding="utf-8"?>
+<pc:chgInfo xmlns:a="http://schemas.openxmlformats.org/drawingml/2006/main" xmlns:r="http://schemas.openxmlformats.org/officeDocument/2006/relationships" xmlns:ac="http://schemas.microsoft.com/office/drawing/2013/main/command" xmlns:pc="http://schemas.microsoft.com/office/powerpoint/2013/main/command">
+  <pc:docChgLst>
+    <pc:chgData name="Haskell,Allyson A" userId="f01f6c31-ef41-49db-8aa6-74fdc01fc293" providerId="ADAL" clId="{37B4098E-0E56-4BFF-BFE4-8412ED0A5388}"/>
+    <pc:docChg chg="undo custSel modSld">
+      <pc:chgData name="Haskell,Allyson A" userId="f01f6c31-ef41-49db-8aa6-74fdc01fc293" providerId="ADAL" clId="{37B4098E-0E56-4BFF-BFE4-8412ED0A5388}" dt="2023-02-09T20:03:54.001" v="3218" actId="13244"/>
+      <pc:docMkLst>
+        <pc:docMk/>
+      </pc:docMkLst>
+      <pc:sldChg chg="modSp">
+        <pc:chgData name="Haskell,Allyson A" userId="f01f6c31-ef41-49db-8aa6-74fdc01fc293" providerId="ADAL" clId="{37B4098E-0E56-4BFF-BFE4-8412ED0A5388}" dt="2023-02-09T19:55:16.130" v="2618" actId="962"/>
+        <pc:sldMkLst>
+          <pc:docMk/>
+          <pc:sldMk cId="2633006781" sldId="274"/>
+        </pc:sldMkLst>
+        <pc:grpChg chg="mod">
+          <ac:chgData name="Haskell,Allyson A" userId="f01f6c31-ef41-49db-8aa6-74fdc01fc293" providerId="ADAL" clId="{37B4098E-0E56-4BFF-BFE4-8412ED0A5388}" dt="2023-02-09T19:55:16.130" v="2618" actId="962"/>
+          <ac:grpSpMkLst>
+            <pc:docMk/>
+            <pc:sldMk cId="2633006781" sldId="274"/>
+            <ac:grpSpMk id="58" creationId="{628B0EC7-8708-11D0-F586-64B8BC792616}"/>
+          </ac:grpSpMkLst>
+        </pc:grpChg>
+      </pc:sldChg>
+      <pc:sldChg chg="addSp delSp modSp mod">
+        <pc:chgData name="Haskell,Allyson A" userId="f01f6c31-ef41-49db-8aa6-74fdc01fc293" providerId="ADAL" clId="{37B4098E-0E56-4BFF-BFE4-8412ED0A5388}" dt="2023-02-09T20:00:58.955" v="3206" actId="13244"/>
+        <pc:sldMkLst>
+          <pc:docMk/>
+          <pc:sldMk cId="2261991877" sldId="279"/>
+        </pc:sldMkLst>
+        <pc:spChg chg="add del mod">
+          <ac:chgData name="Haskell,Allyson A" userId="f01f6c31-ef41-49db-8aa6-74fdc01fc293" providerId="ADAL" clId="{37B4098E-0E56-4BFF-BFE4-8412ED0A5388}" dt="2023-02-09T19:41:28.431" v="833" actId="20577"/>
+          <ac:spMkLst>
+            <pc:docMk/>
+            <pc:sldMk cId="2261991877" sldId="279"/>
+            <ac:spMk id="2" creationId="{BBE926F4-CE6D-4505-AFA9-B9D97418DA21}"/>
+          </ac:spMkLst>
+        </pc:spChg>
+        <pc:spChg chg="add mod">
+          <ac:chgData name="Haskell,Allyson A" userId="f01f6c31-ef41-49db-8aa6-74fdc01fc293" providerId="ADAL" clId="{37B4098E-0E56-4BFF-BFE4-8412ED0A5388}" dt="2023-02-09T20:00:58.955" v="3206" actId="13244"/>
+          <ac:spMkLst>
+            <pc:docMk/>
+            <pc:sldMk cId="2261991877" sldId="279"/>
+            <ac:spMk id="5" creationId="{3FF833EC-F74D-4B5D-A8B7-166F64EACE2D}"/>
+          </ac:spMkLst>
+        </pc:spChg>
+        <pc:spChg chg="mod">
+          <ac:chgData name="Haskell,Allyson A" userId="f01f6c31-ef41-49db-8aa6-74fdc01fc293" providerId="ADAL" clId="{37B4098E-0E56-4BFF-BFE4-8412ED0A5388}" dt="2023-02-09T19:41:48.471" v="837" actId="962"/>
+          <ac:spMkLst>
+            <pc:docMk/>
+            <pc:sldMk cId="2261991877" sldId="279"/>
+            <ac:spMk id="6" creationId="{526DFB79-4A76-8D4D-24AD-AF60D9EBA903}"/>
+          </ac:spMkLst>
+        </pc:spChg>
+        <pc:spChg chg="mod">
+          <ac:chgData name="Haskell,Allyson A" userId="f01f6c31-ef41-49db-8aa6-74fdc01fc293" providerId="ADAL" clId="{37B4098E-0E56-4BFF-BFE4-8412ED0A5388}" dt="2023-02-09T19:41:37.870" v="834" actId="962"/>
+          <ac:spMkLst>
+            <pc:docMk/>
+            <pc:sldMk cId="2261991877" sldId="279"/>
+            <ac:spMk id="8" creationId="{3D11DA76-C67D-59DB-D6EF-33B0D17A4DF5}"/>
+          </ac:spMkLst>
+        </pc:spChg>
+        <pc:spChg chg="mod">
+          <ac:chgData name="Haskell,Allyson A" userId="f01f6c31-ef41-49db-8aa6-74fdc01fc293" providerId="ADAL" clId="{37B4098E-0E56-4BFF-BFE4-8412ED0A5388}" dt="2023-02-09T19:41:43.048" v="835" actId="962"/>
+          <ac:spMkLst>
+            <pc:docMk/>
+            <pc:sldMk cId="2261991877" sldId="279"/>
+            <ac:spMk id="9" creationId="{6899920E-2FA2-78B4-8562-A076034038D7}"/>
+          </ac:spMkLst>
+        </pc:spChg>
+        <pc:grpChg chg="mod">
+          <ac:chgData name="Haskell,Allyson A" userId="f01f6c31-ef41-49db-8aa6-74fdc01fc293" providerId="ADAL" clId="{37B4098E-0E56-4BFF-BFE4-8412ED0A5388}" dt="2023-02-09T19:41:48.471" v="837" actId="962"/>
+          <ac:grpSpMkLst>
+            <pc:docMk/>
+            <pc:sldMk cId="2261991877" sldId="279"/>
+            <ac:grpSpMk id="3" creationId="{D0F036F9-E9EB-3D60-ECFA-F044AD7E7A9B}"/>
+          </ac:grpSpMkLst>
+        </pc:grpChg>
+        <pc:picChg chg="mod">
+          <ac:chgData name="Haskell,Allyson A" userId="f01f6c31-ef41-49db-8aa6-74fdc01fc293" providerId="ADAL" clId="{37B4098E-0E56-4BFF-BFE4-8412ED0A5388}" dt="2023-02-09T19:31:37.594" v="356" actId="962"/>
+          <ac:picMkLst>
+            <pc:docMk/>
+            <pc:sldMk cId="2261991877" sldId="279"/>
+            <ac:picMk id="10" creationId="{2BE5B1F9-E767-04E2-D406-B8269E6F0E29}"/>
+          </ac:picMkLst>
+        </pc:picChg>
+      </pc:sldChg>
+      <pc:sldChg chg="addSp modSp mod">
+        <pc:chgData name="Haskell,Allyson A" userId="f01f6c31-ef41-49db-8aa6-74fdc01fc293" providerId="ADAL" clId="{37B4098E-0E56-4BFF-BFE4-8412ED0A5388}" dt="2023-02-09T20:00:25.912" v="3202" actId="13244"/>
+        <pc:sldMkLst>
+          <pc:docMk/>
+          <pc:sldMk cId="491246926" sldId="281"/>
+        </pc:sldMkLst>
+        <pc:spChg chg="add mod">
+          <ac:chgData name="Haskell,Allyson A" userId="f01f6c31-ef41-49db-8aa6-74fdc01fc293" providerId="ADAL" clId="{37B4098E-0E56-4BFF-BFE4-8412ED0A5388}" dt="2023-02-09T20:00:25.912" v="3202" actId="13244"/>
+          <ac:spMkLst>
+            <pc:docMk/>
+            <pc:sldMk cId="491246926" sldId="281"/>
+            <ac:spMk id="2" creationId="{17EDFFD0-B58E-4640-B34D-EA17AAEC1079}"/>
+          </ac:spMkLst>
+        </pc:spChg>
+        <pc:spChg chg="mod">
+          <ac:chgData name="Haskell,Allyson A" userId="f01f6c31-ef41-49db-8aa6-74fdc01fc293" providerId="ADAL" clId="{37B4098E-0E56-4BFF-BFE4-8412ED0A5388}" dt="2023-02-09T19:30:49.343" v="345" actId="207"/>
+          <ac:spMkLst>
+            <pc:docMk/>
+            <pc:sldMk cId="491246926" sldId="281"/>
+            <ac:spMk id="3" creationId="{91539208-98CD-4C99-8F58-BF37A6DB9020}"/>
+          </ac:spMkLst>
+        </pc:spChg>
+        <pc:picChg chg="mod">
+          <ac:chgData name="Haskell,Allyson A" userId="f01f6c31-ef41-49db-8aa6-74fdc01fc293" providerId="ADAL" clId="{37B4098E-0E56-4BFF-BFE4-8412ED0A5388}" dt="2023-02-03T18:58:29.858" v="341" actId="1035"/>
+          <ac:picMkLst>
+            <pc:docMk/>
+            <pc:sldMk cId="491246926" sldId="281"/>
+            <ac:picMk id="4" creationId="{ADA40601-B1F6-4F6B-8513-E9639CEEB387}"/>
+          </ac:picMkLst>
+        </pc:picChg>
+        <pc:picChg chg="mod">
+          <ac:chgData name="Haskell,Allyson A" userId="f01f6c31-ef41-49db-8aa6-74fdc01fc293" providerId="ADAL" clId="{37B4098E-0E56-4BFF-BFE4-8412ED0A5388}" dt="2023-02-09T19:31:31.546" v="354" actId="962"/>
+          <ac:picMkLst>
+            <pc:docMk/>
+            <pc:sldMk cId="491246926" sldId="281"/>
+            <ac:picMk id="5" creationId="{47C94F79-35DD-30CD-E442-1D0600DEDA68}"/>
+          </ac:picMkLst>
+        </pc:picChg>
+      </pc:sldChg>
+      <pc:sldChg chg="addSp modSp">
+        <pc:chgData name="Haskell,Allyson A" userId="f01f6c31-ef41-49db-8aa6-74fdc01fc293" providerId="ADAL" clId="{37B4098E-0E56-4BFF-BFE4-8412ED0A5388}" dt="2023-02-09T19:52:05.950" v="1378" actId="13244"/>
+        <pc:sldMkLst>
+          <pc:docMk/>
+          <pc:sldMk cId="86349095" sldId="284"/>
+        </pc:sldMkLst>
+        <pc:spChg chg="add mod">
+          <ac:chgData name="Haskell,Allyson A" userId="f01f6c31-ef41-49db-8aa6-74fdc01fc293" providerId="ADAL" clId="{37B4098E-0E56-4BFF-BFE4-8412ED0A5388}" dt="2023-02-09T19:52:05.950" v="1378" actId="13244"/>
+          <ac:spMkLst>
+            <pc:docMk/>
+            <pc:sldMk cId="86349095" sldId="284"/>
+            <ac:spMk id="2" creationId="{6FAAD4DE-3C6D-4991-BFBC-D2B3E7821426}"/>
+          </ac:spMkLst>
+        </pc:spChg>
+        <pc:picChg chg="mod">
+          <ac:chgData name="Haskell,Allyson A" userId="f01f6c31-ef41-49db-8aa6-74fdc01fc293" providerId="ADAL" clId="{37B4098E-0E56-4BFF-BFE4-8412ED0A5388}" dt="2023-02-09T19:51:58.246" v="1377" actId="13244"/>
+          <ac:picMkLst>
+            <pc:docMk/>
+            <pc:sldMk cId="86349095" sldId="284"/>
+            <ac:picMk id="5" creationId="{09731AEF-C8DE-26ED-75BD-5EEF5DCBE328}"/>
+          </ac:picMkLst>
+        </pc:picChg>
+      </pc:sldChg>
+      <pc:sldChg chg="addSp modSp mod">
+        <pc:chgData name="Haskell,Allyson A" userId="f01f6c31-ef41-49db-8aa6-74fdc01fc293" providerId="ADAL" clId="{37B4098E-0E56-4BFF-BFE4-8412ED0A5388}" dt="2023-02-09T20:00:50.010" v="3205" actId="13244"/>
+        <pc:sldMkLst>
+          <pc:docMk/>
+          <pc:sldMk cId="693668097" sldId="293"/>
+        </pc:sldMkLst>
+        <pc:spChg chg="mod">
+          <ac:chgData name="Haskell,Allyson A" userId="f01f6c31-ef41-49db-8aa6-74fdc01fc293" providerId="ADAL" clId="{37B4098E-0E56-4BFF-BFE4-8412ED0A5388}" dt="2023-02-09T19:41:04.155" v="822" actId="20577"/>
+          <ac:spMkLst>
+            <pc:docMk/>
+            <pc:sldMk cId="693668097" sldId="293"/>
+            <ac:spMk id="2" creationId="{2C8698E5-8354-4A59-ABB7-0349000614A5}"/>
+          </ac:spMkLst>
+        </pc:spChg>
+        <pc:spChg chg="mod">
+          <ac:chgData name="Haskell,Allyson A" userId="f01f6c31-ef41-49db-8aa6-74fdc01fc293" providerId="ADAL" clId="{37B4098E-0E56-4BFF-BFE4-8412ED0A5388}" dt="2023-02-09T20:00:47.195" v="3204" actId="13244"/>
+          <ac:spMkLst>
+            <pc:docMk/>
+            <pc:sldMk cId="693668097" sldId="293"/>
+            <ac:spMk id="3" creationId="{47BAE984-51CD-B104-D209-59934E44EA8A}"/>
+          </ac:spMkLst>
+        </pc:spChg>
+        <pc:spChg chg="mod">
+          <ac:chgData name="Haskell,Allyson A" userId="f01f6c31-ef41-49db-8aa6-74fdc01fc293" providerId="ADAL" clId="{37B4098E-0E56-4BFF-BFE4-8412ED0A5388}" dt="2023-02-09T20:00:50.010" v="3205" actId="13244"/>
+          <ac:spMkLst>
+            <pc:docMk/>
+            <pc:sldMk cId="693668097" sldId="293"/>
+            <ac:spMk id="5" creationId="{6DCE841E-5D74-D59C-F3B8-2DC5C1E8BAB4}"/>
+          </ac:spMkLst>
+        </pc:spChg>
+        <pc:spChg chg="add mod">
+          <ac:chgData name="Haskell,Allyson A" userId="f01f6c31-ef41-49db-8aa6-74fdc01fc293" providerId="ADAL" clId="{37B4098E-0E56-4BFF-BFE4-8412ED0A5388}" dt="2023-02-09T20:00:35.011" v="3203" actId="13244"/>
+          <ac:spMkLst>
+            <pc:docMk/>
+            <pc:sldMk cId="693668097" sldId="293"/>
+            <ac:spMk id="6" creationId="{C8BDB40A-C9C2-404A-9CE8-55413377F542}"/>
+          </ac:spMkLst>
+        </pc:spChg>
+        <pc:picChg chg="mod">
+          <ac:chgData name="Haskell,Allyson A" userId="f01f6c31-ef41-49db-8aa6-74fdc01fc293" providerId="ADAL" clId="{37B4098E-0E56-4BFF-BFE4-8412ED0A5388}" dt="2023-02-09T19:52:45.125" v="1536" actId="962"/>
+          <ac:picMkLst>
+            <pc:docMk/>
+            <pc:sldMk cId="693668097" sldId="293"/>
+            <ac:picMk id="4" creationId="{A8933D68-98AC-47F5-9FFC-512B6F2F59EC}"/>
+          </ac:picMkLst>
+        </pc:picChg>
+        <pc:picChg chg="mod">
+          <ac:chgData name="Haskell,Allyson A" userId="f01f6c31-ef41-49db-8aa6-74fdc01fc293" providerId="ADAL" clId="{37B4098E-0E56-4BFF-BFE4-8412ED0A5388}" dt="2023-02-09T19:31:34.269" v="355" actId="962"/>
+          <ac:picMkLst>
+            <pc:docMk/>
+            <pc:sldMk cId="693668097" sldId="293"/>
+            <ac:picMk id="7" creationId="{49C8AD2F-E589-606E-1D72-D210295BB040}"/>
+          </ac:picMkLst>
+        </pc:picChg>
+      </pc:sldChg>
+      <pc:sldChg chg="addSp delSp modSp mod">
+        <pc:chgData name="Haskell,Allyson A" userId="f01f6c31-ef41-49db-8aa6-74fdc01fc293" providerId="ADAL" clId="{37B4098E-0E56-4BFF-BFE4-8412ED0A5388}" dt="2023-02-09T19:51:37.031" v="1376" actId="207"/>
+        <pc:sldMkLst>
+          <pc:docMk/>
+          <pc:sldMk cId="1986634862" sldId="297"/>
+        </pc:sldMkLst>
+        <pc:spChg chg="add mod">
+          <ac:chgData name="Haskell,Allyson A" userId="f01f6c31-ef41-49db-8aa6-74fdc01fc293" providerId="ADAL" clId="{37B4098E-0E56-4BFF-BFE4-8412ED0A5388}" dt="2023-02-09T19:39:33.958" v="679" actId="1035"/>
+          <ac:spMkLst>
+            <pc:docMk/>
+            <pc:sldMk cId="1986634862" sldId="297"/>
+            <ac:spMk id="2" creationId="{569CC5C8-9388-4F5B-B90D-D6F3661DABAD}"/>
+          </ac:spMkLst>
+        </pc:spChg>
+        <pc:spChg chg="mod">
+          <ac:chgData name="Haskell,Allyson A" userId="f01f6c31-ef41-49db-8aa6-74fdc01fc293" providerId="ADAL" clId="{37B4098E-0E56-4BFF-BFE4-8412ED0A5388}" dt="2023-02-09T19:51:37.031" v="1376" actId="207"/>
+          <ac:spMkLst>
+            <pc:docMk/>
+            <pc:sldMk cId="1986634862" sldId="297"/>
+            <ac:spMk id="3" creationId="{5C0A5C65-AF69-D9F1-303D-9A0930209843}"/>
+          </ac:spMkLst>
+        </pc:spChg>
+        <pc:spChg chg="del">
+          <ac:chgData name="Haskell,Allyson A" userId="f01f6c31-ef41-49db-8aa6-74fdc01fc293" providerId="ADAL" clId="{37B4098E-0E56-4BFF-BFE4-8412ED0A5388}" dt="2023-02-09T19:39:37.238" v="680" actId="478"/>
+          <ac:spMkLst>
+            <pc:docMk/>
+            <pc:sldMk cId="1986634862" sldId="297"/>
+            <ac:spMk id="4" creationId="{22704BC7-6FCC-4C57-AA4D-D71A548FD91A}"/>
+          </ac:spMkLst>
+        </pc:spChg>
+        <pc:picChg chg="mod">
+          <ac:chgData name="Haskell,Allyson A" userId="f01f6c31-ef41-49db-8aa6-74fdc01fc293" providerId="ADAL" clId="{37B4098E-0E56-4BFF-BFE4-8412ED0A5388}" dt="2023-02-09T19:31:29.075" v="353" actId="962"/>
+          <ac:picMkLst>
+            <pc:docMk/>
+            <pc:sldMk cId="1986634862" sldId="297"/>
+            <ac:picMk id="5" creationId="{FABCADEC-E214-2DA1-88C0-A90E0DEE3BF2}"/>
+          </ac:picMkLst>
+        </pc:picChg>
+      </pc:sldChg>
+      <pc:sldChg chg="modSp mod">
+        <pc:chgData name="Haskell,Allyson A" userId="f01f6c31-ef41-49db-8aa6-74fdc01fc293" providerId="ADAL" clId="{37B4098E-0E56-4BFF-BFE4-8412ED0A5388}" dt="2023-02-09T19:31:59.800" v="358" actId="14861"/>
+        <pc:sldMkLst>
+          <pc:docMk/>
+          <pc:sldMk cId="808335887" sldId="298"/>
+        </pc:sldMkLst>
+        <pc:picChg chg="mod">
+          <ac:chgData name="Haskell,Allyson A" userId="f01f6c31-ef41-49db-8aa6-74fdc01fc293" providerId="ADAL" clId="{37B4098E-0E56-4BFF-BFE4-8412ED0A5388}" dt="2023-02-09T19:31:40.875" v="357" actId="962"/>
+          <ac:picMkLst>
+            <pc:docMk/>
+            <pc:sldMk cId="808335887" sldId="298"/>
+            <ac:picMk id="5" creationId="{F7115C99-330F-0BB0-C69E-EF160FA2379E}"/>
+          </ac:picMkLst>
+        </pc:picChg>
+        <pc:picChg chg="mod">
+          <ac:chgData name="Haskell,Allyson A" userId="f01f6c31-ef41-49db-8aa6-74fdc01fc293" providerId="ADAL" clId="{37B4098E-0E56-4BFF-BFE4-8412ED0A5388}" dt="2023-02-09T19:31:59.800" v="358" actId="14861"/>
+          <ac:picMkLst>
+            <pc:docMk/>
+            <pc:sldMk cId="808335887" sldId="298"/>
+            <ac:picMk id="7" creationId="{4940B1E0-0CE0-550E-DED9-62715005FC42}"/>
+          </ac:picMkLst>
+        </pc:picChg>
+      </pc:sldChg>
+      <pc:sldChg chg="addSp modSp mod">
+        <pc:chgData name="Haskell,Allyson A" userId="f01f6c31-ef41-49db-8aa6-74fdc01fc293" providerId="ADAL" clId="{37B4098E-0E56-4BFF-BFE4-8412ED0A5388}" dt="2023-02-09T19:57:16.364" v="3188" actId="13244"/>
+        <pc:sldMkLst>
+          <pc:docMk/>
+          <pc:sldMk cId="3989656751" sldId="301"/>
+        </pc:sldMkLst>
+        <pc:spChg chg="add mod">
+          <ac:chgData name="Haskell,Allyson A" userId="f01f6c31-ef41-49db-8aa6-74fdc01fc293" providerId="ADAL" clId="{37B4098E-0E56-4BFF-BFE4-8412ED0A5388}" dt="2023-02-09T19:57:16.364" v="3188" actId="13244"/>
+          <ac:spMkLst>
+            <pc:docMk/>
+            <pc:sldMk cId="3989656751" sldId="301"/>
+            <ac:spMk id="2" creationId="{3CA79F81-952D-42D4-8ADE-67B4AC27B759}"/>
+          </ac:spMkLst>
+        </pc:spChg>
+        <pc:picChg chg="mod">
+          <ac:chgData name="Haskell,Allyson A" userId="f01f6c31-ef41-49db-8aa6-74fdc01fc293" providerId="ADAL" clId="{37B4098E-0E56-4BFF-BFE4-8412ED0A5388}" dt="2023-02-09T19:57:14.709" v="3187" actId="13244"/>
+          <ac:picMkLst>
+            <pc:docMk/>
+            <pc:sldMk cId="3989656751" sldId="301"/>
+            <ac:picMk id="4" creationId="{0D03915A-8C1E-F637-B8F5-8AECBE10BDC2}"/>
+          </ac:picMkLst>
+        </pc:picChg>
+      </pc:sldChg>
+      <pc:sldChg chg="addSp modSp">
+        <pc:chgData name="Haskell,Allyson A" userId="f01f6c31-ef41-49db-8aa6-74fdc01fc293" providerId="ADAL" clId="{37B4098E-0E56-4BFF-BFE4-8412ED0A5388}" dt="2023-02-09T20:03:54.001" v="3218" actId="13244"/>
+        <pc:sldMkLst>
+          <pc:docMk/>
+          <pc:sldMk cId="4104442645" sldId="303"/>
+        </pc:sldMkLst>
+        <pc:spChg chg="add mod">
+          <ac:chgData name="Haskell,Allyson A" userId="f01f6c31-ef41-49db-8aa6-74fdc01fc293" providerId="ADAL" clId="{37B4098E-0E56-4BFF-BFE4-8412ED0A5388}" dt="2023-02-09T20:03:50.617" v="3217" actId="13244"/>
+          <ac:spMkLst>
+            <pc:docMk/>
+            <pc:sldMk cId="4104442645" sldId="303"/>
+            <ac:spMk id="3" creationId="{F43B63C8-896A-44B2-BED8-03E8F984D485}"/>
+          </ac:spMkLst>
+        </pc:spChg>
+        <pc:spChg chg="mod">
+          <ac:chgData name="Haskell,Allyson A" userId="f01f6c31-ef41-49db-8aa6-74fdc01fc293" providerId="ADAL" clId="{37B4098E-0E56-4BFF-BFE4-8412ED0A5388}" dt="2023-02-09T19:43:40.150" v="1096" actId="1076"/>
+          <ac:spMkLst>
+            <pc:docMk/>
+            <pc:sldMk cId="4104442645" sldId="303"/>
+            <ac:spMk id="4" creationId="{C0C1E8D7-CD38-44CA-9725-1DBF57DB487C}"/>
+          </ac:spMkLst>
+        </pc:spChg>
+        <pc:spChg chg="add mod">
+          <ac:chgData name="Haskell,Allyson A" userId="f01f6c31-ef41-49db-8aa6-74fdc01fc293" providerId="ADAL" clId="{37B4098E-0E56-4BFF-BFE4-8412ED0A5388}" dt="2023-02-09T19:45:50.048" v="1370" actId="313"/>
+          <ac:spMkLst>
+            <pc:docMk/>
+            <pc:sldMk cId="4104442645" sldId="303"/>
+            <ac:spMk id="6" creationId="{5BB5F14E-C0F8-4727-AFAF-B1CAD80E8C81}"/>
+          </ac:spMkLst>
+        </pc:spChg>
+        <pc:picChg chg="mod">
+          <ac:chgData name="Haskell,Allyson A" userId="f01f6c31-ef41-49db-8aa6-74fdc01fc293" providerId="ADAL" clId="{37B4098E-0E56-4BFF-BFE4-8412ED0A5388}" dt="2023-02-09T20:03:54.001" v="3218" actId="13244"/>
+          <ac:picMkLst>
+            <pc:docMk/>
+            <pc:sldMk cId="4104442645" sldId="303"/>
+            <ac:picMk id="2" creationId="{C6A4991D-3279-E683-3BA9-4325D79B8300}"/>
+          </ac:picMkLst>
+        </pc:picChg>
+        <pc:picChg chg="mod">
+          <ac:chgData name="Haskell,Allyson A" userId="f01f6c31-ef41-49db-8aa6-74fdc01fc293" providerId="ADAL" clId="{37B4098E-0E56-4BFF-BFE4-8412ED0A5388}" dt="2023-02-09T19:32:30.137" v="384" actId="962"/>
+          <ac:picMkLst>
+            <pc:docMk/>
+            <pc:sldMk cId="4104442645" sldId="303"/>
+            <ac:picMk id="5" creationId="{F652B3EB-A3A0-F53E-066E-99238E8F6D92}"/>
+          </ac:picMkLst>
+        </pc:picChg>
+      </pc:sldChg>
+      <pc:sldChg chg="addSp modSp">
+        <pc:chgData name="Haskell,Allyson A" userId="f01f6c31-ef41-49db-8aa6-74fdc01fc293" providerId="ADAL" clId="{37B4098E-0E56-4BFF-BFE4-8412ED0A5388}" dt="2023-02-09T20:01:20.112" v="3209" actId="1076"/>
+        <pc:sldMkLst>
+          <pc:docMk/>
+          <pc:sldMk cId="4107282774" sldId="304"/>
+        </pc:sldMkLst>
+        <pc:spChg chg="add mod">
+          <ac:chgData name="Haskell,Allyson A" userId="f01f6c31-ef41-49db-8aa6-74fdc01fc293" providerId="ADAL" clId="{37B4098E-0E56-4BFF-BFE4-8412ED0A5388}" dt="2023-02-09T20:01:06.355" v="3207" actId="13244"/>
+          <ac:spMkLst>
+            <pc:docMk/>
+            <pc:sldMk cId="4107282774" sldId="304"/>
+            <ac:spMk id="2" creationId="{871A0278-3A0E-4472-B7D7-4A8605D6BF6F}"/>
+          </ac:spMkLst>
+        </pc:spChg>
+        <pc:spChg chg="mod">
+          <ac:chgData name="Haskell,Allyson A" userId="f01f6c31-ef41-49db-8aa6-74fdc01fc293" providerId="ADAL" clId="{37B4098E-0E56-4BFF-BFE4-8412ED0A5388}" dt="2023-02-09T20:01:20.112" v="3209" actId="1076"/>
+          <ac:spMkLst>
+            <pc:docMk/>
+            <pc:sldMk cId="4107282774" sldId="304"/>
+            <ac:spMk id="5" creationId="{7BAC4704-52EC-434B-B6DD-AB10E80FF802}"/>
+          </ac:spMkLst>
+        </pc:spChg>
+        <pc:picChg chg="mod">
+          <ac:chgData name="Haskell,Allyson A" userId="f01f6c31-ef41-49db-8aa6-74fdc01fc293" providerId="ADAL" clId="{37B4098E-0E56-4BFF-BFE4-8412ED0A5388}" dt="2023-02-09T19:32:35.827" v="385" actId="962"/>
+          <ac:picMkLst>
+            <pc:docMk/>
+            <pc:sldMk cId="4107282774" sldId="304"/>
+            <ac:picMk id="6" creationId="{F9D0A188-A97D-DF1B-FA96-7D019CD5C170}"/>
+          </ac:picMkLst>
+        </pc:picChg>
+      </pc:sldChg>
+      <pc:sldChg chg="addSp delSp modSp mod">
+        <pc:chgData name="Haskell,Allyson A" userId="f01f6c31-ef41-49db-8aa6-74fdc01fc293" providerId="ADAL" clId="{37B4098E-0E56-4BFF-BFE4-8412ED0A5388}" dt="2023-02-09T19:34:57.647" v="409" actId="478"/>
+        <pc:sldMkLst>
+          <pc:docMk/>
+          <pc:sldMk cId="4229412751" sldId="324"/>
+        </pc:sldMkLst>
+        <pc:spChg chg="add mod">
+          <ac:chgData name="Haskell,Allyson A" userId="f01f6c31-ef41-49db-8aa6-74fdc01fc293" providerId="ADAL" clId="{37B4098E-0E56-4BFF-BFE4-8412ED0A5388}" dt="2023-02-09T19:34:52.321" v="407" actId="1037"/>
+          <ac:spMkLst>
+            <pc:docMk/>
+            <pc:sldMk cId="4229412751" sldId="324"/>
+            <ac:spMk id="2" creationId="{13A35BA5-2B58-4C12-A2F4-5E94A1936339}"/>
+          </ac:spMkLst>
+        </pc:spChg>
+        <pc:spChg chg="del">
+          <ac:chgData name="Haskell,Allyson A" userId="f01f6c31-ef41-49db-8aa6-74fdc01fc293" providerId="ADAL" clId="{37B4098E-0E56-4BFF-BFE4-8412ED0A5388}" dt="2023-02-09T19:34:54.848" v="408" actId="478"/>
+          <ac:spMkLst>
+            <pc:docMk/>
+            <pc:sldMk cId="4229412751" sldId="324"/>
+            <ac:spMk id="3" creationId="{098BC2D2-CCF7-4C63-8489-B46BF394FCA2}"/>
+          </ac:spMkLst>
+        </pc:spChg>
+        <pc:spChg chg="add del mod">
+          <ac:chgData name="Haskell,Allyson A" userId="f01f6c31-ef41-49db-8aa6-74fdc01fc293" providerId="ADAL" clId="{37B4098E-0E56-4BFF-BFE4-8412ED0A5388}" dt="2023-02-09T19:34:57.647" v="409" actId="478"/>
+          <ac:spMkLst>
+            <pc:docMk/>
+            <pc:sldMk cId="4229412751" sldId="324"/>
+            <ac:spMk id="4" creationId="{CD76C163-ACA5-4DD5-9036-206C38716ED3}"/>
+          </ac:spMkLst>
+        </pc:spChg>
+        <pc:picChg chg="mod">
+          <ac:chgData name="Haskell,Allyson A" userId="f01f6c31-ef41-49db-8aa6-74fdc01fc293" providerId="ADAL" clId="{37B4098E-0E56-4BFF-BFE4-8412ED0A5388}" dt="2023-02-09T19:30:12.241" v="343" actId="962"/>
+          <ac:picMkLst>
+            <pc:docMk/>
+            <pc:sldMk cId="4229412751" sldId="324"/>
+            <ac:picMk id="6" creationId="{D035209F-C587-7FC6-E954-C27464E4EBB0}"/>
+          </ac:picMkLst>
+        </pc:picChg>
+        <pc:picChg chg="mod">
+          <ac:chgData name="Haskell,Allyson A" userId="f01f6c31-ef41-49db-8aa6-74fdc01fc293" providerId="ADAL" clId="{37B4098E-0E56-4BFF-BFE4-8412ED0A5388}" dt="2023-02-09T19:32:13.224" v="382" actId="962"/>
+          <ac:picMkLst>
+            <pc:docMk/>
+            <pc:sldMk cId="4229412751" sldId="324"/>
+            <ac:picMk id="8" creationId="{755F653B-607E-3F55-E310-CE8EC1DEEC88}"/>
+          </ac:picMkLst>
+        </pc:picChg>
+      </pc:sldChg>
+      <pc:sldChg chg="addSp delSp modSp">
+        <pc:chgData name="Haskell,Allyson A" userId="f01f6c31-ef41-49db-8aa6-74fdc01fc293" providerId="ADAL" clId="{37B4098E-0E56-4BFF-BFE4-8412ED0A5388}" dt="2023-02-09T19:56:52.252" v="3183" actId="13244"/>
+        <pc:sldMkLst>
+          <pc:docMk/>
+          <pc:sldMk cId="663104863" sldId="325"/>
+        </pc:sldMkLst>
+        <pc:spChg chg="add mod">
+          <ac:chgData name="Haskell,Allyson A" userId="f01f6c31-ef41-49db-8aa6-74fdc01fc293" providerId="ADAL" clId="{37B4098E-0E56-4BFF-BFE4-8412ED0A5388}" dt="2023-02-09T19:56:52.252" v="3183" actId="13244"/>
+          <ac:spMkLst>
+            <pc:docMk/>
+            <pc:sldMk cId="663104863" sldId="325"/>
+            <ac:spMk id="2" creationId="{0FE2B6F4-9BB1-4353-93E3-5A900941F8F6}"/>
+          </ac:spMkLst>
+        </pc:spChg>
+        <pc:spChg chg="del">
+          <ac:chgData name="Haskell,Allyson A" userId="f01f6c31-ef41-49db-8aa6-74fdc01fc293" providerId="ADAL" clId="{37B4098E-0E56-4BFF-BFE4-8412ED0A5388}" dt="2023-02-09T19:36:02.414" v="484" actId="478"/>
+          <ac:spMkLst>
+            <pc:docMk/>
+            <pc:sldMk cId="663104863" sldId="325"/>
+            <ac:spMk id="8" creationId="{8AA53311-E9AB-8000-76B7-B5294CE0B931}"/>
+          </ac:spMkLst>
+        </pc:spChg>
+        <pc:picChg chg="mod">
+          <ac:chgData name="Haskell,Allyson A" userId="f01f6c31-ef41-49db-8aa6-74fdc01fc293" providerId="ADAL" clId="{37B4098E-0E56-4BFF-BFE4-8412ED0A5388}" dt="2023-02-09T19:56:50.420" v="3182" actId="13244"/>
+          <ac:picMkLst>
+            <pc:docMk/>
+            <pc:sldMk cId="663104863" sldId="325"/>
+            <ac:picMk id="15" creationId="{C2690AFE-6FD7-643A-6EDE-1B57C956A15B}"/>
+          </ac:picMkLst>
+        </pc:picChg>
+      </pc:sldChg>
+      <pc:sldChg chg="addSp delSp modSp mod">
+        <pc:chgData name="Haskell,Allyson A" userId="f01f6c31-ef41-49db-8aa6-74fdc01fc293" providerId="ADAL" clId="{37B4098E-0E56-4BFF-BFE4-8412ED0A5388}" dt="2023-02-09T19:57:08.732" v="3186" actId="13244"/>
+        <pc:sldMkLst>
+          <pc:docMk/>
+          <pc:sldMk cId="525905896" sldId="326"/>
+        </pc:sldMkLst>
+        <pc:spChg chg="del">
+          <ac:chgData name="Haskell,Allyson A" userId="f01f6c31-ef41-49db-8aa6-74fdc01fc293" providerId="ADAL" clId="{37B4098E-0E56-4BFF-BFE4-8412ED0A5388}" dt="2023-02-09T19:36:25.280" v="506" actId="478"/>
+          <ac:spMkLst>
+            <pc:docMk/>
+            <pc:sldMk cId="525905896" sldId="326"/>
+            <ac:spMk id="6" creationId="{098C5FE6-2435-5793-70E6-C76888EE0554}"/>
+          </ac:spMkLst>
+        </pc:spChg>
+        <pc:spChg chg="mod">
+          <ac:chgData name="Haskell,Allyson A" userId="f01f6c31-ef41-49db-8aa6-74fdc01fc293" providerId="ADAL" clId="{37B4098E-0E56-4BFF-BFE4-8412ED0A5388}" dt="2023-02-09T19:57:08.732" v="3186" actId="13244"/>
+          <ac:spMkLst>
+            <pc:docMk/>
+            <pc:sldMk cId="525905896" sldId="326"/>
+            <ac:spMk id="7" creationId="{4795CC42-5D5B-FB2F-2043-B63F3789E896}"/>
+          </ac:spMkLst>
+        </pc:spChg>
+        <pc:spChg chg="add mod">
+          <ac:chgData name="Haskell,Allyson A" userId="f01f6c31-ef41-49db-8aa6-74fdc01fc293" providerId="ADAL" clId="{37B4098E-0E56-4BFF-BFE4-8412ED0A5388}" dt="2023-02-09T19:57:06.332" v="3185" actId="13244"/>
+          <ac:spMkLst>
+            <pc:docMk/>
+            <pc:sldMk cId="525905896" sldId="326"/>
+            <ac:spMk id="9" creationId="{64BFC3B4-C05D-4E01-A221-591C1075AC4C}"/>
+          </ac:spMkLst>
+        </pc:spChg>
+        <pc:spChg chg="mod">
+          <ac:chgData name="Haskell,Allyson A" userId="f01f6c31-ef41-49db-8aa6-74fdc01fc293" providerId="ADAL" clId="{37B4098E-0E56-4BFF-BFE4-8412ED0A5388}" dt="2023-02-09T19:55:26.305" v="2619" actId="164"/>
+          <ac:spMkLst>
+            <pc:docMk/>
+            <pc:sldMk cId="525905896" sldId="326"/>
+            <ac:spMk id="27" creationId="{0B65DC04-2643-90F3-2806-F131EE092525}"/>
+          </ac:spMkLst>
+        </pc:spChg>
+        <pc:spChg chg="mod">
+          <ac:chgData name="Haskell,Allyson A" userId="f01f6c31-ef41-49db-8aa6-74fdc01fc293" providerId="ADAL" clId="{37B4098E-0E56-4BFF-BFE4-8412ED0A5388}" dt="2023-02-09T19:55:26.305" v="2619" actId="164"/>
+          <ac:spMkLst>
+            <pc:docMk/>
+            <pc:sldMk cId="525905896" sldId="326"/>
+            <ac:spMk id="39" creationId="{C7379117-A2ED-9EF7-264B-1BC691A910A0}"/>
+          </ac:spMkLst>
+        </pc:spChg>
+        <pc:spChg chg="mod">
+          <ac:chgData name="Haskell,Allyson A" userId="f01f6c31-ef41-49db-8aa6-74fdc01fc293" providerId="ADAL" clId="{37B4098E-0E56-4BFF-BFE4-8412ED0A5388}" dt="2023-02-09T19:55:26.305" v="2619" actId="164"/>
+          <ac:spMkLst>
+            <pc:docMk/>
+            <pc:sldMk cId="525905896" sldId="326"/>
+            <ac:spMk id="40" creationId="{02B53A79-839E-FDC8-E828-91E9295A075E}"/>
+          </ac:spMkLst>
+        </pc:spChg>
+        <pc:spChg chg="mod">
+          <ac:chgData name="Haskell,Allyson A" userId="f01f6c31-ef41-49db-8aa6-74fdc01fc293" providerId="ADAL" clId="{37B4098E-0E56-4BFF-BFE4-8412ED0A5388}" dt="2023-02-09T19:55:26.305" v="2619" actId="164"/>
+          <ac:spMkLst>
+            <pc:docMk/>
+            <pc:sldMk cId="525905896" sldId="326"/>
+            <ac:spMk id="41" creationId="{2AC5544C-F5B8-EC08-5213-C60144F63693}"/>
+          </ac:spMkLst>
+        </pc:spChg>
+        <pc:spChg chg="mod">
+          <ac:chgData name="Haskell,Allyson A" userId="f01f6c31-ef41-49db-8aa6-74fdc01fc293" providerId="ADAL" clId="{37B4098E-0E56-4BFF-BFE4-8412ED0A5388}" dt="2023-02-09T19:55:26.305" v="2619" actId="164"/>
+          <ac:spMkLst>
+            <pc:docMk/>
+            <pc:sldMk cId="525905896" sldId="326"/>
+            <ac:spMk id="42" creationId="{1C825DA9-0650-B94C-344D-141CD369F190}"/>
+          </ac:spMkLst>
+        </pc:spChg>
+        <pc:spChg chg="mod">
+          <ac:chgData name="Haskell,Allyson A" userId="f01f6c31-ef41-49db-8aa6-74fdc01fc293" providerId="ADAL" clId="{37B4098E-0E56-4BFF-BFE4-8412ED0A5388}" dt="2023-02-09T19:55:26.305" v="2619" actId="164"/>
+          <ac:spMkLst>
+            <pc:docMk/>
+            <pc:sldMk cId="525905896" sldId="326"/>
+            <ac:spMk id="43" creationId="{7AF78C24-5923-9756-8310-C71A719A6546}"/>
+          </ac:spMkLst>
+        </pc:spChg>
+        <pc:spChg chg="mod">
+          <ac:chgData name="Haskell,Allyson A" userId="f01f6c31-ef41-49db-8aa6-74fdc01fc293" providerId="ADAL" clId="{37B4098E-0E56-4BFF-BFE4-8412ED0A5388}" dt="2023-02-09T19:55:26.305" v="2619" actId="164"/>
+          <ac:spMkLst>
+            <pc:docMk/>
+            <pc:sldMk cId="525905896" sldId="326"/>
+            <ac:spMk id="44" creationId="{302CED13-B9CD-B5B9-F48D-A93818EB120D}"/>
+          </ac:spMkLst>
+        </pc:spChg>
+        <pc:spChg chg="mod">
+          <ac:chgData name="Haskell,Allyson A" userId="f01f6c31-ef41-49db-8aa6-74fdc01fc293" providerId="ADAL" clId="{37B4098E-0E56-4BFF-BFE4-8412ED0A5388}" dt="2023-02-09T19:55:26.305" v="2619" actId="164"/>
+          <ac:spMkLst>
+            <pc:docMk/>
+            <pc:sldMk cId="525905896" sldId="326"/>
+            <ac:spMk id="45" creationId="{71348A11-4A85-8A69-C385-9EC3A6AFD153}"/>
+          </ac:spMkLst>
+        </pc:spChg>
+        <pc:grpChg chg="mod">
+          <ac:chgData name="Haskell,Allyson A" userId="f01f6c31-ef41-49db-8aa6-74fdc01fc293" providerId="ADAL" clId="{37B4098E-0E56-4BFF-BFE4-8412ED0A5388}" dt="2023-02-09T19:55:26.305" v="2619" actId="164"/>
+          <ac:grpSpMkLst>
+            <pc:docMk/>
+            <pc:sldMk cId="525905896" sldId="326"/>
+            <ac:grpSpMk id="2" creationId="{6C5D0102-34E4-40E9-EE83-8E7179C932E2}"/>
+          </ac:grpSpMkLst>
+        </pc:grpChg>
+        <pc:grpChg chg="add mod">
+          <ac:chgData name="Haskell,Allyson A" userId="f01f6c31-ef41-49db-8aa6-74fdc01fc293" providerId="ADAL" clId="{37B4098E-0E56-4BFF-BFE4-8412ED0A5388}" dt="2023-02-09T19:56:26.828" v="3181" actId="962"/>
+          <ac:grpSpMkLst>
+            <pc:docMk/>
+            <pc:sldMk cId="525905896" sldId="326"/>
+            <ac:grpSpMk id="10" creationId="{7372C73A-2936-4432-9631-0FEC08D3C632}"/>
+          </ac:grpSpMkLst>
+        </pc:grpChg>
+        <pc:grpChg chg="mod">
+          <ac:chgData name="Haskell,Allyson A" userId="f01f6c31-ef41-49db-8aa6-74fdc01fc293" providerId="ADAL" clId="{37B4098E-0E56-4BFF-BFE4-8412ED0A5388}" dt="2023-02-09T19:55:26.305" v="2619" actId="164"/>
+          <ac:grpSpMkLst>
+            <pc:docMk/>
+            <pc:sldMk cId="525905896" sldId="326"/>
+            <ac:grpSpMk id="30" creationId="{4AB763AB-EB4B-5F4E-3B8B-038574D96E67}"/>
+          </ac:grpSpMkLst>
+        </pc:grpChg>
+        <pc:picChg chg="mod">
+          <ac:chgData name="Haskell,Allyson A" userId="f01f6c31-ef41-49db-8aa6-74fdc01fc293" providerId="ADAL" clId="{37B4098E-0E56-4BFF-BFE4-8412ED0A5388}" dt="2023-02-09T19:57:03.843" v="3184" actId="13244"/>
+          <ac:picMkLst>
+            <pc:docMk/>
+            <pc:sldMk cId="525905896" sldId="326"/>
+            <ac:picMk id="26" creationId="{EB5C53BF-7E87-C5B9-B272-8C33ADC3981F}"/>
+          </ac:picMkLst>
+        </pc:picChg>
+      </pc:sldChg>
+      <pc:sldChg chg="addSp delSp modSp mod">
+        <pc:chgData name="Haskell,Allyson A" userId="f01f6c31-ef41-49db-8aa6-74fdc01fc293" providerId="ADAL" clId="{37B4098E-0E56-4BFF-BFE4-8412ED0A5388}" dt="2023-02-09T19:57:32.541" v="3190" actId="13244"/>
+        <pc:sldMkLst>
+          <pc:docMk/>
+          <pc:sldMk cId="2840130177" sldId="327"/>
+        </pc:sldMkLst>
+        <pc:spChg chg="add mod">
+          <ac:chgData name="Haskell,Allyson A" userId="f01f6c31-ef41-49db-8aa6-74fdc01fc293" providerId="ADAL" clId="{37B4098E-0E56-4BFF-BFE4-8412ED0A5388}" dt="2023-02-09T19:57:28.651" v="3189" actId="13244"/>
+          <ac:spMkLst>
+            <pc:docMk/>
+            <pc:sldMk cId="2840130177" sldId="327"/>
+            <ac:spMk id="2" creationId="{22D0D56B-9AFD-4192-9E2C-06CDB978A17A}"/>
+          </ac:spMkLst>
+        </pc:spChg>
+        <pc:spChg chg="del">
+          <ac:chgData name="Haskell,Allyson A" userId="f01f6c31-ef41-49db-8aa6-74fdc01fc293" providerId="ADAL" clId="{37B4098E-0E56-4BFF-BFE4-8412ED0A5388}" dt="2023-02-09T19:37:15.680" v="564" actId="478"/>
+          <ac:spMkLst>
+            <pc:docMk/>
+            <pc:sldMk cId="2840130177" sldId="327"/>
+            <ac:spMk id="4" creationId="{CBE84ED4-056A-9FA2-F61C-74E7A994D55B}"/>
+          </ac:spMkLst>
+        </pc:spChg>
+        <pc:spChg chg="mod">
+          <ac:chgData name="Haskell,Allyson A" userId="f01f6c31-ef41-49db-8aa6-74fdc01fc293" providerId="ADAL" clId="{37B4098E-0E56-4BFF-BFE4-8412ED0A5388}" dt="2023-02-09T19:57:32.541" v="3190" actId="13244"/>
+          <ac:spMkLst>
+            <pc:docMk/>
+            <pc:sldMk cId="2840130177" sldId="327"/>
+            <ac:spMk id="6" creationId="{AF0C2276-D30C-925A-4229-44F780C2B798}"/>
+          </ac:spMkLst>
+        </pc:spChg>
+        <pc:picChg chg="mod">
+          <ac:chgData name="Haskell,Allyson A" userId="f01f6c31-ef41-49db-8aa6-74fdc01fc293" providerId="ADAL" clId="{37B4098E-0E56-4BFF-BFE4-8412ED0A5388}" dt="2023-02-09T19:31:16.827" v="348" actId="962"/>
+          <ac:picMkLst>
+            <pc:docMk/>
+            <pc:sldMk cId="2840130177" sldId="327"/>
+            <ac:picMk id="8" creationId="{C4D04E40-614D-E29F-B261-C4F52DA81685}"/>
+          </ac:picMkLst>
+        </pc:picChg>
+      </pc:sldChg>
+      <pc:sldChg chg="addSp delSp modSp mod">
+        <pc:chgData name="Haskell,Allyson A" userId="f01f6c31-ef41-49db-8aa6-74fdc01fc293" providerId="ADAL" clId="{37B4098E-0E56-4BFF-BFE4-8412ED0A5388}" dt="2023-02-09T19:57:50.340" v="3194" actId="13244"/>
+        <pc:sldMkLst>
+          <pc:docMk/>
+          <pc:sldMk cId="3539548517" sldId="328"/>
+        </pc:sldMkLst>
+        <pc:spChg chg="del">
+          <ac:chgData name="Haskell,Allyson A" userId="f01f6c31-ef41-49db-8aa6-74fdc01fc293" providerId="ADAL" clId="{37B4098E-0E56-4BFF-BFE4-8412ED0A5388}" dt="2023-02-09T19:38:01.004" v="586" actId="478"/>
+          <ac:spMkLst>
+            <pc:docMk/>
+            <pc:sldMk cId="3539548517" sldId="328"/>
+            <ac:spMk id="2" creationId="{EF0B623C-CFB7-A64E-0392-2A4FE3CB9763}"/>
+          </ac:spMkLst>
+        </pc:spChg>
+        <pc:spChg chg="add mod">
+          <ac:chgData name="Haskell,Allyson A" userId="f01f6c31-ef41-49db-8aa6-74fdc01fc293" providerId="ADAL" clId="{37B4098E-0E56-4BFF-BFE4-8412ED0A5388}" dt="2023-02-09T19:57:45.820" v="3193" actId="13244"/>
+          <ac:spMkLst>
+            <pc:docMk/>
+            <pc:sldMk cId="3539548517" sldId="328"/>
+            <ac:spMk id="3" creationId="{EE77697F-0B1A-41D4-846C-B4F0366C56AD}"/>
+          </ac:spMkLst>
+        </pc:spChg>
+        <pc:spChg chg="mod">
+          <ac:chgData name="Haskell,Allyson A" userId="f01f6c31-ef41-49db-8aa6-74fdc01fc293" providerId="ADAL" clId="{37B4098E-0E56-4BFF-BFE4-8412ED0A5388}" dt="2023-02-09T19:57:50.340" v="3194" actId="13244"/>
+          <ac:spMkLst>
+            <pc:docMk/>
+            <pc:sldMk cId="3539548517" sldId="328"/>
+            <ac:spMk id="5" creationId="{B2D346FA-9579-E3BA-FE97-CEBE5A290631}"/>
+          </ac:spMkLst>
+        </pc:spChg>
+        <pc:picChg chg="mod">
+          <ac:chgData name="Haskell,Allyson A" userId="f01f6c31-ef41-49db-8aa6-74fdc01fc293" providerId="ADAL" clId="{37B4098E-0E56-4BFF-BFE4-8412ED0A5388}" dt="2023-02-09T19:57:40.435" v="3191" actId="13244"/>
+          <ac:picMkLst>
+            <pc:docMk/>
+            <pc:sldMk cId="3539548517" sldId="328"/>
+            <ac:picMk id="8" creationId="{263179B5-46D4-0574-14B4-A46FB1D22CFA}"/>
+          </ac:picMkLst>
+        </pc:picChg>
+      </pc:sldChg>
+      <pc:sldChg chg="addSp delSp modSp mod">
+        <pc:chgData name="Haskell,Allyson A" userId="f01f6c31-ef41-49db-8aa6-74fdc01fc293" providerId="ADAL" clId="{37B4098E-0E56-4BFF-BFE4-8412ED0A5388}" dt="2023-02-09T19:58:02.029" v="3195" actId="13244"/>
+        <pc:sldMkLst>
+          <pc:docMk/>
+          <pc:sldMk cId="1743933521" sldId="329"/>
+        </pc:sldMkLst>
+        <pc:spChg chg="del">
+          <ac:chgData name="Haskell,Allyson A" userId="f01f6c31-ef41-49db-8aa6-74fdc01fc293" providerId="ADAL" clId="{37B4098E-0E56-4BFF-BFE4-8412ED0A5388}" dt="2023-02-09T19:38:16.240" v="607" actId="478"/>
+          <ac:spMkLst>
+            <pc:docMk/>
+            <pc:sldMk cId="1743933521" sldId="329"/>
+            <ac:spMk id="2" creationId="{EA423DC7-04C3-9F1C-DA39-41C2EC9D7AE5}"/>
+          </ac:spMkLst>
+        </pc:spChg>
+        <pc:spChg chg="add mod">
+          <ac:chgData name="Haskell,Allyson A" userId="f01f6c31-ef41-49db-8aa6-74fdc01fc293" providerId="ADAL" clId="{37B4098E-0E56-4BFF-BFE4-8412ED0A5388}" dt="2023-02-09T19:58:02.029" v="3195" actId="13244"/>
+          <ac:spMkLst>
+            <pc:docMk/>
+            <pc:sldMk cId="1743933521" sldId="329"/>
+            <ac:spMk id="3" creationId="{E3084727-6AE9-42EE-8B98-CE8D11CA6CFB}"/>
+          </ac:spMkLst>
+        </pc:spChg>
+        <pc:picChg chg="mod">
+          <ac:chgData name="Haskell,Allyson A" userId="f01f6c31-ef41-49db-8aa6-74fdc01fc293" providerId="ADAL" clId="{37B4098E-0E56-4BFF-BFE4-8412ED0A5388}" dt="2023-02-09T19:31:21.427" v="350" actId="962"/>
+          <ac:picMkLst>
+            <pc:docMk/>
+            <pc:sldMk cId="1743933521" sldId="329"/>
+            <ac:picMk id="6" creationId="{030A29F4-F5A6-1CDE-0E71-FA5B0973736A}"/>
+          </ac:picMkLst>
+        </pc:picChg>
+      </pc:sldChg>
+      <pc:sldChg chg="addSp delSp modSp mod">
+        <pc:chgData name="Haskell,Allyson A" userId="f01f6c31-ef41-49db-8aa6-74fdc01fc293" providerId="ADAL" clId="{37B4098E-0E56-4BFF-BFE4-8412ED0A5388}" dt="2023-02-09T20:03:27.554" v="3216" actId="13244"/>
+        <pc:sldMkLst>
+          <pc:docMk/>
+          <pc:sldMk cId="2588662608" sldId="330"/>
+        </pc:sldMkLst>
+        <pc:spChg chg="del">
+          <ac:chgData name="Haskell,Allyson A" userId="f01f6c31-ef41-49db-8aa6-74fdc01fc293" providerId="ADAL" clId="{37B4098E-0E56-4BFF-BFE4-8412ED0A5388}" dt="2023-02-09T19:38:55.599" v="633" actId="478"/>
+          <ac:spMkLst>
+            <pc:docMk/>
+            <pc:sldMk cId="2588662608" sldId="330"/>
+            <ac:spMk id="2" creationId="{FF1AAF2D-A6F8-7511-A919-9619DAE82C67}"/>
+          </ac:spMkLst>
+        </pc:spChg>
+        <pc:spChg chg="mod">
+          <ac:chgData name="Haskell,Allyson A" userId="f01f6c31-ef41-49db-8aa6-74fdc01fc293" providerId="ADAL" clId="{37B4098E-0E56-4BFF-BFE4-8412ED0A5388}" dt="2023-02-09T20:03:22.314" v="3214" actId="962"/>
+          <ac:spMkLst>
+            <pc:docMk/>
+            <pc:sldMk cId="2588662608" sldId="330"/>
+            <ac:spMk id="3" creationId="{32AB7A65-B841-4171-FE41-FC6A1E306AE4}"/>
+          </ac:spMkLst>
+        </pc:spChg>
+        <pc:spChg chg="mod">
+          <ac:chgData name="Haskell,Allyson A" userId="f01f6c31-ef41-49db-8aa6-74fdc01fc293" providerId="ADAL" clId="{37B4098E-0E56-4BFF-BFE4-8412ED0A5388}" dt="2023-02-09T19:48:33.989" v="1373" actId="108"/>
+          <ac:spMkLst>
+            <pc:docMk/>
+            <pc:sldMk cId="2588662608" sldId="330"/>
+            <ac:spMk id="4" creationId="{7FEF5886-D2CD-7427-2531-029695DBB8F5}"/>
+          </ac:spMkLst>
+        </pc:spChg>
+        <pc:spChg chg="mod">
+          <ac:chgData name="Haskell,Allyson A" userId="f01f6c31-ef41-49db-8aa6-74fdc01fc293" providerId="ADAL" clId="{37B4098E-0E56-4BFF-BFE4-8412ED0A5388}" dt="2023-02-09T20:03:24.439" v="3215" actId="962"/>
+          <ac:spMkLst>
+            <pc:docMk/>
+            <pc:sldMk cId="2588662608" sldId="330"/>
+            <ac:spMk id="5" creationId="{B9068EC3-9A4D-1D00-01C2-83E6C585C4EE}"/>
+          </ac:spMkLst>
+        </pc:spChg>
+        <pc:spChg chg="mod">
+          <ac:chgData name="Haskell,Allyson A" userId="f01f6c31-ef41-49db-8aa6-74fdc01fc293" providerId="ADAL" clId="{37B4098E-0E56-4BFF-BFE4-8412ED0A5388}" dt="2023-02-09T20:03:01.130" v="3212" actId="13244"/>
+          <ac:spMkLst>
+            <pc:docMk/>
+            <pc:sldMk cId="2588662608" sldId="330"/>
+            <ac:spMk id="6" creationId="{236135A0-412A-86C5-8E70-A3DFFD7CFCD5}"/>
+          </ac:spMkLst>
+        </pc:spChg>
+        <pc:spChg chg="add mod">
+          <ac:chgData name="Haskell,Allyson A" userId="f01f6c31-ef41-49db-8aa6-74fdc01fc293" providerId="ADAL" clId="{37B4098E-0E56-4BFF-BFE4-8412ED0A5388}" dt="2023-02-09T19:58:09.891" v="3196" actId="13244"/>
+          <ac:spMkLst>
+            <pc:docMk/>
+            <pc:sldMk cId="2588662608" sldId="330"/>
+            <ac:spMk id="7" creationId="{8B7AD797-331B-4360-9E64-05320955DDA3}"/>
+          </ac:spMkLst>
+        </pc:spChg>
+        <pc:spChg chg="mod">
+          <ac:chgData name="Haskell,Allyson A" userId="f01f6c31-ef41-49db-8aa6-74fdc01fc293" providerId="ADAL" clId="{37B4098E-0E56-4BFF-BFE4-8412ED0A5388}" dt="2023-02-09T20:03:02.642" v="3213" actId="13244"/>
+          <ac:spMkLst>
+            <pc:docMk/>
+            <pc:sldMk cId="2588662608" sldId="330"/>
+            <ac:spMk id="8" creationId="{E794F220-0D05-D828-05B3-3B6E5C3AF5A6}"/>
+          </ac:spMkLst>
+        </pc:spChg>
+        <pc:spChg chg="mod">
+          <ac:chgData name="Haskell,Allyson A" userId="f01f6c31-ef41-49db-8aa6-74fdc01fc293" providerId="ADAL" clId="{37B4098E-0E56-4BFF-BFE4-8412ED0A5388}" dt="2023-02-09T20:03:27.554" v="3216" actId="13244"/>
+          <ac:spMkLst>
+            <pc:docMk/>
+            <pc:sldMk cId="2588662608" sldId="330"/>
+            <ac:spMk id="10" creationId="{BBCEA592-BE79-D337-1A96-68AEC4624CC4}"/>
+          </ac:spMkLst>
+        </pc:spChg>
+        <pc:picChg chg="mod">
+          <ac:chgData name="Haskell,Allyson A" userId="f01f6c31-ef41-49db-8aa6-74fdc01fc293" providerId="ADAL" clId="{37B4098E-0E56-4BFF-BFE4-8412ED0A5388}" dt="2023-02-09T19:31:23.476" v="351" actId="962"/>
+          <ac:picMkLst>
+            <pc:docMk/>
+            <pc:sldMk cId="2588662608" sldId="330"/>
+            <ac:picMk id="12" creationId="{95CD789F-0A1C-B16C-055A-8AEB96CEB830}"/>
+          </ac:picMkLst>
+        </pc:picChg>
+      </pc:sldChg>
+      <pc:sldChg chg="modSp">
+        <pc:chgData name="Haskell,Allyson A" userId="f01f6c31-ef41-49db-8aa6-74fdc01fc293" providerId="ADAL" clId="{37B4098E-0E56-4BFF-BFE4-8412ED0A5388}" dt="2023-02-09T19:42:25.438" v="972" actId="1035"/>
+        <pc:sldMkLst>
+          <pc:docMk/>
+          <pc:sldMk cId="2230124425" sldId="331"/>
+        </pc:sldMkLst>
+        <pc:spChg chg="mod">
+          <ac:chgData name="Haskell,Allyson A" userId="f01f6c31-ef41-49db-8aa6-74fdc01fc293" providerId="ADAL" clId="{37B4098E-0E56-4BFF-BFE4-8412ED0A5388}" dt="2023-02-09T19:42:25.438" v="972" actId="1035"/>
+          <ac:spMkLst>
+            <pc:docMk/>
+            <pc:sldMk cId="2230124425" sldId="331"/>
+            <ac:spMk id="2" creationId="{A2BE2215-911C-92F7-589B-2174816E3CD8}"/>
+          </ac:spMkLst>
+        </pc:spChg>
+      </pc:sldChg>
+      <pc:sldChg chg="addSp delSp modSp mod">
+        <pc:chgData name="Haskell,Allyson A" userId="f01f6c31-ef41-49db-8aa6-74fdc01fc293" providerId="ADAL" clId="{37B4098E-0E56-4BFF-BFE4-8412ED0A5388}" dt="2023-02-09T20:00:14.163" v="3201" actId="13244"/>
+        <pc:sldMkLst>
+          <pc:docMk/>
+          <pc:sldMk cId="354729111" sldId="332"/>
+        </pc:sldMkLst>
+        <pc:spChg chg="add mod">
+          <ac:chgData name="Haskell,Allyson A" userId="f01f6c31-ef41-49db-8aa6-74fdc01fc293" providerId="ADAL" clId="{37B4098E-0E56-4BFF-BFE4-8412ED0A5388}" dt="2023-02-09T20:00:14.163" v="3201" actId="13244"/>
+          <ac:spMkLst>
+            <pc:docMk/>
+            <pc:sldMk cId="354729111" sldId="332"/>
+            <ac:spMk id="2" creationId="{AF5A2DEC-5001-4BF9-84F4-E3A0F1C132FE}"/>
+          </ac:spMkLst>
+        </pc:spChg>
+        <pc:spChg chg="del">
+          <ac:chgData name="Haskell,Allyson A" userId="f01f6c31-ef41-49db-8aa6-74fdc01fc293" providerId="ADAL" clId="{37B4098E-0E56-4BFF-BFE4-8412ED0A5388}" dt="2023-02-09T19:39:13.436" v="659" actId="478"/>
+          <ac:spMkLst>
+            <pc:docMk/>
+            <pc:sldMk cId="354729111" sldId="332"/>
+            <ac:spMk id="4" creationId="{78960E0B-5C06-77AC-FED6-CDA019AED9AD}"/>
+          </ac:spMkLst>
+        </pc:spChg>
+        <pc:spChg chg="mod">
+          <ac:chgData name="Haskell,Allyson A" userId="f01f6c31-ef41-49db-8aa6-74fdc01fc293" providerId="ADAL" clId="{37B4098E-0E56-4BFF-BFE4-8412ED0A5388}" dt="2023-02-09T19:48:28.221" v="1372" actId="108"/>
+          <ac:spMkLst>
+            <pc:docMk/>
+            <pc:sldMk cId="354729111" sldId="332"/>
+            <ac:spMk id="6" creationId="{BCC02AAE-6403-0DA4-AA3E-5F67D1B62CF3}"/>
+          </ac:spMkLst>
+        </pc:spChg>
+        <pc:picChg chg="mod">
+          <ac:chgData name="Haskell,Allyson A" userId="f01f6c31-ef41-49db-8aa6-74fdc01fc293" providerId="ADAL" clId="{37B4098E-0E56-4BFF-BFE4-8412ED0A5388}" dt="2023-02-09T19:31:25.938" v="352" actId="962"/>
+          <ac:picMkLst>
+            <pc:docMk/>
+            <pc:sldMk cId="354729111" sldId="332"/>
+            <ac:picMk id="10" creationId="{73FA8EC0-0B6C-E6EB-0CB4-16072AA21797}"/>
+          </ac:picMkLst>
+        </pc:picChg>
+      </pc:sldChg>
+    </pc:docChg>
+  </pc:docChgLst>
+</pc:chgInfo>
+</file>
+
 <file path=ppt/notesMasters/notesMaster1.xml><?xml version="1.0" encoding="utf-8"?>
 <p:notesMaster xmlns:a="http://schemas.openxmlformats.org/drawingml/2006/main" xmlns:r="http://schemas.openxmlformats.org/officeDocument/2006/relationships" xmlns:p="http://schemas.openxmlformats.org/presentationml/2006/main">
   <p:cSld>
@@ -226,7 +1053,7 @@
           <a:p>
             <a:fld id="{FD93C9B2-20F6-4DB1-B471-224337D0AC79}" type="datetimeFigureOut">
               <a:rPr lang="en-US" smtClean="0"/>
-              <a:t>1/11/2023</a:t>
+              <a:t>2/10/2023</a:t>
             </a:fld>
             <a:endParaRPr lang="en-US"/>
           </a:p>
@@ -537,6 +1364,54 @@
           <a:bodyPr/>
           <a:lstStyle/>
           <a:p>
+            <a:r>
+              <a:rPr lang="en-US" altLang="en-US" dirty="0">
+                <a:ea typeface="ＭＳ Ｐゴシック" charset="-128"/>
+              </a:rPr>
+              <a:t>Hello and welcome to this Practicum AI recording</a:t>
+            </a:r>
+            <a:r>
+              <a:rPr lang="en-US" altLang="en-US" baseline="0" dirty="0">
+                <a:ea typeface="ＭＳ Ｐゴシック" charset="-128"/>
+              </a:rPr>
+              <a:t>.</a:t>
+            </a:r>
+          </a:p>
+          <a:p>
+            <a:endParaRPr lang="en-US" altLang="en-US" dirty="0">
+              <a:ea typeface="ＭＳ Ｐゴシック" charset="-128"/>
+            </a:endParaRPr>
+          </a:p>
+          <a:p>
+            <a:r>
+              <a:rPr lang="en-US" altLang="en-US" dirty="0">
+                <a:ea typeface="ＭＳ Ｐゴシック" charset="-128"/>
+              </a:rPr>
+              <a:t>I’m Dan Maxwell.  And I work as an AI Trainer for Research Computing, here at the university of Florida.</a:t>
+            </a:r>
+          </a:p>
+          <a:p>
+            <a:endParaRPr lang="en-US" altLang="en-US" dirty="0">
+              <a:ea typeface="ＭＳ Ｐゴシック" charset="-128"/>
+            </a:endParaRPr>
+          </a:p>
+          <a:p>
+            <a:r>
+              <a:rPr lang="en-US" baseline="0" dirty="0"/>
+              <a:t>In this short briefing, I’m going to introduce you to Python functions.</a:t>
+            </a:r>
+          </a:p>
+          <a:p>
+            <a:endParaRPr lang="en-US" baseline="0" dirty="0"/>
+          </a:p>
+          <a:p>
+            <a:r>
+              <a:rPr lang="en-US" baseline="0" dirty="0"/>
+              <a:t>[NEXT SLIDE]</a:t>
+            </a:r>
+            <a:endParaRPr lang="en-US" dirty="0"/>
+          </a:p>
+          <a:p>
             <a:endParaRPr lang="en-US" dirty="0">
               <a:latin typeface="Palatino Linotype" panose="02040502050505030304" pitchFamily="18" charset="0"/>
             </a:endParaRPr>
@@ -733,6 +1608,33 @@
           <a:p>
             <a:endParaRPr lang="en-US" dirty="0"/>
           </a:p>
+          <a:p>
+            <a:pPr marL="0" marR="0" lvl="0" indent="0" algn="l" defTabSz="914400" rtl="0" eaLnBrk="1" fontAlgn="auto" latinLnBrk="0" hangingPunct="1">
+              <a:lnSpc>
+                <a:spcPct val="100000"/>
+              </a:lnSpc>
+              <a:spcBef>
+                <a:spcPts val="0"/>
+              </a:spcBef>
+              <a:spcAft>
+                <a:spcPts val="0"/>
+              </a:spcAft>
+              <a:buClrTx/>
+              <a:buSzTx/>
+              <a:buFontTx/>
+              <a:buNone/>
+              <a:tabLst/>
+              <a:defRPr/>
+            </a:pPr>
+            <a:r>
+              <a:rPr lang="en-US" baseline="0" dirty="0"/>
+              <a:t>[NEXT SLIDE]</a:t>
+            </a:r>
+            <a:endParaRPr lang="en-US" dirty="0"/>
+          </a:p>
+          <a:p>
+            <a:endParaRPr lang="en-US" dirty="0"/>
+          </a:p>
         </p:txBody>
       </p:sp>
       <p:sp>
@@ -865,6 +1767,50 @@
             </a:pPr>
             <a:endParaRPr lang="en-US" dirty="0"/>
           </a:p>
+          <a:p>
+            <a:pPr marL="0" marR="0" lvl="0" indent="0" algn="l" defTabSz="914400" rtl="0" eaLnBrk="1" fontAlgn="auto" latinLnBrk="0" hangingPunct="1">
+              <a:lnSpc>
+                <a:spcPct val="100000"/>
+              </a:lnSpc>
+              <a:spcBef>
+                <a:spcPts val="0"/>
+              </a:spcBef>
+              <a:spcAft>
+                <a:spcPts val="0"/>
+              </a:spcAft>
+              <a:buClrTx/>
+              <a:buSzTx/>
+              <a:buFontTx/>
+              <a:buNone/>
+              <a:tabLst/>
+              <a:defRPr/>
+            </a:pPr>
+            <a:r>
+              <a:rPr lang="en-US" baseline="0" dirty="0"/>
+              <a:t>[NEXT SLIDE]</a:t>
+            </a:r>
+            <a:endParaRPr lang="en-US" dirty="0"/>
+          </a:p>
+          <a:p>
+            <a:pPr marL="0" marR="0" lvl="0" indent="0" algn="l" defTabSz="914400" rtl="0" eaLnBrk="1" fontAlgn="auto" latinLnBrk="0" hangingPunct="1">
+              <a:lnSpc>
+                <a:spcPct val="100000"/>
+              </a:lnSpc>
+              <a:spcBef>
+                <a:spcPts val="0"/>
+              </a:spcBef>
+              <a:spcAft>
+                <a:spcPts val="0"/>
+              </a:spcAft>
+              <a:buClrTx/>
+              <a:buSzTx/>
+              <a:buFontTx/>
+              <a:buNone/>
+              <a:tabLst/>
+              <a:defRPr/>
+            </a:pPr>
+            <a:endParaRPr lang="en-US" dirty="0"/>
+          </a:p>
         </p:txBody>
       </p:sp>
       <p:sp>
@@ -1072,13 +2018,34 @@
             </a:r>
           </a:p>
           <a:p>
+            <a:pPr marL="0" marR="0" lvl="0" indent="0" algn="l" defTabSz="914400" rtl="0" eaLnBrk="1" fontAlgn="auto" latinLnBrk="0" hangingPunct="1">
+              <a:lnSpc>
+                <a:spcPct val="100000"/>
+              </a:lnSpc>
+              <a:spcBef>
+                <a:spcPts val="0"/>
+              </a:spcBef>
+              <a:spcAft>
+                <a:spcPts val="0"/>
+              </a:spcAft>
+              <a:buClrTx/>
+              <a:buSzTx/>
+              <a:buFontTx/>
+              <a:buNone/>
+              <a:tabLst/>
+              <a:defRPr/>
+            </a:pPr>
             <a:br>
               <a:rPr lang="en-US" dirty="0"/>
             </a:br>
             <a:r>
-              <a:rPr lang="en-US" dirty="0"/>
-              <a:t>https://www.pinterest.com/pin/558024210062835602/</a:t>
-            </a:r>
+              <a:rPr lang="en-US" baseline="0" dirty="0"/>
+              <a:t>[NEXT SLIDE]</a:t>
+            </a:r>
+            <a:endParaRPr lang="en-US" dirty="0"/>
+          </a:p>
+          <a:p>
+            <a:endParaRPr lang="en-US" dirty="0"/>
           </a:p>
         </p:txBody>
       </p:sp>
@@ -1359,6 +2326,16 @@
           </a:p>
           <a:p>
             <a:pPr algn="just"/>
+            <a:endParaRPr lang="en-US" b="0" i="0" dirty="0">
+              <a:solidFill>
+                <a:srgbClr val="000000"/>
+              </a:solidFill>
+              <a:effectLst/>
+              <a:latin typeface="Helvetica Neue"/>
+            </a:endParaRPr>
+          </a:p>
+          <a:p>
+            <a:pPr algn="just"/>
             <a:r>
               <a:rPr lang="en-US" b="0" i="0" dirty="0">
                 <a:solidFill>
@@ -1369,6 +2346,50 @@
               </a:rPr>
               <a:t>The last thing we need to point out is the comment at the end of the function definition. The pound sign (#) indicates that anything following it is a comment. In this case, we mark the end of the function with a comment. When developing a module containing multiple functions, best practice encourages the placement of comments at the end of each function. This helps you to clearly see where one function ends and another begins.</a:t>
             </a:r>
+          </a:p>
+          <a:p>
+            <a:pPr algn="just"/>
+            <a:endParaRPr lang="en-US" b="0" i="0" dirty="0">
+              <a:solidFill>
+                <a:srgbClr val="000000"/>
+              </a:solidFill>
+              <a:effectLst/>
+              <a:latin typeface="Helvetica Neue"/>
+            </a:endParaRPr>
+          </a:p>
+          <a:p>
+            <a:pPr marL="0" marR="0" lvl="0" indent="0" algn="just" defTabSz="914400" rtl="0" eaLnBrk="1" fontAlgn="auto" latinLnBrk="0" hangingPunct="1">
+              <a:lnSpc>
+                <a:spcPct val="100000"/>
+              </a:lnSpc>
+              <a:spcBef>
+                <a:spcPts val="0"/>
+              </a:spcBef>
+              <a:spcAft>
+                <a:spcPts val="0"/>
+              </a:spcAft>
+              <a:buClrTx/>
+              <a:buSzTx/>
+              <a:buFontTx/>
+              <a:buNone/>
+              <a:tabLst/>
+              <a:defRPr/>
+            </a:pPr>
+            <a:r>
+              <a:rPr lang="en-US" baseline="0" dirty="0"/>
+              <a:t>[NEXT SLIDE]</a:t>
+            </a:r>
+            <a:endParaRPr lang="en-US" dirty="0"/>
+          </a:p>
+          <a:p>
+            <a:pPr algn="just"/>
+            <a:endParaRPr lang="en-US" b="0" i="0" dirty="0">
+              <a:solidFill>
+                <a:srgbClr val="000000"/>
+              </a:solidFill>
+              <a:effectLst/>
+              <a:latin typeface="Helvetica Neue"/>
+            </a:endParaRPr>
           </a:p>
           <a:p>
             <a:pPr algn="just"/>
@@ -1511,6 +2532,33 @@
           <a:p>
             <a:endParaRPr lang="en-US" dirty="0"/>
           </a:p>
+          <a:p>
+            <a:pPr marL="0" marR="0" lvl="0" indent="0" algn="l" defTabSz="914400" rtl="0" eaLnBrk="1" fontAlgn="auto" latinLnBrk="0" hangingPunct="1">
+              <a:lnSpc>
+                <a:spcPct val="100000"/>
+              </a:lnSpc>
+              <a:spcBef>
+                <a:spcPts val="0"/>
+              </a:spcBef>
+              <a:spcAft>
+                <a:spcPts val="0"/>
+              </a:spcAft>
+              <a:buClrTx/>
+              <a:buSzTx/>
+              <a:buFontTx/>
+              <a:buNone/>
+              <a:tabLst/>
+              <a:defRPr/>
+            </a:pPr>
+            <a:r>
+              <a:rPr lang="en-US" baseline="0" dirty="0"/>
+              <a:t>[NEXT SLIDE]</a:t>
+            </a:r>
+            <a:endParaRPr lang="en-US" dirty="0"/>
+          </a:p>
+          <a:p>
+            <a:endParaRPr lang="en-US" dirty="0"/>
+          </a:p>
         </p:txBody>
       </p:sp>
       <p:sp>
@@ -1610,7 +2658,7 @@
               <a:tabLst/>
               <a:defRPr/>
             </a:pPr>
-            <a:endParaRPr lang="en-US" dirty="0"/>
+            <a:endParaRPr lang="en-US"/>
           </a:p>
         </p:txBody>
       </p:sp>
@@ -1711,7 +2759,7 @@
               <a:tabLst/>
               <a:defRPr/>
             </a:pPr>
-            <a:endParaRPr lang="en-US" dirty="0"/>
+            <a:endParaRPr lang="en-US"/>
           </a:p>
         </p:txBody>
       </p:sp>
@@ -1797,7 +2845,7 @@
           <a:p>
             <a:pPr algn="l"/>
             <a:r>
-              <a:rPr lang="en-US" sz="4000" b="0" i="0" dirty="0">
+              <a:rPr lang="en-US" sz="4000" b="0" i="0">
                 <a:solidFill>
                   <a:srgbClr val="292929"/>
                 </a:solidFill>
@@ -1809,7 +2857,7 @@
           </a:p>
           <a:p>
             <a:pPr algn="l"/>
-            <a:endParaRPr lang="en-US" sz="2800" b="0" i="0" dirty="0">
+            <a:endParaRPr lang="en-US" sz="2800" b="0" i="0">
               <a:solidFill>
                 <a:srgbClr val="090909"/>
               </a:solidFill>
@@ -1901,7 +2949,7 @@
           <a:p>
             <a:pPr algn="l"/>
             <a:r>
-              <a:rPr lang="en-US" sz="1800" b="0" i="0" dirty="0">
+              <a:rPr lang="en-US" sz="1800" b="0" i="0">
                 <a:solidFill>
                   <a:srgbClr val="292929"/>
                 </a:solidFill>
@@ -1911,7 +2959,7 @@
               <a:t>In the previous slide, I indicated that an object is a particular instance of a class.  In technical terms, we say that objects are </a:t>
             </a:r>
             <a:r>
-              <a:rPr lang="en-US" sz="1800" b="1" i="0" dirty="0">
+              <a:rPr lang="en-US" sz="1800" b="1" i="0">
                 <a:solidFill>
                   <a:srgbClr val="292929"/>
                 </a:solidFill>
@@ -1921,7 +2969,7 @@
               <a:t>instantiated</a:t>
             </a:r>
             <a:r>
-              <a:rPr lang="en-US" sz="1800" b="0" i="0" dirty="0">
+              <a:rPr lang="en-US" sz="1800" b="0" i="0">
                 <a:solidFill>
                   <a:srgbClr val="292929"/>
                 </a:solidFill>
@@ -1931,7 +2979,7 @@
               <a:t>.  That is, they are actual things you can manipulate in code.  Interestingly, we can create hierarchies of classes.  </a:t>
             </a:r>
             <a:r>
-              <a:rPr lang="en-US" sz="2800" b="0" i="0" dirty="0">
+              <a:rPr lang="en-US" sz="2800" b="0" i="0">
                 <a:solidFill>
                   <a:srgbClr val="212529"/>
                 </a:solidFill>
@@ -1941,7 +2989,7 @@
               <a:t>In Object-Oriented Programming, when a class derives from another class, it’s called </a:t>
             </a:r>
             <a:r>
-              <a:rPr lang="en-US" sz="2800" b="1" i="0" dirty="0">
+              <a:rPr lang="en-US" sz="2800" b="1" i="0">
                 <a:solidFill>
                   <a:srgbClr val="212529"/>
                 </a:solidFill>
@@ -1951,7 +2999,7 @@
               <a:t>inheritance</a:t>
             </a:r>
             <a:r>
-              <a:rPr lang="en-US" sz="2800" b="0" i="0" dirty="0">
+              <a:rPr lang="en-US" sz="2800" b="0" i="0">
                 <a:solidFill>
                   <a:srgbClr val="212529"/>
                 </a:solidFill>
@@ -1960,7 +3008,7 @@
               </a:rPr>
               <a:t>.</a:t>
             </a:r>
-            <a:endParaRPr lang="en-US" sz="1800" b="0" i="0" u="none" strike="noStrike" baseline="0" dirty="0">
+            <a:endParaRPr lang="en-US" sz="1800" b="0" i="0" u="none" strike="noStrike" baseline="0">
               <a:latin typeface="Arial" panose="020B0604020202020204" pitchFamily="34" charset="0"/>
             </a:endParaRPr>
           </a:p>
@@ -2111,6 +3159,70 @@
               <a:t>So how do we call or execute a function?  Let’s take a look…</a:t>
             </a:r>
           </a:p>
+          <a:p>
+            <a:pPr marL="0" marR="0" lvl="0" indent="0" algn="l" defTabSz="914400" rtl="0" eaLnBrk="1" fontAlgn="auto" latinLnBrk="0" hangingPunct="1">
+              <a:lnSpc>
+                <a:spcPct val="100000"/>
+              </a:lnSpc>
+              <a:spcBef>
+                <a:spcPts val="0"/>
+              </a:spcBef>
+              <a:spcAft>
+                <a:spcPts val="0"/>
+              </a:spcAft>
+              <a:buClrTx/>
+              <a:buSzTx/>
+              <a:buFontTx/>
+              <a:buNone/>
+              <a:tabLst/>
+              <a:defRPr/>
+            </a:pPr>
+            <a:endParaRPr lang="en-US" dirty="0"/>
+          </a:p>
+          <a:p>
+            <a:pPr marL="0" marR="0" lvl="0" indent="0" algn="l" defTabSz="914400" rtl="0" eaLnBrk="1" fontAlgn="auto" latinLnBrk="0" hangingPunct="1">
+              <a:lnSpc>
+                <a:spcPct val="100000"/>
+              </a:lnSpc>
+              <a:spcBef>
+                <a:spcPts val="0"/>
+              </a:spcBef>
+              <a:spcAft>
+                <a:spcPts val="0"/>
+              </a:spcAft>
+              <a:buClrTx/>
+              <a:buSzTx/>
+              <a:buFontTx/>
+              <a:buNone/>
+              <a:tabLst/>
+              <a:defRPr/>
+            </a:pPr>
+            <a:r>
+              <a:rPr lang="en-US" baseline="0" dirty="0"/>
+              <a:t>[NEXT SLIDE]</a:t>
+            </a:r>
+            <a:endParaRPr lang="en-US" dirty="0"/>
+          </a:p>
+          <a:p>
+            <a:pPr marL="0" marR="0" lvl="0" indent="0" algn="l" defTabSz="914400" rtl="0" eaLnBrk="1" fontAlgn="auto" latinLnBrk="0" hangingPunct="1">
+              <a:lnSpc>
+                <a:spcPct val="100000"/>
+              </a:lnSpc>
+              <a:spcBef>
+                <a:spcPts val="0"/>
+              </a:spcBef>
+              <a:spcAft>
+                <a:spcPts val="0"/>
+              </a:spcAft>
+              <a:buClrTx/>
+              <a:buSzTx/>
+              <a:buFontTx/>
+              <a:buNone/>
+              <a:tabLst/>
+              <a:defRPr/>
+            </a:pPr>
+            <a:endParaRPr lang="en-US" dirty="0"/>
+          </a:p>
         </p:txBody>
       </p:sp>
       <p:sp>
@@ -2193,6 +3305,30 @@
           <a:bodyPr/>
           <a:lstStyle/>
           <a:p>
+            <a:pPr marL="0" marR="0" lvl="0" indent="0" algn="l" defTabSz="914400" rtl="0" eaLnBrk="1" fontAlgn="auto" latinLnBrk="0" hangingPunct="1">
+              <a:lnSpc>
+                <a:spcPct val="100000"/>
+              </a:lnSpc>
+              <a:spcBef>
+                <a:spcPts val="0"/>
+              </a:spcBef>
+              <a:spcAft>
+                <a:spcPts val="0"/>
+              </a:spcAft>
+              <a:buClrTx/>
+              <a:buSzTx/>
+              <a:buFontTx/>
+              <a:buNone/>
+              <a:tabLst/>
+              <a:defRPr/>
+            </a:pPr>
+            <a:r>
+              <a:rPr lang="en-US" baseline="0" dirty="0"/>
+              <a:t>[NEXT SLIDE]</a:t>
+            </a:r>
+            <a:endParaRPr lang="en-US" dirty="0"/>
+          </a:p>
+          <a:p>
             <a:endParaRPr lang="en-US" dirty="0"/>
           </a:p>
         </p:txBody>
@@ -2434,6 +3570,33 @@
           <a:p>
             <a:endParaRPr lang="en-US" dirty="0"/>
           </a:p>
+          <a:p>
+            <a:pPr marL="0" marR="0" lvl="0" indent="0" algn="l" defTabSz="914400" rtl="0" eaLnBrk="1" fontAlgn="auto" latinLnBrk="0" hangingPunct="1">
+              <a:lnSpc>
+                <a:spcPct val="100000"/>
+              </a:lnSpc>
+              <a:spcBef>
+                <a:spcPts val="0"/>
+              </a:spcBef>
+              <a:spcAft>
+                <a:spcPts val="0"/>
+              </a:spcAft>
+              <a:buClrTx/>
+              <a:buSzTx/>
+              <a:buFontTx/>
+              <a:buNone/>
+              <a:tabLst/>
+              <a:defRPr/>
+            </a:pPr>
+            <a:r>
+              <a:rPr lang="en-US" baseline="0" dirty="0"/>
+              <a:t>[NEXT SLIDE]</a:t>
+            </a:r>
+            <a:endParaRPr lang="en-US" dirty="0"/>
+          </a:p>
+          <a:p>
+            <a:endParaRPr lang="en-US" dirty="0"/>
+          </a:p>
         </p:txBody>
       </p:sp>
       <p:sp>
@@ -2558,6 +3721,36 @@
             </a:endParaRPr>
           </a:p>
           <a:p>
+            <a:pPr marL="0" marR="0" lvl="0" indent="0" algn="l" defTabSz="914400" rtl="0" eaLnBrk="1" fontAlgn="auto" latinLnBrk="0" hangingPunct="1">
+              <a:lnSpc>
+                <a:spcPct val="100000"/>
+              </a:lnSpc>
+              <a:spcBef>
+                <a:spcPts val="0"/>
+              </a:spcBef>
+              <a:spcAft>
+                <a:spcPts val="0"/>
+              </a:spcAft>
+              <a:buClrTx/>
+              <a:buSzTx/>
+              <a:buFontTx/>
+              <a:buNone/>
+              <a:tabLst/>
+              <a:defRPr/>
+            </a:pPr>
+            <a:r>
+              <a:rPr lang="en-US" baseline="0" dirty="0"/>
+              <a:t>[NEXT SLIDE]</a:t>
+            </a:r>
+            <a:endParaRPr lang="en-US" dirty="0"/>
+          </a:p>
+          <a:p>
+            <a:pPr algn="l"/>
+            <a:endParaRPr lang="en-US" sz="1200" b="0" i="0" u="none" strike="noStrike" baseline="0" dirty="0">
+              <a:latin typeface="Lora-Regular"/>
+            </a:endParaRPr>
+          </a:p>
+          <a:p>
             <a:pPr algn="l"/>
             <a:r>
               <a:rPr lang="en-US" sz="1200" b="0" i="0" u="none" strike="noStrike" baseline="0" dirty="0">
@@ -2760,6 +3953,33 @@
           <a:p>
             <a:endParaRPr lang="en-US" dirty="0"/>
           </a:p>
+          <a:p>
+            <a:pPr marL="0" marR="0" lvl="0" indent="0" algn="l" defTabSz="914400" rtl="0" eaLnBrk="1" fontAlgn="auto" latinLnBrk="0" hangingPunct="1">
+              <a:lnSpc>
+                <a:spcPct val="100000"/>
+              </a:lnSpc>
+              <a:spcBef>
+                <a:spcPts val="0"/>
+              </a:spcBef>
+              <a:spcAft>
+                <a:spcPts val="0"/>
+              </a:spcAft>
+              <a:buClrTx/>
+              <a:buSzTx/>
+              <a:buFontTx/>
+              <a:buNone/>
+              <a:tabLst/>
+              <a:defRPr/>
+            </a:pPr>
+            <a:r>
+              <a:rPr lang="en-US" baseline="0" dirty="0"/>
+              <a:t>[NEXT SLIDE]</a:t>
+            </a:r>
+            <a:endParaRPr lang="en-US" dirty="0"/>
+          </a:p>
+          <a:p>
+            <a:endParaRPr lang="en-US" dirty="0"/>
+          </a:p>
         </p:txBody>
       </p:sp>
       <p:sp>
@@ -2879,6 +4099,33 @@
           <a:p>
             <a:endParaRPr lang="en-US" dirty="0"/>
           </a:p>
+          <a:p>
+            <a:pPr marL="0" marR="0" lvl="0" indent="0" algn="l" defTabSz="914400" rtl="0" eaLnBrk="1" fontAlgn="auto" latinLnBrk="0" hangingPunct="1">
+              <a:lnSpc>
+                <a:spcPct val="100000"/>
+              </a:lnSpc>
+              <a:spcBef>
+                <a:spcPts val="0"/>
+              </a:spcBef>
+              <a:spcAft>
+                <a:spcPts val="0"/>
+              </a:spcAft>
+              <a:buClrTx/>
+              <a:buSzTx/>
+              <a:buFontTx/>
+              <a:buNone/>
+              <a:tabLst/>
+              <a:defRPr/>
+            </a:pPr>
+            <a:r>
+              <a:rPr lang="en-US" baseline="0" dirty="0"/>
+              <a:t>[NEXT SLIDE]</a:t>
+            </a:r>
+            <a:endParaRPr lang="en-US" dirty="0"/>
+          </a:p>
+          <a:p>
+            <a:endParaRPr lang="en-US" dirty="0"/>
+          </a:p>
         </p:txBody>
       </p:sp>
       <p:sp>
@@ -3076,6 +4323,33 @@
           <a:p>
             <a:endParaRPr lang="en-US" dirty="0"/>
           </a:p>
+          <a:p>
+            <a:pPr marL="0" marR="0" lvl="0" indent="0" algn="l" defTabSz="914400" rtl="0" eaLnBrk="1" fontAlgn="auto" latinLnBrk="0" hangingPunct="1">
+              <a:lnSpc>
+                <a:spcPct val="100000"/>
+              </a:lnSpc>
+              <a:spcBef>
+                <a:spcPts val="0"/>
+              </a:spcBef>
+              <a:spcAft>
+                <a:spcPts val="0"/>
+              </a:spcAft>
+              <a:buClrTx/>
+              <a:buSzTx/>
+              <a:buFontTx/>
+              <a:buNone/>
+              <a:tabLst/>
+              <a:defRPr/>
+            </a:pPr>
+            <a:r>
+              <a:rPr lang="en-US" baseline="0" dirty="0"/>
+              <a:t>[NEXT SLIDE]</a:t>
+            </a:r>
+            <a:endParaRPr lang="en-US" dirty="0"/>
+          </a:p>
+          <a:p>
+            <a:endParaRPr lang="en-US" dirty="0"/>
+          </a:p>
         </p:txBody>
       </p:sp>
       <p:sp>
@@ -3301,6 +4575,33 @@
               <a:rPr lang="en-US" dirty="0"/>
               <a:t>specifies actual values or variables that will be used as inputs</a:t>
             </a:r>
+          </a:p>
+          <a:p>
+            <a:endParaRPr lang="en-US" dirty="0"/>
+          </a:p>
+          <a:p>
+            <a:pPr marL="0" marR="0" lvl="0" indent="0" algn="l" defTabSz="914400" rtl="0" eaLnBrk="1" fontAlgn="auto" latinLnBrk="0" hangingPunct="1">
+              <a:lnSpc>
+                <a:spcPct val="100000"/>
+              </a:lnSpc>
+              <a:spcBef>
+                <a:spcPts val="0"/>
+              </a:spcBef>
+              <a:spcAft>
+                <a:spcPts val="0"/>
+              </a:spcAft>
+              <a:buClrTx/>
+              <a:buSzTx/>
+              <a:buFontTx/>
+              <a:buNone/>
+              <a:tabLst/>
+              <a:defRPr/>
+            </a:pPr>
+            <a:r>
+              <a:rPr lang="en-US" baseline="0" dirty="0"/>
+              <a:t>[NEXT SLIDE]</a:t>
+            </a:r>
+            <a:endParaRPr lang="en-US" dirty="0"/>
           </a:p>
           <a:p>
             <a:endParaRPr lang="en-US" dirty="0"/>
@@ -3490,7 +4791,7 @@
           <a:p>
             <a:fld id="{C3F78080-8D0A-4BE8-A5B4-CB115102D524}" type="datetimeFigureOut">
               <a:rPr lang="en-US" smtClean="0"/>
-              <a:t>1/11/2023</a:t>
+              <a:t>2/10/2023</a:t>
             </a:fld>
             <a:endParaRPr lang="en-US"/>
           </a:p>
@@ -3688,7 +4989,7 @@
           <a:p>
             <a:fld id="{C3F78080-8D0A-4BE8-A5B4-CB115102D524}" type="datetimeFigureOut">
               <a:rPr lang="en-US" smtClean="0"/>
-              <a:t>1/11/2023</a:t>
+              <a:t>2/10/2023</a:t>
             </a:fld>
             <a:endParaRPr lang="en-US"/>
           </a:p>
@@ -3896,7 +5197,7 @@
           <a:p>
             <a:fld id="{C3F78080-8D0A-4BE8-A5B4-CB115102D524}" type="datetimeFigureOut">
               <a:rPr lang="en-US" smtClean="0"/>
-              <a:t>1/11/2023</a:t>
+              <a:t>2/10/2023</a:t>
             </a:fld>
             <a:endParaRPr lang="en-US"/>
           </a:p>
@@ -4094,7 +5395,7 @@
           <a:p>
             <a:fld id="{C3F78080-8D0A-4BE8-A5B4-CB115102D524}" type="datetimeFigureOut">
               <a:rPr lang="en-US" smtClean="0"/>
-              <a:t>1/11/2023</a:t>
+              <a:t>2/10/2023</a:t>
             </a:fld>
             <a:endParaRPr lang="en-US"/>
           </a:p>
@@ -4369,7 +5670,7 @@
           <a:p>
             <a:fld id="{C3F78080-8D0A-4BE8-A5B4-CB115102D524}" type="datetimeFigureOut">
               <a:rPr lang="en-US" smtClean="0"/>
-              <a:t>1/11/2023</a:t>
+              <a:t>2/10/2023</a:t>
             </a:fld>
             <a:endParaRPr lang="en-US"/>
           </a:p>
@@ -4634,7 +5935,7 @@
           <a:p>
             <a:fld id="{C3F78080-8D0A-4BE8-A5B4-CB115102D524}" type="datetimeFigureOut">
               <a:rPr lang="en-US" smtClean="0"/>
-              <a:t>1/11/2023</a:t>
+              <a:t>2/10/2023</a:t>
             </a:fld>
             <a:endParaRPr lang="en-US"/>
           </a:p>
@@ -5046,7 +6347,7 @@
           <a:p>
             <a:fld id="{C3F78080-8D0A-4BE8-A5B4-CB115102D524}" type="datetimeFigureOut">
               <a:rPr lang="en-US" smtClean="0"/>
-              <a:t>1/11/2023</a:t>
+              <a:t>2/10/2023</a:t>
             </a:fld>
             <a:endParaRPr lang="en-US"/>
           </a:p>
@@ -5187,7 +6488,7 @@
           <a:p>
             <a:fld id="{C3F78080-8D0A-4BE8-A5B4-CB115102D524}" type="datetimeFigureOut">
               <a:rPr lang="en-US" smtClean="0"/>
-              <a:t>1/11/2023</a:t>
+              <a:t>2/10/2023</a:t>
             </a:fld>
             <a:endParaRPr lang="en-US"/>
           </a:p>
@@ -5300,7 +6601,7 @@
           <a:p>
             <a:fld id="{C3F78080-8D0A-4BE8-A5B4-CB115102D524}" type="datetimeFigureOut">
               <a:rPr lang="en-US" smtClean="0"/>
-              <a:t>1/11/2023</a:t>
+              <a:t>2/10/2023</a:t>
             </a:fld>
             <a:endParaRPr lang="en-US"/>
           </a:p>
@@ -5611,7 +6912,7 @@
           <a:p>
             <a:fld id="{C3F78080-8D0A-4BE8-A5B4-CB115102D524}" type="datetimeFigureOut">
               <a:rPr lang="en-US" smtClean="0"/>
-              <a:t>1/11/2023</a:t>
+              <a:t>2/10/2023</a:t>
             </a:fld>
             <a:endParaRPr lang="en-US"/>
           </a:p>
@@ -5899,7 +7200,7 @@
           <a:p>
             <a:fld id="{C3F78080-8D0A-4BE8-A5B4-CB115102D524}" type="datetimeFigureOut">
               <a:rPr lang="en-US" smtClean="0"/>
-              <a:t>1/11/2023</a:t>
+              <a:t>2/10/2023</a:t>
             </a:fld>
             <a:endParaRPr lang="en-US"/>
           </a:p>
@@ -6140,7 +7441,7 @@
           <a:p>
             <a:fld id="{C3F78080-8D0A-4BE8-A5B4-CB115102D524}" type="datetimeFigureOut">
               <a:rPr lang="en-US" smtClean="0"/>
-              <a:t>1/11/2023</a:t>
+              <a:t>2/10/2023</a:t>
             </a:fld>
             <a:endParaRPr lang="en-US"/>
           </a:p>
@@ -6557,48 +7858,15 @@
           <a:chExt cx="0" cy="0"/>
         </a:xfrm>
       </p:grpSpPr>
-      <p:sp>
-        <p:nvSpPr>
-          <p:cNvPr id="3" name="Text Placeholder 2">
-            <a:extLst>
-              <a:ext uri="{FF2B5EF4-FFF2-40B4-BE49-F238E27FC236}">
-                <a16:creationId xmlns:a16="http://schemas.microsoft.com/office/drawing/2014/main" id="{098BC2D2-CCF7-4C63-8489-B46BF394FCA2}"/>
-              </a:ext>
-            </a:extLst>
-          </p:cNvPr>
-          <p:cNvSpPr>
-            <a:spLocks noGrp="1"/>
-          </p:cNvSpPr>
-          <p:nvPr>
-            <p:ph type="body" idx="1"/>
-          </p:nvPr>
-        </p:nvSpPr>
-        <p:spPr>
-          <a:xfrm>
-            <a:off x="436904" y="5379437"/>
-            <a:ext cx="10515600" cy="670560"/>
-          </a:xfrm>
-        </p:spPr>
-        <p:txBody>
-          <a:bodyPr/>
-          <a:lstStyle/>
-          <a:p>
-            <a:r>
-              <a:rPr lang="en-US" dirty="0">
-                <a:latin typeface="Avenir" panose="02000503020000020003" pitchFamily="2" charset="0"/>
-                <a:cs typeface="Segoe UI" panose="020B0502040204020203" pitchFamily="34" charset="0"/>
-              </a:rPr>
-              <a:t>Python Functions</a:t>
-            </a:r>
-          </a:p>
-        </p:txBody>
-      </p:sp>
       <p:pic>
         <p:nvPicPr>
           <p:cNvPr id="6" name="Graphic 5">
             <a:extLst>
               <a:ext uri="{FF2B5EF4-FFF2-40B4-BE49-F238E27FC236}">
                 <a16:creationId xmlns:a16="http://schemas.microsoft.com/office/drawing/2014/main" id="{D035209F-C587-7FC6-E954-C27464E4EBB0}"/>
+              </a:ext>
+              <a:ext uri="{C183D7F6-B498-43B3-948B-1728B52AA6E4}">
+                <adec:decorative xmlns:adec="http://schemas.microsoft.com/office/drawing/2017/decorative" val="1"/>
               </a:ext>
             </a:extLst>
           </p:cNvPr>
@@ -6634,7 +7902,7 @@
       </p:pic>
       <p:pic>
         <p:nvPicPr>
-          <p:cNvPr id="8" name="Picture 7" descr="Logo&#10;&#10;Description automatically generated">
+          <p:cNvPr id="8" name="Picture 7" descr="Practicum AI">
             <a:extLst>
               <a:ext uri="{FF2B5EF4-FFF2-40B4-BE49-F238E27FC236}">
                 <a16:creationId xmlns:a16="http://schemas.microsoft.com/office/drawing/2014/main" id="{755F653B-607E-3F55-E310-CE8EC1DEEC88}"/>
@@ -6668,6 +7936,54 @@
           </a:prstGeom>
         </p:spPr>
       </p:pic>
+      <p:sp>
+        <p:nvSpPr>
+          <p:cNvPr id="2" name="Title 1">
+            <a:extLst>
+              <a:ext uri="{FF2B5EF4-FFF2-40B4-BE49-F238E27FC236}">
+                <a16:creationId xmlns:a16="http://schemas.microsoft.com/office/drawing/2014/main" id="{13A35BA5-2B58-4C12-A2F4-5E94A1936339}"/>
+              </a:ext>
+            </a:extLst>
+          </p:cNvPr>
+          <p:cNvSpPr>
+            <a:spLocks noGrp="1"/>
+          </p:cNvSpPr>
+          <p:nvPr>
+            <p:ph type="title"/>
+          </p:nvPr>
+        </p:nvSpPr>
+        <p:spPr>
+          <a:xfrm>
+            <a:off x="436904" y="5270590"/>
+            <a:ext cx="10515600" cy="1355008"/>
+          </a:xfrm>
+        </p:spPr>
+        <p:txBody>
+          <a:bodyPr/>
+          <a:lstStyle/>
+          <a:p>
+            <a:pPr rtl="0" eaLnBrk="1" latinLnBrk="0" hangingPunct="1"/>
+            <a:r>
+              <a:rPr lang="en-US" sz="2400" kern="1200">
+                <a:solidFill>
+                  <a:srgbClr val="898989"/>
+                </a:solidFill>
+                <a:effectLst/>
+                <a:latin typeface="Avenir" panose="02000503020000020003"/>
+                <a:ea typeface="+mn-ea"/>
+                <a:cs typeface="Segoe UI" panose="020B0502040204020203" pitchFamily="34" charset="0"/>
+              </a:rPr>
+              <a:t>Python Functions</a:t>
+            </a:r>
+            <a:endParaRPr lang="en-US">
+              <a:effectLst/>
+            </a:endParaRPr>
+          </a:p>
+          <a:p>
+            <a:endParaRPr lang="en-US"/>
+          </a:p>
+        </p:txBody>
+      </p:sp>
     </p:spTree>
     <p:extLst>
       <p:ext uri="{BB962C8B-B14F-4D97-AF65-F5344CB8AC3E}">
@@ -6712,6 +8028,54 @@
       </p:grpSpPr>
       <p:sp>
         <p:nvSpPr>
+          <p:cNvPr id="2" name="Title 1">
+            <a:extLst>
+              <a:ext uri="{FF2B5EF4-FFF2-40B4-BE49-F238E27FC236}">
+                <a16:creationId xmlns:a16="http://schemas.microsoft.com/office/drawing/2014/main" id="{AF5A2DEC-5001-4BF9-84F4-E3A0F1C132FE}"/>
+              </a:ext>
+            </a:extLst>
+          </p:cNvPr>
+          <p:cNvSpPr>
+            <a:spLocks noGrp="1"/>
+          </p:cNvSpPr>
+          <p:nvPr>
+            <p:ph type="title" idx="4294967295"/>
+          </p:nvPr>
+        </p:nvSpPr>
+        <p:spPr>
+          <a:xfrm>
+            <a:off x="838200" y="566089"/>
+            <a:ext cx="10515600" cy="1325563"/>
+          </a:xfrm>
+        </p:spPr>
+        <p:txBody>
+          <a:bodyPr/>
+          <a:lstStyle/>
+          <a:p>
+            <a:pPr algn="ctr" rtl="0" eaLnBrk="1" latinLnBrk="0" hangingPunct="1"/>
+            <a:r>
+              <a:rPr lang="en-US" sz="3600" b="1" kern="1200">
+                <a:solidFill>
+                  <a:srgbClr val="3B3838"/>
+                </a:solidFill>
+                <a:effectLst/>
+                <a:latin typeface="Avenir Heavy" panose="02000503020000020003"/>
+                <a:ea typeface="+mn-ea"/>
+                <a:cs typeface="Arial" panose="020B0604020202020204" pitchFamily="34" charset="0"/>
+              </a:rPr>
+              <a:t>Returning Values</a:t>
+            </a:r>
+            <a:endParaRPr lang="en-US">
+              <a:effectLst/>
+            </a:endParaRPr>
+          </a:p>
+          <a:p>
+            <a:endParaRPr lang="en-US"/>
+          </a:p>
+        </p:txBody>
+      </p:sp>
+      <p:sp>
+        <p:nvSpPr>
           <p:cNvPr id="3" name="TextBox 2">
             <a:extLst>
               <a:ext uri="{FF2B5EF4-FFF2-40B4-BE49-F238E27FC236}">
@@ -6742,7 +8106,7 @@
               <a:buNone/>
             </a:pPr>
             <a:r>
-              <a:rPr lang="en-US" sz="2800" dirty="0">
+              <a:rPr lang="en-US" sz="2800">
                 <a:solidFill>
                   <a:schemeClr val="tx1">
                     <a:lumMod val="65000"/>
@@ -6753,58 +8117,6 @@
               </a:rPr>
               <a:t>return &lt;value1&gt;,&lt;value2&gt;, . . .</a:t>
             </a:r>
-          </a:p>
-        </p:txBody>
-      </p:sp>
-      <p:sp>
-        <p:nvSpPr>
-          <p:cNvPr id="4" name="TextBox 3">
-            <a:extLst>
-              <a:ext uri="{FF2B5EF4-FFF2-40B4-BE49-F238E27FC236}">
-                <a16:creationId xmlns:a16="http://schemas.microsoft.com/office/drawing/2014/main" id="{78960E0B-5C06-77AC-FED6-CDA019AED9AD}"/>
-              </a:ext>
-            </a:extLst>
-          </p:cNvPr>
-          <p:cNvSpPr txBox="1"/>
-          <p:nvPr/>
-        </p:nvSpPr>
-        <p:spPr>
-          <a:xfrm>
-            <a:off x="0" y="578094"/>
-            <a:ext cx="12192000" cy="646331"/>
-          </a:xfrm>
-          <a:prstGeom prst="rect">
-            <a:avLst/>
-          </a:prstGeom>
-          <a:noFill/>
-        </p:spPr>
-        <p:txBody>
-          <a:bodyPr wrap="square">
-            <a:spAutoFit/>
-          </a:bodyPr>
-          <a:lstStyle/>
-          <a:p>
-            <a:pPr algn="ctr"/>
-            <a:r>
-              <a:rPr lang="en-US" sz="3600" b="1" dirty="0">
-                <a:solidFill>
-                  <a:schemeClr val="bg2">
-                    <a:lumMod val="25000"/>
-                  </a:schemeClr>
-                </a:solidFill>
-                <a:latin typeface="Avenir Heavy" panose="02000503020000020003" pitchFamily="2" charset="0"/>
-                <a:cs typeface="Arial" panose="020B0604020202020204" pitchFamily="34" charset="0"/>
-              </a:rPr>
-              <a:t>Returning Values</a:t>
-            </a:r>
-            <a:endParaRPr lang="en-US" sz="3600" b="1" dirty="0">
-              <a:solidFill>
-                <a:schemeClr val="bg2">
-                  <a:lumMod val="25000"/>
-                </a:schemeClr>
-              </a:solidFill>
-              <a:latin typeface="Avenir Heavy" panose="02000503020000020003" pitchFamily="2" charset="0"/>
-            </a:endParaRPr>
           </a:p>
         </p:txBody>
       </p:sp>
@@ -6848,7 +8160,7 @@
           <a:lstStyle/>
           <a:p>
             <a:r>
-              <a:rPr lang="en-US" sz="2400" dirty="0">
+              <a:rPr lang="en-US" sz="2400">
                 <a:solidFill>
                   <a:srgbClr val="007C00"/>
                 </a:solidFill>
@@ -6857,7 +8169,7 @@
               <a:t>def</a:t>
             </a:r>
             <a:r>
-              <a:rPr lang="en-US" sz="2400" dirty="0">
+              <a:rPr lang="en-US" sz="2400">
                 <a:solidFill>
                   <a:srgbClr val="FF00FF"/>
                 </a:solidFill>
@@ -6866,7 +8178,7 @@
               <a:t> </a:t>
             </a:r>
             <a:r>
-              <a:rPr lang="en-US" sz="2400" dirty="0">
+              <a:rPr lang="en-US" sz="2400">
                 <a:solidFill>
                   <a:srgbClr val="482DFF"/>
                 </a:solidFill>
@@ -6875,7 +8187,7 @@
               <a:t>hello</a:t>
             </a:r>
             <a:r>
-              <a:rPr lang="en-US" sz="2400" dirty="0">
+              <a:rPr lang="en-US" sz="2400">
                 <a:latin typeface="Consolas" panose="020B0609020204030204" pitchFamily="49" charset="0"/>
               </a:rPr>
               <a:t>(name):</a:t>
@@ -6883,13 +8195,13 @@
           </a:p>
           <a:p>
             <a:r>
-              <a:rPr lang="en-US" sz="2400" dirty="0">
+              <a:rPr lang="en-US" sz="2400">
                 <a:latin typeface="Consolas" panose="020B0609020204030204" pitchFamily="49" charset="0"/>
               </a:rPr>
               <a:t>    </a:t>
             </a:r>
             <a:r>
-              <a:rPr lang="en-US" sz="2400" dirty="0">
+              <a:rPr lang="en-US" sz="2400">
                 <a:solidFill>
                   <a:srgbClr val="007C00"/>
                 </a:solidFill>
@@ -6898,13 +8210,13 @@
               <a:t>print</a:t>
             </a:r>
             <a:r>
-              <a:rPr lang="en-US" sz="2400" dirty="0">
+              <a:rPr lang="en-US" sz="2400">
                 <a:latin typeface="Consolas" panose="020B0609020204030204" pitchFamily="49" charset="0"/>
               </a:rPr>
               <a:t>(</a:t>
             </a:r>
             <a:r>
-              <a:rPr lang="en-US" sz="2400" dirty="0">
+              <a:rPr lang="en-US" sz="2400">
                 <a:solidFill>
                   <a:srgbClr val="BA2020"/>
                 </a:solidFill>
@@ -6913,7 +8225,7 @@
               <a:t>'Hello {}!'</a:t>
             </a:r>
             <a:r>
-              <a:rPr lang="en-US" sz="2400" dirty="0">
+              <a:rPr lang="en-US" sz="2400">
                 <a:latin typeface="Consolas" panose="020B0609020204030204" pitchFamily="49" charset="0"/>
               </a:rPr>
               <a:t>.format(name))</a:t>
@@ -6921,7 +8233,7 @@
           </a:p>
           <a:p>
             <a:r>
-              <a:rPr lang="en-US" sz="2400" dirty="0">
+              <a:rPr lang="en-US" sz="2400">
                 <a:solidFill>
                   <a:srgbClr val="007C00"/>
                 </a:solidFill>
@@ -6931,7 +8243,7 @@
             </a:r>
           </a:p>
           <a:p>
-            <a:endParaRPr lang="en-US" sz="2400" dirty="0">
+            <a:endParaRPr lang="en-US" sz="2400">
               <a:solidFill>
                 <a:srgbClr val="007C00"/>
               </a:solidFill>
@@ -6940,28 +8252,28 @@
           </a:p>
           <a:p>
             <a:r>
-              <a:rPr lang="en-US" sz="2400" dirty="0">
+              <a:rPr lang="en-US" sz="2400">
                 <a:latin typeface="Consolas" panose="020B0609020204030204" pitchFamily="49" charset="0"/>
               </a:rPr>
               <a:t>myName </a:t>
             </a:r>
             <a:r>
-              <a:rPr lang="en-US" sz="2400" dirty="0">
-                <a:solidFill>
-                  <a:srgbClr val="BD62FF"/>
+              <a:rPr lang="en-US" sz="2400">
+                <a:solidFill>
+                  <a:srgbClr val="482DFF"/>
                 </a:solidFill>
                 <a:latin typeface="Consolas" panose="020B0609020204030204" pitchFamily="49" charset="0"/>
               </a:rPr>
               <a:t>=</a:t>
             </a:r>
             <a:r>
-              <a:rPr lang="en-US" sz="2400" dirty="0">
+              <a:rPr lang="en-US" sz="2400">
                 <a:latin typeface="Consolas" panose="020B0609020204030204" pitchFamily="49" charset="0"/>
               </a:rPr>
               <a:t> </a:t>
             </a:r>
             <a:r>
-              <a:rPr lang="en-US" sz="2400" dirty="0">
+              <a:rPr lang="en-US" sz="2400">
                 <a:solidFill>
                   <a:srgbClr val="007C00"/>
                 </a:solidFill>
@@ -6970,7 +8282,7 @@
               <a:t>input</a:t>
             </a:r>
             <a:r>
-              <a:rPr lang="en-US" sz="2400" dirty="0">
+              <a:rPr lang="en-US" sz="2400">
                 <a:latin typeface="Consolas" panose="020B0609020204030204" pitchFamily="49" charset="0"/>
               </a:rPr>
               <a:t>('Name? ')</a:t>
@@ -6978,13 +8290,13 @@
           </a:p>
           <a:p>
             <a:r>
-              <a:rPr lang="en-US" sz="2400" dirty="0">
+              <a:rPr lang="en-US" sz="2400">
                 <a:latin typeface="Consolas" panose="020B0609020204030204" pitchFamily="49" charset="0"/>
               </a:rPr>
               <a:t>status</a:t>
             </a:r>
             <a:r>
-              <a:rPr lang="en-US" sz="2400" dirty="0">
+              <a:rPr lang="en-US" sz="2400">
                 <a:solidFill>
                   <a:srgbClr val="FFC000"/>
                 </a:solidFill>
@@ -6993,16 +8305,16 @@
               <a:t> </a:t>
             </a:r>
             <a:r>
-              <a:rPr lang="en-US" sz="2400" dirty="0">
-                <a:solidFill>
-                  <a:srgbClr val="BD62FF"/>
+              <a:rPr lang="en-US" sz="2400">
+                <a:solidFill>
+                  <a:srgbClr val="482DFF"/>
                 </a:solidFill>
                 <a:latin typeface="Consolas" panose="020B0609020204030204" pitchFamily="49" charset="0"/>
               </a:rPr>
               <a:t>=</a:t>
             </a:r>
             <a:r>
-              <a:rPr lang="en-US" sz="2400" dirty="0">
+              <a:rPr lang="en-US" sz="2400">
                 <a:solidFill>
                   <a:srgbClr val="FFC000"/>
                 </a:solidFill>
@@ -7011,7 +8323,7 @@
               <a:t> </a:t>
             </a:r>
             <a:r>
-              <a:rPr lang="en-US" sz="2400" dirty="0">
+              <a:rPr lang="en-US" sz="2400">
                 <a:latin typeface="Consolas" panose="020B0609020204030204" pitchFamily="49" charset="0"/>
               </a:rPr>
               <a:t>hello(myName)</a:t>
@@ -7019,7 +8331,7 @@
           </a:p>
           <a:p>
             <a:r>
-              <a:rPr lang="en-US" sz="2400" dirty="0">
+              <a:rPr lang="en-US" sz="2400">
                 <a:solidFill>
                   <a:srgbClr val="007C00"/>
                 </a:solidFill>
@@ -7028,7 +8340,7 @@
               <a:t>print</a:t>
             </a:r>
             <a:r>
-              <a:rPr lang="en-US" sz="2400" dirty="0">
+              <a:rPr lang="en-US" sz="2400">
                 <a:latin typeface="Consolas" panose="020B0609020204030204" pitchFamily="49" charset="0"/>
               </a:rPr>
               <a:t>(status)</a:t>
@@ -7070,7 +8382,7 @@
           <a:lstStyle/>
           <a:p>
             <a:r>
-              <a:rPr lang="en-US" sz="2400" dirty="0">
+              <a:rPr lang="en-US" sz="2400">
                 <a:latin typeface="Consolas" panose="020B0609020204030204" pitchFamily="49" charset="0"/>
               </a:rPr>
               <a:t>Name? Randy</a:t>
@@ -7078,7 +8390,7 @@
           </a:p>
           <a:p>
             <a:r>
-              <a:rPr lang="en-US" sz="2400" dirty="0">
+              <a:rPr lang="en-US" sz="2400">
                 <a:latin typeface="Consolas" panose="020B0609020204030204" pitchFamily="49" charset="0"/>
               </a:rPr>
               <a:t>Hello Randy!</a:t>
@@ -7086,7 +8398,7 @@
           </a:p>
           <a:p>
             <a:r>
-              <a:rPr lang="en-US" sz="2400" dirty="0">
+              <a:rPr lang="en-US" sz="2400">
                 <a:latin typeface="Consolas" panose="020B0609020204030204" pitchFamily="49" charset="0"/>
               </a:rPr>
               <a:t>True</a:t>
@@ -7126,7 +8438,7 @@
               <a:defRPr/>
             </a:pPr>
             <a:r>
-              <a:rPr lang="en-US" sz="1400" dirty="0">
+              <a:rPr lang="en-US" sz="1400">
                 <a:solidFill>
                   <a:schemeClr val="tx1">
                     <a:lumMod val="65000"/>
@@ -7138,7 +8450,7 @@
               </a:rPr>
               <a:t>Source: Randy Switt – University of Florida (Pythonista)</a:t>
             </a:r>
-            <a:endParaRPr lang="en-US" sz="1400" dirty="0">
+            <a:endParaRPr lang="en-US" sz="1400">
               <a:solidFill>
                 <a:schemeClr val="tx1">
                   <a:lumMod val="65000"/>
@@ -7152,10 +8464,13 @@
       </p:sp>
       <p:pic>
         <p:nvPicPr>
-          <p:cNvPr id="10" name="Picture 9" descr="A picture containing dark, gauge&#10;&#10;Description automatically generated">
+          <p:cNvPr id="10" name="Picture 9">
             <a:extLst>
               <a:ext uri="{FF2B5EF4-FFF2-40B4-BE49-F238E27FC236}">
                 <a16:creationId xmlns:a16="http://schemas.microsoft.com/office/drawing/2014/main" id="{73FA8EC0-0B6C-E6EB-0CB4-16072AA21797}"/>
+              </a:ext>
+              <a:ext uri="{C183D7F6-B498-43B3-948B-1728B52AA6E4}">
+                <adec:decorative xmlns:adec="http://schemas.microsoft.com/office/drawing/2017/decorative" val="1"/>
               </a:ext>
             </a:extLst>
           </p:cNvPr>
@@ -7342,7 +8657,7 @@
           <a:lstStyle/>
           <a:p>
             <a:r>
-              <a:rPr lang="en-US" sz="2400" dirty="0">
+              <a:rPr lang="en-US" sz="2400">
                 <a:solidFill>
                   <a:srgbClr val="007C00"/>
                 </a:solidFill>
@@ -7351,7 +8666,7 @@
               <a:t>def</a:t>
             </a:r>
             <a:r>
-              <a:rPr lang="en-US" sz="2400" dirty="0">
+              <a:rPr lang="en-US" sz="2400">
                 <a:solidFill>
                   <a:srgbClr val="FF00FF"/>
                 </a:solidFill>
@@ -7360,7 +8675,7 @@
               <a:t> </a:t>
             </a:r>
             <a:r>
-              <a:rPr lang="en-US" sz="2400" dirty="0">
+              <a:rPr lang="en-US" sz="2400">
                 <a:solidFill>
                   <a:srgbClr val="482DFF"/>
                 </a:solidFill>
@@ -7369,7 +8684,7 @@
               <a:t>hello</a:t>
             </a:r>
             <a:r>
-              <a:rPr lang="en-US" sz="2400" dirty="0">
+              <a:rPr lang="en-US" sz="2400">
                 <a:latin typeface="Consolas" panose="020B0609020204030204" pitchFamily="49" charset="0"/>
               </a:rPr>
               <a:t>(name):</a:t>
@@ -7377,13 +8692,13 @@
           </a:p>
           <a:p>
             <a:r>
-              <a:rPr lang="en-US" sz="2400" dirty="0">
+              <a:rPr lang="en-US" sz="2400">
                 <a:latin typeface="Consolas" panose="020B0609020204030204" pitchFamily="49" charset="0"/>
               </a:rPr>
               <a:t>    </a:t>
             </a:r>
             <a:r>
-              <a:rPr lang="en-US" sz="2400" dirty="0">
+              <a:rPr lang="en-US" sz="2400">
                 <a:solidFill>
                   <a:srgbClr val="007C00"/>
                 </a:solidFill>
@@ -7392,13 +8707,13 @@
               <a:t>print</a:t>
             </a:r>
             <a:r>
-              <a:rPr lang="en-US" sz="2400" dirty="0">
+              <a:rPr lang="en-US" sz="2400">
                 <a:latin typeface="Consolas" panose="020B0609020204030204" pitchFamily="49" charset="0"/>
               </a:rPr>
               <a:t>(</a:t>
             </a:r>
             <a:r>
-              <a:rPr lang="en-US" sz="2400" dirty="0">
+              <a:rPr lang="en-US" sz="2400">
                 <a:solidFill>
                   <a:srgbClr val="BA2020"/>
                 </a:solidFill>
@@ -7407,13 +8722,13 @@
               <a:t>'Hello {}!'</a:t>
             </a:r>
             <a:r>
-              <a:rPr lang="en-US" sz="2400" dirty="0">
+              <a:rPr lang="en-US" sz="2400">
                 <a:latin typeface="Consolas" panose="020B0609020204030204" pitchFamily="49" charset="0"/>
               </a:rPr>
               <a:t>.</a:t>
             </a:r>
             <a:r>
-              <a:rPr lang="en-US" sz="2400" dirty="0">
+              <a:rPr lang="en-US" sz="2400">
                 <a:solidFill>
                   <a:srgbClr val="4D5EB6"/>
                 </a:solidFill>
@@ -7422,41 +8737,41 @@
               <a:t>format</a:t>
             </a:r>
             <a:r>
-              <a:rPr lang="en-US" sz="2400" dirty="0">
+              <a:rPr lang="en-US" sz="2400">
                 <a:latin typeface="Consolas" panose="020B0609020204030204" pitchFamily="49" charset="0"/>
               </a:rPr>
               <a:t>(name))</a:t>
             </a:r>
           </a:p>
           <a:p>
-            <a:endParaRPr lang="en-US" sz="2400" dirty="0">
+            <a:endParaRPr lang="en-US" sz="2400">
               <a:latin typeface="Consolas" panose="020B0609020204030204" pitchFamily="49" charset="0"/>
             </a:endParaRPr>
           </a:p>
           <a:p>
             <a:r>
-              <a:rPr lang="en-US" sz="2400" dirty="0">
+              <a:rPr lang="en-US" sz="2400">
                 <a:latin typeface="Consolas" panose="020B0609020204030204" pitchFamily="49" charset="0"/>
               </a:rPr>
               <a:t>myName </a:t>
             </a:r>
             <a:r>
-              <a:rPr lang="en-US" sz="2400" dirty="0">
-                <a:solidFill>
-                  <a:srgbClr val="BD62FF"/>
+              <a:rPr lang="en-US" sz="2400">
+                <a:solidFill>
+                  <a:srgbClr val="482DFF"/>
                 </a:solidFill>
                 <a:latin typeface="Consolas" panose="020B0609020204030204" pitchFamily="49" charset="0"/>
               </a:rPr>
               <a:t>=</a:t>
             </a:r>
             <a:r>
-              <a:rPr lang="en-US" sz="2400" dirty="0">
+              <a:rPr lang="en-US" sz="2400">
                 <a:latin typeface="Consolas" panose="020B0609020204030204" pitchFamily="49" charset="0"/>
               </a:rPr>
               <a:t> </a:t>
             </a:r>
             <a:r>
-              <a:rPr lang="en-US" sz="2400" dirty="0">
+              <a:rPr lang="en-US" sz="2400">
                 <a:solidFill>
                   <a:srgbClr val="007C00"/>
                 </a:solidFill>
@@ -7465,13 +8780,13 @@
               <a:t>input</a:t>
             </a:r>
             <a:r>
-              <a:rPr lang="en-US" sz="2400" dirty="0">
+              <a:rPr lang="en-US" sz="2400">
                 <a:latin typeface="Consolas" panose="020B0609020204030204" pitchFamily="49" charset="0"/>
               </a:rPr>
               <a:t>(</a:t>
             </a:r>
             <a:r>
-              <a:rPr lang="en-US" sz="2400" dirty="0">
+              <a:rPr lang="en-US" sz="2400">
                 <a:solidFill>
                   <a:srgbClr val="BA2020"/>
                 </a:solidFill>
@@ -7480,14 +8795,14 @@
               <a:t>'Name? '</a:t>
             </a:r>
             <a:r>
-              <a:rPr lang="en-US" sz="2400" dirty="0">
+              <a:rPr lang="en-US" sz="2400">
                 <a:latin typeface="Consolas" panose="020B0609020204030204" pitchFamily="49" charset="0"/>
               </a:rPr>
               <a:t>)</a:t>
             </a:r>
           </a:p>
           <a:p>
-            <a:endParaRPr lang="en-US" sz="2400" dirty="0">
+            <a:endParaRPr lang="en-US" sz="2400">
               <a:solidFill>
                 <a:srgbClr val="FFC000"/>
               </a:solidFill>
@@ -7496,9 +8811,9 @@
           </a:p>
           <a:p>
             <a:r>
-              <a:rPr lang="en-US" sz="2400" dirty="0">
-                <a:solidFill>
-                  <a:srgbClr val="698F91"/>
+              <a:rPr lang="en-US" sz="2400">
+                <a:solidFill>
+                  <a:srgbClr val="4D6A6A"/>
                 </a:solidFill>
                 <a:latin typeface="Consolas" panose="020B0609020204030204" pitchFamily="49" charset="0"/>
               </a:rPr>
@@ -7507,22 +8822,25 @@
           </a:p>
           <a:p>
             <a:r>
-              <a:rPr lang="en-US" sz="2400" dirty="0">
+              <a:rPr lang="en-US" sz="2400">
                 <a:latin typeface="Consolas" panose="020B0609020204030204" pitchFamily="49" charset="0"/>
               </a:rPr>
               <a:t>hello(myName)</a:t>
             </a:r>
           </a:p>
           <a:p>
-            <a:endParaRPr lang="en-US" sz="2400" dirty="0">
+            <a:endParaRPr lang="en-US" sz="2400">
               <a:latin typeface="Consolas" panose="020B0609020204030204" pitchFamily="49" charset="0"/>
             </a:endParaRPr>
           </a:p>
           <a:p>
             <a:r>
-              <a:rPr lang="en-US" sz="2400" dirty="0">
-                <a:solidFill>
-                  <a:srgbClr val="698F91"/>
+              <a:rPr lang="en-US" sz="2400">
+                <a:solidFill>
+                  <a:schemeClr val="tx1">
+                    <a:lumMod val="65000"/>
+                    <a:lumOff val="35000"/>
+                  </a:schemeClr>
                 </a:solidFill>
                 <a:latin typeface="Consolas" panose="020B0609020204030204" pitchFamily="49" charset="0"/>
               </a:rPr>
@@ -7531,87 +8849,38 @@
           </a:p>
           <a:p>
             <a:r>
-              <a:rPr lang="en-US" sz="2400" dirty="0">
+              <a:rPr lang="en-US" sz="2400">
                 <a:latin typeface="Consolas" panose="020B0609020204030204" pitchFamily="49" charset="0"/>
               </a:rPr>
               <a:t>hello(name </a:t>
             </a:r>
             <a:r>
-              <a:rPr lang="en-US" sz="2400" dirty="0">
-                <a:solidFill>
-                  <a:srgbClr val="BD62FF"/>
+              <a:rPr lang="en-US" sz="2400">
+                <a:solidFill>
+                  <a:srgbClr val="482DFF"/>
                 </a:solidFill>
                 <a:latin typeface="Consolas" panose="020B0609020204030204" pitchFamily="49" charset="0"/>
               </a:rPr>
               <a:t>=</a:t>
             </a:r>
             <a:r>
-              <a:rPr lang="en-US" sz="2400" dirty="0">
+              <a:rPr lang="en-US" sz="2400">
                 <a:latin typeface="Consolas" panose="020B0609020204030204" pitchFamily="49" charset="0"/>
               </a:rPr>
               <a:t> myName)</a:t>
             </a:r>
-          </a:p>
-        </p:txBody>
-      </p:sp>
-      <p:sp>
-        <p:nvSpPr>
-          <p:cNvPr id="4" name="TextBox 3">
-            <a:extLst>
-              <a:ext uri="{FF2B5EF4-FFF2-40B4-BE49-F238E27FC236}">
-                <a16:creationId xmlns:a16="http://schemas.microsoft.com/office/drawing/2014/main" id="{22704BC7-6FCC-4C57-AA4D-D71A548FD91A}"/>
-              </a:ext>
-            </a:extLst>
-          </p:cNvPr>
-          <p:cNvSpPr txBox="1"/>
-          <p:nvPr/>
-        </p:nvSpPr>
-        <p:spPr>
-          <a:xfrm>
-            <a:off x="0" y="578094"/>
-            <a:ext cx="12192000" cy="646331"/>
-          </a:xfrm>
-          <a:prstGeom prst="rect">
-            <a:avLst/>
-          </a:prstGeom>
-          <a:noFill/>
-        </p:spPr>
-        <p:txBody>
-          <a:bodyPr wrap="square">
-            <a:spAutoFit/>
-          </a:bodyPr>
-          <a:lstStyle/>
-          <a:p>
-            <a:pPr algn="ctr"/>
-            <a:r>
-              <a:rPr lang="en-US" sz="3600" b="1" dirty="0">
-                <a:solidFill>
-                  <a:schemeClr val="bg2">
-                    <a:lumMod val="25000"/>
-                  </a:schemeClr>
-                </a:solidFill>
-                <a:latin typeface="Avenir Heavy" panose="02000503020000020003" pitchFamily="2" charset="0"/>
-                <a:cs typeface="Arial" panose="020B0604020202020204" pitchFamily="34" charset="0"/>
-              </a:rPr>
-              <a:t>Call by Position or Keyword</a:t>
-            </a:r>
-            <a:endParaRPr lang="en-US" sz="3600" b="1" dirty="0">
-              <a:solidFill>
-                <a:schemeClr val="bg2">
-                  <a:lumMod val="25000"/>
-                </a:schemeClr>
-              </a:solidFill>
-              <a:latin typeface="Avenir Heavy" panose="02000503020000020003" pitchFamily="2" charset="0"/>
-            </a:endParaRPr>
           </a:p>
         </p:txBody>
       </p:sp>
       <p:pic>
         <p:nvPicPr>
-          <p:cNvPr id="5" name="Picture 4" descr="A picture containing dark, gauge&#10;&#10;Description automatically generated">
+          <p:cNvPr id="5" name="Picture 4">
             <a:extLst>
               <a:ext uri="{FF2B5EF4-FFF2-40B4-BE49-F238E27FC236}">
                 <a16:creationId xmlns:a16="http://schemas.microsoft.com/office/drawing/2014/main" id="{FABCADEC-E214-2DA1-88C0-A90E0DEE3BF2}"/>
+              </a:ext>
+              <a:ext uri="{C183D7F6-B498-43B3-948B-1728B52AA6E4}">
+                <adec:decorative xmlns:adec="http://schemas.microsoft.com/office/drawing/2017/decorative" val="1"/>
               </a:ext>
             </a:extLst>
           </p:cNvPr>
@@ -7642,6 +8911,54 @@
           </a:prstGeom>
         </p:spPr>
       </p:pic>
+      <p:sp>
+        <p:nvSpPr>
+          <p:cNvPr id="2" name="Title 1">
+            <a:extLst>
+              <a:ext uri="{FF2B5EF4-FFF2-40B4-BE49-F238E27FC236}">
+                <a16:creationId xmlns:a16="http://schemas.microsoft.com/office/drawing/2014/main" id="{569CC5C8-9388-4F5B-B90D-D6F3661DABAD}"/>
+              </a:ext>
+            </a:extLst>
+          </p:cNvPr>
+          <p:cNvSpPr>
+            <a:spLocks noGrp="1"/>
+          </p:cNvSpPr>
+          <p:nvPr>
+            <p:ph type="title"/>
+          </p:nvPr>
+        </p:nvSpPr>
+        <p:spPr>
+          <a:xfrm>
+            <a:off x="838200" y="773723"/>
+            <a:ext cx="10515600" cy="916966"/>
+          </a:xfrm>
+        </p:spPr>
+        <p:txBody>
+          <a:bodyPr/>
+          <a:lstStyle/>
+          <a:p>
+            <a:pPr algn="ctr" rtl="0" eaLnBrk="1" latinLnBrk="0" hangingPunct="1"/>
+            <a:r>
+              <a:rPr lang="en-US" sz="3600" b="1" kern="1200">
+                <a:solidFill>
+                  <a:srgbClr val="3B3838"/>
+                </a:solidFill>
+                <a:effectLst/>
+                <a:latin typeface="Avenir Heavy" panose="02000503020000020003"/>
+                <a:ea typeface="+mn-ea"/>
+                <a:cs typeface="Arial" panose="020B0604020202020204" pitchFamily="34" charset="0"/>
+              </a:rPr>
+              <a:t>Call by Position or Keyword</a:t>
+            </a:r>
+            <a:endParaRPr lang="en-US">
+              <a:effectLst/>
+            </a:endParaRPr>
+          </a:p>
+          <a:p>
+            <a:endParaRPr lang="en-US"/>
+          </a:p>
+        </p:txBody>
+      </p:sp>
     </p:spTree>
     <p:extLst>
       <p:ext uri="{BB962C8B-B14F-4D97-AF65-F5344CB8AC3E}">
@@ -7692,6 +9009,41 @@
           <a:chExt cx="0" cy="0"/>
         </a:xfrm>
       </p:grpSpPr>
+      <p:sp>
+        <p:nvSpPr>
+          <p:cNvPr id="2" name="Title 1">
+            <a:extLst>
+              <a:ext uri="{FF2B5EF4-FFF2-40B4-BE49-F238E27FC236}">
+                <a16:creationId xmlns:a16="http://schemas.microsoft.com/office/drawing/2014/main" id="{17EDFFD0-B58E-4640-B34D-EA17AAEC1079}"/>
+              </a:ext>
+            </a:extLst>
+          </p:cNvPr>
+          <p:cNvSpPr>
+            <a:spLocks noGrp="1"/>
+          </p:cNvSpPr>
+          <p:nvPr>
+            <p:ph type="title"/>
+          </p:nvPr>
+        </p:nvSpPr>
+        <p:spPr>
+          <a:xfrm>
+            <a:off x="838200" y="-629650"/>
+            <a:ext cx="10515600" cy="659806"/>
+          </a:xfrm>
+        </p:spPr>
+        <p:txBody>
+          <a:bodyPr>
+            <a:normAutofit fontScale="90000"/>
+          </a:bodyPr>
+          <a:lstStyle/>
+          <a:p>
+            <a:r>
+              <a:rPr lang="en-US"/>
+              <a:t>Python Functions are like Contracts</a:t>
+            </a:r>
+          </a:p>
+        </p:txBody>
+      </p:sp>
       <p:pic>
         <p:nvPicPr>
           <p:cNvPr id="4" name="Picture 2" descr="Pin on movies">
@@ -7721,7 +9073,7 @@
         </p:blipFill>
         <p:spPr bwMode="auto">
           <a:xfrm>
-            <a:off x="3941445" y="550514"/>
+            <a:off x="3941445" y="215234"/>
             <a:ext cx="4309110" cy="5756971"/>
           </a:xfrm>
           <a:prstGeom prst="rect">
@@ -7768,8 +9120,8 @@
         </p:nvSpPr>
         <p:spPr>
           <a:xfrm>
-            <a:off x="0" y="6550223"/>
-            <a:ext cx="12192000" cy="307777"/>
+            <a:off x="13863" y="6245423"/>
+            <a:ext cx="11125200" cy="523220"/>
           </a:xfrm>
           <a:prstGeom prst="rect">
             <a:avLst/>
@@ -7788,31 +9140,65 @@
               <a:defRPr/>
             </a:pPr>
             <a:r>
-              <a:rPr lang="en-US" sz="1400" dirty="0">
-                <a:solidFill>
-                  <a:schemeClr val="bg2">
-                    <a:lumMod val="75000"/>
+              <a:rPr lang="en-US" sz="1400">
+                <a:solidFill>
+                  <a:schemeClr val="tx1">
+                    <a:lumMod val="65000"/>
+                    <a:lumOff val="35000"/>
                   </a:schemeClr>
                 </a:solidFill>
-                <a:latin typeface="+mj-lt"/>
-                <a:ea typeface="Verdana" panose="020B0604030504040204" pitchFamily="34" charset="0"/>
-              </a:rPr>
-              <a:t>Image Credit: </a:t>
-            </a:r>
-            <a:r>
-              <a:rPr lang="en-US" sz="1400" dirty="0">
-                <a:solidFill>
-                  <a:schemeClr val="bg2">
-                    <a:lumMod val="75000"/>
+              </a:rPr>
+              <a:t>Image Credit:  Lorre, C., </a:t>
+            </a:r>
+            <a:r>
+              <a:rPr lang="en-US" sz="1400" err="1">
+                <a:solidFill>
+                  <a:schemeClr val="tx1">
+                    <a:lumMod val="65000"/>
+                    <a:lumOff val="35000"/>
                   </a:schemeClr>
                 </a:solidFill>
               </a:rPr>
-              <a:t>https://www.pinterest.com/pin/558024210062835602/</a:t>
-            </a:r>
-            <a:endParaRPr lang="en-US" sz="1400" dirty="0">
+              <a:t>Prady</a:t>
+            </a:r>
+            <a:r>
+              <a:rPr lang="en-US" sz="1400">
+                <a:solidFill>
+                  <a:schemeClr val="tx1">
+                    <a:lumMod val="65000"/>
+                    <a:lumOff val="35000"/>
+                  </a:schemeClr>
+                </a:solidFill>
+              </a:rPr>
+              <a:t>, B., &amp; Reynolds, J. (Writers), &amp; Cendrowski, M. (Director). (2011, November 17). The Flaming Spittoon Acquisition (Season 5, Episode 10) [TV series episode]. In (Executive Producer), </a:t>
+            </a:r>
+            <a:r>
+              <a:rPr lang="en-US" sz="1400" i="1">
+                <a:solidFill>
+                  <a:schemeClr val="tx1">
+                    <a:lumMod val="65000"/>
+                    <a:lumOff val="35000"/>
+                  </a:schemeClr>
+                </a:solidFill>
+              </a:rPr>
+              <a:t>The Big Bang Theory.</a:t>
+            </a:r>
+            <a:r>
+              <a:rPr lang="en-US" sz="1400">
+                <a:solidFill>
+                  <a:schemeClr val="tx1">
+                    <a:lumMod val="65000"/>
+                    <a:lumOff val="35000"/>
+                  </a:schemeClr>
+                </a:solidFill>
+              </a:rPr>
+              <a:t> Warner Bros. Television</a:t>
+            </a:r>
+            <a:endParaRPr lang="en-US" sz="1400">
               <a:solidFill>
-                <a:schemeClr val="bg2">
-                  <a:lumMod val="75000"/>
+                <a:schemeClr val="tx1">
+                  <a:lumMod val="65000"/>
+                  <a:lumOff val="35000"/>
                 </a:schemeClr>
               </a:solidFill>
               <a:latin typeface="+mj-lt"/>
@@ -7822,10 +9208,13 @@
       </p:sp>
       <p:pic>
         <p:nvPicPr>
-          <p:cNvPr id="5" name="Picture 4" descr="A picture containing dark, gauge&#10;&#10;Description automatically generated">
+          <p:cNvPr id="5" name="Picture 4">
             <a:extLst>
               <a:ext uri="{FF2B5EF4-FFF2-40B4-BE49-F238E27FC236}">
                 <a16:creationId xmlns:a16="http://schemas.microsoft.com/office/drawing/2014/main" id="{47C94F79-35DD-30CD-E442-1D0600DEDA68}"/>
+              </a:ext>
+              <a:ext uri="{C183D7F6-B498-43B3-948B-1728B52AA6E4}">
+                <adec:decorative xmlns:adec="http://schemas.microsoft.com/office/drawing/2017/decorative" val="1"/>
               </a:ext>
             </a:extLst>
           </p:cNvPr>
@@ -7900,6 +9289,54 @@
       </p:grpSpPr>
       <p:sp>
         <p:nvSpPr>
+          <p:cNvPr id="6" name="Title 5">
+            <a:extLst>
+              <a:ext uri="{FF2B5EF4-FFF2-40B4-BE49-F238E27FC236}">
+                <a16:creationId xmlns:a16="http://schemas.microsoft.com/office/drawing/2014/main" id="{C8BDB40A-C9C2-404A-9CE8-55413377F542}"/>
+              </a:ext>
+            </a:extLst>
+          </p:cNvPr>
+          <p:cNvSpPr>
+            <a:spLocks noGrp="1"/>
+          </p:cNvSpPr>
+          <p:nvPr>
+            <p:ph type="title"/>
+          </p:nvPr>
+        </p:nvSpPr>
+        <p:spPr>
+          <a:xfrm>
+            <a:off x="-195317" y="550067"/>
+            <a:ext cx="12011130" cy="1325563"/>
+          </a:xfrm>
+        </p:spPr>
+        <p:txBody>
+          <a:bodyPr/>
+          <a:lstStyle/>
+          <a:p>
+            <a:pPr algn="ctr" rtl="0" eaLnBrk="1" latinLnBrk="0" hangingPunct="1"/>
+            <a:r>
+              <a:rPr lang="en-US" sz="3600" b="1" kern="1200">
+                <a:solidFill>
+                  <a:srgbClr val="3B3838"/>
+                </a:solidFill>
+                <a:effectLst/>
+                <a:latin typeface="Avenir Heavy" panose="02000503020000020003"/>
+                <a:ea typeface="+mn-ea"/>
+                <a:cs typeface="Courier New" panose="02070309020205020404" pitchFamily="49" charset="0"/>
+              </a:rPr>
+              <a:t>Specification</a:t>
+            </a:r>
+            <a:endParaRPr lang="en-US">
+              <a:effectLst/>
+            </a:endParaRPr>
+          </a:p>
+          <a:p>
+            <a:endParaRPr lang="en-US"/>
+          </a:p>
+        </p:txBody>
+      </p:sp>
+      <p:sp>
+        <p:nvSpPr>
           <p:cNvPr id="2" name="TextBox 1">
             <a:extLst>
               <a:ext uri="{FF2B5EF4-FFF2-40B4-BE49-F238E27FC236}">
@@ -7913,7 +9350,7 @@
         <p:spPr>
           <a:xfrm>
             <a:off x="1812470" y="556972"/>
-            <a:ext cx="7995557" cy="1754326"/>
+            <a:ext cx="7995557" cy="1569660"/>
           </a:xfrm>
           <a:prstGeom prst="rect">
             <a:avLst/>
@@ -7927,23 +9364,7 @@
           <a:lstStyle/>
           <a:p>
             <a:pPr algn="ctr"/>
-            <a:r>
-              <a:rPr lang="en-US" sz="3600" b="1" dirty="0">
-                <a:solidFill>
-                  <a:schemeClr val="bg2">
-                    <a:lumMod val="25000"/>
-                  </a:schemeClr>
-                </a:solidFill>
-                <a:effectLst/>
-                <a:latin typeface="Avenir Heavy" panose="02000503020000020003" pitchFamily="2" charset="0"/>
-                <a:cs typeface="Courier New" panose="02070309020205020404" pitchFamily="49" charset="0"/>
-              </a:rPr>
-              <a:t>Specification</a:t>
-            </a:r>
-          </a:p>
-          <a:p>
-            <a:pPr algn="ctr"/>
-            <a:endParaRPr lang="en-US" sz="2400" b="0" i="0" dirty="0">
+            <a:endParaRPr lang="en-US" sz="2400" b="0" i="0">
               <a:solidFill>
                 <a:srgbClr val="000000"/>
               </a:solidFill>
@@ -7954,8 +9375,19 @@
           </a:p>
           <a:p>
             <a:pPr algn="ctr"/>
-            <a:r>
-              <a:rPr lang="en-US" sz="2400" dirty="0">
+            <a:endParaRPr lang="en-US" sz="2400" b="0" i="0">
+              <a:solidFill>
+                <a:srgbClr val="000000"/>
+              </a:solidFill>
+              <a:effectLst/>
+              <a:latin typeface="Consolas" panose="020B0609020204030204" pitchFamily="49" charset="0"/>
+              <a:cs typeface="Courier New" panose="02070309020205020404" pitchFamily="49" charset="0"/>
+            </a:endParaRPr>
+          </a:p>
+          <a:p>
+            <a:pPr algn="ctr"/>
+            <a:r>
+              <a:rPr lang="en-US" sz="2400">
                 <a:solidFill>
                   <a:srgbClr val="000000"/>
                 </a:solidFill>
@@ -7966,7 +9398,7 @@
               <a:t>The </a:t>
             </a:r>
             <a:r>
-              <a:rPr lang="en-US" sz="2400" dirty="0">
+              <a:rPr lang="en-US" sz="2400">
                 <a:solidFill>
                   <a:srgbClr val="5A5AA8"/>
                 </a:solidFill>
@@ -7977,7 +9409,7 @@
               <a:t>multiply()</a:t>
             </a:r>
             <a:r>
-              <a:rPr lang="en-US" sz="2400" dirty="0">
+              <a:rPr lang="en-US" sz="2400">
                 <a:solidFill>
                   <a:srgbClr val="5A5AA8"/>
                 </a:solidFill>
@@ -7988,7 +9420,7 @@
               <a:t> </a:t>
             </a:r>
             <a:r>
-              <a:rPr lang="en-US" sz="2400" dirty="0">
+              <a:rPr lang="en-US" sz="2400">
                 <a:solidFill>
                   <a:srgbClr val="000000"/>
                 </a:solidFill>
@@ -8002,7 +9434,7 @@
           <a:p>
             <a:pPr algn="ctr"/>
             <a:r>
-              <a:rPr lang="en-US" sz="2400" dirty="0">
+              <a:rPr lang="en-US" sz="2400">
                 <a:solidFill>
                   <a:srgbClr val="000000"/>
                 </a:solidFill>
@@ -8013,7 +9445,7 @@
               <a:t>(arg_1, arg_2)</a:t>
             </a:r>
             <a:r>
-              <a:rPr lang="en-US" sz="2400" dirty="0">
+              <a:rPr lang="en-US" sz="2400">
                 <a:solidFill>
                   <a:srgbClr val="000000"/>
                 </a:solidFill>
@@ -8026,36 +9458,6 @@
           </a:p>
         </p:txBody>
       </p:sp>
-      <p:pic>
-        <p:nvPicPr>
-          <p:cNvPr id="4" name="Picture 3">
-            <a:extLst>
-              <a:ext uri="{FF2B5EF4-FFF2-40B4-BE49-F238E27FC236}">
-                <a16:creationId xmlns:a16="http://schemas.microsoft.com/office/drawing/2014/main" id="{A8933D68-98AC-47F5-9FFC-512B6F2F59EC}"/>
-              </a:ext>
-            </a:extLst>
-          </p:cNvPr>
-          <p:cNvPicPr>
-            <a:picLocks noChangeAspect="1"/>
-          </p:cNvPicPr>
-          <p:nvPr/>
-        </p:nvPicPr>
-        <p:blipFill>
-          <a:blip r:embed="rId3"/>
-          <a:stretch>
-            <a:fillRect/>
-          </a:stretch>
-        </p:blipFill>
-        <p:spPr>
-          <a:xfrm>
-            <a:off x="470004" y="5020519"/>
-            <a:ext cx="11560631" cy="1280509"/>
-          </a:xfrm>
-          <a:prstGeom prst="rect">
-            <a:avLst/>
-          </a:prstGeom>
-        </p:spPr>
-      </p:pic>
       <p:sp>
         <p:nvSpPr>
           <p:cNvPr id="3" name="TextBox 2">
@@ -8096,7 +9498,7 @@
           <a:lstStyle/>
           <a:p>
             <a:r>
-              <a:rPr lang="en-US" sz="1600" dirty="0">
+              <a:rPr lang="en-US" sz="1600">
                 <a:solidFill>
                   <a:srgbClr val="007C00"/>
                 </a:solidFill>
@@ -8105,7 +9507,7 @@
               <a:t>def</a:t>
             </a:r>
             <a:r>
-              <a:rPr lang="en-US" sz="1600" dirty="0">
+              <a:rPr lang="en-US" sz="1600">
                 <a:solidFill>
                   <a:srgbClr val="FF00FF"/>
                 </a:solidFill>
@@ -8114,7 +9516,7 @@
               <a:t> </a:t>
             </a:r>
             <a:r>
-              <a:rPr lang="en-US" sz="1600" dirty="0">
+              <a:rPr lang="en-US" sz="1600">
                 <a:solidFill>
                   <a:srgbClr val="482DFF"/>
                 </a:solidFill>
@@ -8123,7 +9525,7 @@
               <a:t>multiply</a:t>
             </a:r>
             <a:r>
-              <a:rPr lang="en-US" sz="1600" dirty="0">
+              <a:rPr lang="en-US" sz="1600">
                 <a:latin typeface="Consolas" panose="020B0609020204030204" pitchFamily="49" charset="0"/>
               </a:rPr>
               <a:t>(arg_1, arg_2):</a:t>
@@ -8131,13 +9533,13 @@
           </a:p>
           <a:p>
             <a:r>
-              <a:rPr lang="en-US" sz="1600" dirty="0">
+              <a:rPr lang="en-US" sz="1600">
                 <a:latin typeface="Consolas" panose="020B0609020204030204" pitchFamily="49" charset="0"/>
               </a:rPr>
               <a:t>    </a:t>
             </a:r>
             <a:r>
-              <a:rPr lang="en-US" sz="1600" dirty="0">
+              <a:rPr lang="en-US" sz="1600">
                 <a:solidFill>
                   <a:srgbClr val="BA2020"/>
                 </a:solidFill>
@@ -8146,7 +9548,7 @@
               <a:t>’ ’ ’</a:t>
             </a:r>
             <a:r>
-              <a:rPr lang="en-US" sz="1600" i="1" dirty="0">
+              <a:rPr lang="en-US" sz="1600" i="1">
                 <a:solidFill>
                   <a:srgbClr val="BA2020"/>
                 </a:solidFill>
@@ -8158,7 +9560,7 @@
           </a:p>
           <a:p>
             <a:r>
-              <a:rPr lang="en-US" sz="1600" dirty="0">
+              <a:rPr lang="en-US" sz="1600">
                 <a:solidFill>
                   <a:srgbClr val="BA2020"/>
                 </a:solidFill>
@@ -8166,13 +9568,13 @@
               </a:rPr>
               <a:t>        ’ ‘ ’</a:t>
             </a:r>
-            <a:endParaRPr lang="en-US" sz="1600" dirty="0">
+            <a:endParaRPr lang="en-US" sz="1600">
               <a:latin typeface="Consolas" panose="020B0609020204030204" pitchFamily="49" charset="0"/>
             </a:endParaRPr>
           </a:p>
           <a:p>
             <a:r>
-              <a:rPr lang="en-US" sz="1600" dirty="0">
+              <a:rPr lang="en-US" sz="1600">
                 <a:solidFill>
                   <a:srgbClr val="007C00"/>
                 </a:solidFill>
@@ -8181,14 +9583,14 @@
               <a:t>    return</a:t>
             </a:r>
             <a:r>
-              <a:rPr lang="en-US" sz="1600" dirty="0">
+              <a:rPr lang="en-US" sz="1600">
                 <a:latin typeface="Consolas" panose="020B0609020204030204" pitchFamily="49" charset="0"/>
               </a:rPr>
               <a:t>(arg_1 * arg_2)</a:t>
             </a:r>
           </a:p>
           <a:p>
-            <a:endParaRPr lang="en-US" sz="1600" dirty="0">
+            <a:endParaRPr lang="en-US" sz="1600">
               <a:solidFill>
                 <a:srgbClr val="FFC000"/>
               </a:solidFill>
@@ -8197,9 +9599,9 @@
           </a:p>
           <a:p>
             <a:r>
-              <a:rPr lang="en-US" sz="1600" i="1" dirty="0">
-                <a:solidFill>
-                  <a:srgbClr val="698F91"/>
+              <a:rPr lang="en-US" sz="1600" i="1">
+                <a:solidFill>
+                  <a:srgbClr val="4D6A6A"/>
                 </a:solidFill>
                 <a:latin typeface="Consolas" panose="020B0609020204030204" pitchFamily="49" charset="0"/>
                 <a:cs typeface="Consolas" panose="020B0609020204030204" pitchFamily="49" charset="0"/>
@@ -8249,7 +9651,7 @@
           <a:lstStyle/>
           <a:p>
             <a:r>
-              <a:rPr lang="en-US" sz="1600" dirty="0">
+              <a:rPr lang="en-US" sz="1600">
                 <a:latin typeface="Consolas" panose="020B0609020204030204" pitchFamily="49" charset="0"/>
                 <a:cs typeface="Consolas" panose="020B0609020204030204" pitchFamily="49" charset="0"/>
               </a:rPr>
@@ -8260,10 +9662,43 @@
       </p:sp>
       <p:pic>
         <p:nvPicPr>
-          <p:cNvPr id="7" name="Picture 6" descr="A picture containing dark, gauge&#10;&#10;Description automatically generated">
+          <p:cNvPr id="4" name="Picture 3" descr="Code showing how to read the help info on how to use the multiple() function.">
+            <a:extLst>
+              <a:ext uri="{FF2B5EF4-FFF2-40B4-BE49-F238E27FC236}">
+                <a16:creationId xmlns:a16="http://schemas.microsoft.com/office/drawing/2014/main" id="{A8933D68-98AC-47F5-9FFC-512B6F2F59EC}"/>
+              </a:ext>
+            </a:extLst>
+          </p:cNvPr>
+          <p:cNvPicPr>
+            <a:picLocks noChangeAspect="1"/>
+          </p:cNvPicPr>
+          <p:nvPr/>
+        </p:nvPicPr>
+        <p:blipFill>
+          <a:blip r:embed="rId3"/>
+          <a:stretch>
+            <a:fillRect/>
+          </a:stretch>
+        </p:blipFill>
+        <p:spPr>
+          <a:xfrm>
+            <a:off x="470004" y="5020519"/>
+            <a:ext cx="11560631" cy="1280509"/>
+          </a:xfrm>
+          <a:prstGeom prst="rect">
+            <a:avLst/>
+          </a:prstGeom>
+        </p:spPr>
+      </p:pic>
+      <p:pic>
+        <p:nvPicPr>
+          <p:cNvPr id="7" name="Picture 6">
             <a:extLst>
               <a:ext uri="{FF2B5EF4-FFF2-40B4-BE49-F238E27FC236}">
                 <a16:creationId xmlns:a16="http://schemas.microsoft.com/office/drawing/2014/main" id="{49C8AD2F-E589-606E-1D72-D210295BB040}"/>
+              </a:ext>
+              <a:ext uri="{C183D7F6-B498-43B3-948B-1728B52AA6E4}">
+                <adec:decorative xmlns:adec="http://schemas.microsoft.com/office/drawing/2017/decorative" val="1"/>
               </a:ext>
             </a:extLst>
           </p:cNvPr>
@@ -8544,7 +9979,7 @@
           <a:p>
             <a:pPr algn="ctr"/>
             <a:r>
-              <a:rPr lang="en-US" sz="4000" dirty="0">
+              <a:rPr lang="en-US" sz="4000">
                 <a:solidFill>
                   <a:schemeClr val="tx1">
                     <a:lumMod val="75000"/>
@@ -8560,7 +9995,7 @@
       </p:sp>
       <p:grpSp>
         <p:nvGrpSpPr>
-          <p:cNvPr id="58" name="Group 57">
+          <p:cNvPr id="58" name="Group 57" descr="Flow chart showing a series of decisions from start to end as code is run. Input is received from an Arduino, and on High inputs, an image is captured and confirmation is requested from user, if true, output is sent to Arduino. Otherwise the image is deleted via a High output signal sent to pin 11 on the arduino.">
             <a:extLst>
               <a:ext uri="{FF2B5EF4-FFF2-40B4-BE49-F238E27FC236}">
                 <a16:creationId xmlns:a16="http://schemas.microsoft.com/office/drawing/2014/main" id="{628B0EC7-8708-11D0-F586-64B8BC792616}"/>
@@ -8751,7 +10186,7 @@
             <a:p>
               <a:pPr algn="ctr"/>
               <a:r>
-                <a:rPr lang="en-US" sz="1400" dirty="0">
+                <a:rPr lang="en-US" sz="1400">
                   <a:latin typeface="Avenir" panose="02000503020000020003" pitchFamily="2" charset="0"/>
                 </a:rPr>
                 <a:t>Read input from </a:t>
@@ -8760,7 +10195,7 @@
             <a:p>
               <a:pPr algn="ctr"/>
               <a:r>
-                <a:rPr lang="en-US" sz="1400" dirty="0">
+                <a:rPr lang="en-US" sz="1400">
                   <a:latin typeface="Avenir" panose="02000503020000020003" pitchFamily="2" charset="0"/>
                 </a:rPr>
                 <a:t>pin 13 Arduino</a:t>
@@ -8855,7 +10290,7 @@
             <a:p>
               <a:pPr algn="ctr"/>
               <a:r>
-                <a:rPr lang="en-US" sz="1400" dirty="0">
+                <a:rPr lang="en-US" sz="1400">
                   <a:latin typeface="Avenir" panose="02000503020000020003" pitchFamily="2" charset="0"/>
                 </a:rPr>
                 <a:t>Capture the image</a:t>
@@ -8864,7 +10299,7 @@
             <a:p>
               <a:pPr algn="ctr"/>
               <a:r>
-                <a:rPr lang="en-US" sz="1400" dirty="0">
+                <a:rPr lang="en-US" sz="1400">
                   <a:latin typeface="Avenir" panose="02000503020000020003" pitchFamily="2" charset="0"/>
                 </a:rPr>
                 <a:t>Get a confirmation </a:t>
@@ -8873,7 +10308,7 @@
             <a:p>
               <a:pPr algn="ctr"/>
               <a:r>
-                <a:rPr lang="en-US" sz="1400" dirty="0">
+                <a:rPr lang="en-US" sz="1400">
                   <a:latin typeface="Avenir" panose="02000503020000020003" pitchFamily="2" charset="0"/>
                 </a:rPr>
                 <a:t>from user</a:t>
@@ -8968,7 +10403,7 @@
             <a:p>
               <a:pPr algn="ctr"/>
               <a:r>
-                <a:rPr lang="en-US" sz="1400" dirty="0">
+                <a:rPr lang="en-US" sz="1400">
                   <a:latin typeface="Avenir" panose="02000503020000020003" pitchFamily="2" charset="0"/>
                 </a:rPr>
                 <a:t>Send HIGH output </a:t>
@@ -8977,7 +10412,7 @@
             <a:p>
               <a:pPr algn="ctr"/>
               <a:r>
-                <a:rPr lang="en-US" sz="1400" dirty="0">
+                <a:rPr lang="en-US" sz="1400">
                   <a:latin typeface="Avenir" panose="02000503020000020003" pitchFamily="2" charset="0"/>
                 </a:rPr>
                 <a:t>to pin 11 Arduino</a:t>
@@ -8986,7 +10421,7 @@
             <a:p>
               <a:pPr algn="ctr"/>
               <a:r>
-                <a:rPr lang="en-US" sz="1400" dirty="0">
+                <a:rPr lang="en-US" sz="1400">
                   <a:latin typeface="Avenir" panose="02000503020000020003" pitchFamily="2" charset="0"/>
                 </a:rPr>
                 <a:t>Delete the image</a:t>
@@ -8994,7 +10429,7 @@
             </a:p>
             <a:p>
               <a:pPr algn="ctr"/>
-              <a:endParaRPr lang="en-US" sz="1400" dirty="0">
+              <a:endParaRPr lang="en-US" sz="1400">
                 <a:latin typeface="Avenir" panose="02000503020000020003" pitchFamily="2" charset="0"/>
               </a:endParaRPr>
             </a:p>
@@ -9089,7 +10524,7 @@
             <a:p>
               <a:pPr algn="ctr"/>
               <a:r>
-                <a:rPr lang="en-US" sz="1400" dirty="0">
+                <a:rPr lang="en-US" sz="1400">
                   <a:latin typeface="Avenir" panose="02000503020000020003" pitchFamily="2" charset="0"/>
                 </a:rPr>
                 <a:t>Start</a:t>
@@ -9186,7 +10621,7 @@
             <a:p>
               <a:pPr algn="ctr"/>
               <a:r>
-                <a:rPr lang="en-US" sz="1400" dirty="0">
+                <a:rPr lang="en-US" sz="1400">
                   <a:latin typeface="Avenir" panose="02000503020000020003" pitchFamily="2" charset="0"/>
                 </a:rPr>
                 <a:t>End</a:t>
@@ -9281,7 +10716,7 @@
             <a:p>
               <a:pPr algn="ctr"/>
               <a:r>
-                <a:rPr lang="en-US" sz="1400" dirty="0">
+                <a:rPr lang="en-US" sz="1400">
                   <a:latin typeface="Avenir" panose="02000503020000020003" pitchFamily="2" charset="0"/>
                 </a:rPr>
                 <a:t>Send output to </a:t>
@@ -9290,7 +10725,7 @@
             <a:p>
               <a:pPr algn="ctr"/>
               <a:r>
-                <a:rPr lang="en-US" sz="1400" dirty="0">
+                <a:rPr lang="en-US" sz="1400">
                   <a:latin typeface="Avenir" panose="02000503020000020003" pitchFamily="2" charset="0"/>
                 </a:rPr>
                 <a:t>pin 12 Arduino</a:t>
@@ -9385,7 +10820,7 @@
             <a:p>
               <a:pPr algn="ctr"/>
               <a:r>
-                <a:rPr lang="en-US" sz="1400" dirty="0">
+                <a:rPr lang="en-US" sz="1400">
                   <a:latin typeface="Avenir" panose="02000503020000020003" pitchFamily="2" charset="0"/>
                 </a:rPr>
                 <a:t>Is </a:t>
@@ -9394,7 +10829,7 @@
             <a:p>
               <a:pPr algn="ctr"/>
               <a:r>
-                <a:rPr lang="en-US" sz="1400" dirty="0">
+                <a:rPr lang="en-US" sz="1400">
                   <a:latin typeface="Avenir" panose="02000503020000020003" pitchFamily="2" charset="0"/>
                 </a:rPr>
                 <a:t>the input </a:t>
@@ -9403,7 +10838,7 @@
             <a:p>
               <a:pPr algn="ctr"/>
               <a:r>
-                <a:rPr lang="en-US" sz="1400" dirty="0">
+                <a:rPr lang="en-US" sz="1400">
                   <a:latin typeface="Avenir" panose="02000503020000020003" pitchFamily="2" charset="0"/>
                 </a:rPr>
                 <a:t>HIGH?</a:t>
@@ -9498,7 +10933,7 @@
             <a:p>
               <a:pPr algn="ctr"/>
               <a:r>
-                <a:rPr lang="en-US" sz="1400" dirty="0">
+                <a:rPr lang="en-US" sz="1400">
                   <a:latin typeface="Avenir" panose="02000503020000020003" pitchFamily="2" charset="0"/>
                 </a:rPr>
                 <a:t>Is it </a:t>
@@ -9507,7 +10942,7 @@
             <a:p>
               <a:pPr algn="ctr"/>
               <a:r>
-                <a:rPr lang="en-US" sz="1400" dirty="0">
+                <a:rPr lang="en-US" sz="1400">
                   <a:latin typeface="Avenir" panose="02000503020000020003" pitchFamily="2" charset="0"/>
                 </a:rPr>
                 <a:t>True?</a:t>
@@ -9945,7 +11380,7 @@
             <a:p>
               <a:pPr algn="ctr"/>
               <a:r>
-                <a:rPr lang="en-US" sz="1400" dirty="0">
+                <a:rPr lang="en-US" sz="1400">
                   <a:latin typeface="Avenir Medium" panose="02000503020000020003" pitchFamily="2" charset="0"/>
                 </a:rPr>
                 <a:t>Yes</a:t>
@@ -9986,7 +11421,7 @@
             <a:p>
               <a:pPr algn="ctr"/>
               <a:r>
-                <a:rPr lang="en-US" sz="1400" dirty="0">
+                <a:rPr lang="en-US" sz="1400">
                   <a:latin typeface="Avenir Medium" panose="02000503020000020003" pitchFamily="2" charset="0"/>
                 </a:rPr>
                 <a:t>Yes</a:t>
@@ -10027,7 +11462,7 @@
             <a:p>
               <a:pPr algn="ctr"/>
               <a:r>
-                <a:rPr lang="en-US" sz="1400" dirty="0">
+                <a:rPr lang="en-US" sz="1400">
                   <a:latin typeface="Avenir Medium" panose="02000503020000020003" pitchFamily="2" charset="0"/>
                 </a:rPr>
                 <a:t>No</a:t>
@@ -10068,7 +11503,7 @@
             <a:p>
               <a:pPr algn="ctr"/>
               <a:r>
-                <a:rPr lang="en-US" sz="1400" dirty="0">
+                <a:rPr lang="en-US" sz="1400">
                   <a:latin typeface="Avenir Medium" panose="02000503020000020003" pitchFamily="2" charset="0"/>
                 </a:rPr>
                 <a:t>No</a:t>
@@ -10109,6 +11544,39 @@
       </p:grpSpPr>
       <p:sp>
         <p:nvSpPr>
+          <p:cNvPr id="5" name="Title 4">
+            <a:extLst>
+              <a:ext uri="{FF2B5EF4-FFF2-40B4-BE49-F238E27FC236}">
+                <a16:creationId xmlns:a16="http://schemas.microsoft.com/office/drawing/2014/main" id="{3FF833EC-F74D-4B5D-A8B7-166F64EACE2D}"/>
+              </a:ext>
+            </a:extLst>
+          </p:cNvPr>
+          <p:cNvSpPr>
+            <a:spLocks noGrp="1"/>
+          </p:cNvSpPr>
+          <p:nvPr>
+            <p:ph type="title"/>
+          </p:nvPr>
+        </p:nvSpPr>
+        <p:spPr>
+          <a:xfrm>
+            <a:off x="100443" y="-632408"/>
+            <a:ext cx="10515600" cy="705138"/>
+          </a:xfrm>
+        </p:spPr>
+        <p:txBody>
+          <a:bodyPr/>
+          <a:lstStyle/>
+          <a:p>
+            <a:r>
+              <a:rPr lang="en-US"/>
+              <a:t>Exercise</a:t>
+            </a:r>
+          </a:p>
+        </p:txBody>
+      </p:sp>
+      <p:sp>
+        <p:nvSpPr>
           <p:cNvPr id="4" name="TextBox 3">
             <a:extLst>
               <a:ext uri="{FF2B5EF4-FFF2-40B4-BE49-F238E27FC236}">
@@ -10137,7 +11605,7 @@
           <a:p>
             <a:pPr algn="ctr"/>
             <a:r>
-              <a:rPr lang="en-US" sz="3600" b="1" dirty="0">
+              <a:rPr lang="en-US" sz="3600" b="1">
                 <a:solidFill>
                   <a:schemeClr val="tx1">
                     <a:lumMod val="65000"/>
@@ -10152,7 +11620,7 @@
           <a:p>
             <a:pPr algn="ctr"/>
             <a:r>
-              <a:rPr lang="en-US" sz="3600" b="1" dirty="0">
+              <a:rPr lang="en-US" sz="3600" b="1">
                 <a:solidFill>
                   <a:schemeClr val="tx1">
                     <a:lumMod val="65000"/>
@@ -10163,7 +11631,7 @@
               </a:rPr>
               <a:t>03.3_functions.ipynb</a:t>
             </a:r>
-            <a:endParaRPr lang="en-US" sz="3600" b="1" dirty="0">
+            <a:endParaRPr lang="en-US" sz="3600" b="1">
               <a:latin typeface="Avenir Heavy" panose="02000503020000020003" pitchFamily="2" charset="0"/>
             </a:endParaRPr>
           </a:p>
@@ -10175,6 +11643,9 @@
             <a:extLst>
               <a:ext uri="{FF2B5EF4-FFF2-40B4-BE49-F238E27FC236}">
                 <a16:creationId xmlns:a16="http://schemas.microsoft.com/office/drawing/2014/main" id="{526DFB79-4A76-8D4D-24AD-AF60D9EBA903}"/>
+              </a:ext>
+              <a:ext uri="{C183D7F6-B498-43B3-948B-1728B52AA6E4}">
+                <adec:decorative xmlns:adec="http://schemas.microsoft.com/office/drawing/2017/decorative" val="1"/>
               </a:ext>
             </a:extLst>
           </p:cNvPr>
@@ -10199,7 +11670,7 @@
           <a:p>
             <a:pPr algn="ctr"/>
             <a:r>
-              <a:rPr lang="en-US" sz="3000" dirty="0">
+              <a:rPr lang="en-US" sz="3000">
                 <a:solidFill>
                   <a:schemeClr val="bg1"/>
                 </a:solidFill>
@@ -10217,6 +11688,9 @@
             <a:extLst>
               <a:ext uri="{FF2B5EF4-FFF2-40B4-BE49-F238E27FC236}">
                 <a16:creationId xmlns:a16="http://schemas.microsoft.com/office/drawing/2014/main" id="{D0F036F9-E9EB-3D60-ECFA-F044AD7E7A9B}"/>
+              </a:ext>
+              <a:ext uri="{C183D7F6-B498-43B3-948B-1728B52AA6E4}">
+                <adec:decorative xmlns:adec="http://schemas.microsoft.com/office/drawing/2017/decorative" val="1"/>
               </a:ext>
             </a:extLst>
           </p:cNvPr>
@@ -10237,6 +11711,9 @@
               <a:extLst>
                 <a:ext uri="{FF2B5EF4-FFF2-40B4-BE49-F238E27FC236}">
                   <a16:creationId xmlns:a16="http://schemas.microsoft.com/office/drawing/2014/main" id="{3D11DA76-C67D-59DB-D6EF-33B0D17A4DF5}"/>
+                </a:ext>
+                <a:ext uri="{C183D7F6-B498-43B3-948B-1728B52AA6E4}">
+                  <adec:decorative xmlns:adec="http://schemas.microsoft.com/office/drawing/2017/decorative" val="1"/>
                 </a:ext>
               </a:extLst>
             </p:cNvPr>
@@ -10293,6 +11770,9 @@
                 <a:ext uri="{FF2B5EF4-FFF2-40B4-BE49-F238E27FC236}">
                   <a16:creationId xmlns:a16="http://schemas.microsoft.com/office/drawing/2014/main" id="{6899920E-2FA2-78B4-8562-A076034038D7}"/>
                 </a:ext>
+                <a:ext uri="{C183D7F6-B498-43B3-948B-1728B52AA6E4}">
+                  <adec:decorative xmlns:adec="http://schemas.microsoft.com/office/drawing/2017/decorative" val="1"/>
+                </a:ext>
               </a:extLst>
             </p:cNvPr>
             <p:cNvSpPr txBox="1"/>
@@ -10316,7 +11796,7 @@
             <a:p>
               <a:pPr algn="ctr"/>
               <a:r>
-                <a:rPr lang="en-US" sz="3000" dirty="0">
+                <a:rPr lang="en-US" sz="3000">
                   <a:solidFill>
                     <a:schemeClr val="bg1"/>
                   </a:solidFill>
@@ -10331,10 +11811,13 @@
       </p:grpSp>
       <p:pic>
         <p:nvPicPr>
-          <p:cNvPr id="10" name="Picture 9" descr="A picture containing dark, gauge&#10;&#10;Description automatically generated">
+          <p:cNvPr id="10" name="Picture 9">
             <a:extLst>
               <a:ext uri="{FF2B5EF4-FFF2-40B4-BE49-F238E27FC236}">
                 <a16:creationId xmlns:a16="http://schemas.microsoft.com/office/drawing/2014/main" id="{2BE5B1F9-E767-04E2-D406-B8269E6F0E29}"/>
+              </a:ext>
+              <a:ext uri="{C183D7F6-B498-43B3-948B-1728B52AA6E4}">
+                <adec:decorative xmlns:adec="http://schemas.microsoft.com/office/drawing/2017/decorative" val="1"/>
               </a:ext>
             </a:extLst>
           </p:cNvPr>
@@ -10423,12 +11906,22 @@
             <p:ph type="title"/>
           </p:nvPr>
         </p:nvSpPr>
-        <p:spPr/>
+        <p:spPr>
+          <a:xfrm>
+            <a:off x="838200" y="-424586"/>
+            <a:ext cx="10515600" cy="434974"/>
+          </a:xfrm>
+        </p:spPr>
         <p:txBody>
-          <a:bodyPr/>
+          <a:bodyPr>
+            <a:normAutofit fontScale="90000"/>
+          </a:bodyPr>
           <a:lstStyle/>
           <a:p>
-            <a:endParaRPr lang="en-US"/>
+            <a:r>
+              <a:rPr lang="en-US"/>
+              <a:t>Slide intentionally left blank</a:t>
+            </a:r>
           </a:p>
         </p:txBody>
       </p:sp>
@@ -10510,7 +12003,7 @@
           <a:p>
             <a:pPr algn="ctr"/>
             <a:r>
-              <a:rPr lang="en-US" b="1" dirty="0">
+              <a:rPr lang="en-US" b="1">
                 <a:solidFill>
                   <a:srgbClr val="30335D"/>
                 </a:solidFill>
@@ -10565,10 +12058,13 @@
       </p:pic>
       <p:pic>
         <p:nvPicPr>
-          <p:cNvPr id="5" name="Picture 4" descr="A picture containing dark, gauge&#10;&#10;Description automatically generated">
+          <p:cNvPr id="5" name="Picture 4">
             <a:extLst>
               <a:ext uri="{FF2B5EF4-FFF2-40B4-BE49-F238E27FC236}">
                 <a16:creationId xmlns:a16="http://schemas.microsoft.com/office/drawing/2014/main" id="{F7115C99-330F-0BB0-C69E-EF160FA2379E}"/>
+              </a:ext>
+              <a:ext uri="{C183D7F6-B498-43B3-948B-1728B52AA6E4}">
+                <adec:decorative xmlns:adec="http://schemas.microsoft.com/office/drawing/2017/decorative" val="1"/>
               </a:ext>
             </a:extLst>
           </p:cNvPr>
@@ -10641,6 +12137,41 @@
           <a:chExt cx="0" cy="0"/>
         </a:xfrm>
       </p:grpSpPr>
+      <p:sp>
+        <p:nvSpPr>
+          <p:cNvPr id="2" name="Title 1">
+            <a:extLst>
+              <a:ext uri="{FF2B5EF4-FFF2-40B4-BE49-F238E27FC236}">
+                <a16:creationId xmlns:a16="http://schemas.microsoft.com/office/drawing/2014/main" id="{871A0278-3A0E-4472-B7D7-4A8605D6BF6F}"/>
+              </a:ext>
+            </a:extLst>
+          </p:cNvPr>
+          <p:cNvSpPr>
+            <a:spLocks noGrp="1"/>
+          </p:cNvSpPr>
+          <p:nvPr>
+            <p:ph type="title"/>
+          </p:nvPr>
+        </p:nvSpPr>
+        <p:spPr>
+          <a:xfrm>
+            <a:off x="838200" y="-507712"/>
+            <a:ext cx="10515600" cy="570056"/>
+          </a:xfrm>
+        </p:spPr>
+        <p:txBody>
+          <a:bodyPr>
+            <a:normAutofit fontScale="90000"/>
+          </a:bodyPr>
+          <a:lstStyle/>
+          <a:p>
+            <a:r>
+              <a:rPr lang="en-US"/>
+              <a:t>Classes</a:t>
+            </a:r>
+          </a:p>
+        </p:txBody>
+      </p:sp>
       <p:pic>
         <p:nvPicPr>
           <p:cNvPr id="1028" name="Picture 4" descr="Intro to Object-oriented Programming in Python | by Winston Robson | Future  Vision | Medium">
@@ -10702,8 +12233,8 @@
         </p:nvSpPr>
         <p:spPr>
           <a:xfrm>
-            <a:off x="0" y="6550223"/>
-            <a:ext cx="12192000" cy="307777"/>
+            <a:off x="0" y="6451600"/>
+            <a:ext cx="12192000" cy="369332"/>
           </a:xfrm>
           <a:prstGeom prst="rect">
             <a:avLst/>
@@ -10720,7 +12251,7 @@
               <a:defRPr/>
             </a:pPr>
             <a:r>
-              <a:rPr lang="en-US" sz="1400" dirty="0">
+              <a:rPr lang="en-US">
                 <a:solidFill>
                   <a:schemeClr val="tx1">
                     <a:lumMod val="65000"/>
@@ -10732,7 +12263,7 @@
               </a:rPr>
               <a:t>Image Credit: https://medium.com/future-vision/intro-to-oop-with-python-39ba63967e45</a:t>
             </a:r>
-            <a:endParaRPr lang="en-US" sz="1400" dirty="0">
+            <a:endParaRPr lang="en-US">
               <a:solidFill>
                 <a:schemeClr val="tx1">
                   <a:lumMod val="65000"/>
@@ -10746,10 +12277,13 @@
       </p:sp>
       <p:pic>
         <p:nvPicPr>
-          <p:cNvPr id="6" name="Picture 5" descr="A picture containing dark, gauge&#10;&#10;Description automatically generated">
+          <p:cNvPr id="6" name="Picture 5">
             <a:extLst>
               <a:ext uri="{FF2B5EF4-FFF2-40B4-BE49-F238E27FC236}">
                 <a16:creationId xmlns:a16="http://schemas.microsoft.com/office/drawing/2014/main" id="{F9D0A188-A97D-DF1B-FA96-7D019CD5C170}"/>
+              </a:ext>
+              <a:ext uri="{C183D7F6-B498-43B3-948B-1728B52AA6E4}">
+                <adec:decorative xmlns:adec="http://schemas.microsoft.com/office/drawing/2017/decorative" val="1"/>
               </a:ext>
             </a:extLst>
           </p:cNvPr>
@@ -10824,63 +12358,42 @@
       </p:grpSpPr>
       <p:sp>
         <p:nvSpPr>
-          <p:cNvPr id="4" name="TextBox 3">
+          <p:cNvPr id="3" name="Title 2">
             <a:extLst>
               <a:ext uri="{FF2B5EF4-FFF2-40B4-BE49-F238E27FC236}">
-                <a16:creationId xmlns:a16="http://schemas.microsoft.com/office/drawing/2014/main" id="{C0C1E8D7-CD38-44CA-9725-1DBF57DB487C}"/>
+                <a16:creationId xmlns:a16="http://schemas.microsoft.com/office/drawing/2014/main" id="{F43B63C8-896A-44B2-BED8-03E8F984D485}"/>
               </a:ext>
             </a:extLst>
           </p:cNvPr>
-          <p:cNvSpPr txBox="1"/>
-          <p:nvPr/>
+          <p:cNvSpPr>
+            <a:spLocks noGrp="1"/>
+          </p:cNvSpPr>
+          <p:nvPr>
+            <p:ph type="title"/>
+          </p:nvPr>
         </p:nvSpPr>
         <p:spPr>
           <a:xfrm>
-            <a:off x="0" y="6550223"/>
-            <a:ext cx="12192000" cy="307777"/>
+            <a:off x="838200" y="-424590"/>
+            <a:ext cx="10515600" cy="307777"/>
           </a:xfrm>
-          <a:prstGeom prst="rect">
-            <a:avLst/>
-          </a:prstGeom>
-          <a:noFill/>
         </p:spPr>
         <p:txBody>
-          <a:bodyPr wrap="square" rtlCol="0">
-            <a:spAutoFit/>
+          <a:bodyPr>
+            <a:normAutofit fontScale="90000"/>
           </a:bodyPr>
           <a:lstStyle/>
           <a:p>
-            <a:pPr>
-              <a:defRPr/>
-            </a:pPr>
-            <a:r>
-              <a:rPr lang="en-US" sz="1400" dirty="0">
-                <a:solidFill>
-                  <a:schemeClr val="tx1">
-                    <a:lumMod val="65000"/>
-                    <a:lumOff val="35000"/>
-                  </a:schemeClr>
-                </a:solidFill>
-                <a:latin typeface="+mj-lt"/>
-                <a:ea typeface="Verdana" panose="020B0604030504040204" pitchFamily="34" charset="0"/>
-              </a:rPr>
-              <a:t>Image Credit: https://tutorials.supunkavinda.blog/php/oop-inheritance</a:t>
-            </a:r>
-            <a:endParaRPr lang="en-US" sz="1400" dirty="0">
-              <a:solidFill>
-                <a:schemeClr val="tx1">
-                  <a:lumMod val="65000"/>
-                  <a:lumOff val="35000"/>
-                </a:schemeClr>
-              </a:solidFill>
-              <a:latin typeface="+mj-lt"/>
-            </a:endParaRPr>
+            <a:r>
+              <a:rPr lang="en-US"/>
+              <a:t>Objects</a:t>
+            </a:r>
           </a:p>
         </p:txBody>
       </p:sp>
       <p:pic>
         <p:nvPicPr>
-          <p:cNvPr id="2" name="Picture 1">
+          <p:cNvPr id="2" name="Picture 1" descr="Illustration of Class &quot;Animal&quot; in which both &quot;Dog&quot; and &quot;Cat&quot; are Objects which inherit the characteristics of the class.">
             <a:extLst>
               <a:ext uri="{FF2B5EF4-FFF2-40B4-BE49-F238E27FC236}">
                 <a16:creationId xmlns:a16="http://schemas.microsoft.com/office/drawing/2014/main" id="{C6A4991D-3279-E683-3BA9-4325D79B8300}"/>
@@ -10908,12 +12421,71 @@
           </a:prstGeom>
         </p:spPr>
       </p:pic>
+      <p:sp>
+        <p:nvSpPr>
+          <p:cNvPr id="4" name="TextBox 3">
+            <a:extLst>
+              <a:ext uri="{FF2B5EF4-FFF2-40B4-BE49-F238E27FC236}">
+                <a16:creationId xmlns:a16="http://schemas.microsoft.com/office/drawing/2014/main" id="{C0C1E8D7-CD38-44CA-9725-1DBF57DB487C}"/>
+              </a:ext>
+            </a:extLst>
+          </p:cNvPr>
+          <p:cNvSpPr txBox="1"/>
+          <p:nvPr/>
+        </p:nvSpPr>
+        <p:spPr>
+          <a:xfrm>
+            <a:off x="13863" y="6500416"/>
+            <a:ext cx="12192000" cy="369332"/>
+          </a:xfrm>
+          <a:prstGeom prst="rect">
+            <a:avLst/>
+          </a:prstGeom>
+          <a:noFill/>
+        </p:spPr>
+        <p:txBody>
+          <a:bodyPr wrap="square" rtlCol="0">
+            <a:spAutoFit/>
+          </a:bodyPr>
+          <a:lstStyle/>
+          <a:p>
+            <a:pPr>
+              <a:defRPr/>
+            </a:pPr>
+            <a:r>
+              <a:rPr lang="en-US">
+                <a:solidFill>
+                  <a:schemeClr val="tx1">
+                    <a:lumMod val="65000"/>
+                    <a:lumOff val="35000"/>
+                  </a:schemeClr>
+                </a:solidFill>
+                <a:latin typeface="+mj-lt"/>
+                <a:ea typeface="Verdana" panose="020B0604030504040204" pitchFamily="34" charset="0"/>
+              </a:rPr>
+              <a:t>Image Credit: https://tutorials.supunkavinda.blog/php/oop-inheritance</a:t>
+            </a:r>
+            <a:endParaRPr lang="en-US">
+              <a:solidFill>
+                <a:schemeClr val="tx1">
+                  <a:lumMod val="65000"/>
+                  <a:lumOff val="35000"/>
+                </a:schemeClr>
+              </a:solidFill>
+              <a:latin typeface="+mj-lt"/>
+            </a:endParaRPr>
+          </a:p>
+        </p:txBody>
+      </p:sp>
       <p:pic>
         <p:nvPicPr>
-          <p:cNvPr id="5" name="Picture 4" descr="A picture containing dark, gauge&#10;&#10;Description automatically generated">
+          <p:cNvPr id="5" name="Picture 4">
             <a:extLst>
               <a:ext uri="{FF2B5EF4-FFF2-40B4-BE49-F238E27FC236}">
                 <a16:creationId xmlns:a16="http://schemas.microsoft.com/office/drawing/2014/main" id="{F652B3EB-A3A0-F53E-066E-99238E8F6D92}"/>
+              </a:ext>
+              <a:ext uri="{C183D7F6-B498-43B3-948B-1728B52AA6E4}">
+                <adec:decorative xmlns:adec="http://schemas.microsoft.com/office/drawing/2017/decorative" val="1"/>
               </a:ext>
             </a:extLst>
           </p:cNvPr>
@@ -10944,6 +12516,48 @@
           </a:prstGeom>
         </p:spPr>
       </p:pic>
+      <p:sp>
+        <p:nvSpPr>
+          <p:cNvPr id="6" name="TextBox 5">
+            <a:extLst>
+              <a:ext uri="{FF2B5EF4-FFF2-40B4-BE49-F238E27FC236}">
+                <a16:creationId xmlns:a16="http://schemas.microsoft.com/office/drawing/2014/main" id="{5BB5F14E-C0F8-4727-AFAF-B1CAD80E8C81}"/>
+              </a:ext>
+              <a:ext uri="{C183D7F6-B498-43B3-948B-1728B52AA6E4}">
+                <adec:decorative xmlns:adec="http://schemas.microsoft.com/office/drawing/2017/decorative" val="1"/>
+              </a:ext>
+            </a:extLst>
+          </p:cNvPr>
+          <p:cNvSpPr txBox="1"/>
+          <p:nvPr/>
+        </p:nvSpPr>
+        <p:spPr>
+          <a:xfrm>
+            <a:off x="5360061" y="2881404"/>
+            <a:ext cx="1471878" cy="369332"/>
+          </a:xfrm>
+          <a:prstGeom prst="rect">
+            <a:avLst/>
+          </a:prstGeom>
+          <a:solidFill>
+            <a:schemeClr val="bg1"/>
+          </a:solidFill>
+        </p:spPr>
+        <p:txBody>
+          <a:bodyPr wrap="none" rtlCol="0">
+            <a:spAutoFit/>
+          </a:bodyPr>
+          <a:lstStyle/>
+          <a:p>
+            <a:r>
+              <a:rPr lang="en-US">
+                <a:latin typeface="Arial Rounded MT Bold" panose="020F0704030504030204" pitchFamily="34" charset="0"/>
+              </a:rPr>
+              <a:t>Inheritance</a:t>
+            </a:r>
+          </a:p>
+        </p:txBody>
+      </p:sp>
     </p:spTree>
     <p:extLst>
       <p:ext uri="{BB962C8B-B14F-4D97-AF65-F5344CB8AC3E}">
@@ -10996,6 +12610,39 @@
       </p:grpSpPr>
       <p:sp>
         <p:nvSpPr>
+          <p:cNvPr id="2" name="Title 1">
+            <a:extLst>
+              <a:ext uri="{FF2B5EF4-FFF2-40B4-BE49-F238E27FC236}">
+                <a16:creationId xmlns:a16="http://schemas.microsoft.com/office/drawing/2014/main" id="{6FAAD4DE-3C6D-4991-BFBC-D2B3E7821426}"/>
+              </a:ext>
+            </a:extLst>
+          </p:cNvPr>
+          <p:cNvSpPr>
+            <a:spLocks noGrp="1"/>
+          </p:cNvSpPr>
+          <p:nvPr>
+            <p:ph type="title"/>
+          </p:nvPr>
+        </p:nvSpPr>
+        <p:spPr>
+          <a:xfrm>
+            <a:off x="446314" y="-911014"/>
+            <a:ext cx="10515600" cy="720096"/>
+          </a:xfrm>
+        </p:spPr>
+        <p:txBody>
+          <a:bodyPr/>
+          <a:lstStyle/>
+          <a:p>
+            <a:r>
+              <a:rPr lang="en-US"/>
+              <a:t>Functions quote</a:t>
+            </a:r>
+          </a:p>
+        </p:txBody>
+      </p:sp>
+      <p:sp>
+        <p:nvSpPr>
           <p:cNvPr id="7" name="Content Placeholder 2">
             <a:extLst>
               <a:ext uri="{FF2B5EF4-FFF2-40B4-BE49-F238E27FC236}">
@@ -11029,7 +12676,7 @@
               <a:buNone/>
             </a:pPr>
             <a:r>
-              <a:rPr lang="en-US" i="1" dirty="0">
+              <a:rPr lang="en-US" i="1">
                 <a:solidFill>
                   <a:schemeClr val="bg1"/>
                 </a:solidFill>
@@ -11038,7 +12685,7 @@
               <a:t>“You can think of a function as a small program inside </a:t>
             </a:r>
             <a:br>
-              <a:rPr lang="en-US" i="1" dirty="0">
+              <a:rPr lang="en-US" i="1">
                 <a:solidFill>
                   <a:schemeClr val="bg1"/>
                 </a:solidFill>
@@ -11046,7 +12693,7 @@
               </a:rPr>
             </a:br>
             <a:r>
-              <a:rPr lang="en-US" i="1" dirty="0">
+              <a:rPr lang="en-US" i="1">
                 <a:solidFill>
                   <a:schemeClr val="bg1"/>
                 </a:solidFill>
@@ -11055,7 +12702,7 @@
               <a:t>a program. The basic idea of a function is that we write </a:t>
             </a:r>
             <a:br>
-              <a:rPr lang="en-US" i="1" dirty="0">
+              <a:rPr lang="en-US" i="1">
                 <a:solidFill>
                   <a:schemeClr val="bg1"/>
                 </a:solidFill>
@@ -11063,7 +12710,7 @@
               </a:rPr>
             </a:br>
             <a:r>
-              <a:rPr lang="en-US" i="1" dirty="0">
+              <a:rPr lang="en-US" i="1">
                 <a:solidFill>
                   <a:schemeClr val="bg1"/>
                 </a:solidFill>
@@ -11072,7 +12719,7 @@
               <a:t>a sequence of statements and give that sequence a name. </a:t>
             </a:r>
             <a:br>
-              <a:rPr lang="en-US" i="1" dirty="0">
+              <a:rPr lang="en-US" i="1">
                 <a:solidFill>
                   <a:schemeClr val="bg1"/>
                 </a:solidFill>
@@ -11080,7 +12727,7 @@
               </a:rPr>
             </a:br>
             <a:r>
-              <a:rPr lang="en-US" i="1" dirty="0">
+              <a:rPr lang="en-US" i="1">
                 <a:solidFill>
                   <a:schemeClr val="bg1"/>
                 </a:solidFill>
@@ -11096,7 +12743,7 @@
               </a:lnSpc>
               <a:buNone/>
             </a:pPr>
-            <a:endParaRPr lang="en-US" i="1" dirty="0">
+            <a:endParaRPr lang="en-US" i="1">
               <a:solidFill>
                 <a:schemeClr val="bg1"/>
               </a:solidFill>
@@ -11111,7 +12758,7 @@
               <a:buNone/>
             </a:pPr>
             <a:r>
-              <a:rPr lang="en-US" i="1" dirty="0">
+              <a:rPr lang="en-US" i="1">
                 <a:solidFill>
                   <a:schemeClr val="bg1"/>
                 </a:solidFill>
@@ -11120,7 +12767,7 @@
               <a:t>When a function is subsequently used in a program, </a:t>
             </a:r>
             <a:br>
-              <a:rPr lang="en-US" i="1" dirty="0">
+              <a:rPr lang="en-US" i="1">
                 <a:solidFill>
                   <a:schemeClr val="bg1"/>
                 </a:solidFill>
@@ -11128,7 +12775,7 @@
               </a:rPr>
             </a:br>
             <a:r>
-              <a:rPr lang="en-US" i="1" dirty="0">
+              <a:rPr lang="en-US" i="1">
                 <a:solidFill>
                   <a:schemeClr val="bg1"/>
                 </a:solidFill>
@@ -11137,7 +12784,7 @@
               <a:t>we say that the definition is </a:t>
             </a:r>
             <a:r>
-              <a:rPr lang="en-US" b="1" i="1" dirty="0">
+              <a:rPr lang="en-US" b="1" i="1">
                 <a:solidFill>
                   <a:schemeClr val="accent4">
                     <a:lumMod val="60000"/>
@@ -11149,7 +12796,7 @@
               <a:t>called</a:t>
             </a:r>
             <a:r>
-              <a:rPr lang="en-US" i="1" dirty="0">
+              <a:rPr lang="en-US" i="1">
                 <a:solidFill>
                   <a:schemeClr val="bg1"/>
                 </a:solidFill>
@@ -11158,7 +12805,7 @@
               <a:t> or </a:t>
             </a:r>
             <a:r>
-              <a:rPr lang="en-US" b="1" i="1" dirty="0">
+              <a:rPr lang="en-US" b="1" i="1">
                 <a:solidFill>
                   <a:schemeClr val="accent4">
                     <a:lumMod val="60000"/>
@@ -11170,7 +12817,7 @@
               <a:t>invoked</a:t>
             </a:r>
             <a:r>
-              <a:rPr lang="en-US" b="1" i="1" dirty="0">
+              <a:rPr lang="en-US" b="1" i="1">
                 <a:solidFill>
                   <a:schemeClr val="bg1"/>
                 </a:solidFill>
@@ -11179,7 +12826,7 @@
               <a:t>.</a:t>
             </a:r>
             <a:r>
-              <a:rPr lang="en-US" i="1" dirty="0">
+              <a:rPr lang="en-US" i="1">
                 <a:solidFill>
                   <a:schemeClr val="bg1"/>
                 </a:solidFill>
@@ -11196,7 +12843,7 @@
               <a:buNone/>
             </a:pPr>
             <a:r>
-              <a:rPr lang="en-US" sz="2400" dirty="0">
+              <a:rPr lang="en-US" sz="2400">
                 <a:solidFill>
                   <a:schemeClr val="bg1"/>
                 </a:solidFill>
@@ -11205,7 +12852,7 @@
               <a:t>				                                  </a:t>
             </a:r>
             <a:r>
-              <a:rPr lang="en-US" sz="1800" dirty="0">
+              <a:rPr lang="en-US" sz="1800">
                 <a:solidFill>
                   <a:schemeClr val="bg1"/>
                 </a:solidFill>
@@ -11213,7 +12860,7 @@
               </a:rPr>
               <a:t>John Zelle</a:t>
             </a:r>
-            <a:endParaRPr lang="en-US" sz="2400" dirty="0">
+            <a:endParaRPr lang="en-US" sz="2400">
               <a:solidFill>
                 <a:schemeClr val="bg1"/>
               </a:solidFill>
@@ -11227,7 +12874,7 @@
               </a:lnSpc>
               <a:buNone/>
             </a:pPr>
-            <a:endParaRPr lang="en-US" i="1" dirty="0">
+            <a:endParaRPr lang="en-US" i="1">
               <a:solidFill>
                 <a:schemeClr val="bg1"/>
               </a:solidFill>
@@ -11238,10 +12885,13 @@
       </p:sp>
       <p:pic>
         <p:nvPicPr>
-          <p:cNvPr id="5" name="Picture 4" descr="A picture containing dark, gauge&#10;&#10;Description automatically generated">
+          <p:cNvPr id="5" name="Picture 4">
             <a:extLst>
               <a:ext uri="{FF2B5EF4-FFF2-40B4-BE49-F238E27FC236}">
                 <a16:creationId xmlns:a16="http://schemas.microsoft.com/office/drawing/2014/main" id="{09731AEF-C8DE-26ED-75BD-5EEF5DCBE328}"/>
+              </a:ext>
+              <a:ext uri="{C183D7F6-B498-43B3-948B-1728B52AA6E4}">
+                <adec:decorative xmlns:adec="http://schemas.microsoft.com/office/drawing/2017/decorative" val="1"/>
               </a:ext>
             </a:extLst>
           </p:cNvPr>
@@ -11316,24 +12966,25 @@
       </p:grpSpPr>
       <p:sp>
         <p:nvSpPr>
-          <p:cNvPr id="8" name="TextBox 7">
+          <p:cNvPr id="2" name="Title 1">
             <a:extLst>
               <a:ext uri="{FF2B5EF4-FFF2-40B4-BE49-F238E27FC236}">
-                <a16:creationId xmlns:a16="http://schemas.microsoft.com/office/drawing/2014/main" id="{8AA53311-E9AB-8000-76B7-B5294CE0B931}"/>
+                <a16:creationId xmlns:a16="http://schemas.microsoft.com/office/drawing/2014/main" id="{0FE2B6F4-9BB1-4353-93E3-5A900941F8F6}"/>
               </a:ext>
             </a:extLst>
           </p:cNvPr>
-          <p:cNvSpPr txBox="1"/>
-          <p:nvPr/>
+          <p:cNvSpPr>
+            <a:spLocks noGrp="1"/>
+          </p:cNvSpPr>
+          <p:nvPr>
+            <p:ph type="title"/>
+          </p:nvPr>
         </p:nvSpPr>
         <p:spPr>
           <a:xfrm>
-            <a:off x="960120" y="724540"/>
-            <a:ext cx="10430256" cy="646331"/>
+            <a:off x="960120" y="787547"/>
+            <a:ext cx="10515600" cy="590931"/>
           </a:xfrm>
-          <a:prstGeom prst="rect">
-            <a:avLst/>
-          </a:prstGeom>
           <a:noFill/>
         </p:spPr>
         <p:txBody>
@@ -11343,25 +12994,18 @@
           <a:lstStyle/>
           <a:p>
             <a:r>
-              <a:rPr lang="en-US" sz="3600" b="1" dirty="0">
+              <a:rPr lang="en-US" sz="3600" b="1">
                 <a:solidFill>
                   <a:schemeClr val="bg2">
                     <a:lumMod val="25000"/>
                   </a:schemeClr>
                 </a:solidFill>
                 <a:latin typeface="Avenir Black" panose="02000503020000020003" pitchFamily="2" charset="0"/>
+                <a:ea typeface="+mn-ea"/>
                 <a:cs typeface="Arial" panose="020B0604020202020204" pitchFamily="34" charset="0"/>
               </a:rPr>
               <a:t>A function is a self-contained block of code…</a:t>
             </a:r>
-            <a:endParaRPr lang="en-US" sz="3600" b="1" dirty="0">
-              <a:solidFill>
-                <a:schemeClr val="bg2">
-                  <a:lumMod val="25000"/>
-                </a:schemeClr>
-              </a:solidFill>
-              <a:latin typeface="Avenir Black" panose="02000503020000020003" pitchFamily="2" charset="0"/>
-            </a:endParaRPr>
           </a:p>
         </p:txBody>
       </p:sp>
@@ -11398,14 +13042,14 @@
               <a:buChar char="§"/>
             </a:pPr>
             <a:r>
-              <a:rPr lang="en-US" sz="2800" dirty="0">
+              <a:rPr lang="en-US" sz="2800">
                 <a:latin typeface="Avenir" panose="02000503020000020003" pitchFamily="2" charset="0"/>
                 <a:cs typeface="Futura Medium" panose="020B0602020204020303"/>
               </a:rPr>
               <a:t>It </a:t>
             </a:r>
             <a:r>
-              <a:rPr lang="en-US" sz="2800" u="sng" dirty="0">
+              <a:rPr lang="en-US" sz="2800" u="sng">
                 <a:solidFill>
                   <a:srgbClr val="5A5AA8"/>
                 </a:solidFill>
@@ -11415,14 +13059,14 @@
               <a:t>may</a:t>
             </a:r>
             <a:r>
-              <a:rPr lang="en-US" sz="2800" dirty="0">
+              <a:rPr lang="en-US" sz="2800">
                 <a:latin typeface="Avenir" panose="02000503020000020003" pitchFamily="2" charset="0"/>
                 <a:cs typeface="Futura Medium" panose="020B0602020204020303"/>
               </a:rPr>
               <a:t> accept inputs (</a:t>
             </a:r>
             <a:r>
-              <a:rPr lang="en-US" sz="2800" dirty="0">
+              <a:rPr lang="en-US" sz="2800">
                 <a:solidFill>
                   <a:srgbClr val="5A5AA8"/>
                 </a:solidFill>
@@ -11432,7 +13076,7 @@
               <a:t>parameters</a:t>
             </a:r>
             <a:r>
-              <a:rPr lang="en-US" sz="2800" dirty="0">
+              <a:rPr lang="en-US" sz="2800">
                 <a:latin typeface="Avenir" panose="02000503020000020003" pitchFamily="2" charset="0"/>
                 <a:cs typeface="Futura Medium" panose="020B0602020204020303"/>
               </a:rPr>
@@ -11474,7 +13118,7 @@
               <a:buChar char="§"/>
             </a:pPr>
             <a:r>
-              <a:rPr lang="en-US" sz="2800" dirty="0">
+              <a:rPr lang="en-US" sz="2800">
                 <a:latin typeface="Avenir" panose="02000503020000020003" pitchFamily="2" charset="0"/>
                 <a:cs typeface="Futura Medium" panose="020B0602020204020303"/>
               </a:rPr>
@@ -11484,14 +13128,14 @@
           <a:p>
             <a:pPr lvl="1"/>
             <a:r>
-              <a:rPr lang="en-US" sz="2800" dirty="0">
+              <a:rPr lang="en-US" sz="2800">
                 <a:latin typeface="Avenir" panose="02000503020000020003" pitchFamily="2" charset="0"/>
                 <a:cs typeface="Futura Medium" panose="020B0602020204020303"/>
               </a:rPr>
               <a:t>the result may be nothing! (</a:t>
             </a:r>
             <a:r>
-              <a:rPr lang="en-US" sz="2800" dirty="0">
+              <a:rPr lang="en-US" sz="2800">
                 <a:solidFill>
                   <a:srgbClr val="5A5AA8"/>
                 </a:solidFill>
@@ -11501,7 +13145,7 @@
               <a:t>None</a:t>
             </a:r>
             <a:r>
-              <a:rPr lang="en-US" sz="2800" dirty="0">
+              <a:rPr lang="en-US" sz="2800">
                 <a:latin typeface="Avenir" panose="02000503020000020003" pitchFamily="2" charset="0"/>
                 <a:cs typeface="Futura Medium" panose="020B0602020204020303"/>
               </a:rPr>
@@ -11543,7 +13187,7 @@
               <a:buChar char="§"/>
             </a:pPr>
             <a:r>
-              <a:rPr lang="en-US" sz="2800" dirty="0">
+              <a:rPr lang="en-US" sz="2800">
                 <a:latin typeface="Avenir" panose="02000503020000020003" pitchFamily="2" charset="0"/>
                 <a:cs typeface="Futura Medium" panose="020B0602020204020303"/>
               </a:rPr>
@@ -11585,7 +13229,7 @@
               <a:buChar char="§"/>
             </a:pPr>
             <a:r>
-              <a:rPr lang="en-US" sz="2800" dirty="0">
+              <a:rPr lang="en-US" sz="2800">
                 <a:latin typeface="Avenir" panose="02000503020000020003" pitchFamily="2" charset="0"/>
                 <a:cs typeface="Futura Medium" panose="020B0602020204020303"/>
               </a:rPr>
@@ -11595,14 +13239,14 @@
           <a:p>
             <a:pPr lvl="1"/>
             <a:r>
-              <a:rPr lang="en-US" sz="2800" dirty="0">
+              <a:rPr lang="en-US" sz="2800">
                 <a:latin typeface="Avenir" panose="02000503020000020003" pitchFamily="2" charset="0"/>
                 <a:cs typeface="Futura Medium" panose="020B0602020204020303"/>
               </a:rPr>
               <a:t>i.e., </a:t>
             </a:r>
             <a:r>
-              <a:rPr lang="en-US" sz="2800" dirty="0">
+              <a:rPr lang="en-US" sz="2800">
                 <a:solidFill>
                   <a:srgbClr val="5A5AA8"/>
                 </a:solidFill>
@@ -11612,14 +13256,14 @@
               <a:t>set</a:t>
             </a:r>
             <a:r>
-              <a:rPr lang="en-US" sz="2800" dirty="0">
+              <a:rPr lang="en-US" sz="2800">
                 <a:latin typeface="Avenir" panose="02000503020000020003" pitchFamily="2" charset="0"/>
                 <a:cs typeface="Futura Medium" panose="020B0602020204020303"/>
               </a:rPr>
               <a:t>(), </a:t>
             </a:r>
             <a:r>
-              <a:rPr lang="en-US" sz="2800" dirty="0">
+              <a:rPr lang="en-US" sz="2800">
                 <a:solidFill>
                   <a:srgbClr val="5A5AA8"/>
                 </a:solidFill>
@@ -11629,14 +13273,14 @@
               <a:t>list</a:t>
             </a:r>
             <a:r>
-              <a:rPr lang="en-US" sz="2800" dirty="0">
+              <a:rPr lang="en-US" sz="2800">
                 <a:latin typeface="Avenir" panose="02000503020000020003" pitchFamily="2" charset="0"/>
                 <a:cs typeface="Futura Medium" panose="020B0602020204020303"/>
               </a:rPr>
               <a:t>(), </a:t>
             </a:r>
             <a:r>
-              <a:rPr lang="en-US" sz="2800" dirty="0">
+              <a:rPr lang="en-US" sz="2800">
                 <a:solidFill>
                   <a:srgbClr val="5A5AA8"/>
                 </a:solidFill>
@@ -11646,14 +13290,14 @@
               <a:t>range</a:t>
             </a:r>
             <a:r>
-              <a:rPr lang="en-US" sz="2800" dirty="0">
+              <a:rPr lang="en-US" sz="2800">
                 <a:latin typeface="Avenir" panose="02000503020000020003" pitchFamily="2" charset="0"/>
                 <a:cs typeface="Futura Medium" panose="020B0602020204020303"/>
               </a:rPr>
               <a:t>(), many more – these are "</a:t>
             </a:r>
             <a:r>
-              <a:rPr lang="en-US" sz="2800" dirty="0">
+              <a:rPr lang="en-US" sz="2800">
                 <a:solidFill>
                   <a:srgbClr val="5A5AA8"/>
                 </a:solidFill>
@@ -11663,7 +13307,7 @@
               <a:t>built-in</a:t>
             </a:r>
             <a:r>
-              <a:rPr lang="en-US" sz="2800" dirty="0">
+              <a:rPr lang="en-US" sz="2800">
                 <a:solidFill>
                   <a:srgbClr val="5EBB78"/>
                 </a:solidFill>
@@ -11673,7 +13317,7 @@
               <a:t> </a:t>
             </a:r>
             <a:r>
-              <a:rPr lang="en-US" sz="2800" dirty="0">
+              <a:rPr lang="en-US" sz="2800">
                 <a:solidFill>
                   <a:srgbClr val="5A5AA8"/>
                 </a:solidFill>
@@ -11683,7 +13327,7 @@
               <a:t>functions</a:t>
             </a:r>
             <a:r>
-              <a:rPr lang="en-US" sz="2800" dirty="0">
+              <a:rPr lang="en-US" sz="2800">
                 <a:latin typeface="Avenir" panose="02000503020000020003" pitchFamily="2" charset="0"/>
                 <a:cs typeface="Futura Medium" panose="020B0602020204020303"/>
               </a:rPr>
@@ -11693,14 +13337,14 @@
           <a:p>
             <a:pPr lvl="1"/>
             <a:r>
-              <a:rPr lang="en-US" sz="2800" dirty="0">
+              <a:rPr lang="en-US" sz="2800">
                 <a:latin typeface="Avenir" panose="02000503020000020003" pitchFamily="2" charset="0"/>
                 <a:cs typeface="Futura Medium" panose="020B0602020204020303"/>
               </a:rPr>
               <a:t>Functions we write ourselves are "</a:t>
             </a:r>
             <a:r>
-              <a:rPr lang="en-US" sz="2800" dirty="0">
+              <a:rPr lang="en-US" sz="2800">
                 <a:solidFill>
                   <a:srgbClr val="5A5AA8"/>
                 </a:solidFill>
@@ -11710,7 +13354,7 @@
               <a:t>user-defined</a:t>
             </a:r>
             <a:r>
-              <a:rPr lang="en-US" sz="2800" dirty="0">
+              <a:rPr lang="en-US" sz="2800">
                 <a:latin typeface="Avenir" panose="02000503020000020003" pitchFamily="2" charset="0"/>
                 <a:cs typeface="Futura Medium" panose="020B0602020204020303"/>
               </a:rPr>
@@ -11751,7 +13395,7 @@
               <a:defRPr/>
             </a:pPr>
             <a:r>
-              <a:rPr lang="en-US" sz="1400" dirty="0">
+              <a:rPr lang="en-US" sz="1400">
                 <a:solidFill>
                   <a:schemeClr val="tx1">
                     <a:lumMod val="65000"/>
@@ -11763,7 +13407,7 @@
               </a:rPr>
               <a:t>Source: Randy Switt – University of Florida (Pythonista)</a:t>
             </a:r>
-            <a:endParaRPr lang="en-US" sz="1400" dirty="0">
+            <a:endParaRPr lang="en-US" sz="1400">
               <a:solidFill>
                 <a:schemeClr val="tx1">
                   <a:lumMod val="65000"/>
@@ -11777,10 +13421,13 @@
       </p:sp>
       <p:pic>
         <p:nvPicPr>
-          <p:cNvPr id="15" name="Picture 14" descr="A picture containing dark, gauge&#10;&#10;Description automatically generated">
+          <p:cNvPr id="15" name="Picture 14">
             <a:extLst>
               <a:ext uri="{FF2B5EF4-FFF2-40B4-BE49-F238E27FC236}">
                 <a16:creationId xmlns:a16="http://schemas.microsoft.com/office/drawing/2014/main" id="{C2690AFE-6FD7-643A-6EDE-1B57C956A15B}"/>
+              </a:ext>
+              <a:ext uri="{C183D7F6-B498-43B3-948B-1728B52AA6E4}">
+                <adec:decorative xmlns:adec="http://schemas.microsoft.com/office/drawing/2017/decorative" val="1"/>
               </a:ext>
             </a:extLst>
           </p:cNvPr>
@@ -12091,114 +13738,58 @@
       </p:grpSpPr>
       <p:sp>
         <p:nvSpPr>
-          <p:cNvPr id="6" name="TextBox 5">
+          <p:cNvPr id="9" name="Title 8">
             <a:extLst>
               <a:ext uri="{FF2B5EF4-FFF2-40B4-BE49-F238E27FC236}">
-                <a16:creationId xmlns:a16="http://schemas.microsoft.com/office/drawing/2014/main" id="{098C5FE6-2435-5793-70E6-C76888EE0554}"/>
+                <a16:creationId xmlns:a16="http://schemas.microsoft.com/office/drawing/2014/main" id="{64BFC3B4-C05D-4E01-A221-591C1075AC4C}"/>
               </a:ext>
             </a:extLst>
           </p:cNvPr>
-          <p:cNvSpPr txBox="1"/>
-          <p:nvPr/>
+          <p:cNvSpPr>
+            <a:spLocks noGrp="1"/>
+          </p:cNvSpPr>
+          <p:nvPr>
+            <p:ph type="title"/>
+          </p:nvPr>
         </p:nvSpPr>
         <p:spPr>
           <a:xfrm>
-            <a:off x="0" y="578094"/>
-            <a:ext cx="12192000" cy="646331"/>
+            <a:off x="838200" y="566090"/>
+            <a:ext cx="10515600" cy="1325563"/>
           </a:xfrm>
-          <a:prstGeom prst="rect">
-            <a:avLst/>
-          </a:prstGeom>
-          <a:noFill/>
         </p:spPr>
         <p:txBody>
-          <a:bodyPr wrap="square">
-            <a:spAutoFit/>
-          </a:bodyPr>
+          <a:bodyPr/>
           <a:lstStyle/>
           <a:p>
-            <a:pPr algn="ctr"/>
-            <a:r>
-              <a:rPr lang="en-US" sz="3600" b="1" dirty="0">
+            <a:pPr algn="ctr" rtl="0" eaLnBrk="1" latinLnBrk="0" hangingPunct="1"/>
+            <a:r>
+              <a:rPr lang="en-US" sz="3600" b="1" kern="1200">
                 <a:solidFill>
                   <a:srgbClr val="30335D"/>
                 </a:solidFill>
-                <a:latin typeface="Avenir Heavy" panose="02000503020000020003" pitchFamily="2" charset="0"/>
+                <a:effectLst/>
+                <a:latin typeface="Avenir Heavy" panose="02000503020000020003"/>
+                <a:ea typeface="+mn-ea"/>
                 <a:cs typeface="Arial" panose="020B0604020202020204" pitchFamily="34" charset="0"/>
               </a:rPr>
               <a:t>Why use Functions?</a:t>
             </a:r>
-            <a:endParaRPr lang="en-US" sz="3600" b="1" dirty="0">
-              <a:solidFill>
-                <a:srgbClr val="30335D"/>
-              </a:solidFill>
-              <a:latin typeface="Avenir Heavy" panose="02000503020000020003" pitchFamily="2" charset="0"/>
+            <a:endParaRPr lang="en-US">
+              <a:effectLst/>
             </a:endParaRPr>
           </a:p>
+          <a:p>
+            <a:endParaRPr lang="en-US"/>
+          </a:p>
         </p:txBody>
       </p:sp>
-      <p:sp>
-        <p:nvSpPr>
-          <p:cNvPr id="7" name="TextBox 6">
+      <p:grpSp>
+        <p:nvGrpSpPr>
+          <p:cNvPr id="10" name="Group 9" descr="Heirarchy showing Main Program at the top, with Modules M1, M2, and M3 on the second level. On the third level, Modules 4 and 5 are below Module 1, and Module 6 is below Module 3. There is no third level item beneath Module M2.">
             <a:extLst>
               <a:ext uri="{FF2B5EF4-FFF2-40B4-BE49-F238E27FC236}">
-                <a16:creationId xmlns:a16="http://schemas.microsoft.com/office/drawing/2014/main" id="{4795CC42-5D5B-FB2F-2043-B63F3789E896}"/>
-              </a:ext>
-            </a:extLst>
-          </p:cNvPr>
-          <p:cNvSpPr txBox="1"/>
-          <p:nvPr/>
-        </p:nvSpPr>
-        <p:spPr>
-          <a:xfrm>
-            <a:off x="0" y="6550223"/>
-            <a:ext cx="12192000" cy="307777"/>
-          </a:xfrm>
-          <a:prstGeom prst="rect">
-            <a:avLst/>
-          </a:prstGeom>
-          <a:noFill/>
-        </p:spPr>
-        <p:txBody>
-          <a:bodyPr wrap="square" rtlCol="0">
-            <a:spAutoFit/>
-          </a:bodyPr>
-          <a:lstStyle/>
-          <a:p>
-            <a:pPr>
-              <a:defRPr/>
-            </a:pPr>
-            <a:r>
-              <a:rPr lang="en-US" sz="1400" dirty="0">
-                <a:solidFill>
-                  <a:schemeClr val="tx1">
-                    <a:lumMod val="65000"/>
-                    <a:lumOff val="35000"/>
-                  </a:schemeClr>
-                </a:solidFill>
-                <a:latin typeface="+mj-lt"/>
-                <a:ea typeface="Verdana" panose="020B0604030504040204" pitchFamily="34" charset="0"/>
-              </a:rPr>
-              <a:t>Source: Randy Switt – University of Florida (Pythonista)</a:t>
-            </a:r>
-            <a:endParaRPr lang="en-US" sz="1400" dirty="0">
-              <a:solidFill>
-                <a:schemeClr val="tx1">
-                  <a:lumMod val="65000"/>
-                  <a:lumOff val="35000"/>
-                </a:schemeClr>
-              </a:solidFill>
-              <a:latin typeface="+mj-lt"/>
-            </a:endParaRPr>
-          </a:p>
-        </p:txBody>
-      </p:sp>
-      <p:grpSp>
-        <p:nvGrpSpPr>
-          <p:cNvPr id="2" name="Group 1">
-            <a:extLst>
-              <a:ext uri="{FF2B5EF4-FFF2-40B4-BE49-F238E27FC236}">
-                <a16:creationId xmlns:a16="http://schemas.microsoft.com/office/drawing/2014/main" id="{6C5D0102-34E4-40E9-EE83-8E7179C932E2}"/>
+                <a16:creationId xmlns:a16="http://schemas.microsoft.com/office/drawing/2014/main" id="{7372C73A-2936-4432-9631-0FEC08D3C632}"/>
               </a:ext>
             </a:extLst>
           </p:cNvPr>
@@ -12207,335 +13798,278 @@
         </p:nvGrpSpPr>
         <p:grpSpPr>
           <a:xfrm>
-            <a:off x="3498831" y="2743452"/>
-            <a:ext cx="5058572" cy="2059386"/>
-            <a:chOff x="3498831" y="2743452"/>
-            <a:chExt cx="5058572" cy="2059386"/>
+            <a:off x="2646022" y="1600153"/>
+            <a:ext cx="6837019" cy="4312863"/>
+            <a:chOff x="2646022" y="1600153"/>
+            <a:chExt cx="6837019" cy="4312863"/>
           </a:xfrm>
         </p:grpSpPr>
-        <p:cxnSp>
-          <p:nvCxnSpPr>
-            <p:cNvPr id="3" name="Straight Connector 2">
+        <p:grpSp>
+          <p:nvGrpSpPr>
+            <p:cNvPr id="2" name="Group 1">
               <a:extLst>
                 <a:ext uri="{FF2B5EF4-FFF2-40B4-BE49-F238E27FC236}">
-                  <a16:creationId xmlns:a16="http://schemas.microsoft.com/office/drawing/2014/main" id="{EADFB7D8-755D-32DF-799A-CBBEA64D5E2A}"/>
+                  <a16:creationId xmlns:a16="http://schemas.microsoft.com/office/drawing/2014/main" id="{6C5D0102-34E4-40E9-EE83-8E7179C932E2}"/>
                 </a:ext>
               </a:extLst>
             </p:cNvPr>
-            <p:cNvCxnSpPr>
-              <a:cxnSpLocks/>
-            </p:cNvCxnSpPr>
+            <p:cNvGrpSpPr/>
             <p:nvPr/>
-          </p:nvCxnSpPr>
-          <p:spPr>
+          </p:nvGrpSpPr>
+          <p:grpSpPr>
             <a:xfrm>
-              <a:off x="4444619" y="4242373"/>
-              <a:ext cx="0" cy="262225"/>
+              <a:off x="3498831" y="2743452"/>
+              <a:ext cx="5058572" cy="2059386"/>
+              <a:chOff x="3498831" y="2743452"/>
+              <a:chExt cx="5058572" cy="2059386"/>
             </a:xfrm>
-            <a:prstGeom prst="line">
-              <a:avLst/>
-            </a:prstGeom>
-            <a:ln w="38100">
-              <a:solidFill>
-                <a:srgbClr val="30335D"/>
-              </a:solidFill>
-            </a:ln>
-          </p:spPr>
-          <p:style>
-            <a:lnRef idx="1">
-              <a:schemeClr val="accent1"/>
-            </a:lnRef>
-            <a:fillRef idx="0">
-              <a:schemeClr val="accent1"/>
-            </a:fillRef>
-            <a:effectRef idx="0">
-              <a:schemeClr val="accent1"/>
-            </a:effectRef>
-            <a:fontRef idx="minor">
-              <a:schemeClr val="tx1"/>
-            </a:fontRef>
-          </p:style>
-        </p:cxnSp>
-        <p:cxnSp>
-          <p:nvCxnSpPr>
-            <p:cNvPr id="4" name="Straight Connector 3">
+          </p:grpSpPr>
+          <p:cxnSp>
+            <p:nvCxnSpPr>
+              <p:cNvPr id="3" name="Straight Connector 2">
+                <a:extLst>
+                  <a:ext uri="{FF2B5EF4-FFF2-40B4-BE49-F238E27FC236}">
+                    <a16:creationId xmlns:a16="http://schemas.microsoft.com/office/drawing/2014/main" id="{EADFB7D8-755D-32DF-799A-CBBEA64D5E2A}"/>
+                  </a:ext>
+                </a:extLst>
+              </p:cNvPr>
+              <p:cNvCxnSpPr>
+                <a:cxnSpLocks/>
+              </p:cNvCxnSpPr>
+              <p:nvPr/>
+            </p:nvCxnSpPr>
+            <p:spPr>
+              <a:xfrm>
+                <a:off x="4444619" y="4242373"/>
+                <a:ext cx="0" cy="262225"/>
+              </a:xfrm>
+              <a:prstGeom prst="line">
+                <a:avLst/>
+              </a:prstGeom>
+              <a:ln w="38100">
+                <a:solidFill>
+                  <a:srgbClr val="30335D"/>
+                </a:solidFill>
+              </a:ln>
+            </p:spPr>
+            <p:style>
+              <a:lnRef idx="1">
+                <a:schemeClr val="accent1"/>
+              </a:lnRef>
+              <a:fillRef idx="0">
+                <a:schemeClr val="accent1"/>
+              </a:fillRef>
+              <a:effectRef idx="0">
+                <a:schemeClr val="accent1"/>
+              </a:effectRef>
+              <a:fontRef idx="minor">
+                <a:schemeClr val="tx1"/>
+              </a:fontRef>
+            </p:style>
+          </p:cxnSp>
+          <p:cxnSp>
+            <p:nvCxnSpPr>
+              <p:cNvPr id="4" name="Straight Connector 3">
+                <a:extLst>
+                  <a:ext uri="{FF2B5EF4-FFF2-40B4-BE49-F238E27FC236}">
+                    <a16:creationId xmlns:a16="http://schemas.microsoft.com/office/drawing/2014/main" id="{4FEA13FF-09C1-B530-A740-EFF84CDD320A}"/>
+                  </a:ext>
+                </a:extLst>
+              </p:cNvPr>
+              <p:cNvCxnSpPr>
+                <a:cxnSpLocks/>
+              </p:cNvCxnSpPr>
+              <p:nvPr/>
+            </p:nvCxnSpPr>
+            <p:spPr>
+              <a:xfrm>
+                <a:off x="8554527" y="4242373"/>
+                <a:ext cx="0" cy="560465"/>
+              </a:xfrm>
+              <a:prstGeom prst="line">
+                <a:avLst/>
+              </a:prstGeom>
+              <a:ln w="38100">
+                <a:solidFill>
+                  <a:srgbClr val="30335D"/>
+                </a:solidFill>
+              </a:ln>
+            </p:spPr>
+            <p:style>
+              <a:lnRef idx="1">
+                <a:schemeClr val="accent1"/>
+              </a:lnRef>
+              <a:fillRef idx="0">
+                <a:schemeClr val="accent1"/>
+              </a:fillRef>
+              <a:effectRef idx="0">
+                <a:schemeClr val="accent1"/>
+              </a:effectRef>
+              <a:fontRef idx="minor">
+                <a:schemeClr val="tx1"/>
+              </a:fontRef>
+            </p:style>
+          </p:cxnSp>
+          <p:cxnSp>
+            <p:nvCxnSpPr>
+              <p:cNvPr id="5" name="Straight Connector 4">
+                <a:extLst>
+                  <a:ext uri="{FF2B5EF4-FFF2-40B4-BE49-F238E27FC236}">
+                    <a16:creationId xmlns:a16="http://schemas.microsoft.com/office/drawing/2014/main" id="{960D5735-EC15-9F98-BE5D-BBECABA9E89C}"/>
+                  </a:ext>
+                </a:extLst>
+              </p:cNvPr>
+              <p:cNvCxnSpPr>
+                <a:cxnSpLocks/>
+              </p:cNvCxnSpPr>
+              <p:nvPr/>
+            </p:nvCxnSpPr>
+            <p:spPr>
+              <a:xfrm>
+                <a:off x="6487064" y="2743452"/>
+                <a:ext cx="0" cy="560465"/>
+              </a:xfrm>
+              <a:prstGeom prst="line">
+                <a:avLst/>
+              </a:prstGeom>
+              <a:ln w="38100">
+                <a:solidFill>
+                  <a:srgbClr val="30335D"/>
+                </a:solidFill>
+              </a:ln>
+            </p:spPr>
+            <p:style>
+              <a:lnRef idx="1">
+                <a:schemeClr val="accent1"/>
+              </a:lnRef>
+              <a:fillRef idx="0">
+                <a:schemeClr val="accent1"/>
+              </a:fillRef>
+              <a:effectRef idx="0">
+                <a:schemeClr val="accent1"/>
+              </a:effectRef>
+              <a:fontRef idx="minor">
+                <a:schemeClr val="tx1"/>
+              </a:fontRef>
+            </p:style>
+          </p:cxnSp>
+          <p:sp>
+            <p:nvSpPr>
+              <p:cNvPr id="8" name="Left Bracket 7">
+                <a:extLst>
+                  <a:ext uri="{FF2B5EF4-FFF2-40B4-BE49-F238E27FC236}">
+                    <a16:creationId xmlns:a16="http://schemas.microsoft.com/office/drawing/2014/main" id="{0DD81E97-7710-8C8F-D943-44CF1829AB35}"/>
+                  </a:ext>
+                </a:extLst>
+              </p:cNvPr>
+              <p:cNvSpPr/>
+              <p:nvPr/>
+            </p:nvSpPr>
+            <p:spPr>
+              <a:xfrm rot="5400000">
+                <a:off x="6402897" y="1053406"/>
+                <a:ext cx="219233" cy="4089778"/>
+              </a:xfrm>
+              <a:prstGeom prst="leftBracket">
+                <a:avLst>
+                  <a:gd name="adj" fmla="val 0"/>
+                </a:avLst>
+              </a:prstGeom>
+              <a:ln w="38100">
+                <a:solidFill>
+                  <a:srgbClr val="30335D"/>
+                </a:solidFill>
+              </a:ln>
+            </p:spPr>
+            <p:style>
+              <a:lnRef idx="1">
+                <a:schemeClr val="accent1"/>
+              </a:lnRef>
+              <a:fillRef idx="0">
+                <a:schemeClr val="accent1"/>
+              </a:fillRef>
+              <a:effectRef idx="0">
+                <a:schemeClr val="accent1"/>
+              </a:effectRef>
+              <a:fontRef idx="minor">
+                <a:schemeClr val="tx1"/>
+              </a:fontRef>
+            </p:style>
+            <p:txBody>
+              <a:bodyPr rtlCol="0" anchor="ctr"/>
+              <a:lstStyle/>
+              <a:p>
+                <a:pPr algn="ctr"/>
+                <a:endParaRPr lang="en-US">
+                  <a:solidFill>
+                    <a:srgbClr val="4D5EB6"/>
+                  </a:solidFill>
+                </a:endParaRPr>
+              </a:p>
+            </p:txBody>
+          </p:sp>
+          <p:sp>
+            <p:nvSpPr>
+              <p:cNvPr id="25" name="Left Bracket 24">
+                <a:extLst>
+                  <a:ext uri="{FF2B5EF4-FFF2-40B4-BE49-F238E27FC236}">
+                    <a16:creationId xmlns:a16="http://schemas.microsoft.com/office/drawing/2014/main" id="{C9D5DF46-BEB2-F226-C8C2-DB5F074C8D08}"/>
+                  </a:ext>
+                </a:extLst>
+              </p:cNvPr>
+              <p:cNvSpPr/>
+              <p:nvPr/>
+            </p:nvSpPr>
+            <p:spPr>
+              <a:xfrm rot="5400000">
+                <a:off x="4374372" y="3636874"/>
+                <a:ext cx="219233" cy="1970316"/>
+              </a:xfrm>
+              <a:prstGeom prst="leftBracket">
+                <a:avLst>
+                  <a:gd name="adj" fmla="val 0"/>
+                </a:avLst>
+              </a:prstGeom>
+              <a:ln w="38100">
+                <a:solidFill>
+                  <a:srgbClr val="30335D"/>
+                </a:solidFill>
+              </a:ln>
+            </p:spPr>
+            <p:style>
+              <a:lnRef idx="1">
+                <a:schemeClr val="accent1"/>
+              </a:lnRef>
+              <a:fillRef idx="0">
+                <a:schemeClr val="accent1"/>
+              </a:fillRef>
+              <a:effectRef idx="0">
+                <a:schemeClr val="accent1"/>
+              </a:effectRef>
+              <a:fontRef idx="minor">
+                <a:schemeClr val="tx1"/>
+              </a:fontRef>
+            </p:style>
+            <p:txBody>
+              <a:bodyPr rtlCol="0" anchor="ctr"/>
+              <a:lstStyle/>
+              <a:p>
+                <a:pPr algn="ctr"/>
+                <a:endParaRPr lang="en-US">
+                  <a:solidFill>
+                    <a:srgbClr val="4D5EB6"/>
+                  </a:solidFill>
+                </a:endParaRPr>
+              </a:p>
+            </p:txBody>
+          </p:sp>
+        </p:grpSp>
+        <p:sp>
+          <p:nvSpPr>
+            <p:cNvPr id="27" name="Rounded Rectangle 26" descr="Main Program">
               <a:extLst>
                 <a:ext uri="{FF2B5EF4-FFF2-40B4-BE49-F238E27FC236}">
-                  <a16:creationId xmlns:a16="http://schemas.microsoft.com/office/drawing/2014/main" id="{4FEA13FF-09C1-B530-A740-EFF84CDD320A}"/>
-                </a:ext>
-              </a:extLst>
-            </p:cNvPr>
-            <p:cNvCxnSpPr>
-              <a:cxnSpLocks/>
-            </p:cNvCxnSpPr>
-            <p:nvPr/>
-          </p:nvCxnSpPr>
-          <p:spPr>
-            <a:xfrm>
-              <a:off x="8554527" y="4242373"/>
-              <a:ext cx="0" cy="560465"/>
-            </a:xfrm>
-            <a:prstGeom prst="line">
-              <a:avLst/>
-            </a:prstGeom>
-            <a:ln w="38100">
-              <a:solidFill>
-                <a:srgbClr val="30335D"/>
-              </a:solidFill>
-            </a:ln>
-          </p:spPr>
-          <p:style>
-            <a:lnRef idx="1">
-              <a:schemeClr val="accent1"/>
-            </a:lnRef>
-            <a:fillRef idx="0">
-              <a:schemeClr val="accent1"/>
-            </a:fillRef>
-            <a:effectRef idx="0">
-              <a:schemeClr val="accent1"/>
-            </a:effectRef>
-            <a:fontRef idx="minor">
-              <a:schemeClr val="tx1"/>
-            </a:fontRef>
-          </p:style>
-        </p:cxnSp>
-        <p:cxnSp>
-          <p:nvCxnSpPr>
-            <p:cNvPr id="5" name="Straight Connector 4">
-              <a:extLst>
-                <a:ext uri="{FF2B5EF4-FFF2-40B4-BE49-F238E27FC236}">
-                  <a16:creationId xmlns:a16="http://schemas.microsoft.com/office/drawing/2014/main" id="{960D5735-EC15-9F98-BE5D-BBECABA9E89C}"/>
-                </a:ext>
-              </a:extLst>
-            </p:cNvPr>
-            <p:cNvCxnSpPr>
-              <a:cxnSpLocks/>
-            </p:cNvCxnSpPr>
-            <p:nvPr/>
-          </p:nvCxnSpPr>
-          <p:spPr>
-            <a:xfrm>
-              <a:off x="6487064" y="2743452"/>
-              <a:ext cx="0" cy="560465"/>
-            </a:xfrm>
-            <a:prstGeom prst="line">
-              <a:avLst/>
-            </a:prstGeom>
-            <a:ln w="38100">
-              <a:solidFill>
-                <a:srgbClr val="30335D"/>
-              </a:solidFill>
-            </a:ln>
-          </p:spPr>
-          <p:style>
-            <a:lnRef idx="1">
-              <a:schemeClr val="accent1"/>
-            </a:lnRef>
-            <a:fillRef idx="0">
-              <a:schemeClr val="accent1"/>
-            </a:fillRef>
-            <a:effectRef idx="0">
-              <a:schemeClr val="accent1"/>
-            </a:effectRef>
-            <a:fontRef idx="minor">
-              <a:schemeClr val="tx1"/>
-            </a:fontRef>
-          </p:style>
-        </p:cxnSp>
-        <p:sp>
-          <p:nvSpPr>
-            <p:cNvPr id="8" name="Left Bracket 7">
-              <a:extLst>
-                <a:ext uri="{FF2B5EF4-FFF2-40B4-BE49-F238E27FC236}">
-                  <a16:creationId xmlns:a16="http://schemas.microsoft.com/office/drawing/2014/main" id="{0DD81E97-7710-8C8F-D943-44CF1829AB35}"/>
-                </a:ext>
-              </a:extLst>
-            </p:cNvPr>
-            <p:cNvSpPr/>
-            <p:nvPr/>
-          </p:nvSpPr>
-          <p:spPr>
-            <a:xfrm rot="5400000">
-              <a:off x="6402897" y="1053406"/>
-              <a:ext cx="219233" cy="4089778"/>
-            </a:xfrm>
-            <a:prstGeom prst="leftBracket">
-              <a:avLst>
-                <a:gd name="adj" fmla="val 0"/>
-              </a:avLst>
-            </a:prstGeom>
-            <a:ln w="38100">
-              <a:solidFill>
-                <a:srgbClr val="30335D"/>
-              </a:solidFill>
-            </a:ln>
-          </p:spPr>
-          <p:style>
-            <a:lnRef idx="1">
-              <a:schemeClr val="accent1"/>
-            </a:lnRef>
-            <a:fillRef idx="0">
-              <a:schemeClr val="accent1"/>
-            </a:fillRef>
-            <a:effectRef idx="0">
-              <a:schemeClr val="accent1"/>
-            </a:effectRef>
-            <a:fontRef idx="minor">
-              <a:schemeClr val="tx1"/>
-            </a:fontRef>
-          </p:style>
-          <p:txBody>
-            <a:bodyPr rtlCol="0" anchor="ctr"/>
-            <a:lstStyle/>
-            <a:p>
-              <a:pPr algn="ctr"/>
-              <a:endParaRPr lang="en-US">
-                <a:solidFill>
-                  <a:srgbClr val="4D5EB6"/>
-                </a:solidFill>
-              </a:endParaRPr>
-            </a:p>
-          </p:txBody>
-        </p:sp>
-        <p:sp>
-          <p:nvSpPr>
-            <p:cNvPr id="25" name="Left Bracket 24">
-              <a:extLst>
-                <a:ext uri="{FF2B5EF4-FFF2-40B4-BE49-F238E27FC236}">
-                  <a16:creationId xmlns:a16="http://schemas.microsoft.com/office/drawing/2014/main" id="{C9D5DF46-BEB2-F226-C8C2-DB5F074C8D08}"/>
-                </a:ext>
-              </a:extLst>
-            </p:cNvPr>
-            <p:cNvSpPr/>
-            <p:nvPr/>
-          </p:nvSpPr>
-          <p:spPr>
-            <a:xfrm rot="5400000">
-              <a:off x="4374372" y="3636874"/>
-              <a:ext cx="219233" cy="1970316"/>
-            </a:xfrm>
-            <a:prstGeom prst="leftBracket">
-              <a:avLst>
-                <a:gd name="adj" fmla="val 0"/>
-              </a:avLst>
-            </a:prstGeom>
-            <a:ln w="38100">
-              <a:solidFill>
-                <a:srgbClr val="30335D"/>
-              </a:solidFill>
-            </a:ln>
-          </p:spPr>
-          <p:style>
-            <a:lnRef idx="1">
-              <a:schemeClr val="accent1"/>
-            </a:lnRef>
-            <a:fillRef idx="0">
-              <a:schemeClr val="accent1"/>
-            </a:fillRef>
-            <a:effectRef idx="0">
-              <a:schemeClr val="accent1"/>
-            </a:effectRef>
-            <a:fontRef idx="minor">
-              <a:schemeClr val="tx1"/>
-            </a:fontRef>
-          </p:style>
-          <p:txBody>
-            <a:bodyPr rtlCol="0" anchor="ctr"/>
-            <a:lstStyle/>
-            <a:p>
-              <a:pPr algn="ctr"/>
-              <a:endParaRPr lang="en-US">
-                <a:solidFill>
-                  <a:srgbClr val="4D5EB6"/>
-                </a:solidFill>
-              </a:endParaRPr>
-            </a:p>
-          </p:txBody>
-        </p:sp>
-      </p:grpSp>
-      <p:sp>
-        <p:nvSpPr>
-          <p:cNvPr id="27" name="Rounded Rectangle 26">
-            <a:extLst>
-              <a:ext uri="{FF2B5EF4-FFF2-40B4-BE49-F238E27FC236}">
-                <a16:creationId xmlns:a16="http://schemas.microsoft.com/office/drawing/2014/main" id="{0B65DC04-2643-90F3-2806-F131EE092525}"/>
-              </a:ext>
-            </a:extLst>
-          </p:cNvPr>
-          <p:cNvSpPr/>
-          <p:nvPr/>
-        </p:nvSpPr>
-        <p:spPr>
-          <a:xfrm>
-            <a:off x="5615170" y="1600153"/>
-            <a:ext cx="1769477" cy="1143299"/>
-          </a:xfrm>
-          <a:prstGeom prst="roundRect">
-            <a:avLst/>
-          </a:prstGeom>
-          <a:solidFill>
-            <a:srgbClr val="DCEBF5"/>
-          </a:solidFill>
-          <a:ln w="19050">
-            <a:solidFill>
-              <a:srgbClr val="30335D"/>
-            </a:solidFill>
-          </a:ln>
-        </p:spPr>
-        <p:style>
-          <a:lnRef idx="2">
-            <a:schemeClr val="accent1">
-              <a:shade val="50000"/>
-            </a:schemeClr>
-          </a:lnRef>
-          <a:fillRef idx="1">
-            <a:schemeClr val="accent1"/>
-          </a:fillRef>
-          <a:effectRef idx="0">
-            <a:schemeClr val="accent1"/>
-          </a:effectRef>
-          <a:fontRef idx="minor">
-            <a:schemeClr val="lt1"/>
-          </a:fontRef>
-        </p:style>
-        <p:txBody>
-          <a:bodyPr rtlCol="0" anchor="ctr"/>
-          <a:lstStyle/>
-          <a:p>
-            <a:pPr algn="ctr"/>
-            <a:endParaRPr lang="en-US"/>
-          </a:p>
-        </p:txBody>
-      </p:sp>
-      <p:grpSp>
-        <p:nvGrpSpPr>
-          <p:cNvPr id="30" name="Group 29">
-            <a:extLst>
-              <a:ext uri="{FF2B5EF4-FFF2-40B4-BE49-F238E27FC236}">
-                <a16:creationId xmlns:a16="http://schemas.microsoft.com/office/drawing/2014/main" id="{4AB763AB-EB4B-5F4E-3B8B-038574D96E67}"/>
-              </a:ext>
-            </a:extLst>
-          </p:cNvPr>
-          <p:cNvGrpSpPr/>
-          <p:nvPr/>
-        </p:nvGrpSpPr>
-        <p:grpSpPr>
-          <a:xfrm>
-            <a:off x="2646022" y="3187817"/>
-            <a:ext cx="6837019" cy="2725199"/>
-            <a:chOff x="2646022" y="3187817"/>
-            <a:chExt cx="6837019" cy="2725199"/>
-          </a:xfrm>
-          <a:solidFill>
-            <a:srgbClr val="D6EDCF"/>
-          </a:solidFill>
-        </p:grpSpPr>
-        <p:sp>
-          <p:nvSpPr>
-            <p:cNvPr id="33" name="Rounded Rectangle 32">
-              <a:extLst>
-                <a:ext uri="{FF2B5EF4-FFF2-40B4-BE49-F238E27FC236}">
-                  <a16:creationId xmlns:a16="http://schemas.microsoft.com/office/drawing/2014/main" id="{60048279-AC2C-7C94-0692-5CE2C803BF02}"/>
+                  <a16:creationId xmlns:a16="http://schemas.microsoft.com/office/drawing/2014/main" id="{0B65DC04-2643-90F3-2806-F131EE092525}"/>
                 </a:ext>
               </a:extLst>
             </p:cNvPr>
@@ -12544,13 +14078,15 @@
           </p:nvSpPr>
           <p:spPr>
             <a:xfrm>
-              <a:off x="4613990" y="4740625"/>
+              <a:off x="5615170" y="1600153"/>
               <a:ext cx="1769477" cy="1143299"/>
             </a:xfrm>
             <a:prstGeom prst="roundRect">
               <a:avLst/>
             </a:prstGeom>
-            <a:grpFill/>
+            <a:solidFill>
+              <a:srgbClr val="DCEBF5"/>
+            </a:solidFill>
             <a:ln w="19050">
               <a:solidFill>
                 <a:srgbClr val="30335D"/>
@@ -12582,273 +14118,622 @@
             </a:p>
           </p:txBody>
         </p:sp>
-        <p:sp>
-          <p:nvSpPr>
-            <p:cNvPr id="34" name="Rounded Rectangle 33">
+        <p:grpSp>
+          <p:nvGrpSpPr>
+            <p:cNvPr id="30" name="Group 29">
               <a:extLst>
                 <a:ext uri="{FF2B5EF4-FFF2-40B4-BE49-F238E27FC236}">
-                  <a16:creationId xmlns:a16="http://schemas.microsoft.com/office/drawing/2014/main" id="{16F4C18A-EBBF-71DE-F9F8-3D6E91AC6159}"/>
+                  <a16:creationId xmlns:a16="http://schemas.microsoft.com/office/drawing/2014/main" id="{4AB763AB-EB4B-5F4E-3B8B-038574D96E67}"/>
                 </a:ext>
               </a:extLst>
             </p:cNvPr>
-            <p:cNvSpPr/>
+            <p:cNvGrpSpPr/>
+            <p:nvPr/>
+          </p:nvGrpSpPr>
+          <p:grpSpPr>
+            <a:xfrm>
+              <a:off x="2646022" y="3187817"/>
+              <a:ext cx="6837019" cy="2725199"/>
+              <a:chOff x="2646022" y="3187817"/>
+              <a:chExt cx="6837019" cy="2725199"/>
+            </a:xfrm>
+            <a:solidFill>
+              <a:srgbClr val="D6EDCF"/>
+            </a:solidFill>
+          </p:grpSpPr>
+          <p:sp>
+            <p:nvSpPr>
+              <p:cNvPr id="33" name="Rounded Rectangle 32">
+                <a:extLst>
+                  <a:ext uri="{FF2B5EF4-FFF2-40B4-BE49-F238E27FC236}">
+                    <a16:creationId xmlns:a16="http://schemas.microsoft.com/office/drawing/2014/main" id="{60048279-AC2C-7C94-0692-5CE2C803BF02}"/>
+                  </a:ext>
+                </a:extLst>
+              </p:cNvPr>
+              <p:cNvSpPr/>
+              <p:nvPr/>
+            </p:nvSpPr>
+            <p:spPr>
+              <a:xfrm>
+                <a:off x="4613990" y="4740625"/>
+                <a:ext cx="1769477" cy="1143299"/>
+              </a:xfrm>
+              <a:prstGeom prst="roundRect">
+                <a:avLst/>
+              </a:prstGeom>
+              <a:grpFill/>
+              <a:ln w="19050">
+                <a:solidFill>
+                  <a:srgbClr val="30335D"/>
+                </a:solidFill>
+              </a:ln>
+            </p:spPr>
+            <p:style>
+              <a:lnRef idx="2">
+                <a:schemeClr val="accent1">
+                  <a:shade val="50000"/>
+                </a:schemeClr>
+              </a:lnRef>
+              <a:fillRef idx="1">
+                <a:schemeClr val="accent1"/>
+              </a:fillRef>
+              <a:effectRef idx="0">
+                <a:schemeClr val="accent1"/>
+              </a:effectRef>
+              <a:fontRef idx="minor">
+                <a:schemeClr val="lt1"/>
+              </a:fontRef>
+            </p:style>
+            <p:txBody>
+              <a:bodyPr rtlCol="0" anchor="ctr"/>
+              <a:lstStyle/>
+              <a:p>
+                <a:pPr algn="ctr"/>
+                <a:endParaRPr lang="en-US"/>
+              </a:p>
+            </p:txBody>
+          </p:sp>
+          <p:sp>
+            <p:nvSpPr>
+              <p:cNvPr id="34" name="Rounded Rectangle 33">
+                <a:extLst>
+                  <a:ext uri="{FF2B5EF4-FFF2-40B4-BE49-F238E27FC236}">
+                    <a16:creationId xmlns:a16="http://schemas.microsoft.com/office/drawing/2014/main" id="{16F4C18A-EBBF-71DE-F9F8-3D6E91AC6159}"/>
+                  </a:ext>
+                </a:extLst>
+              </p:cNvPr>
+              <p:cNvSpPr/>
+              <p:nvPr/>
+            </p:nvSpPr>
+            <p:spPr>
+              <a:xfrm>
+                <a:off x="7713564" y="3187817"/>
+                <a:ext cx="1769477" cy="1143299"/>
+              </a:xfrm>
+              <a:prstGeom prst="roundRect">
+                <a:avLst/>
+              </a:prstGeom>
+              <a:grpFill/>
+              <a:ln w="19050">
+                <a:solidFill>
+                  <a:srgbClr val="30335D"/>
+                </a:solidFill>
+              </a:ln>
+            </p:spPr>
+            <p:style>
+              <a:lnRef idx="2">
+                <a:schemeClr val="accent1">
+                  <a:shade val="50000"/>
+                </a:schemeClr>
+              </a:lnRef>
+              <a:fillRef idx="1">
+                <a:schemeClr val="accent1"/>
+              </a:fillRef>
+              <a:effectRef idx="0">
+                <a:schemeClr val="accent1"/>
+              </a:effectRef>
+              <a:fontRef idx="minor">
+                <a:schemeClr val="lt1"/>
+              </a:fontRef>
+            </p:style>
+            <p:txBody>
+              <a:bodyPr rtlCol="0" anchor="ctr"/>
+              <a:lstStyle/>
+              <a:p>
+                <a:pPr algn="ctr"/>
+                <a:endParaRPr lang="en-US"/>
+              </a:p>
+            </p:txBody>
+          </p:sp>
+          <p:sp>
+            <p:nvSpPr>
+              <p:cNvPr id="35" name="Rounded Rectangle 34">
+                <a:extLst>
+                  <a:ext uri="{FF2B5EF4-FFF2-40B4-BE49-F238E27FC236}">
+                    <a16:creationId xmlns:a16="http://schemas.microsoft.com/office/drawing/2014/main" id="{6E8BC468-DB78-A850-CB8B-5375E89B3AF2}"/>
+                  </a:ext>
+                </a:extLst>
+              </p:cNvPr>
+              <p:cNvSpPr/>
+              <p:nvPr/>
+            </p:nvSpPr>
+            <p:spPr>
+              <a:xfrm>
+                <a:off x="2646022" y="4717138"/>
+                <a:ext cx="1769477" cy="1143299"/>
+              </a:xfrm>
+              <a:prstGeom prst="roundRect">
+                <a:avLst/>
+              </a:prstGeom>
+              <a:grpFill/>
+              <a:ln w="19050">
+                <a:solidFill>
+                  <a:srgbClr val="30335D"/>
+                </a:solidFill>
+              </a:ln>
+            </p:spPr>
+            <p:style>
+              <a:lnRef idx="2">
+                <a:schemeClr val="accent1">
+                  <a:shade val="50000"/>
+                </a:schemeClr>
+              </a:lnRef>
+              <a:fillRef idx="1">
+                <a:schemeClr val="accent1"/>
+              </a:fillRef>
+              <a:effectRef idx="0">
+                <a:schemeClr val="accent1"/>
+              </a:effectRef>
+              <a:fontRef idx="minor">
+                <a:schemeClr val="lt1"/>
+              </a:fontRef>
+            </p:style>
+            <p:txBody>
+              <a:bodyPr rtlCol="0" anchor="ctr"/>
+              <a:lstStyle/>
+              <a:p>
+                <a:pPr algn="ctr"/>
+                <a:endParaRPr lang="en-US"/>
+              </a:p>
+            </p:txBody>
+          </p:sp>
+          <p:sp>
+            <p:nvSpPr>
+              <p:cNvPr id="36" name="Rounded Rectangle 35">
+                <a:extLst>
+                  <a:ext uri="{FF2B5EF4-FFF2-40B4-BE49-F238E27FC236}">
+                    <a16:creationId xmlns:a16="http://schemas.microsoft.com/office/drawing/2014/main" id="{7301E0CE-FDC3-329E-2C28-65B5F275A05F}"/>
+                  </a:ext>
+                </a:extLst>
+              </p:cNvPr>
+              <p:cNvSpPr/>
+              <p:nvPr/>
+            </p:nvSpPr>
+            <p:spPr>
+              <a:xfrm>
+                <a:off x="5615170" y="3190079"/>
+                <a:ext cx="1769477" cy="1143299"/>
+              </a:xfrm>
+              <a:prstGeom prst="roundRect">
+                <a:avLst/>
+              </a:prstGeom>
+              <a:grpFill/>
+              <a:ln w="19050">
+                <a:solidFill>
+                  <a:srgbClr val="30335D"/>
+                </a:solidFill>
+              </a:ln>
+            </p:spPr>
+            <p:style>
+              <a:lnRef idx="2">
+                <a:schemeClr val="accent1">
+                  <a:shade val="50000"/>
+                </a:schemeClr>
+              </a:lnRef>
+              <a:fillRef idx="1">
+                <a:schemeClr val="accent1"/>
+              </a:fillRef>
+              <a:effectRef idx="0">
+                <a:schemeClr val="accent1"/>
+              </a:effectRef>
+              <a:fontRef idx="minor">
+                <a:schemeClr val="lt1"/>
+              </a:fontRef>
+            </p:style>
+            <p:txBody>
+              <a:bodyPr rtlCol="0" anchor="ctr"/>
+              <a:lstStyle/>
+              <a:p>
+                <a:pPr algn="ctr"/>
+                <a:endParaRPr lang="en-US"/>
+              </a:p>
+            </p:txBody>
+          </p:sp>
+          <p:sp>
+            <p:nvSpPr>
+              <p:cNvPr id="37" name="Rounded Rectangle 36">
+                <a:extLst>
+                  <a:ext uri="{FF2B5EF4-FFF2-40B4-BE49-F238E27FC236}">
+                    <a16:creationId xmlns:a16="http://schemas.microsoft.com/office/drawing/2014/main" id="{81A070BC-079B-50C1-70C7-B3542E1CF611}"/>
+                  </a:ext>
+                </a:extLst>
+              </p:cNvPr>
+              <p:cNvSpPr/>
+              <p:nvPr/>
+            </p:nvSpPr>
+            <p:spPr>
+              <a:xfrm>
+                <a:off x="7693790" y="4769717"/>
+                <a:ext cx="1769477" cy="1143299"/>
+              </a:xfrm>
+              <a:prstGeom prst="roundRect">
+                <a:avLst/>
+              </a:prstGeom>
+              <a:grpFill/>
+              <a:ln w="19050">
+                <a:solidFill>
+                  <a:srgbClr val="30335D"/>
+                </a:solidFill>
+              </a:ln>
+            </p:spPr>
+            <p:style>
+              <a:lnRef idx="2">
+                <a:schemeClr val="accent1">
+                  <a:shade val="50000"/>
+                </a:schemeClr>
+              </a:lnRef>
+              <a:fillRef idx="1">
+                <a:schemeClr val="accent1"/>
+              </a:fillRef>
+              <a:effectRef idx="0">
+                <a:schemeClr val="accent1"/>
+              </a:effectRef>
+              <a:fontRef idx="minor">
+                <a:schemeClr val="lt1"/>
+              </a:fontRef>
+            </p:style>
+            <p:txBody>
+              <a:bodyPr rtlCol="0" anchor="ctr"/>
+              <a:lstStyle/>
+              <a:p>
+                <a:pPr algn="ctr"/>
+                <a:endParaRPr lang="en-US"/>
+              </a:p>
+            </p:txBody>
+          </p:sp>
+          <p:sp>
+            <p:nvSpPr>
+              <p:cNvPr id="38" name="Rounded Rectangle 37">
+                <a:extLst>
+                  <a:ext uri="{FF2B5EF4-FFF2-40B4-BE49-F238E27FC236}">
+                    <a16:creationId xmlns:a16="http://schemas.microsoft.com/office/drawing/2014/main" id="{E53EEEF5-56B0-5136-B470-CCFBFFE52735}"/>
+                  </a:ext>
+                </a:extLst>
+              </p:cNvPr>
+              <p:cNvSpPr/>
+              <p:nvPr/>
+            </p:nvSpPr>
+            <p:spPr>
+              <a:xfrm>
+                <a:off x="3555598" y="3201345"/>
+                <a:ext cx="1769477" cy="1143299"/>
+              </a:xfrm>
+              <a:prstGeom prst="roundRect">
+                <a:avLst/>
+              </a:prstGeom>
+              <a:grpFill/>
+              <a:ln w="19050">
+                <a:solidFill>
+                  <a:srgbClr val="30335D"/>
+                </a:solidFill>
+              </a:ln>
+            </p:spPr>
+            <p:style>
+              <a:lnRef idx="2">
+                <a:schemeClr val="accent1">
+                  <a:shade val="50000"/>
+                </a:schemeClr>
+              </a:lnRef>
+              <a:fillRef idx="1">
+                <a:schemeClr val="accent1"/>
+              </a:fillRef>
+              <a:effectRef idx="0">
+                <a:schemeClr val="accent1"/>
+              </a:effectRef>
+              <a:fontRef idx="minor">
+                <a:schemeClr val="lt1"/>
+              </a:fontRef>
+            </p:style>
+            <p:txBody>
+              <a:bodyPr rtlCol="0" anchor="ctr"/>
+              <a:lstStyle/>
+              <a:p>
+                <a:pPr algn="ctr"/>
+                <a:endParaRPr lang="en-US"/>
+              </a:p>
+            </p:txBody>
+          </p:sp>
+        </p:grpSp>
+        <p:sp>
+          <p:nvSpPr>
+            <p:cNvPr id="39" name="TextBox 38">
+              <a:extLst>
+                <a:ext uri="{FF2B5EF4-FFF2-40B4-BE49-F238E27FC236}">
+                  <a16:creationId xmlns:a16="http://schemas.microsoft.com/office/drawing/2014/main" id="{C7379117-A2ED-9EF7-264B-1BC691A910A0}"/>
+                </a:ext>
+              </a:extLst>
+            </p:cNvPr>
+            <p:cNvSpPr txBox="1"/>
             <p:nvPr/>
           </p:nvSpPr>
           <p:spPr>
             <a:xfrm>
-              <a:off x="7713564" y="3187817"/>
-              <a:ext cx="1769477" cy="1143299"/>
+              <a:off x="5615146" y="1987136"/>
+              <a:ext cx="1769477" cy="400110"/>
             </a:xfrm>
-            <a:prstGeom prst="roundRect">
+            <a:prstGeom prst="rect">
               <a:avLst/>
             </a:prstGeom>
-            <a:grpFill/>
-            <a:ln w="19050">
-              <a:solidFill>
-                <a:srgbClr val="30335D"/>
-              </a:solidFill>
+            <a:noFill/>
+            <a:ln>
+              <a:noFill/>
             </a:ln>
           </p:spPr>
-          <p:style>
-            <a:lnRef idx="2">
-              <a:schemeClr val="accent1">
-                <a:shade val="50000"/>
-              </a:schemeClr>
-            </a:lnRef>
-            <a:fillRef idx="1">
-              <a:schemeClr val="accent1"/>
-            </a:fillRef>
-            <a:effectRef idx="0">
-              <a:schemeClr val="accent1"/>
-            </a:effectRef>
-            <a:fontRef idx="minor">
-              <a:schemeClr val="lt1"/>
-            </a:fontRef>
-          </p:style>
           <p:txBody>
-            <a:bodyPr rtlCol="0" anchor="ctr"/>
+            <a:bodyPr wrap="square" rtlCol="0">
+              <a:spAutoFit/>
+            </a:bodyPr>
             <a:lstStyle/>
             <a:p>
               <a:pPr algn="ctr"/>
-              <a:endParaRPr lang="en-US"/>
+              <a:r>
+                <a:rPr lang="en-US" sz="2000"/>
+                <a:t>Main Program</a:t>
+              </a:r>
             </a:p>
           </p:txBody>
         </p:sp>
         <p:sp>
           <p:nvSpPr>
-            <p:cNvPr id="35" name="Rounded Rectangle 34">
+            <p:cNvPr id="40" name="TextBox 39">
               <a:extLst>
                 <a:ext uri="{FF2B5EF4-FFF2-40B4-BE49-F238E27FC236}">
-                  <a16:creationId xmlns:a16="http://schemas.microsoft.com/office/drawing/2014/main" id="{6E8BC468-DB78-A850-CB8B-5375E89B3AF2}"/>
+                  <a16:creationId xmlns:a16="http://schemas.microsoft.com/office/drawing/2014/main" id="{02B53A79-839E-FDC8-E828-91E9295A075E}"/>
                 </a:ext>
               </a:extLst>
             </p:cNvPr>
-            <p:cNvSpPr/>
+            <p:cNvSpPr txBox="1"/>
             <p:nvPr/>
           </p:nvSpPr>
           <p:spPr>
             <a:xfrm>
-              <a:off x="2646022" y="4717138"/>
-              <a:ext cx="1769477" cy="1143299"/>
+              <a:off x="3555587" y="3618990"/>
+              <a:ext cx="1769480" cy="400110"/>
             </a:xfrm>
-            <a:prstGeom prst="roundRect">
+            <a:prstGeom prst="rect">
               <a:avLst/>
             </a:prstGeom>
-            <a:grpFill/>
-            <a:ln w="19050">
-              <a:solidFill>
-                <a:srgbClr val="30335D"/>
-              </a:solidFill>
+            <a:noFill/>
+            <a:ln>
+              <a:noFill/>
             </a:ln>
           </p:spPr>
-          <p:style>
-            <a:lnRef idx="2">
-              <a:schemeClr val="accent1">
-                <a:shade val="50000"/>
-              </a:schemeClr>
-            </a:lnRef>
-            <a:fillRef idx="1">
-              <a:schemeClr val="accent1"/>
-            </a:fillRef>
-            <a:effectRef idx="0">
-              <a:schemeClr val="accent1"/>
-            </a:effectRef>
-            <a:fontRef idx="minor">
-              <a:schemeClr val="lt1"/>
-            </a:fontRef>
-          </p:style>
           <p:txBody>
-            <a:bodyPr rtlCol="0" anchor="ctr"/>
+            <a:bodyPr wrap="square" rtlCol="0">
+              <a:spAutoFit/>
+            </a:bodyPr>
             <a:lstStyle/>
             <a:p>
               <a:pPr algn="ctr"/>
-              <a:endParaRPr lang="en-US"/>
+              <a:r>
+                <a:rPr lang="en-US" sz="2000"/>
+                <a:t>Module-M1</a:t>
+              </a:r>
             </a:p>
           </p:txBody>
         </p:sp>
         <p:sp>
           <p:nvSpPr>
-            <p:cNvPr id="36" name="Rounded Rectangle 35">
+            <p:cNvPr id="41" name="TextBox 40">
               <a:extLst>
                 <a:ext uri="{FF2B5EF4-FFF2-40B4-BE49-F238E27FC236}">
-                  <a16:creationId xmlns:a16="http://schemas.microsoft.com/office/drawing/2014/main" id="{7301E0CE-FDC3-329E-2C28-65B5F275A05F}"/>
+                  <a16:creationId xmlns:a16="http://schemas.microsoft.com/office/drawing/2014/main" id="{2AC5544C-F5B8-EC08-5213-C60144F63693}"/>
                 </a:ext>
               </a:extLst>
             </p:cNvPr>
-            <p:cNvSpPr/>
+            <p:cNvSpPr txBox="1"/>
             <p:nvPr/>
           </p:nvSpPr>
           <p:spPr>
             <a:xfrm>
-              <a:off x="5615170" y="3190079"/>
-              <a:ext cx="1769477" cy="1143299"/>
+              <a:off x="5615168" y="3618990"/>
+              <a:ext cx="1769467" cy="400110"/>
             </a:xfrm>
-            <a:prstGeom prst="roundRect">
+            <a:prstGeom prst="rect">
               <a:avLst/>
             </a:prstGeom>
-            <a:grpFill/>
-            <a:ln w="19050">
-              <a:solidFill>
-                <a:srgbClr val="30335D"/>
-              </a:solidFill>
+            <a:noFill/>
+            <a:ln>
+              <a:noFill/>
             </a:ln>
           </p:spPr>
-          <p:style>
-            <a:lnRef idx="2">
-              <a:schemeClr val="accent1">
-                <a:shade val="50000"/>
-              </a:schemeClr>
-            </a:lnRef>
-            <a:fillRef idx="1">
-              <a:schemeClr val="accent1"/>
-            </a:fillRef>
-            <a:effectRef idx="0">
-              <a:schemeClr val="accent1"/>
-            </a:effectRef>
-            <a:fontRef idx="minor">
-              <a:schemeClr val="lt1"/>
-            </a:fontRef>
-          </p:style>
           <p:txBody>
-            <a:bodyPr rtlCol="0" anchor="ctr"/>
+            <a:bodyPr wrap="square" rtlCol="0">
+              <a:spAutoFit/>
+            </a:bodyPr>
             <a:lstStyle/>
             <a:p>
               <a:pPr algn="ctr"/>
-              <a:endParaRPr lang="en-US"/>
+              <a:r>
+                <a:rPr lang="en-US" sz="2000"/>
+                <a:t>Module-M2</a:t>
+              </a:r>
             </a:p>
           </p:txBody>
         </p:sp>
         <p:sp>
           <p:nvSpPr>
-            <p:cNvPr id="37" name="Rounded Rectangle 36">
+            <p:cNvPr id="42" name="TextBox 41">
               <a:extLst>
                 <a:ext uri="{FF2B5EF4-FFF2-40B4-BE49-F238E27FC236}">
-                  <a16:creationId xmlns:a16="http://schemas.microsoft.com/office/drawing/2014/main" id="{81A070BC-079B-50C1-70C7-B3542E1CF611}"/>
+                  <a16:creationId xmlns:a16="http://schemas.microsoft.com/office/drawing/2014/main" id="{1C825DA9-0650-B94C-344D-141CD369F190}"/>
                 </a:ext>
               </a:extLst>
             </p:cNvPr>
-            <p:cNvSpPr/>
+            <p:cNvSpPr txBox="1"/>
             <p:nvPr/>
           </p:nvSpPr>
           <p:spPr>
             <a:xfrm>
-              <a:off x="7693790" y="4769717"/>
-              <a:ext cx="1769477" cy="1143299"/>
+              <a:off x="7713564" y="3618990"/>
+              <a:ext cx="1749696" cy="400110"/>
             </a:xfrm>
-            <a:prstGeom prst="roundRect">
+            <a:prstGeom prst="rect">
               <a:avLst/>
             </a:prstGeom>
-            <a:grpFill/>
-            <a:ln w="19050">
-              <a:solidFill>
-                <a:srgbClr val="30335D"/>
-              </a:solidFill>
+            <a:noFill/>
+            <a:ln>
+              <a:noFill/>
             </a:ln>
           </p:spPr>
-          <p:style>
-            <a:lnRef idx="2">
-              <a:schemeClr val="accent1">
-                <a:shade val="50000"/>
-              </a:schemeClr>
-            </a:lnRef>
-            <a:fillRef idx="1">
-              <a:schemeClr val="accent1"/>
-            </a:fillRef>
-            <a:effectRef idx="0">
-              <a:schemeClr val="accent1"/>
-            </a:effectRef>
-            <a:fontRef idx="minor">
-              <a:schemeClr val="lt1"/>
-            </a:fontRef>
-          </p:style>
           <p:txBody>
-            <a:bodyPr rtlCol="0" anchor="ctr"/>
+            <a:bodyPr wrap="square" rtlCol="0">
+              <a:spAutoFit/>
+            </a:bodyPr>
             <a:lstStyle/>
             <a:p>
               <a:pPr algn="ctr"/>
-              <a:endParaRPr lang="en-US"/>
+              <a:r>
+                <a:rPr lang="en-US" sz="2000"/>
+                <a:t>Module-M3</a:t>
+              </a:r>
             </a:p>
           </p:txBody>
         </p:sp>
         <p:sp>
           <p:nvSpPr>
-            <p:cNvPr id="38" name="Rounded Rectangle 37">
+            <p:cNvPr id="43" name="TextBox 42">
               <a:extLst>
                 <a:ext uri="{FF2B5EF4-FFF2-40B4-BE49-F238E27FC236}">
-                  <a16:creationId xmlns:a16="http://schemas.microsoft.com/office/drawing/2014/main" id="{E53EEEF5-56B0-5136-B470-CCFBFFE52735}"/>
+                  <a16:creationId xmlns:a16="http://schemas.microsoft.com/office/drawing/2014/main" id="{7AF78C24-5923-9756-8310-C71A719A6546}"/>
                 </a:ext>
               </a:extLst>
             </p:cNvPr>
-            <p:cNvSpPr/>
+            <p:cNvSpPr txBox="1"/>
             <p:nvPr/>
           </p:nvSpPr>
           <p:spPr>
             <a:xfrm>
-              <a:off x="3555598" y="3201345"/>
-              <a:ext cx="1769477" cy="1143299"/>
+              <a:off x="7713565" y="5153335"/>
+              <a:ext cx="1749692" cy="400110"/>
             </a:xfrm>
-            <a:prstGeom prst="roundRect">
+            <a:prstGeom prst="rect">
               <a:avLst/>
             </a:prstGeom>
-            <a:grpFill/>
-            <a:ln w="19050">
-              <a:solidFill>
-                <a:srgbClr val="30335D"/>
-              </a:solidFill>
+            <a:noFill/>
+            <a:ln>
+              <a:noFill/>
             </a:ln>
           </p:spPr>
-          <p:style>
-            <a:lnRef idx="2">
-              <a:schemeClr val="accent1">
-                <a:shade val="50000"/>
-              </a:schemeClr>
-            </a:lnRef>
-            <a:fillRef idx="1">
-              <a:schemeClr val="accent1"/>
-            </a:fillRef>
-            <a:effectRef idx="0">
-              <a:schemeClr val="accent1"/>
-            </a:effectRef>
-            <a:fontRef idx="minor">
-              <a:schemeClr val="lt1"/>
-            </a:fontRef>
-          </p:style>
           <p:txBody>
-            <a:bodyPr rtlCol="0" anchor="ctr"/>
+            <a:bodyPr wrap="square" rtlCol="0">
+              <a:spAutoFit/>
+            </a:bodyPr>
             <a:lstStyle/>
             <a:p>
               <a:pPr algn="ctr"/>
-              <a:endParaRPr lang="en-US"/>
+              <a:r>
+                <a:rPr lang="en-US" sz="2000"/>
+                <a:t>Module-M6</a:t>
+              </a:r>
+            </a:p>
+          </p:txBody>
+        </p:sp>
+        <p:sp>
+          <p:nvSpPr>
+            <p:cNvPr id="44" name="TextBox 43">
+              <a:extLst>
+                <a:ext uri="{FF2B5EF4-FFF2-40B4-BE49-F238E27FC236}">
+                  <a16:creationId xmlns:a16="http://schemas.microsoft.com/office/drawing/2014/main" id="{302CED13-B9CD-B5B9-F48D-A93818EB120D}"/>
+                </a:ext>
+              </a:extLst>
+            </p:cNvPr>
+            <p:cNvSpPr txBox="1"/>
+            <p:nvPr/>
+          </p:nvSpPr>
+          <p:spPr>
+            <a:xfrm>
+              <a:off x="4613980" y="5129585"/>
+              <a:ext cx="1769477" cy="400110"/>
+            </a:xfrm>
+            <a:prstGeom prst="rect">
+              <a:avLst/>
+            </a:prstGeom>
+            <a:noFill/>
+            <a:ln>
+              <a:noFill/>
+            </a:ln>
+          </p:spPr>
+          <p:txBody>
+            <a:bodyPr wrap="square" rtlCol="0">
+              <a:spAutoFit/>
+            </a:bodyPr>
+            <a:lstStyle/>
+            <a:p>
+              <a:pPr algn="ctr"/>
+              <a:r>
+                <a:rPr lang="en-US" sz="2000"/>
+                <a:t>Module-M5</a:t>
+              </a:r>
+            </a:p>
+          </p:txBody>
+        </p:sp>
+        <p:sp>
+          <p:nvSpPr>
+            <p:cNvPr id="45" name="TextBox 44">
+              <a:extLst>
+                <a:ext uri="{FF2B5EF4-FFF2-40B4-BE49-F238E27FC236}">
+                  <a16:creationId xmlns:a16="http://schemas.microsoft.com/office/drawing/2014/main" id="{71348A11-4A85-8A69-C385-9EC3A6AFD153}"/>
+                </a:ext>
+              </a:extLst>
+            </p:cNvPr>
+            <p:cNvSpPr txBox="1"/>
+            <p:nvPr/>
+          </p:nvSpPr>
+          <p:spPr>
+            <a:xfrm>
+              <a:off x="2646022" y="5129585"/>
+              <a:ext cx="1769477" cy="400110"/>
+            </a:xfrm>
+            <a:prstGeom prst="rect">
+              <a:avLst/>
+            </a:prstGeom>
+            <a:noFill/>
+            <a:ln>
+              <a:noFill/>
+            </a:ln>
+          </p:spPr>
+          <p:txBody>
+            <a:bodyPr wrap="square" rtlCol="0">
+              <a:spAutoFit/>
+            </a:bodyPr>
+            <a:lstStyle/>
+            <a:p>
+              <a:pPr algn="ctr"/>
+              <a:r>
+                <a:rPr lang="en-US" sz="2000"/>
+                <a:t>Module-M4</a:t>
+              </a:r>
             </a:p>
           </p:txBody>
         </p:sp>
       </p:grpSp>
       <p:sp>
         <p:nvSpPr>
-          <p:cNvPr id="39" name="TextBox 38">
+          <p:cNvPr id="7" name="TextBox 6">
             <a:extLst>
               <a:ext uri="{FF2B5EF4-FFF2-40B4-BE49-F238E27FC236}">
-                <a16:creationId xmlns:a16="http://schemas.microsoft.com/office/drawing/2014/main" id="{C7379117-A2ED-9EF7-264B-1BC691A910A0}"/>
+                <a16:creationId xmlns:a16="http://schemas.microsoft.com/office/drawing/2014/main" id="{4795CC42-5D5B-FB2F-2043-B63F3789E896}"/>
               </a:ext>
             </a:extLst>
           </p:cNvPr>
@@ -12857,16 +14742,13 @@
         </p:nvSpPr>
         <p:spPr>
           <a:xfrm>
-            <a:off x="5615146" y="1987136"/>
-            <a:ext cx="1769477" cy="400110"/>
+            <a:off x="0" y="6550223"/>
+            <a:ext cx="12192000" cy="307777"/>
           </a:xfrm>
           <a:prstGeom prst="rect">
             <a:avLst/>
           </a:prstGeom>
           <a:noFill/>
-          <a:ln>
-            <a:noFill/>
-          </a:ln>
         </p:spPr>
         <p:txBody>
           <a:bodyPr wrap="square" rtlCol="0">
@@ -12874,254 +14756,43 @@
           </a:bodyPr>
           <a:lstStyle/>
           <a:p>
-            <a:pPr algn="ctr"/>
-            <a:r>
-              <a:rPr lang="en-US" sz="2000" dirty="0"/>
-              <a:t>Main Program</a:t>
-            </a:r>
-          </a:p>
-        </p:txBody>
-      </p:sp>
-      <p:sp>
-        <p:nvSpPr>
-          <p:cNvPr id="40" name="TextBox 39">
-            <a:extLst>
-              <a:ext uri="{FF2B5EF4-FFF2-40B4-BE49-F238E27FC236}">
-                <a16:creationId xmlns:a16="http://schemas.microsoft.com/office/drawing/2014/main" id="{02B53A79-839E-FDC8-E828-91E9295A075E}"/>
-              </a:ext>
-            </a:extLst>
-          </p:cNvPr>
-          <p:cNvSpPr txBox="1"/>
-          <p:nvPr/>
-        </p:nvSpPr>
-        <p:spPr>
-          <a:xfrm>
-            <a:off x="3555587" y="3618990"/>
-            <a:ext cx="1769480" cy="400110"/>
-          </a:xfrm>
-          <a:prstGeom prst="rect">
-            <a:avLst/>
-          </a:prstGeom>
-          <a:noFill/>
-          <a:ln>
-            <a:noFill/>
-          </a:ln>
-        </p:spPr>
-        <p:txBody>
-          <a:bodyPr wrap="square" rtlCol="0">
-            <a:spAutoFit/>
-          </a:bodyPr>
-          <a:lstStyle/>
-          <a:p>
-            <a:pPr algn="ctr"/>
-            <a:r>
-              <a:rPr lang="en-US" sz="2000" dirty="0"/>
-              <a:t>Module-M1</a:t>
-            </a:r>
-          </a:p>
-        </p:txBody>
-      </p:sp>
-      <p:sp>
-        <p:nvSpPr>
-          <p:cNvPr id="41" name="TextBox 40">
-            <a:extLst>
-              <a:ext uri="{FF2B5EF4-FFF2-40B4-BE49-F238E27FC236}">
-                <a16:creationId xmlns:a16="http://schemas.microsoft.com/office/drawing/2014/main" id="{2AC5544C-F5B8-EC08-5213-C60144F63693}"/>
-              </a:ext>
-            </a:extLst>
-          </p:cNvPr>
-          <p:cNvSpPr txBox="1"/>
-          <p:nvPr/>
-        </p:nvSpPr>
-        <p:spPr>
-          <a:xfrm>
-            <a:off x="5615168" y="3618990"/>
-            <a:ext cx="1769467" cy="400110"/>
-          </a:xfrm>
-          <a:prstGeom prst="rect">
-            <a:avLst/>
-          </a:prstGeom>
-          <a:noFill/>
-          <a:ln>
-            <a:noFill/>
-          </a:ln>
-        </p:spPr>
-        <p:txBody>
-          <a:bodyPr wrap="square" rtlCol="0">
-            <a:spAutoFit/>
-          </a:bodyPr>
-          <a:lstStyle/>
-          <a:p>
-            <a:pPr algn="ctr"/>
-            <a:r>
-              <a:rPr lang="en-US" sz="2000" dirty="0"/>
-              <a:t>Module-M2</a:t>
-            </a:r>
-          </a:p>
-        </p:txBody>
-      </p:sp>
-      <p:sp>
-        <p:nvSpPr>
-          <p:cNvPr id="42" name="TextBox 41">
-            <a:extLst>
-              <a:ext uri="{FF2B5EF4-FFF2-40B4-BE49-F238E27FC236}">
-                <a16:creationId xmlns:a16="http://schemas.microsoft.com/office/drawing/2014/main" id="{1C825DA9-0650-B94C-344D-141CD369F190}"/>
-              </a:ext>
-            </a:extLst>
-          </p:cNvPr>
-          <p:cNvSpPr txBox="1"/>
-          <p:nvPr/>
-        </p:nvSpPr>
-        <p:spPr>
-          <a:xfrm>
-            <a:off x="7713564" y="3618990"/>
-            <a:ext cx="1749696" cy="400110"/>
-          </a:xfrm>
-          <a:prstGeom prst="rect">
-            <a:avLst/>
-          </a:prstGeom>
-          <a:noFill/>
-          <a:ln>
-            <a:noFill/>
-          </a:ln>
-        </p:spPr>
-        <p:txBody>
-          <a:bodyPr wrap="square" rtlCol="0">
-            <a:spAutoFit/>
-          </a:bodyPr>
-          <a:lstStyle/>
-          <a:p>
-            <a:pPr algn="ctr"/>
-            <a:r>
-              <a:rPr lang="en-US" sz="2000" dirty="0"/>
-              <a:t>Module-M3</a:t>
-            </a:r>
-          </a:p>
-        </p:txBody>
-      </p:sp>
-      <p:sp>
-        <p:nvSpPr>
-          <p:cNvPr id="43" name="TextBox 42">
-            <a:extLst>
-              <a:ext uri="{FF2B5EF4-FFF2-40B4-BE49-F238E27FC236}">
-                <a16:creationId xmlns:a16="http://schemas.microsoft.com/office/drawing/2014/main" id="{7AF78C24-5923-9756-8310-C71A719A6546}"/>
-              </a:ext>
-            </a:extLst>
-          </p:cNvPr>
-          <p:cNvSpPr txBox="1"/>
-          <p:nvPr/>
-        </p:nvSpPr>
-        <p:spPr>
-          <a:xfrm>
-            <a:off x="7713565" y="5153335"/>
-            <a:ext cx="1749692" cy="400110"/>
-          </a:xfrm>
-          <a:prstGeom prst="rect">
-            <a:avLst/>
-          </a:prstGeom>
-          <a:noFill/>
-          <a:ln>
-            <a:noFill/>
-          </a:ln>
-        </p:spPr>
-        <p:txBody>
-          <a:bodyPr wrap="square" rtlCol="0">
-            <a:spAutoFit/>
-          </a:bodyPr>
-          <a:lstStyle/>
-          <a:p>
-            <a:pPr algn="ctr"/>
-            <a:r>
-              <a:rPr lang="en-US" sz="2000" dirty="0"/>
-              <a:t>Module-M6</a:t>
-            </a:r>
-          </a:p>
-        </p:txBody>
-      </p:sp>
-      <p:sp>
-        <p:nvSpPr>
-          <p:cNvPr id="44" name="TextBox 43">
-            <a:extLst>
-              <a:ext uri="{FF2B5EF4-FFF2-40B4-BE49-F238E27FC236}">
-                <a16:creationId xmlns:a16="http://schemas.microsoft.com/office/drawing/2014/main" id="{302CED13-B9CD-B5B9-F48D-A93818EB120D}"/>
-              </a:ext>
-            </a:extLst>
-          </p:cNvPr>
-          <p:cNvSpPr txBox="1"/>
-          <p:nvPr/>
-        </p:nvSpPr>
-        <p:spPr>
-          <a:xfrm>
-            <a:off x="4613980" y="5129585"/>
-            <a:ext cx="1769477" cy="400110"/>
-          </a:xfrm>
-          <a:prstGeom prst="rect">
-            <a:avLst/>
-          </a:prstGeom>
-          <a:noFill/>
-          <a:ln>
-            <a:noFill/>
-          </a:ln>
-        </p:spPr>
-        <p:txBody>
-          <a:bodyPr wrap="square" rtlCol="0">
-            <a:spAutoFit/>
-          </a:bodyPr>
-          <a:lstStyle/>
-          <a:p>
-            <a:pPr algn="ctr"/>
-            <a:r>
-              <a:rPr lang="en-US" sz="2000" dirty="0"/>
-              <a:t>Module-M5</a:t>
-            </a:r>
-          </a:p>
-        </p:txBody>
-      </p:sp>
-      <p:sp>
-        <p:nvSpPr>
-          <p:cNvPr id="45" name="TextBox 44">
-            <a:extLst>
-              <a:ext uri="{FF2B5EF4-FFF2-40B4-BE49-F238E27FC236}">
-                <a16:creationId xmlns:a16="http://schemas.microsoft.com/office/drawing/2014/main" id="{71348A11-4A85-8A69-C385-9EC3A6AFD153}"/>
-              </a:ext>
-            </a:extLst>
-          </p:cNvPr>
-          <p:cNvSpPr txBox="1"/>
-          <p:nvPr/>
-        </p:nvSpPr>
-        <p:spPr>
-          <a:xfrm>
-            <a:off x="2646022" y="5129585"/>
-            <a:ext cx="1769477" cy="400110"/>
-          </a:xfrm>
-          <a:prstGeom prst="rect">
-            <a:avLst/>
-          </a:prstGeom>
-          <a:noFill/>
-          <a:ln>
-            <a:noFill/>
-          </a:ln>
-        </p:spPr>
-        <p:txBody>
-          <a:bodyPr wrap="square" rtlCol="0">
-            <a:spAutoFit/>
-          </a:bodyPr>
-          <a:lstStyle/>
-          <a:p>
-            <a:pPr algn="ctr"/>
-            <a:r>
-              <a:rPr lang="en-US" sz="2000" dirty="0"/>
-              <a:t>Module-M4</a:t>
-            </a:r>
+            <a:pPr>
+              <a:defRPr/>
+            </a:pPr>
+            <a:r>
+              <a:rPr lang="en-US" sz="1400">
+                <a:solidFill>
+                  <a:schemeClr val="tx1">
+                    <a:lumMod val="65000"/>
+                    <a:lumOff val="35000"/>
+                  </a:schemeClr>
+                </a:solidFill>
+                <a:latin typeface="+mj-lt"/>
+                <a:ea typeface="Verdana" panose="020B0604030504040204" pitchFamily="34" charset="0"/>
+              </a:rPr>
+              <a:t>Source: Randy Switt – University of Florida (Pythonista)</a:t>
+            </a:r>
+            <a:endParaRPr lang="en-US" sz="1400">
+              <a:solidFill>
+                <a:schemeClr val="tx1">
+                  <a:lumMod val="65000"/>
+                  <a:lumOff val="35000"/>
+                </a:schemeClr>
+              </a:solidFill>
+              <a:latin typeface="+mj-lt"/>
+            </a:endParaRPr>
           </a:p>
         </p:txBody>
       </p:sp>
       <p:pic>
         <p:nvPicPr>
-          <p:cNvPr id="26" name="Picture 25" descr="A picture containing dark, gauge&#10;&#10;Description automatically generated">
+          <p:cNvPr id="26" name="Picture 25">
             <a:extLst>
               <a:ext uri="{FF2B5EF4-FFF2-40B4-BE49-F238E27FC236}">
                 <a16:creationId xmlns:a16="http://schemas.microsoft.com/office/drawing/2014/main" id="{EB5C53BF-7E87-C5B9-B272-8C33ADC3981F}"/>
+              </a:ext>
+              <a:ext uri="{C183D7F6-B498-43B3-948B-1728B52AA6E4}">
+                <adec:decorative xmlns:adec="http://schemas.microsoft.com/office/drawing/2017/decorative" val="1"/>
               </a:ext>
             </a:extLst>
           </p:cNvPr>
@@ -13196,6 +14867,41 @@
       </p:grpSpPr>
       <p:sp>
         <p:nvSpPr>
+          <p:cNvPr id="2" name="Title 1">
+            <a:extLst>
+              <a:ext uri="{FF2B5EF4-FFF2-40B4-BE49-F238E27FC236}">
+                <a16:creationId xmlns:a16="http://schemas.microsoft.com/office/drawing/2014/main" id="{3CA79F81-952D-42D4-8ADE-67B4AC27B759}"/>
+              </a:ext>
+            </a:extLst>
+          </p:cNvPr>
+          <p:cNvSpPr>
+            <a:spLocks noGrp="1"/>
+          </p:cNvSpPr>
+          <p:nvPr>
+            <p:ph type="title"/>
+          </p:nvPr>
+        </p:nvSpPr>
+        <p:spPr>
+          <a:xfrm>
+            <a:off x="496556" y="-519128"/>
+            <a:ext cx="10515600" cy="488984"/>
+          </a:xfrm>
+        </p:spPr>
+        <p:txBody>
+          <a:bodyPr>
+            <a:normAutofit fontScale="90000"/>
+          </a:bodyPr>
+          <a:lstStyle/>
+          <a:p>
+            <a:r>
+              <a:rPr lang="en-US"/>
+              <a:t>Don’t repeat yourself</a:t>
+            </a:r>
+          </a:p>
+        </p:txBody>
+      </p:sp>
+      <p:sp>
+        <p:nvSpPr>
           <p:cNvPr id="5" name="Title 3">
             <a:extLst>
               <a:ext uri="{FF2B5EF4-FFF2-40B4-BE49-F238E27FC236}">
@@ -13243,7 +14949,7 @@
           <a:p>
             <a:pPr algn="ctr"/>
             <a:r>
-              <a:rPr lang="en-US" dirty="0">
+              <a:rPr lang="en-US">
                 <a:solidFill>
                   <a:srgbClr val="30335D"/>
                 </a:solidFill>
@@ -13256,7 +14962,7 @@
           <a:p>
             <a:pPr algn="ctr"/>
             <a:r>
-              <a:rPr lang="en-US" dirty="0">
+              <a:rPr lang="en-US">
                 <a:solidFill>
                   <a:srgbClr val="30335D"/>
                 </a:solidFill>
@@ -13269,7 +14975,7 @@
           <a:p>
             <a:pPr algn="ctr"/>
             <a:r>
-              <a:rPr lang="en-US" dirty="0">
+              <a:rPr lang="en-US">
                 <a:solidFill>
                   <a:srgbClr val="30335D"/>
                 </a:solidFill>
@@ -13282,7 +14988,7 @@
           <a:p>
             <a:pPr algn="ctr"/>
             <a:r>
-              <a:rPr lang="en-US" dirty="0">
+              <a:rPr lang="en-US">
                 <a:solidFill>
                   <a:srgbClr val="30335D"/>
                 </a:solidFill>
@@ -13296,10 +15002,13 @@
       </p:sp>
       <p:pic>
         <p:nvPicPr>
-          <p:cNvPr id="4" name="Picture 3" descr="A picture containing dark, gauge&#10;&#10;Description automatically generated">
+          <p:cNvPr id="4" name="Picture 3">
             <a:extLst>
               <a:ext uri="{FF2B5EF4-FFF2-40B4-BE49-F238E27FC236}">
                 <a16:creationId xmlns:a16="http://schemas.microsoft.com/office/drawing/2014/main" id="{0D03915A-8C1E-F637-B8F5-8AECBE10BDC2}"/>
+              </a:ext>
+              <a:ext uri="{C183D7F6-B498-43B3-948B-1728B52AA6E4}">
+                <adec:decorative xmlns:adec="http://schemas.microsoft.com/office/drawing/2017/decorative" val="1"/>
               </a:ext>
             </a:extLst>
           </p:cNvPr>
@@ -13374,6 +15083,134 @@
       </p:grpSpPr>
       <p:sp>
         <p:nvSpPr>
+          <p:cNvPr id="2" name="Title 1">
+            <a:extLst>
+              <a:ext uri="{FF2B5EF4-FFF2-40B4-BE49-F238E27FC236}">
+                <a16:creationId xmlns:a16="http://schemas.microsoft.com/office/drawing/2014/main" id="{22D0D56B-9AFD-4192-9E2C-06CDB978A17A}"/>
+              </a:ext>
+            </a:extLst>
+          </p:cNvPr>
+          <p:cNvSpPr>
+            <a:spLocks noGrp="1"/>
+          </p:cNvSpPr>
+          <p:nvPr>
+            <p:ph type="title" idx="4294967295"/>
+          </p:nvPr>
+        </p:nvSpPr>
+        <p:spPr>
+          <a:xfrm>
+            <a:off x="838200" y="566088"/>
+            <a:ext cx="10515600" cy="1325563"/>
+          </a:xfrm>
+        </p:spPr>
+        <p:txBody>
+          <a:bodyPr/>
+          <a:lstStyle/>
+          <a:p>
+            <a:pPr algn="ctr" rtl="0" eaLnBrk="1" latinLnBrk="0" hangingPunct="1"/>
+            <a:r>
+              <a:rPr lang="en-US" sz="3600" b="1" kern="1200">
+                <a:solidFill>
+                  <a:srgbClr val="3B3838"/>
+                </a:solidFill>
+                <a:effectLst/>
+                <a:latin typeface="Avenir Heavy" panose="02000503020000020003"/>
+                <a:ea typeface="+mn-ea"/>
+                <a:cs typeface="Arial" panose="020B0604020202020204" pitchFamily="34" charset="0"/>
+              </a:rPr>
+              <a:t>Syntax for Creating a Function</a:t>
+            </a:r>
+            <a:endParaRPr lang="en-US">
+              <a:effectLst/>
+            </a:endParaRPr>
+          </a:p>
+          <a:p>
+            <a:endParaRPr lang="en-US"/>
+          </a:p>
+        </p:txBody>
+      </p:sp>
+      <p:sp>
+        <p:nvSpPr>
+          <p:cNvPr id="6" name="TextBox 5">
+            <a:extLst>
+              <a:ext uri="{FF2B5EF4-FFF2-40B4-BE49-F238E27FC236}">
+                <a16:creationId xmlns:a16="http://schemas.microsoft.com/office/drawing/2014/main" id="{AF0C2276-D30C-925A-4229-44F780C2B798}"/>
+              </a:ext>
+            </a:extLst>
+          </p:cNvPr>
+          <p:cNvSpPr txBox="1"/>
+          <p:nvPr/>
+        </p:nvSpPr>
+        <p:spPr>
+          <a:xfrm>
+            <a:off x="3454855" y="1857064"/>
+            <a:ext cx="6098720" cy="1384995"/>
+          </a:xfrm>
+          <a:prstGeom prst="rect">
+            <a:avLst/>
+          </a:prstGeom>
+          <a:noFill/>
+        </p:spPr>
+        <p:txBody>
+          <a:bodyPr wrap="square">
+            <a:spAutoFit/>
+          </a:bodyPr>
+          <a:lstStyle/>
+          <a:p>
+            <a:pPr marL="0" indent="0">
+              <a:buNone/>
+            </a:pPr>
+            <a:r>
+              <a:rPr lang="en-US" sz="2800">
+                <a:solidFill>
+                  <a:schemeClr val="tx1">
+                    <a:lumMod val="65000"/>
+                    <a:lumOff val="35000"/>
+                  </a:schemeClr>
+                </a:solidFill>
+                <a:latin typeface="Consolas" panose="020B0609020204030204" pitchFamily="49" charset="0"/>
+              </a:rPr>
+              <a:t>def &lt;name&gt;():</a:t>
+            </a:r>
+          </a:p>
+          <a:p>
+            <a:pPr marL="0" indent="0">
+              <a:buNone/>
+            </a:pPr>
+            <a:r>
+              <a:rPr lang="en-US" sz="2800">
+                <a:solidFill>
+                  <a:schemeClr val="tx1">
+                    <a:lumMod val="65000"/>
+                    <a:lumOff val="35000"/>
+                  </a:schemeClr>
+                </a:solidFill>
+                <a:latin typeface="Consolas" panose="020B0609020204030204" pitchFamily="49" charset="0"/>
+              </a:rPr>
+              <a:t>	&lt;statements&gt;</a:t>
+            </a:r>
+          </a:p>
+          <a:p>
+            <a:pPr marL="0" indent="0">
+              <a:buNone/>
+            </a:pPr>
+            <a:r>
+              <a:rPr lang="en-US" sz="2800">
+                <a:solidFill>
+                  <a:schemeClr val="tx1">
+                    <a:lumMod val="65000"/>
+                    <a:lumOff val="35000"/>
+                  </a:schemeClr>
+                </a:solidFill>
+                <a:latin typeface="Consolas" panose="020B0609020204030204" pitchFamily="49" charset="0"/>
+              </a:rPr>
+              <a:t>	return &lt;values&gt;</a:t>
+            </a:r>
+          </a:p>
+        </p:txBody>
+      </p:sp>
+      <p:sp>
+        <p:nvSpPr>
           <p:cNvPr id="3" name="TextBox 2">
             <a:extLst>
               <a:ext uri="{FF2B5EF4-FFF2-40B4-BE49-F238E27FC236}">
@@ -13412,7 +15249,7 @@
           <a:lstStyle/>
           <a:p>
             <a:r>
-              <a:rPr lang="en-US" sz="2800" dirty="0">
+              <a:rPr lang="en-US" sz="2800">
                 <a:solidFill>
                   <a:srgbClr val="007C00"/>
                 </a:solidFill>
@@ -13421,7 +15258,7 @@
               <a:t>def</a:t>
             </a:r>
             <a:r>
-              <a:rPr lang="en-US" sz="2800" dirty="0">
+              <a:rPr lang="en-US" sz="2800">
                 <a:solidFill>
                   <a:srgbClr val="FF00FF"/>
                 </a:solidFill>
@@ -13430,7 +15267,7 @@
               <a:t> </a:t>
             </a:r>
             <a:r>
-              <a:rPr lang="en-US" sz="2800" dirty="0">
+              <a:rPr lang="en-US" sz="2800">
                 <a:solidFill>
                   <a:srgbClr val="482DFF"/>
                 </a:solidFill>
@@ -13439,7 +15276,7 @@
               <a:t>hello</a:t>
             </a:r>
             <a:r>
-              <a:rPr lang="en-US" sz="2800" dirty="0">
+              <a:rPr lang="en-US" sz="2800">
                 <a:latin typeface="Consolas" panose="020B0609020204030204" pitchFamily="49" charset="0"/>
               </a:rPr>
               <a:t>():</a:t>
@@ -13447,13 +15284,13 @@
           </a:p>
           <a:p>
             <a:r>
-              <a:rPr lang="en-US" sz="2800" dirty="0">
+              <a:rPr lang="en-US" sz="2800">
                 <a:latin typeface="Consolas" panose="020B0609020204030204" pitchFamily="49" charset="0"/>
               </a:rPr>
               <a:t>    </a:t>
             </a:r>
             <a:r>
-              <a:rPr lang="en-US" sz="2800" dirty="0">
+              <a:rPr lang="en-US" sz="2800">
                 <a:solidFill>
                   <a:srgbClr val="007C00"/>
                 </a:solidFill>
@@ -13462,13 +15299,13 @@
               <a:t>print</a:t>
             </a:r>
             <a:r>
-              <a:rPr lang="en-US" sz="2800" dirty="0">
+              <a:rPr lang="en-US" sz="2800">
                 <a:latin typeface="Consolas" panose="020B0609020204030204" pitchFamily="49" charset="0"/>
               </a:rPr>
               <a:t>(</a:t>
             </a:r>
             <a:r>
-              <a:rPr lang="en-US" sz="2800" dirty="0">
+              <a:rPr lang="en-US" sz="2800">
                 <a:solidFill>
                   <a:srgbClr val="BA2020"/>
                 </a:solidFill>
@@ -13477,142 +15314,10 @@
               <a:t>'hello'</a:t>
             </a:r>
             <a:r>
-              <a:rPr lang="en-US" sz="2800" dirty="0">
+              <a:rPr lang="en-US" sz="2800">
                 <a:latin typeface="Consolas" panose="020B0609020204030204" pitchFamily="49" charset="0"/>
               </a:rPr>
               <a:t>)</a:t>
-            </a:r>
-          </a:p>
-        </p:txBody>
-      </p:sp>
-      <p:sp>
-        <p:nvSpPr>
-          <p:cNvPr id="4" name="TextBox 3">
-            <a:extLst>
-              <a:ext uri="{FF2B5EF4-FFF2-40B4-BE49-F238E27FC236}">
-                <a16:creationId xmlns:a16="http://schemas.microsoft.com/office/drawing/2014/main" id="{CBE84ED4-056A-9FA2-F61C-74E7A994D55B}"/>
-              </a:ext>
-            </a:extLst>
-          </p:cNvPr>
-          <p:cNvSpPr txBox="1"/>
-          <p:nvPr/>
-        </p:nvSpPr>
-        <p:spPr>
-          <a:xfrm>
-            <a:off x="0" y="578094"/>
-            <a:ext cx="12192000" cy="646331"/>
-          </a:xfrm>
-          <a:prstGeom prst="rect">
-            <a:avLst/>
-          </a:prstGeom>
-          <a:noFill/>
-        </p:spPr>
-        <p:txBody>
-          <a:bodyPr wrap="square">
-            <a:spAutoFit/>
-          </a:bodyPr>
-          <a:lstStyle/>
-          <a:p>
-            <a:pPr algn="ctr"/>
-            <a:r>
-              <a:rPr lang="en-US" sz="3600" b="1" dirty="0">
-                <a:solidFill>
-                  <a:schemeClr val="bg2">
-                    <a:lumMod val="25000"/>
-                  </a:schemeClr>
-                </a:solidFill>
-                <a:latin typeface="Avenir Heavy" panose="02000503020000020003" pitchFamily="2" charset="0"/>
-                <a:cs typeface="Arial" panose="020B0604020202020204" pitchFamily="34" charset="0"/>
-              </a:rPr>
-              <a:t>Syntax for Creating a Function</a:t>
-            </a:r>
-            <a:endParaRPr lang="en-US" sz="3600" b="1" dirty="0">
-              <a:solidFill>
-                <a:schemeClr val="bg2">
-                  <a:lumMod val="25000"/>
-                </a:schemeClr>
-              </a:solidFill>
-              <a:latin typeface="Avenir Heavy" panose="02000503020000020003" pitchFamily="2" charset="0"/>
-            </a:endParaRPr>
-          </a:p>
-        </p:txBody>
-      </p:sp>
-      <p:sp>
-        <p:nvSpPr>
-          <p:cNvPr id="6" name="TextBox 5">
-            <a:extLst>
-              <a:ext uri="{FF2B5EF4-FFF2-40B4-BE49-F238E27FC236}">
-                <a16:creationId xmlns:a16="http://schemas.microsoft.com/office/drawing/2014/main" id="{AF0C2276-D30C-925A-4229-44F780C2B798}"/>
-              </a:ext>
-            </a:extLst>
-          </p:cNvPr>
-          <p:cNvSpPr txBox="1"/>
-          <p:nvPr/>
-        </p:nvSpPr>
-        <p:spPr>
-          <a:xfrm>
-            <a:off x="3454855" y="1857064"/>
-            <a:ext cx="6098720" cy="1384995"/>
-          </a:xfrm>
-          <a:prstGeom prst="rect">
-            <a:avLst/>
-          </a:prstGeom>
-          <a:noFill/>
-        </p:spPr>
-        <p:txBody>
-          <a:bodyPr wrap="square">
-            <a:spAutoFit/>
-          </a:bodyPr>
-          <a:lstStyle/>
-          <a:p>
-            <a:pPr marL="0" indent="0">
-              <a:buNone/>
-            </a:pPr>
-            <a:r>
-              <a:rPr lang="en-US" sz="2800" dirty="0">
-                <a:solidFill>
-                  <a:schemeClr val="tx1">
-                    <a:lumMod val="65000"/>
-                    <a:lumOff val="35000"/>
-                  </a:schemeClr>
-                </a:solidFill>
-                <a:latin typeface="Consolas" panose="020B0609020204030204" pitchFamily="49" charset="0"/>
-              </a:rPr>
-              <a:t>def &lt;name&gt;():</a:t>
-            </a:r>
-          </a:p>
-          <a:p>
-            <a:pPr marL="0" indent="0">
-              <a:buNone/>
-            </a:pPr>
-            <a:r>
-              <a:rPr lang="en-US" sz="2800" dirty="0">
-                <a:solidFill>
-                  <a:schemeClr val="tx1">
-                    <a:lumMod val="65000"/>
-                    <a:lumOff val="35000"/>
-                  </a:schemeClr>
-                </a:solidFill>
-                <a:latin typeface="Consolas" panose="020B0609020204030204" pitchFamily="49" charset="0"/>
-              </a:rPr>
-              <a:t>	&lt;statements&gt;</a:t>
-            </a:r>
-          </a:p>
-          <a:p>
-            <a:pPr marL="0" indent="0">
-              <a:buNone/>
-            </a:pPr>
-            <a:r>
-              <a:rPr lang="en-US" sz="2800" dirty="0">
-                <a:solidFill>
-                  <a:schemeClr val="tx1">
-                    <a:lumMod val="65000"/>
-                    <a:lumOff val="35000"/>
-                  </a:schemeClr>
-                </a:solidFill>
-                <a:latin typeface="Consolas" panose="020B0609020204030204" pitchFamily="49" charset="0"/>
-              </a:rPr>
-              <a:t>	return &lt;values&gt;</a:t>
             </a:r>
           </a:p>
         </p:txBody>
@@ -13649,7 +15354,7 @@
               <a:defRPr/>
             </a:pPr>
             <a:r>
-              <a:rPr lang="en-US" sz="1400" dirty="0">
+              <a:rPr lang="en-US" sz="1400">
                 <a:solidFill>
                   <a:schemeClr val="tx1">
                     <a:lumMod val="65000"/>
@@ -13661,7 +15366,7 @@
               </a:rPr>
               <a:t>Source: Randy Switt – University of Florida (Pythonista)</a:t>
             </a:r>
-            <a:endParaRPr lang="en-US" sz="1400" dirty="0">
+            <a:endParaRPr lang="en-US" sz="1400">
               <a:solidFill>
                 <a:schemeClr val="tx1">
                   <a:lumMod val="65000"/>
@@ -13675,10 +15380,13 @@
       </p:sp>
       <p:pic>
         <p:nvPicPr>
-          <p:cNvPr id="8" name="Picture 7" descr="A picture containing dark, gauge&#10;&#10;Description automatically generated">
+          <p:cNvPr id="8" name="Picture 7">
             <a:extLst>
               <a:ext uri="{FF2B5EF4-FFF2-40B4-BE49-F238E27FC236}">
                 <a16:creationId xmlns:a16="http://schemas.microsoft.com/office/drawing/2014/main" id="{C4D04E40-614D-E29F-B261-C4F52DA81685}"/>
+              </a:ext>
+              <a:ext uri="{C183D7F6-B498-43B3-948B-1728B52AA6E4}">
+                <adec:decorative xmlns:adec="http://schemas.microsoft.com/office/drawing/2017/decorative" val="1"/>
               </a:ext>
             </a:extLst>
           </p:cNvPr>
@@ -13753,53 +15461,49 @@
       </p:grpSpPr>
       <p:sp>
         <p:nvSpPr>
-          <p:cNvPr id="2" name="TextBox 1">
+          <p:cNvPr id="3" name="Title 2">
             <a:extLst>
               <a:ext uri="{FF2B5EF4-FFF2-40B4-BE49-F238E27FC236}">
-                <a16:creationId xmlns:a16="http://schemas.microsoft.com/office/drawing/2014/main" id="{EF0B623C-CFB7-A64E-0392-2A4FE3CB9763}"/>
+                <a16:creationId xmlns:a16="http://schemas.microsoft.com/office/drawing/2014/main" id="{EE77697F-0B1A-41D4-846C-B4F0366C56AD}"/>
               </a:ext>
             </a:extLst>
           </p:cNvPr>
-          <p:cNvSpPr txBox="1"/>
-          <p:nvPr/>
+          <p:cNvSpPr>
+            <a:spLocks noGrp="1"/>
+          </p:cNvSpPr>
+          <p:nvPr>
+            <p:ph type="title" idx="4294967295"/>
+          </p:nvPr>
         </p:nvSpPr>
         <p:spPr>
           <a:xfrm>
-            <a:off x="0" y="578094"/>
-            <a:ext cx="12192000" cy="646331"/>
+            <a:off x="838200" y="566089"/>
+            <a:ext cx="10515600" cy="1325563"/>
           </a:xfrm>
-          <a:prstGeom prst="rect">
-            <a:avLst/>
-          </a:prstGeom>
-          <a:noFill/>
         </p:spPr>
         <p:txBody>
-          <a:bodyPr wrap="square">
-            <a:spAutoFit/>
-          </a:bodyPr>
+          <a:bodyPr/>
           <a:lstStyle/>
           <a:p>
-            <a:pPr algn="ctr"/>
-            <a:r>
-              <a:rPr lang="en-US" sz="3600" b="1" dirty="0">
-                <a:solidFill>
-                  <a:schemeClr val="bg2">
-                    <a:lumMod val="25000"/>
-                  </a:schemeClr>
-                </a:solidFill>
-                <a:latin typeface="Avenir Heavy" panose="02000503020000020003" pitchFamily="2" charset="0"/>
+            <a:pPr algn="ctr" rtl="0" eaLnBrk="1" latinLnBrk="0" hangingPunct="1"/>
+            <a:r>
+              <a:rPr lang="en-US" sz="3600" b="1" kern="1200">
+                <a:solidFill>
+                  <a:srgbClr val="3B3838"/>
+                </a:solidFill>
+                <a:effectLst/>
+                <a:latin typeface="Avenir Heavy" panose="02000503020000020003"/>
+                <a:ea typeface="+mn-ea"/>
                 <a:cs typeface="Arial" panose="020B0604020202020204" pitchFamily="34" charset="0"/>
               </a:rPr>
               <a:t>Syntax for Calling a Function</a:t>
             </a:r>
-            <a:endParaRPr lang="en-US" sz="3600" b="1" dirty="0">
-              <a:solidFill>
-                <a:schemeClr val="bg2">
-                  <a:lumMod val="25000"/>
-                </a:schemeClr>
-              </a:solidFill>
-              <a:latin typeface="Avenir Heavy" panose="02000503020000020003" pitchFamily="2" charset="0"/>
+            <a:endParaRPr lang="en-US">
+              <a:effectLst/>
             </a:endParaRPr>
+          </a:p>
+          <a:p>
+            <a:endParaRPr lang="en-US"/>
           </a:p>
         </p:txBody>
       </p:sp>
@@ -13835,7 +15539,7 @@
               <a:buNone/>
             </a:pPr>
             <a:r>
-              <a:rPr lang="en-US" sz="2800" dirty="0">
+              <a:rPr lang="en-US" sz="2800">
                 <a:solidFill>
                   <a:schemeClr val="tx1">
                     <a:lumMod val="65000"/>
@@ -13847,7 +15551,7 @@
               <a:t>&lt;</a:t>
             </a:r>
             <a:r>
-              <a:rPr lang="en-US" sz="2800" dirty="0" err="1">
+              <a:rPr lang="en-US" sz="2800" err="1">
                 <a:solidFill>
                   <a:schemeClr val="tx1">
                     <a:lumMod val="65000"/>
@@ -13859,7 +15563,7 @@
               <a:t>function_name</a:t>
             </a:r>
             <a:r>
-              <a:rPr lang="en-US" sz="2800" dirty="0">
+              <a:rPr lang="en-US" sz="2800">
                 <a:solidFill>
                   <a:schemeClr val="tx1">
                     <a:lumMod val="65000"/>
@@ -13870,62 +15574,6 @@
               </a:rPr>
               <a:t>&gt;()</a:t>
             </a:r>
-          </a:p>
-        </p:txBody>
-      </p:sp>
-      <p:sp>
-        <p:nvSpPr>
-          <p:cNvPr id="5" name="TextBox 4">
-            <a:extLst>
-              <a:ext uri="{FF2B5EF4-FFF2-40B4-BE49-F238E27FC236}">
-                <a16:creationId xmlns:a16="http://schemas.microsoft.com/office/drawing/2014/main" id="{B2D346FA-9579-E3BA-FE97-CEBE5A290631}"/>
-              </a:ext>
-            </a:extLst>
-          </p:cNvPr>
-          <p:cNvSpPr txBox="1"/>
-          <p:nvPr/>
-        </p:nvSpPr>
-        <p:spPr>
-          <a:xfrm>
-            <a:off x="0" y="6550223"/>
-            <a:ext cx="12192000" cy="307777"/>
-          </a:xfrm>
-          <a:prstGeom prst="rect">
-            <a:avLst/>
-          </a:prstGeom>
-          <a:noFill/>
-        </p:spPr>
-        <p:txBody>
-          <a:bodyPr wrap="square" rtlCol="0">
-            <a:spAutoFit/>
-          </a:bodyPr>
-          <a:lstStyle/>
-          <a:p>
-            <a:pPr>
-              <a:defRPr/>
-            </a:pPr>
-            <a:r>
-              <a:rPr lang="en-US" sz="1400" dirty="0">
-                <a:solidFill>
-                  <a:schemeClr val="tx1">
-                    <a:lumMod val="65000"/>
-                    <a:lumOff val="35000"/>
-                  </a:schemeClr>
-                </a:solidFill>
-                <a:latin typeface="+mj-lt"/>
-                <a:ea typeface="Verdana" panose="020B0604030504040204" pitchFamily="34" charset="0"/>
-              </a:rPr>
-              <a:t>Source: Randy Switt – University of Florida (Pythonista)</a:t>
-            </a:r>
-            <a:endParaRPr lang="en-US" sz="1400" dirty="0">
-              <a:solidFill>
-                <a:schemeClr val="tx1">
-                  <a:lumMod val="65000"/>
-                  <a:lumOff val="35000"/>
-                </a:schemeClr>
-              </a:solidFill>
-              <a:latin typeface="+mj-lt"/>
-            </a:endParaRPr>
           </a:p>
         </p:txBody>
       </p:sp>
@@ -13969,7 +15617,7 @@
           <a:lstStyle/>
           <a:p>
             <a:r>
-              <a:rPr lang="en-US" sz="2800" dirty="0">
+              <a:rPr lang="en-US" sz="2800">
                 <a:solidFill>
                   <a:srgbClr val="007C00"/>
                 </a:solidFill>
@@ -13978,7 +15626,7 @@
               <a:t>def</a:t>
             </a:r>
             <a:r>
-              <a:rPr lang="en-US" sz="2800" dirty="0">
+              <a:rPr lang="en-US" sz="2800">
                 <a:solidFill>
                   <a:srgbClr val="FF00FF"/>
                 </a:solidFill>
@@ -13987,7 +15635,7 @@
               <a:t> </a:t>
             </a:r>
             <a:r>
-              <a:rPr lang="en-US" sz="2800" dirty="0">
+              <a:rPr lang="en-US" sz="2800">
                 <a:solidFill>
                   <a:srgbClr val="482DFF"/>
                 </a:solidFill>
@@ -13996,7 +15644,7 @@
               <a:t>hello</a:t>
             </a:r>
             <a:r>
-              <a:rPr lang="en-US" sz="2800" dirty="0">
+              <a:rPr lang="en-US" sz="2800">
                 <a:latin typeface="Consolas" panose="020B0609020204030204" pitchFamily="49" charset="0"/>
               </a:rPr>
               <a:t>():</a:t>
@@ -14004,13 +15652,13 @@
           </a:p>
           <a:p>
             <a:r>
-              <a:rPr lang="en-US" sz="2800" dirty="0">
+              <a:rPr lang="en-US" sz="2800">
                 <a:latin typeface="Consolas" panose="020B0609020204030204" pitchFamily="49" charset="0"/>
               </a:rPr>
               <a:t>    </a:t>
             </a:r>
             <a:r>
-              <a:rPr lang="en-US" sz="2800" dirty="0">
+              <a:rPr lang="en-US" sz="2800">
                 <a:solidFill>
                   <a:srgbClr val="007C00"/>
                 </a:solidFill>
@@ -14019,13 +15667,13 @@
               <a:t>print</a:t>
             </a:r>
             <a:r>
-              <a:rPr lang="en-US" sz="2800" dirty="0">
+              <a:rPr lang="en-US" sz="2800">
                 <a:latin typeface="Consolas" panose="020B0609020204030204" pitchFamily="49" charset="0"/>
               </a:rPr>
               <a:t>(</a:t>
             </a:r>
             <a:r>
-              <a:rPr lang="en-US" sz="2800" dirty="0">
+              <a:rPr lang="en-US" sz="2800">
                 <a:solidFill>
                   <a:srgbClr val="C00000"/>
                 </a:solidFill>
@@ -14034,20 +15682,20 @@
               <a:t>'Hello!'</a:t>
             </a:r>
             <a:r>
-              <a:rPr lang="en-US" sz="2800" dirty="0">
+              <a:rPr lang="en-US" sz="2800">
                 <a:latin typeface="Consolas" panose="020B0609020204030204" pitchFamily="49" charset="0"/>
               </a:rPr>
               <a:t>)</a:t>
             </a:r>
           </a:p>
           <a:p>
-            <a:endParaRPr lang="en-US" sz="2800" dirty="0">
+            <a:endParaRPr lang="en-US" sz="2800">
               <a:latin typeface="Consolas" panose="020B0609020204030204" pitchFamily="49" charset="0"/>
             </a:endParaRPr>
           </a:p>
           <a:p>
             <a:r>
-              <a:rPr lang="en-US" sz="2800" dirty="0">
+              <a:rPr lang="en-US" sz="2800">
                 <a:latin typeface="Consolas" panose="020B0609020204030204" pitchFamily="49" charset="0"/>
               </a:rPr>
               <a:t>hello()</a:t>
@@ -14089,20 +15737,79 @@
           <a:lstStyle/>
           <a:p>
             <a:r>
-              <a:rPr lang="en-US" sz="2800" dirty="0">
+              <a:rPr lang="en-US" sz="2800">
                 <a:latin typeface="Consolas" panose="020B0609020204030204" pitchFamily="49" charset="0"/>
               </a:rPr>
               <a:t>Hello!</a:t>
             </a:r>
+          </a:p>
+        </p:txBody>
+      </p:sp>
+      <p:sp>
+        <p:nvSpPr>
+          <p:cNvPr id="5" name="TextBox 4">
+            <a:extLst>
+              <a:ext uri="{FF2B5EF4-FFF2-40B4-BE49-F238E27FC236}">
+                <a16:creationId xmlns:a16="http://schemas.microsoft.com/office/drawing/2014/main" id="{B2D346FA-9579-E3BA-FE97-CEBE5A290631}"/>
+              </a:ext>
+            </a:extLst>
+          </p:cNvPr>
+          <p:cNvSpPr txBox="1"/>
+          <p:nvPr/>
+        </p:nvSpPr>
+        <p:spPr>
+          <a:xfrm>
+            <a:off x="0" y="6550223"/>
+            <a:ext cx="12192000" cy="307777"/>
+          </a:xfrm>
+          <a:prstGeom prst="rect">
+            <a:avLst/>
+          </a:prstGeom>
+          <a:noFill/>
+        </p:spPr>
+        <p:txBody>
+          <a:bodyPr wrap="square" rtlCol="0">
+            <a:spAutoFit/>
+          </a:bodyPr>
+          <a:lstStyle/>
+          <a:p>
+            <a:pPr>
+              <a:defRPr/>
+            </a:pPr>
+            <a:r>
+              <a:rPr lang="en-US" sz="1400">
+                <a:solidFill>
+                  <a:schemeClr val="tx1">
+                    <a:lumMod val="65000"/>
+                    <a:lumOff val="35000"/>
+                  </a:schemeClr>
+                </a:solidFill>
+                <a:latin typeface="+mj-lt"/>
+                <a:ea typeface="Verdana" panose="020B0604030504040204" pitchFamily="34" charset="0"/>
+              </a:rPr>
+              <a:t>Source: Randy Switt – University of Florida (Pythonista)</a:t>
+            </a:r>
+            <a:endParaRPr lang="en-US" sz="1400">
+              <a:solidFill>
+                <a:schemeClr val="tx1">
+                  <a:lumMod val="65000"/>
+                  <a:lumOff val="35000"/>
+                </a:schemeClr>
+              </a:solidFill>
+              <a:latin typeface="+mj-lt"/>
+            </a:endParaRPr>
           </a:p>
         </p:txBody>
       </p:sp>
       <p:pic>
         <p:nvPicPr>
-          <p:cNvPr id="8" name="Picture 7" descr="A picture containing dark, gauge&#10;&#10;Description automatically generated">
+          <p:cNvPr id="8" name="Picture 7">
             <a:extLst>
               <a:ext uri="{FF2B5EF4-FFF2-40B4-BE49-F238E27FC236}">
                 <a16:creationId xmlns:a16="http://schemas.microsoft.com/office/drawing/2014/main" id="{263179B5-46D4-0574-14B4-A46FB1D22CFA}"/>
+              </a:ext>
+              <a:ext uri="{C183D7F6-B498-43B3-948B-1728B52AA6E4}">
+                <adec:decorative xmlns:adec="http://schemas.microsoft.com/office/drawing/2017/decorative" val="1"/>
               </a:ext>
             </a:extLst>
           </p:cNvPr>
@@ -14263,53 +15970,46 @@
       </p:grpSpPr>
       <p:sp>
         <p:nvSpPr>
-          <p:cNvPr id="2" name="TextBox 1">
+          <p:cNvPr id="3" name="Title 2">
             <a:extLst>
               <a:ext uri="{FF2B5EF4-FFF2-40B4-BE49-F238E27FC236}">
-                <a16:creationId xmlns:a16="http://schemas.microsoft.com/office/drawing/2014/main" id="{EA423DC7-04C3-9F1C-DA39-41C2EC9D7AE5}"/>
+                <a16:creationId xmlns:a16="http://schemas.microsoft.com/office/drawing/2014/main" id="{E3084727-6AE9-42EE-8B98-CE8D11CA6CFB}"/>
               </a:ext>
             </a:extLst>
           </p:cNvPr>
-          <p:cNvSpPr txBox="1"/>
-          <p:nvPr/>
+          <p:cNvSpPr>
+            <a:spLocks noGrp="1"/>
+          </p:cNvSpPr>
+          <p:nvPr>
+            <p:ph type="title" idx="4294967295"/>
+          </p:nvPr>
         </p:nvSpPr>
         <p:spPr>
           <a:xfrm>
-            <a:off x="0" y="578094"/>
-            <a:ext cx="12192000" cy="646331"/>
+            <a:off x="838200" y="566090"/>
+            <a:ext cx="10515600" cy="1325563"/>
           </a:xfrm>
-          <a:prstGeom prst="rect">
-            <a:avLst/>
-          </a:prstGeom>
-          <a:noFill/>
         </p:spPr>
         <p:txBody>
-          <a:bodyPr wrap="square">
-            <a:spAutoFit/>
-          </a:bodyPr>
+          <a:bodyPr/>
           <a:lstStyle/>
           <a:p>
-            <a:pPr algn="ctr"/>
-            <a:r>
-              <a:rPr lang="en-US" sz="3600" b="1" dirty="0">
-                <a:solidFill>
-                  <a:schemeClr val="bg2">
-                    <a:lumMod val="25000"/>
-                  </a:schemeClr>
-                </a:solidFill>
-                <a:latin typeface="Avenir Heavy" panose="02000503020000020003" pitchFamily="2" charset="0"/>
+            <a:pPr algn="ctr" rtl="0" eaLnBrk="1" latinLnBrk="0" hangingPunct="1"/>
+            <a:r>
+              <a:rPr lang="en-US" sz="3600" b="1" kern="1200">
+                <a:solidFill>
+                  <a:srgbClr val="3B3838"/>
+                </a:solidFill>
+                <a:effectLst/>
+                <a:latin typeface="Avenir Heavy" panose="02000503020000020003"/>
+                <a:ea typeface="+mn-ea"/>
                 <a:cs typeface="Arial" panose="020B0604020202020204" pitchFamily="34" charset="0"/>
               </a:rPr>
               <a:t>Function Parameters and Arguments</a:t>
             </a:r>
-            <a:endParaRPr lang="en-US" sz="3600" b="1" dirty="0">
-              <a:solidFill>
-                <a:schemeClr val="bg2">
-                  <a:lumMod val="25000"/>
-                </a:schemeClr>
-              </a:solidFill>
-              <a:latin typeface="Avenir Heavy" panose="02000503020000020003" pitchFamily="2" charset="0"/>
-            </a:endParaRPr>
+          </a:p>
+          <a:p>
+            <a:endParaRPr lang="en-US"/>
           </a:p>
         </p:txBody>
       </p:sp>
@@ -14345,7 +16045,7 @@
               <a:buNone/>
             </a:pPr>
             <a:r>
-              <a:rPr lang="en-US" sz="2800" dirty="0">
+              <a:rPr lang="en-US" sz="2800">
                 <a:solidFill>
                   <a:schemeClr val="tx1">
                     <a:lumMod val="65000"/>
@@ -14391,7 +16091,7 @@
               <a:defRPr/>
             </a:pPr>
             <a:r>
-              <a:rPr lang="en-US" sz="1400" dirty="0">
+              <a:rPr lang="en-US" sz="1400">
                 <a:solidFill>
                   <a:schemeClr val="tx1">
                     <a:lumMod val="65000"/>
@@ -14403,7 +16103,7 @@
               </a:rPr>
               <a:t>Source: Randy Switt – University of Florida (Pythonista)</a:t>
             </a:r>
-            <a:endParaRPr lang="en-US" sz="1400" dirty="0">
+            <a:endParaRPr lang="en-US" sz="1400">
               <a:solidFill>
                 <a:schemeClr val="tx1">
                   <a:lumMod val="65000"/>
@@ -14417,10 +16117,13 @@
       </p:sp>
       <p:pic>
         <p:nvPicPr>
-          <p:cNvPr id="6" name="Picture 5" descr="A picture containing dark, gauge&#10;&#10;Description automatically generated">
+          <p:cNvPr id="6" name="Picture 5">
             <a:extLst>
               <a:ext uri="{FF2B5EF4-FFF2-40B4-BE49-F238E27FC236}">
                 <a16:creationId xmlns:a16="http://schemas.microsoft.com/office/drawing/2014/main" id="{030A29F4-F5A6-1CDE-0E71-FA5B0973736A}"/>
+              </a:ext>
+              <a:ext uri="{C183D7F6-B498-43B3-948B-1728B52AA6E4}">
+                <adec:decorative xmlns:adec="http://schemas.microsoft.com/office/drawing/2017/decorative" val="1"/>
               </a:ext>
             </a:extLst>
           </p:cNvPr>
@@ -14483,53 +16186,49 @@
       </p:grpSpPr>
       <p:sp>
         <p:nvSpPr>
-          <p:cNvPr id="2" name="TextBox 1">
+          <p:cNvPr id="7" name="Title 6">
             <a:extLst>
               <a:ext uri="{FF2B5EF4-FFF2-40B4-BE49-F238E27FC236}">
-                <a16:creationId xmlns:a16="http://schemas.microsoft.com/office/drawing/2014/main" id="{FF1AAF2D-A6F8-7511-A919-9619DAE82C67}"/>
+                <a16:creationId xmlns:a16="http://schemas.microsoft.com/office/drawing/2014/main" id="{8B7AD797-331B-4360-9E64-05320955DDA3}"/>
               </a:ext>
             </a:extLst>
           </p:cNvPr>
-          <p:cNvSpPr txBox="1"/>
-          <p:nvPr/>
+          <p:cNvSpPr>
+            <a:spLocks noGrp="1"/>
+          </p:cNvSpPr>
+          <p:nvPr>
+            <p:ph type="title" idx="4294967295"/>
+          </p:nvPr>
         </p:nvSpPr>
         <p:spPr>
           <a:xfrm>
-            <a:off x="0" y="578094"/>
-            <a:ext cx="12192000" cy="646331"/>
+            <a:off x="838200" y="566092"/>
+            <a:ext cx="10515600" cy="1325563"/>
           </a:xfrm>
-          <a:prstGeom prst="rect">
-            <a:avLst/>
-          </a:prstGeom>
-          <a:noFill/>
         </p:spPr>
         <p:txBody>
-          <a:bodyPr wrap="square">
-            <a:spAutoFit/>
-          </a:bodyPr>
+          <a:bodyPr/>
           <a:lstStyle/>
           <a:p>
-            <a:pPr algn="ctr"/>
-            <a:r>
-              <a:rPr lang="en-US" sz="3600" b="1" dirty="0">
-                <a:solidFill>
-                  <a:schemeClr val="bg2">
-                    <a:lumMod val="25000"/>
-                  </a:schemeClr>
-                </a:solidFill>
-                <a:latin typeface="Avenir Heavy" panose="02000503020000020003" pitchFamily="2" charset="0"/>
+            <a:pPr algn="ctr" rtl="0" eaLnBrk="1" latinLnBrk="0" hangingPunct="1"/>
+            <a:r>
+              <a:rPr lang="en-US" sz="3600" b="1" kern="1200">
+                <a:solidFill>
+                  <a:srgbClr val="3B3838"/>
+                </a:solidFill>
+                <a:effectLst/>
+                <a:latin typeface="Avenir Heavy" panose="02000503020000020003"/>
+                <a:ea typeface="+mn-ea"/>
                 <a:cs typeface="Arial" panose="020B0604020202020204" pitchFamily="34" charset="0"/>
               </a:rPr>
               <a:t>Parameters vs Arguments</a:t>
             </a:r>
-            <a:endParaRPr lang="en-US" sz="3600" b="1" dirty="0">
-              <a:solidFill>
-                <a:schemeClr val="bg2">
-                  <a:lumMod val="25000"/>
-                </a:schemeClr>
-              </a:solidFill>
-              <a:latin typeface="Avenir Heavy" panose="02000503020000020003" pitchFamily="2" charset="0"/>
+            <a:endParaRPr lang="en-US">
+              <a:effectLst/>
             </a:endParaRPr>
+          </a:p>
+          <a:p>
+            <a:endParaRPr lang="en-US"/>
           </a:p>
         </p:txBody>
       </p:sp>
@@ -14573,7 +16272,7 @@
           <a:lstStyle/>
           <a:p>
             <a:r>
-              <a:rPr lang="en-US" sz="2800" dirty="0">
+              <a:rPr lang="en-US" sz="2800">
                 <a:solidFill>
                   <a:srgbClr val="007C00"/>
                 </a:solidFill>
@@ -14582,7 +16281,7 @@
               <a:t>def</a:t>
             </a:r>
             <a:r>
-              <a:rPr lang="en-US" sz="2800" dirty="0">
+              <a:rPr lang="en-US" sz="2800">
                 <a:solidFill>
                   <a:srgbClr val="FF00FF"/>
                 </a:solidFill>
@@ -14591,7 +16290,7 @@
               <a:t> </a:t>
             </a:r>
             <a:r>
-              <a:rPr lang="en-US" sz="2800" dirty="0">
+              <a:rPr lang="en-US" sz="2800">
                 <a:solidFill>
                   <a:srgbClr val="482DFF"/>
                 </a:solidFill>
@@ -14600,7 +16299,7 @@
               <a:t>hello</a:t>
             </a:r>
             <a:r>
-              <a:rPr lang="en-US" sz="2800" dirty="0">
+              <a:rPr lang="en-US" sz="2800">
                 <a:latin typeface="Consolas" panose="020B0609020204030204" pitchFamily="49" charset="0"/>
               </a:rPr>
               <a:t>(name):</a:t>
@@ -14608,13 +16307,13 @@
           </a:p>
           <a:p>
             <a:r>
-              <a:rPr lang="en-US" sz="2800" dirty="0">
+              <a:rPr lang="en-US" sz="2800">
                 <a:latin typeface="Consolas" panose="020B0609020204030204" pitchFamily="49" charset="0"/>
               </a:rPr>
               <a:t>    </a:t>
             </a:r>
             <a:r>
-              <a:rPr lang="en-US" sz="2800" dirty="0">
+              <a:rPr lang="en-US" sz="2800">
                 <a:solidFill>
                   <a:srgbClr val="007C00"/>
                 </a:solidFill>
@@ -14623,13 +16322,13 @@
               <a:t>print</a:t>
             </a:r>
             <a:r>
-              <a:rPr lang="en-US" sz="2800" dirty="0">
+              <a:rPr lang="en-US" sz="2800">
                 <a:latin typeface="Consolas" panose="020B0609020204030204" pitchFamily="49" charset="0"/>
               </a:rPr>
               <a:t>(</a:t>
             </a:r>
             <a:r>
-              <a:rPr lang="en-US" sz="2800" dirty="0">
+              <a:rPr lang="en-US" sz="2800">
                 <a:solidFill>
                   <a:srgbClr val="BA2020"/>
                 </a:solidFill>
@@ -14638,13 +16337,13 @@
               <a:t>'Hello {}!'</a:t>
             </a:r>
             <a:r>
-              <a:rPr lang="en-US" sz="2800" dirty="0">
+              <a:rPr lang="en-US" sz="2800">
                 <a:latin typeface="Consolas" panose="020B0609020204030204" pitchFamily="49" charset="0"/>
               </a:rPr>
               <a:t>.</a:t>
             </a:r>
             <a:r>
-              <a:rPr lang="en-US" sz="2800" dirty="0">
+              <a:rPr lang="en-US" sz="2800">
                 <a:solidFill>
                   <a:srgbClr val="4D5EB6"/>
                 </a:solidFill>
@@ -14653,41 +16352,41 @@
               <a:t>format</a:t>
             </a:r>
             <a:r>
-              <a:rPr lang="en-US" sz="2800" dirty="0">
+              <a:rPr lang="en-US" sz="2800">
                 <a:latin typeface="Consolas" panose="020B0609020204030204" pitchFamily="49" charset="0"/>
               </a:rPr>
               <a:t>(name))</a:t>
             </a:r>
           </a:p>
           <a:p>
-            <a:endParaRPr lang="en-US" sz="2800" dirty="0">
+            <a:endParaRPr lang="en-US" sz="2800">
               <a:latin typeface="Consolas" panose="020B0609020204030204" pitchFamily="49" charset="0"/>
             </a:endParaRPr>
           </a:p>
           <a:p>
             <a:r>
-              <a:rPr lang="en-US" sz="2800" dirty="0">
+              <a:rPr lang="en-US" sz="2800">
                 <a:latin typeface="Consolas" panose="020B0609020204030204" pitchFamily="49" charset="0"/>
               </a:rPr>
               <a:t>myName </a:t>
             </a:r>
             <a:r>
-              <a:rPr lang="en-US" sz="2800" dirty="0">
-                <a:solidFill>
-                  <a:srgbClr val="BD62FF"/>
+              <a:rPr lang="en-US" sz="2800">
+                <a:solidFill>
+                  <a:srgbClr val="482DFF"/>
                 </a:solidFill>
                 <a:latin typeface="Consolas" panose="020B0609020204030204" pitchFamily="49" charset="0"/>
               </a:rPr>
               <a:t>=</a:t>
             </a:r>
             <a:r>
-              <a:rPr lang="en-US" sz="2800" dirty="0">
+              <a:rPr lang="en-US" sz="2800">
                 <a:latin typeface="Consolas" panose="020B0609020204030204" pitchFamily="49" charset="0"/>
               </a:rPr>
               <a:t> </a:t>
             </a:r>
             <a:r>
-              <a:rPr lang="en-US" sz="2800" dirty="0">
+              <a:rPr lang="en-US" sz="2800">
                 <a:solidFill>
                   <a:srgbClr val="007C00"/>
                 </a:solidFill>
@@ -14696,13 +16395,13 @@
               <a:t>input</a:t>
             </a:r>
             <a:r>
-              <a:rPr lang="en-US" sz="2800" dirty="0">
+              <a:rPr lang="en-US" sz="2800">
                 <a:latin typeface="Consolas" panose="020B0609020204030204" pitchFamily="49" charset="0"/>
               </a:rPr>
               <a:t>(</a:t>
             </a:r>
             <a:r>
-              <a:rPr lang="en-US" sz="2800" dirty="0">
+              <a:rPr lang="en-US" sz="2800">
                 <a:solidFill>
                   <a:srgbClr val="BA2020"/>
                 </a:solidFill>
@@ -14711,7 +16410,7 @@
               <a:t>'Name? '</a:t>
             </a:r>
             <a:r>
-              <a:rPr lang="en-US" sz="2800" dirty="0">
+              <a:rPr lang="en-US" sz="2800">
                 <a:latin typeface="Consolas" panose="020B0609020204030204" pitchFamily="49" charset="0"/>
               </a:rPr>
               <a:t>)</a:t>
@@ -14719,105 +16418,11 @@
           </a:p>
           <a:p>
             <a:r>
-              <a:rPr lang="en-US" sz="2800" dirty="0">
+              <a:rPr lang="en-US" sz="2800">
                 <a:latin typeface="Consolas" panose="020B0609020204030204" pitchFamily="49" charset="0"/>
               </a:rPr>
               <a:t>hello(myName)</a:t>
             </a:r>
-          </a:p>
-        </p:txBody>
-      </p:sp>
-      <p:sp>
-        <p:nvSpPr>
-          <p:cNvPr id="6" name="TextBox 5">
-            <a:extLst>
-              <a:ext uri="{FF2B5EF4-FFF2-40B4-BE49-F238E27FC236}">
-                <a16:creationId xmlns:a16="http://schemas.microsoft.com/office/drawing/2014/main" id="{236135A0-412A-86C5-8E70-A3DFFD7CFCD5}"/>
-              </a:ext>
-            </a:extLst>
-          </p:cNvPr>
-          <p:cNvSpPr txBox="1"/>
-          <p:nvPr/>
-        </p:nvSpPr>
-        <p:spPr>
-          <a:xfrm>
-            <a:off x="4622292" y="1757133"/>
-            <a:ext cx="1473708" cy="400110"/>
-          </a:xfrm>
-          <a:prstGeom prst="rect">
-            <a:avLst/>
-          </a:prstGeom>
-          <a:noFill/>
-        </p:spPr>
-        <p:txBody>
-          <a:bodyPr wrap="square">
-            <a:spAutoFit/>
-          </a:bodyPr>
-          <a:lstStyle/>
-          <a:p>
-            <a:r>
-              <a:rPr lang="en-US" sz="2000" dirty="0">
-                <a:solidFill>
-                  <a:schemeClr val="tx1">
-                    <a:lumMod val="75000"/>
-                    <a:lumOff val="25000"/>
-                  </a:schemeClr>
-                </a:solidFill>
-                <a:latin typeface="Avenir Light" panose="020B0402020203020204" pitchFamily="34" charset="77"/>
-                <a:cs typeface="Arial" panose="020B0604020202020204" pitchFamily="34" charset="0"/>
-              </a:rPr>
-              <a:t>Parameter</a:t>
-            </a:r>
-            <a:endParaRPr lang="en-US" sz="2000" dirty="0">
-              <a:latin typeface="Avenir Light" panose="020B0402020203020204" pitchFamily="34" charset="77"/>
-            </a:endParaRPr>
-          </a:p>
-        </p:txBody>
-      </p:sp>
-      <p:sp>
-        <p:nvSpPr>
-          <p:cNvPr id="8" name="TextBox 7">
-            <a:extLst>
-              <a:ext uri="{FF2B5EF4-FFF2-40B4-BE49-F238E27FC236}">
-                <a16:creationId xmlns:a16="http://schemas.microsoft.com/office/drawing/2014/main" id="{E794F220-0D05-D828-05B3-3B6E5C3AF5A6}"/>
-              </a:ext>
-            </a:extLst>
-          </p:cNvPr>
-          <p:cNvSpPr txBox="1"/>
-          <p:nvPr/>
-        </p:nvSpPr>
-        <p:spPr>
-          <a:xfrm>
-            <a:off x="4012692" y="5212158"/>
-            <a:ext cx="1473708" cy="400110"/>
-          </a:xfrm>
-          <a:prstGeom prst="rect">
-            <a:avLst/>
-          </a:prstGeom>
-          <a:noFill/>
-        </p:spPr>
-        <p:txBody>
-          <a:bodyPr wrap="square">
-            <a:spAutoFit/>
-          </a:bodyPr>
-          <a:lstStyle/>
-          <a:p>
-            <a:r>
-              <a:rPr lang="en-US" sz="2000" dirty="0">
-                <a:solidFill>
-                  <a:schemeClr val="tx1">
-                    <a:lumMod val="75000"/>
-                    <a:lumOff val="25000"/>
-                  </a:schemeClr>
-                </a:solidFill>
-                <a:latin typeface="Avenir Light" panose="020B0402020203020204" pitchFamily="34" charset="77"/>
-                <a:cs typeface="Arial" panose="020B0604020202020204" pitchFamily="34" charset="0"/>
-              </a:rPr>
-              <a:t>Argument</a:t>
-            </a:r>
-            <a:endParaRPr lang="en-US" sz="2000" dirty="0">
-              <a:latin typeface="Avenir Light" panose="020B0402020203020204" pitchFamily="34" charset="77"/>
-            </a:endParaRPr>
           </a:p>
         </p:txBody>
       </p:sp>
@@ -14853,7 +16458,7 @@
               <a:defRPr/>
             </a:pPr>
             <a:r>
-              <a:rPr lang="en-US" sz="1400" dirty="0">
+              <a:rPr lang="en-US" sz="1400">
                 <a:solidFill>
                   <a:schemeClr val="tx1">
                     <a:lumMod val="65000"/>
@@ -14865,7 +16470,7 @@
               </a:rPr>
               <a:t>Source: Randy Switt – University of Florida (Pythonista)</a:t>
             </a:r>
-            <a:endParaRPr lang="en-US" sz="1400" dirty="0">
+            <a:endParaRPr lang="en-US" sz="1400">
               <a:solidFill>
                 <a:schemeClr val="tx1">
                   <a:lumMod val="65000"/>
@@ -14883,6 +16488,9 @@
             <a:extLst>
               <a:ext uri="{FF2B5EF4-FFF2-40B4-BE49-F238E27FC236}">
                 <a16:creationId xmlns:a16="http://schemas.microsoft.com/office/drawing/2014/main" id="{32AB7A65-B841-4171-FE41-FC6A1E306AE4}"/>
+              </a:ext>
+              <a:ext uri="{C183D7F6-B498-43B3-948B-1728B52AA6E4}">
+                <adec:decorative xmlns:adec="http://schemas.microsoft.com/office/drawing/2017/decorative" val="1"/>
               </a:ext>
             </a:extLst>
           </p:cNvPr>
@@ -14930,7 +16538,7 @@
           <a:lstStyle/>
           <a:p>
             <a:pPr algn="ctr"/>
-            <a:endParaRPr lang="en-US" dirty="0"/>
+            <a:endParaRPr lang="en-US"/>
           </a:p>
         </p:txBody>
       </p:sp>
@@ -14940,6 +16548,9 @@
             <a:extLst>
               <a:ext uri="{FF2B5EF4-FFF2-40B4-BE49-F238E27FC236}">
                 <a16:creationId xmlns:a16="http://schemas.microsoft.com/office/drawing/2014/main" id="{B9068EC3-9A4D-1D00-01C2-83E6C585C4EE}"/>
+              </a:ext>
+              <a:ext uri="{C183D7F6-B498-43B3-948B-1728B52AA6E4}">
+                <adec:decorative xmlns:adec="http://schemas.microsoft.com/office/drawing/2017/decorative" val="1"/>
               </a:ext>
             </a:extLst>
           </p:cNvPr>
@@ -14987,16 +16598,19 @@
           <a:lstStyle/>
           <a:p>
             <a:pPr algn="ctr"/>
-            <a:endParaRPr lang="en-US" dirty="0"/>
+            <a:endParaRPr lang="en-US"/>
           </a:p>
         </p:txBody>
       </p:sp>
       <p:pic>
         <p:nvPicPr>
-          <p:cNvPr id="12" name="Picture 11" descr="A picture containing dark, gauge&#10;&#10;Description automatically generated">
+          <p:cNvPr id="12" name="Picture 11">
             <a:extLst>
               <a:ext uri="{FF2B5EF4-FFF2-40B4-BE49-F238E27FC236}">
                 <a16:creationId xmlns:a16="http://schemas.microsoft.com/office/drawing/2014/main" id="{95CD789F-0A1C-B16C-055A-8AEB96CEB830}"/>
+              </a:ext>
+              <a:ext uri="{C183D7F6-B498-43B3-948B-1728B52AA6E4}">
+                <adec:decorative xmlns:adec="http://schemas.microsoft.com/office/drawing/2017/decorative" val="1"/>
               </a:ext>
             </a:extLst>
           </p:cNvPr>
@@ -15027,6 +16641,106 @@
           </a:prstGeom>
         </p:spPr>
       </p:pic>
+      <p:sp>
+        <p:nvSpPr>
+          <p:cNvPr id="6" name="TextBox 5">
+            <a:extLst>
+              <a:ext uri="{FF2B5EF4-FFF2-40B4-BE49-F238E27FC236}">
+                <a16:creationId xmlns:a16="http://schemas.microsoft.com/office/drawing/2014/main" id="{236135A0-412A-86C5-8E70-A3DFFD7CFCD5}"/>
+              </a:ext>
+              <a:ext uri="{C183D7F6-B498-43B3-948B-1728B52AA6E4}">
+                <adec:decorative xmlns:adec="http://schemas.microsoft.com/office/drawing/2017/decorative" val="1"/>
+              </a:ext>
+            </a:extLst>
+          </p:cNvPr>
+          <p:cNvSpPr txBox="1"/>
+          <p:nvPr/>
+        </p:nvSpPr>
+        <p:spPr>
+          <a:xfrm>
+            <a:off x="4622292" y="1757133"/>
+            <a:ext cx="1473708" cy="400110"/>
+          </a:xfrm>
+          <a:prstGeom prst="rect">
+            <a:avLst/>
+          </a:prstGeom>
+          <a:noFill/>
+        </p:spPr>
+        <p:txBody>
+          <a:bodyPr wrap="square">
+            <a:spAutoFit/>
+          </a:bodyPr>
+          <a:lstStyle/>
+          <a:p>
+            <a:r>
+              <a:rPr lang="en-US" sz="2000">
+                <a:solidFill>
+                  <a:schemeClr val="tx1">
+                    <a:lumMod val="75000"/>
+                    <a:lumOff val="25000"/>
+                  </a:schemeClr>
+                </a:solidFill>
+                <a:latin typeface="Avenir Light" panose="020B0402020203020204" pitchFamily="34" charset="77"/>
+                <a:cs typeface="Arial" panose="020B0604020202020204" pitchFamily="34" charset="0"/>
+              </a:rPr>
+              <a:t>Parameter</a:t>
+            </a:r>
+            <a:endParaRPr lang="en-US" sz="2000">
+              <a:latin typeface="Avenir Light" panose="020B0402020203020204" pitchFamily="34" charset="77"/>
+            </a:endParaRPr>
+          </a:p>
+        </p:txBody>
+      </p:sp>
+      <p:sp>
+        <p:nvSpPr>
+          <p:cNvPr id="8" name="TextBox 7">
+            <a:extLst>
+              <a:ext uri="{FF2B5EF4-FFF2-40B4-BE49-F238E27FC236}">
+                <a16:creationId xmlns:a16="http://schemas.microsoft.com/office/drawing/2014/main" id="{E794F220-0D05-D828-05B3-3B6E5C3AF5A6}"/>
+              </a:ext>
+              <a:ext uri="{C183D7F6-B498-43B3-948B-1728B52AA6E4}">
+                <adec:decorative xmlns:adec="http://schemas.microsoft.com/office/drawing/2017/decorative" val="1"/>
+              </a:ext>
+            </a:extLst>
+          </p:cNvPr>
+          <p:cNvSpPr txBox="1"/>
+          <p:nvPr/>
+        </p:nvSpPr>
+        <p:spPr>
+          <a:xfrm>
+            <a:off x="4012692" y="5212158"/>
+            <a:ext cx="1473708" cy="400110"/>
+          </a:xfrm>
+          <a:prstGeom prst="rect">
+            <a:avLst/>
+          </a:prstGeom>
+          <a:noFill/>
+        </p:spPr>
+        <p:txBody>
+          <a:bodyPr wrap="square">
+            <a:spAutoFit/>
+          </a:bodyPr>
+          <a:lstStyle/>
+          <a:p>
+            <a:r>
+              <a:rPr lang="en-US" sz="2000">
+                <a:solidFill>
+                  <a:schemeClr val="tx1">
+                    <a:lumMod val="75000"/>
+                    <a:lumOff val="25000"/>
+                  </a:schemeClr>
+                </a:solidFill>
+                <a:latin typeface="Avenir Light" panose="020B0402020203020204" pitchFamily="34" charset="77"/>
+                <a:cs typeface="Arial" panose="020B0604020202020204" pitchFamily="34" charset="0"/>
+              </a:rPr>
+              <a:t>Argument</a:t>
+            </a:r>
+            <a:endParaRPr lang="en-US" sz="2000">
+              <a:latin typeface="Avenir Light" panose="020B0402020203020204" pitchFamily="34" charset="77"/>
+            </a:endParaRPr>
+          </a:p>
+        </p:txBody>
+      </p:sp>
     </p:spTree>
     <p:extLst>
       <p:ext uri="{BB962C8B-B14F-4D97-AF65-F5344CB8AC3E}">
@@ -15628,4 +17342,219 @@
     </a:ext>
   </a:extLst>
 </a:theme>
+</file>
+
+<file path=customXml/item1.xml><?xml version="1.0" encoding="utf-8"?>
+<p:properties xmlns:p="http://schemas.microsoft.com/office/2006/metadata/properties" xmlns:xsi="http://www.w3.org/2001/XMLSchema-instance" xmlns:pc="http://schemas.microsoft.com/office/infopath/2007/PartnerControls">
+  <documentManagement>
+    <lcf76f155ced4ddcb4097134ff3c332f xmlns="457672a9-2aae-4e32-9c0c-21a1a727485c">
+      <Terms xmlns="http://schemas.microsoft.com/office/infopath/2007/PartnerControls"/>
+    </lcf76f155ced4ddcb4097134ff3c332f>
+  </documentManagement>
+</p:properties>
+</file>
+
+<file path=customXml/item2.xml><?xml version="1.0" encoding="utf-8"?>
+<ct:contentTypeSchema xmlns:ct="http://schemas.microsoft.com/office/2006/metadata/contentType" xmlns:ma="http://schemas.microsoft.com/office/2006/metadata/properties/metaAttributes" ct:_="" ma:_="" ma:contentTypeName="Document" ma:contentTypeID="0x0101002673533D22965147974C76FEA4E99B6D" ma:contentTypeVersion="7" ma:contentTypeDescription="Create a new document." ma:contentTypeScope="" ma:versionID="33386593c5eb6e225e5f36b1db4227d2">
+  <xsd:schema xmlns:xsd="http://www.w3.org/2001/XMLSchema" xmlns:xs="http://www.w3.org/2001/XMLSchema" xmlns:p="http://schemas.microsoft.com/office/2006/metadata/properties" xmlns:ns2="457672a9-2aae-4e32-9c0c-21a1a727485c" targetNamespace="http://schemas.microsoft.com/office/2006/metadata/properties" ma:root="true" ma:fieldsID="f963ad55d75e1805834ffff233bf5b0c" ns2:_="">
+    <xsd:import namespace="457672a9-2aae-4e32-9c0c-21a1a727485c"/>
+    <xsd:element name="properties">
+      <xsd:complexType>
+        <xsd:sequence>
+          <xsd:element name="documentManagement">
+            <xsd:complexType>
+              <xsd:all>
+                <xsd:element ref="ns2:MediaServiceMetadata" minOccurs="0"/>
+                <xsd:element ref="ns2:MediaServiceFastMetadata" minOccurs="0"/>
+                <xsd:element ref="ns2:lcf76f155ced4ddcb4097134ff3c332f" minOccurs="0"/>
+                <xsd:element ref="ns2:MediaServiceOCR" minOccurs="0"/>
+                <xsd:element ref="ns2:MediaServiceGenerationTime" minOccurs="0"/>
+                <xsd:element ref="ns2:MediaServiceEventHashCode" minOccurs="0"/>
+              </xsd:all>
+            </xsd:complexType>
+          </xsd:element>
+        </xsd:sequence>
+      </xsd:complexType>
+    </xsd:element>
+  </xsd:schema>
+  <xsd:schema xmlns:xsd="http://www.w3.org/2001/XMLSchema" xmlns:xs="http://www.w3.org/2001/XMLSchema" xmlns:dms="http://schemas.microsoft.com/office/2006/documentManagement/types" xmlns:pc="http://schemas.microsoft.com/office/infopath/2007/PartnerControls" targetNamespace="457672a9-2aae-4e32-9c0c-21a1a727485c" elementFormDefault="qualified">
+    <xsd:import namespace="http://schemas.microsoft.com/office/2006/documentManagement/types"/>
+    <xsd:import namespace="http://schemas.microsoft.com/office/infopath/2007/PartnerControls"/>
+    <xsd:element name="MediaServiceMetadata" ma:index="8" nillable="true" ma:displayName="MediaServiceMetadata" ma:hidden="true" ma:internalName="MediaServiceMetadata" ma:readOnly="true">
+      <xsd:simpleType>
+        <xsd:restriction base="dms:Note"/>
+      </xsd:simpleType>
+    </xsd:element>
+    <xsd:element name="MediaServiceFastMetadata" ma:index="9" nillable="true" ma:displayName="MediaServiceFastMetadata" ma:hidden="true" ma:internalName="MediaServiceFastMetadata" ma:readOnly="true">
+      <xsd:simpleType>
+        <xsd:restriction base="dms:Note"/>
+      </xsd:simpleType>
+    </xsd:element>
+    <xsd:element name="lcf76f155ced4ddcb4097134ff3c332f" ma:index="11" nillable="true" ma:taxonomy="true" ma:internalName="lcf76f155ced4ddcb4097134ff3c332f" ma:taxonomyFieldName="MediaServiceImageTags" ma:displayName="Image Tags" ma:readOnly="false" ma:fieldId="{5cf76f15-5ced-4ddc-b409-7134ff3c332f}" ma:taxonomyMulti="true" ma:sspId="fa0c477a-f09e-4137-8c49-77869fdcca91" ma:termSetId="09814cd3-568e-fe90-9814-8d621ff8fb84" ma:anchorId="fba54fb3-c3e1-fe81-a776-ca4b69148c4d" ma:open="true" ma:isKeyword="false">
+      <xsd:complexType>
+        <xsd:sequence>
+          <xsd:element ref="pc:Terms" minOccurs="0" maxOccurs="1"/>
+        </xsd:sequence>
+      </xsd:complexType>
+    </xsd:element>
+    <xsd:element name="MediaServiceOCR" ma:index="12" nillable="true" ma:displayName="Extracted Text" ma:internalName="MediaServiceOCR" ma:readOnly="true">
+      <xsd:simpleType>
+        <xsd:restriction base="dms:Note">
+          <xsd:maxLength value="255"/>
+        </xsd:restriction>
+      </xsd:simpleType>
+    </xsd:element>
+    <xsd:element name="MediaServiceGenerationTime" ma:index="13" nillable="true" ma:displayName="MediaServiceGenerationTime" ma:hidden="true" ma:internalName="MediaServiceGenerationTime" ma:readOnly="true">
+      <xsd:simpleType>
+        <xsd:restriction base="dms:Text"/>
+      </xsd:simpleType>
+    </xsd:element>
+    <xsd:element name="MediaServiceEventHashCode" ma:index="14" nillable="true" ma:displayName="MediaServiceEventHashCode" ma:hidden="true" ma:internalName="MediaServiceEventHashCode" ma:readOnly="true">
+      <xsd:simpleType>
+        <xsd:restriction base="dms:Text"/>
+      </xsd:simpleType>
+    </xsd:element>
+  </xsd:schema>
+  <xsd:schema xmlns="http://schemas.openxmlformats.org/package/2006/metadata/core-properties" xmlns:xsd="http://www.w3.org/2001/XMLSchema" xmlns:xsi="http://www.w3.org/2001/XMLSchema-instance" xmlns:dc="http://purl.org/dc/elements/1.1/" xmlns:dcterms="http://purl.org/dc/terms/" xmlns:odoc="http://schemas.microsoft.com/internal/obd" targetNamespace="http://schemas.openxmlformats.org/package/2006/metadata/core-properties" elementFormDefault="qualified" attributeFormDefault="unqualified" blockDefault="#all">
+    <xsd:import namespace="http://purl.org/dc/elements/1.1/" schemaLocation="http://dublincore.org/schemas/xmls/qdc/2003/04/02/dc.xsd"/>
+    <xsd:import namespace="http://purl.org/dc/terms/" schemaLocation="http://dublincore.org/schemas/xmls/qdc/2003/04/02/dcterms.xsd"/>
+    <xsd:element name="coreProperties" type="CT_coreProperties"/>
+    <xsd:complexType name="CT_coreProperties">
+      <xsd:all>
+        <xsd:element ref="dc:creator" minOccurs="0" maxOccurs="1"/>
+        <xsd:element ref="dcterms:created" minOccurs="0" maxOccurs="1"/>
+        <xsd:element ref="dc:identifier" minOccurs="0" maxOccurs="1"/>
+        <xsd:element name="contentType" minOccurs="0" maxOccurs="1" type="xsd:string" ma:index="0" ma:displayName="Content Type"/>
+        <xsd:element ref="dc:title" minOccurs="0" maxOccurs="1" ma:index="4" ma:displayName="Title"/>
+        <xsd:element ref="dc:subject" minOccurs="0" maxOccurs="1"/>
+        <xsd:element ref="dc:description" minOccurs="0" maxOccurs="1"/>
+        <xsd:element name="keywords" minOccurs="0" maxOccurs="1" type="xsd:string"/>
+        <xsd:element ref="dc:language" minOccurs="0" maxOccurs="1"/>
+        <xsd:element name="category" minOccurs="0" maxOccurs="1" type="xsd:string"/>
+        <xsd:element name="version" minOccurs="0" maxOccurs="1" type="xsd:string"/>
+        <xsd:element name="revision" minOccurs="0" maxOccurs="1" type="xsd:string">
+          <xsd:annotation>
+            <xsd:documentation>
+                        This value indicates the number of saves or revisions. The application is responsible for updating this value after each revision.
+                    </xsd:documentation>
+          </xsd:annotation>
+        </xsd:element>
+        <xsd:element name="lastModifiedBy" minOccurs="0" maxOccurs="1" type="xsd:string"/>
+        <xsd:element ref="dcterms:modified" minOccurs="0" maxOccurs="1"/>
+        <xsd:element name="contentStatus" minOccurs="0" maxOccurs="1" type="xsd:string"/>
+      </xsd:all>
+    </xsd:complexType>
+  </xsd:schema>
+  <xs:schema xmlns:pc="http://schemas.microsoft.com/office/infopath/2007/PartnerControls" xmlns:xs="http://www.w3.org/2001/XMLSchema" targetNamespace="http://schemas.microsoft.com/office/infopath/2007/PartnerControls" elementFormDefault="qualified" attributeFormDefault="unqualified">
+    <xs:element name="Person">
+      <xs:complexType>
+        <xs:sequence>
+          <xs:element ref="pc:DisplayName" minOccurs="0"/>
+          <xs:element ref="pc:AccountId" minOccurs="0"/>
+          <xs:element ref="pc:AccountType" minOccurs="0"/>
+        </xs:sequence>
+      </xs:complexType>
+    </xs:element>
+    <xs:element name="DisplayName" type="xs:string"/>
+    <xs:element name="AccountId" type="xs:string"/>
+    <xs:element name="AccountType" type="xs:string"/>
+    <xs:element name="BDCAssociatedEntity">
+      <xs:complexType>
+        <xs:sequence>
+          <xs:element ref="pc:BDCEntity" minOccurs="0" maxOccurs="unbounded"/>
+        </xs:sequence>
+        <xs:attribute ref="pc:EntityNamespace"/>
+        <xs:attribute ref="pc:EntityName"/>
+        <xs:attribute ref="pc:SystemInstanceName"/>
+        <xs:attribute ref="pc:AssociationName"/>
+      </xs:complexType>
+    </xs:element>
+    <xs:attribute name="EntityNamespace" type="xs:string"/>
+    <xs:attribute name="EntityName" type="xs:string"/>
+    <xs:attribute name="SystemInstanceName" type="xs:string"/>
+    <xs:attribute name="AssociationName" type="xs:string"/>
+    <xs:element name="BDCEntity">
+      <xs:complexType>
+        <xs:sequence>
+          <xs:element ref="pc:EntityDisplayName" minOccurs="0"/>
+          <xs:element ref="pc:EntityInstanceReference" minOccurs="0"/>
+          <xs:element ref="pc:EntityId1" minOccurs="0"/>
+          <xs:element ref="pc:EntityId2" minOccurs="0"/>
+          <xs:element ref="pc:EntityId3" minOccurs="0"/>
+          <xs:element ref="pc:EntityId4" minOccurs="0"/>
+          <xs:element ref="pc:EntityId5" minOccurs="0"/>
+        </xs:sequence>
+      </xs:complexType>
+    </xs:element>
+    <xs:element name="EntityDisplayName" type="xs:string"/>
+    <xs:element name="EntityInstanceReference" type="xs:string"/>
+    <xs:element name="EntityId1" type="xs:string"/>
+    <xs:element name="EntityId2" type="xs:string"/>
+    <xs:element name="EntityId3" type="xs:string"/>
+    <xs:element name="EntityId4" type="xs:string"/>
+    <xs:element name="EntityId5" type="xs:string"/>
+    <xs:element name="Terms">
+      <xs:complexType>
+        <xs:sequence>
+          <xs:element ref="pc:TermInfo" minOccurs="0" maxOccurs="unbounded"/>
+        </xs:sequence>
+      </xs:complexType>
+    </xs:element>
+    <xs:element name="TermInfo">
+      <xs:complexType>
+        <xs:sequence>
+          <xs:element ref="pc:TermName" minOccurs="0"/>
+          <xs:element ref="pc:TermId" minOccurs="0"/>
+        </xs:sequence>
+      </xs:complexType>
+    </xs:element>
+    <xs:element name="TermName" type="xs:string"/>
+    <xs:element name="TermId" type="xs:string"/>
+  </xs:schema>
+</ct:contentTypeSchema>
+</file>
+
+<file path=customXml/item3.xml><?xml version="1.0" encoding="utf-8"?>
+<?mso-contentType ?>
+<FormTemplates xmlns="http://schemas.microsoft.com/sharepoint/v3/contenttype/forms">
+  <Display>DocumentLibraryForm</Display>
+  <Edit>DocumentLibraryForm</Edit>
+  <New>DocumentLibraryForm</New>
+</FormTemplates>
+</file>
+
+<file path=customXml/itemProps1.xml><?xml version="1.0" encoding="utf-8"?>
+<ds:datastoreItem xmlns:ds="http://schemas.openxmlformats.org/officeDocument/2006/customXml" ds:itemID="{54DA1AF4-CD38-4A73-B5DC-09A75F4CC94D}">
+  <ds:schemaRefs>
+    <ds:schemaRef ds:uri="457672a9-2aae-4e32-9c0c-21a1a727485c"/>
+    <ds:schemaRef ds:uri="http://schemas.microsoft.com/office/2006/metadata/properties"/>
+    <ds:schemaRef ds:uri="http://schemas.microsoft.com/office/infopath/2007/PartnerControls"/>
+  </ds:schemaRefs>
+</ds:datastoreItem>
+</file>
+
+<file path=customXml/itemProps2.xml><?xml version="1.0" encoding="utf-8"?>
+<ds:datastoreItem xmlns:ds="http://schemas.openxmlformats.org/officeDocument/2006/customXml" ds:itemID="{DB7B223C-8078-4246-8C2C-2A28E8504878}">
+  <ds:schemaRefs>
+    <ds:schemaRef ds:uri="457672a9-2aae-4e32-9c0c-21a1a727485c"/>
+    <ds:schemaRef ds:uri="http://purl.org/dc/elements/1.1/"/>
+    <ds:schemaRef ds:uri="http://purl.org/dc/terms/"/>
+    <ds:schemaRef ds:uri="http://schemas.microsoft.com/internal/obd"/>
+    <ds:schemaRef ds:uri="http://schemas.microsoft.com/office/2006/documentManagement/types"/>
+    <ds:schemaRef ds:uri="http://schemas.microsoft.com/office/2006/metadata/contentType"/>
+    <ds:schemaRef ds:uri="http://schemas.microsoft.com/office/2006/metadata/properties"/>
+    <ds:schemaRef ds:uri="http://schemas.microsoft.com/office/2006/metadata/properties/metaAttributes"/>
+    <ds:schemaRef ds:uri="http://schemas.microsoft.com/office/infopath/2007/PartnerControls"/>
+    <ds:schemaRef ds:uri="http://schemas.openxmlformats.org/package/2006/metadata/core-properties"/>
+    <ds:schemaRef ds:uri="http://www.w3.org/2001/XMLSchema"/>
+  </ds:schemaRefs>
+</ds:datastoreItem>
+</file>
+
+<file path=customXml/itemProps3.xml><?xml version="1.0" encoding="utf-8"?>
+<ds:datastoreItem xmlns:ds="http://schemas.openxmlformats.org/officeDocument/2006/customXml" ds:itemID="{33806B57-82FB-4223-9D7A-FC8D3FE73F52}">
+  <ds:schemaRefs>
+    <ds:schemaRef ds:uri="http://schemas.microsoft.com/sharepoint/v3/contenttype/forms"/>
+  </ds:schemaRefs>
+</ds:datastoreItem>
 </file>